--- a/pitch/Bootcamp_Pitch_Vivante_FJMT_R-0.pptx
+++ b/pitch/Bootcamp_Pitch_Vivante_FJMT_R-0.pptx
@@ -12,8 +12,9 @@
     <p:sldId id="267" r:id="rId6"/>
     <p:sldId id="268" r:id="rId7"/>
     <p:sldId id="258" r:id="rId8"/>
-    <p:sldId id="262" r:id="rId9"/>
-    <p:sldId id="269" r:id="rId10"/>
+    <p:sldId id="270" r:id="rId9"/>
+    <p:sldId id="262" r:id="rId10"/>
+    <p:sldId id="269" r:id="rId11"/>
   </p:sldIdLst>
   <p:sldSz cx="12192000" cy="6858000"/>
   <p:notesSz cx="6858000" cy="9144000"/>
@@ -5689,7 +5690,7 @@
         <p:spPr/>
         <p:txBody>
           <a:bodyPr>
-            <a:normAutofit fontScale="90000"/>
+            <a:normAutofit/>
           </a:bodyPr>
           <a:lstStyle/>
           <a:p>
@@ -5710,7 +5711,7 @@
             </a:br>
             <a:r>
               <a:rPr lang="pt-BR" sz="4200" dirty="0"/>
-              <a:t>VIVANTE – MANUTENÇÃO OTIMIZADA</a:t>
+              <a:t>MANUTENÇÃO OTIMIZADA</a:t>
             </a:r>
           </a:p>
         </p:txBody>
@@ -5801,6 +5802,127 @@
   <p:clrMapOvr>
     <a:masterClrMapping/>
   </p:clrMapOvr>
+  <p:transition spd="slow">
+    <p:push dir="u"/>
+  </p:transition>
+</p:sld>
+</file>
+
+<file path=ppt/slides/slide10.xml><?xml version="1.0" encoding="utf-8"?>
+<p:sld xmlns:a="http://schemas.openxmlformats.org/drawingml/2006/main" xmlns:r="http://schemas.openxmlformats.org/officeDocument/2006/relationships" xmlns:p="http://schemas.openxmlformats.org/presentationml/2006/main">
+  <p:cSld>
+    <p:spTree>
+      <p:nvGrpSpPr>
+        <p:cNvPr id="1" name=""/>
+        <p:cNvGrpSpPr/>
+        <p:nvPr/>
+      </p:nvGrpSpPr>
+      <p:grpSpPr>
+        <a:xfrm>
+          <a:off x="0" y="0"/>
+          <a:ext cx="0" cy="0"/>
+          <a:chOff x="0" y="0"/>
+          <a:chExt cx="0" cy="0"/>
+        </a:xfrm>
+      </p:grpSpPr>
+      <p:sp>
+        <p:nvSpPr>
+          <p:cNvPr id="2" name="Título 1">
+            <a:extLst>
+              <a:ext uri="{FF2B5EF4-FFF2-40B4-BE49-F238E27FC236}">
+                <a16:creationId xmlns:a16="http://schemas.microsoft.com/office/drawing/2014/main" id="{CAED8CDF-F08B-5445-B3DA-BF1F0E307AAB}"/>
+              </a:ext>
+            </a:extLst>
+          </p:cNvPr>
+          <p:cNvSpPr>
+            <a:spLocks noGrp="1"/>
+          </p:cNvSpPr>
+          <p:nvPr>
+            <p:ph type="title"/>
+          </p:nvPr>
+        </p:nvSpPr>
+        <p:spPr/>
+        <p:txBody>
+          <a:bodyPr/>
+          <a:lstStyle/>
+          <a:p>
+            <a:r>
+              <a:rPr lang="pt-BR" dirty="0"/>
+              <a:t>agradecimentos</a:t>
+            </a:r>
+          </a:p>
+        </p:txBody>
+      </p:sp>
+      <p:sp>
+        <p:nvSpPr>
+          <p:cNvPr id="5" name="Espaço Reservado para Texto 4">
+            <a:extLst>
+              <a:ext uri="{FF2B5EF4-FFF2-40B4-BE49-F238E27FC236}">
+                <a16:creationId xmlns:a16="http://schemas.microsoft.com/office/drawing/2014/main" id="{5AF711BC-B97E-E04F-BF8A-D4B754792CAC}"/>
+              </a:ext>
+            </a:extLst>
+          </p:cNvPr>
+          <p:cNvSpPr>
+            <a:spLocks noGrp="1"/>
+          </p:cNvSpPr>
+          <p:nvPr>
+            <p:ph idx="1"/>
+          </p:nvPr>
+        </p:nvSpPr>
+        <p:spPr/>
+        <p:txBody>
+          <a:bodyPr/>
+          <a:lstStyle/>
+          <a:p>
+            <a:endParaRPr lang="pt-BR" dirty="0"/>
+          </a:p>
+          <a:p>
+            <a:r>
+              <a:rPr lang="pt-BR" dirty="0"/>
+              <a:t>Ao cliente VIVANTE, pela oportunidade de aplicar os conhecimentos de sala de aula;</a:t>
+            </a:r>
+          </a:p>
+          <a:p>
+            <a:r>
+              <a:rPr lang="pt-BR" dirty="0"/>
+              <a:t>A todos os professores de IA da </a:t>
+            </a:r>
+            <a:r>
+              <a:rPr lang="pt-BR" dirty="0" err="1"/>
+              <a:t>FIAP</a:t>
+            </a:r>
+            <a:r>
+              <a:rPr lang="pt-BR" dirty="0"/>
+              <a:t>, por toda a base que nos fez chegar até aqui;</a:t>
+            </a:r>
+          </a:p>
+          <a:p>
+            <a:r>
+              <a:rPr lang="pt-BR" dirty="0"/>
+              <a:t>Aos nossos familiares, por tanta paciência.</a:t>
+            </a:r>
+          </a:p>
+          <a:p>
+            <a:r>
+              <a:rPr lang="pt-BR" dirty="0"/>
+              <a:t>E até à pandemia, que acabou acelerando muitos projetos na área de Transformação Digital.</a:t>
+            </a:r>
+          </a:p>
+        </p:txBody>
+      </p:sp>
+    </p:spTree>
+    <p:extLst>
+      <p:ext uri="{BB962C8B-B14F-4D97-AF65-F5344CB8AC3E}">
+        <p14:creationId xmlns:p14="http://schemas.microsoft.com/office/powerpoint/2010/main" val="1100214067"/>
+      </p:ext>
+    </p:extLst>
+  </p:cSld>
+  <p:clrMapOvr>
+    <a:masterClrMapping/>
+  </p:clrMapOvr>
+  <p:transition spd="slow">
+    <p:push dir="u"/>
+  </p:transition>
 </p:sld>
 </file>
 
@@ -5887,12 +6009,23 @@
   <p:clrMapOvr>
     <a:masterClrMapping/>
   </p:clrMapOvr>
+  <p:transition spd="slow">
+    <p:push dir="u"/>
+  </p:transition>
 </p:sld>
 </file>
 
 <file path=ppt/slides/slide3.xml><?xml version="1.0" encoding="utf-8"?>
 <p:sld xmlns:a="http://schemas.openxmlformats.org/drawingml/2006/main" xmlns:r="http://schemas.openxmlformats.org/officeDocument/2006/relationships" xmlns:p="http://schemas.openxmlformats.org/presentationml/2006/main">
   <p:cSld>
+    <p:bg>
+      <p:bgPr>
+        <a:solidFill>
+          <a:schemeClr val="bg1"/>
+        </a:solidFill>
+        <a:effectLst/>
+      </p:bgPr>
+    </p:bg>
     <p:spTree>
       <p:nvGrpSpPr>
         <p:cNvPr id="1" name=""/>
@@ -5909,6 +6042,167 @@
       </p:grpSpPr>
       <p:sp>
         <p:nvSpPr>
+          <p:cNvPr id="2052" name="Rectangle 70">
+            <a:extLst>
+              <a:ext uri="{FF2B5EF4-FFF2-40B4-BE49-F238E27FC236}">
+                <a16:creationId xmlns:a16="http://schemas.microsoft.com/office/drawing/2014/main" id="{1EA5387D-64D8-4D6C-B109-FF4E81DF609A}"/>
+              </a:ext>
+              <a:ext uri="{C183D7F6-B498-43B3-948B-1728B52AA6E4}">
+                <adec:decorative xmlns:adec="http://schemas.microsoft.com/office/drawing/2017/decorative" val="1"/>
+              </a:ext>
+            </a:extLst>
+          </p:cNvPr>
+          <p:cNvSpPr>
+            <a:spLocks noGrp="1" noRot="1" noChangeAspect="1" noMove="1" noResize="1" noEditPoints="1" noAdjustHandles="1" noChangeArrowheads="1" noChangeShapeType="1" noTextEdit="1"/>
+          </p:cNvSpPr>
+          <p:nvPr>
+            <p:extLst>
+              <p:ext uri="{386F3935-93C4-4BCD-93E2-E3B085C9AB24}">
+                <p16:designElem xmlns:p16="http://schemas.microsoft.com/office/powerpoint/2015/main" val="1"/>
+              </p:ext>
+            </p:extLst>
+          </p:nvPr>
+        </p:nvSpPr>
+        <p:spPr>
+          <a:xfrm>
+            <a:off x="0" y="0"/>
+            <a:ext cx="12192000" cy="6858000"/>
+          </a:xfrm>
+          <a:prstGeom prst="rect">
+            <a:avLst/>
+          </a:prstGeom>
+          <a:solidFill>
+            <a:schemeClr val="bg1"/>
+          </a:solidFill>
+          <a:ln>
+            <a:noFill/>
+          </a:ln>
+        </p:spPr>
+        <p:style>
+          <a:lnRef idx="2">
+            <a:schemeClr val="accent1">
+              <a:shade val="50000"/>
+            </a:schemeClr>
+          </a:lnRef>
+          <a:fillRef idx="1">
+            <a:schemeClr val="accent1"/>
+          </a:fillRef>
+          <a:effectRef idx="0">
+            <a:schemeClr val="accent1"/>
+          </a:effectRef>
+          <a:fontRef idx="minor">
+            <a:schemeClr val="lt1"/>
+          </a:fontRef>
+        </p:style>
+        <p:txBody>
+          <a:bodyPr rtlCol="0" anchor="ctr"/>
+          <a:lstStyle/>
+          <a:p>
+            <a:pPr algn="ctr"/>
+            <a:endParaRPr lang="en-US"/>
+          </a:p>
+        </p:txBody>
+      </p:sp>
+      <p:pic>
+        <p:nvPicPr>
+          <p:cNvPr id="2050" name="Picture 2" descr="Em Construção Manutenção Vlc De - Imagens grátis no Pixabay">
+            <a:extLst>
+              <a:ext uri="{FF2B5EF4-FFF2-40B4-BE49-F238E27FC236}">
+                <a16:creationId xmlns:a16="http://schemas.microsoft.com/office/drawing/2014/main" id="{FC1E726E-63D0-40D8-B260-2FF4E7B0FA88}"/>
+              </a:ext>
+            </a:extLst>
+          </p:cNvPr>
+          <p:cNvPicPr>
+            <a:picLocks noChangeAspect="1" noChangeArrowheads="1"/>
+          </p:cNvPicPr>
+          <p:nvPr/>
+        </p:nvPicPr>
+        <p:blipFill rotWithShape="1">
+          <a:blip r:embed="rId2">
+            <a:duotone>
+              <a:prstClr val="black"/>
+              <a:schemeClr val="tx2">
+                <a:tint val="45000"/>
+                <a:satMod val="400000"/>
+              </a:schemeClr>
+            </a:duotone>
+            <a:alphaModFix amt="30000"/>
+            <a:extLst>
+              <a:ext uri="{28A0092B-C50C-407E-A947-70E740481C1C}">
+                <a14:useLocalDpi xmlns:a14="http://schemas.microsoft.com/office/drawing/2010/main" val="0"/>
+              </a:ext>
+            </a:extLst>
+          </a:blip>
+          <a:srcRect t="15730"/>
+          <a:stretch/>
+        </p:blipFill>
+        <p:spPr bwMode="auto">
+          <a:xfrm>
+            <a:off x="20" y="10"/>
+            <a:ext cx="12191980" cy="6857990"/>
+          </a:xfrm>
+          <a:prstGeom prst="rect">
+            <a:avLst/>
+          </a:prstGeom>
+          <a:noFill/>
+          <a:extLst>
+            <a:ext uri="{909E8E84-426E-40DD-AFC4-6F175D3DCCD1}">
+              <a14:hiddenFill xmlns:a14="http://schemas.microsoft.com/office/drawing/2010/main">
+                <a:solidFill>
+                  <a:srgbClr val="FFFFFF"/>
+                </a:solidFill>
+              </a14:hiddenFill>
+            </a:ext>
+          </a:extLst>
+        </p:spPr>
+      </p:pic>
+      <p:pic>
+        <p:nvPicPr>
+          <p:cNvPr id="73" name="Picture 72">
+            <a:extLst>
+              <a:ext uri="{FF2B5EF4-FFF2-40B4-BE49-F238E27FC236}">
+                <a16:creationId xmlns:a16="http://schemas.microsoft.com/office/drawing/2014/main" id="{6319FFD2-07B5-4029-BFB3-26FCFCC2F1B8}"/>
+              </a:ext>
+              <a:ext uri="{C183D7F6-B498-43B3-948B-1728B52AA6E4}">
+                <adec:decorative xmlns:adec="http://schemas.microsoft.com/office/drawing/2017/decorative" val="1"/>
+              </a:ext>
+            </a:extLst>
+          </p:cNvPr>
+          <p:cNvPicPr>
+            <a:picLocks noGrp="1" noRot="1" noChangeAspect="1" noMove="1" noResize="1" noEditPoints="1" noAdjustHandles="1" noChangeArrowheads="1" noChangeShapeType="1" noCrop="1"/>
+          </p:cNvPicPr>
+          <p:nvPr>
+            <p:extLst>
+              <p:ext uri="{386F3935-93C4-4BCD-93E2-E3B085C9AB24}">
+                <p16:designElem xmlns:p16="http://schemas.microsoft.com/office/powerpoint/2015/main" val="1"/>
+              </p:ext>
+            </p:extLst>
+          </p:nvPr>
+        </p:nvPicPr>
+        <p:blipFill>
+          <a:blip r:embed="rId3">
+            <a:extLst>
+              <a:ext uri="{28A0092B-C50C-407E-A947-70E740481C1C}">
+                <a14:useLocalDpi xmlns:a14="http://schemas.microsoft.com/office/drawing/2010/main" val="0"/>
+              </a:ext>
+            </a:extLst>
+          </a:blip>
+          <a:stretch>
+            <a:fillRect/>
+          </a:stretch>
+        </p:blipFill>
+        <p:spPr>
+          <a:xfrm>
+            <a:off x="0" y="0"/>
+            <a:ext cx="12192000" cy="1441450"/>
+          </a:xfrm>
+          <a:prstGeom prst="rect">
+            <a:avLst/>
+          </a:prstGeom>
+        </p:spPr>
+      </p:pic>
+      <p:sp>
+        <p:nvSpPr>
           <p:cNvPr id="2" name="Título 1">
             <a:extLst>
               <a:ext uri="{FF2B5EF4-FFF2-40B4-BE49-F238E27FC236}">
@@ -5923,9 +6217,16 @@
             <p:ph type="title"/>
           </p:nvPr>
         </p:nvSpPr>
-        <p:spPr/>
-        <p:txBody>
-          <a:bodyPr/>
+        <p:spPr>
+          <a:xfrm>
+            <a:off x="2895600" y="764373"/>
+            <a:ext cx="8610600" cy="1293028"/>
+          </a:xfrm>
+        </p:spPr>
+        <p:txBody>
+          <a:bodyPr>
+            <a:normAutofit/>
+          </a:bodyPr>
           <a:lstStyle/>
           <a:p>
             <a:r>
@@ -5951,7 +6252,12 @@
             <p:ph idx="1"/>
           </p:nvPr>
         </p:nvSpPr>
-        <p:spPr/>
+        <p:spPr>
+          <a:xfrm>
+            <a:off x="1820410" y="2194560"/>
+            <a:ext cx="9685789" cy="4562375"/>
+          </a:xfrm>
+        </p:spPr>
         <p:txBody>
           <a:bodyPr>
             <a:normAutofit/>
@@ -5959,10 +6265,197 @@
           <a:lstStyle/>
           <a:p>
             <a:pPr lvl="1"/>
+            <a:r>
+              <a:rPr lang="en-US" dirty="0" err="1"/>
+              <a:t>Manutenção</a:t>
+            </a:r>
+            <a:r>
+              <a:rPr lang="en-US" dirty="0"/>
+              <a:t> é </a:t>
+            </a:r>
+            <a:r>
+              <a:rPr lang="en-US" dirty="0" err="1"/>
+              <a:t>sempre</a:t>
+            </a:r>
+            <a:r>
+              <a:rPr lang="en-US" dirty="0"/>
+              <a:t> vista </a:t>
+            </a:r>
+            <a:r>
+              <a:rPr lang="en-US" dirty="0" err="1"/>
+              <a:t>como</a:t>
+            </a:r>
+            <a:r>
+              <a:rPr lang="en-US" dirty="0"/>
+              <a:t> um </a:t>
+            </a:r>
+            <a:r>
+              <a:rPr lang="en-US" dirty="0" err="1"/>
+              <a:t>custo</a:t>
+            </a:r>
+            <a:r>
+              <a:rPr lang="en-US" dirty="0"/>
+              <a:t>:</a:t>
+            </a:r>
+          </a:p>
+          <a:p>
+            <a:pPr lvl="2"/>
+            <a:r>
+              <a:rPr lang="en-US" dirty="0"/>
+              <a:t>“Um mal </a:t>
+            </a:r>
+            <a:r>
+              <a:rPr lang="en-US" dirty="0" err="1"/>
+              <a:t>necessário</a:t>
+            </a:r>
+            <a:r>
+              <a:rPr lang="en-US" dirty="0"/>
+              <a:t>”</a:t>
+            </a:r>
+          </a:p>
+          <a:p>
+            <a:pPr lvl="1"/>
             <a:endParaRPr lang="pt-BR" dirty="0"/>
           </a:p>
-        </p:txBody>
-      </p:sp>
+          <a:p>
+            <a:pPr lvl="1"/>
+            <a:endParaRPr lang="pt-BR" dirty="0"/>
+          </a:p>
+          <a:p>
+            <a:pPr lvl="1"/>
+            <a:r>
+              <a:rPr lang="pt-BR" dirty="0"/>
+              <a:t>Time técnico do contrato de manutenção é dimensionado por:</a:t>
+            </a:r>
+          </a:p>
+          <a:p>
+            <a:pPr marL="914400" lvl="2" indent="0">
+              <a:buNone/>
+            </a:pPr>
+            <a:r>
+              <a:rPr lang="pt-BR" dirty="0"/>
+              <a:t># ativos</a:t>
+            </a:r>
+          </a:p>
+          <a:p>
+            <a:pPr marL="914400" lvl="2" indent="0">
+              <a:buNone/>
+            </a:pPr>
+            <a:r>
+              <a:rPr lang="pt-BR" dirty="0"/>
+              <a:t># pavimentos/andares ou área útil</a:t>
+            </a:r>
+          </a:p>
+          <a:p>
+            <a:pPr marL="914400" lvl="2" indent="0">
+              <a:buNone/>
+            </a:pPr>
+            <a:r>
+              <a:rPr lang="pt-BR" dirty="0"/>
+              <a:t># disciplinas técnicas (elétrica, mecânica, serviços gerais, etc.)</a:t>
+            </a:r>
+          </a:p>
+          <a:p>
+            <a:pPr marL="914400" lvl="2" indent="0">
+              <a:buNone/>
+            </a:pPr>
+            <a:r>
+              <a:rPr lang="pt-BR" dirty="0"/>
+              <a:t>~ tempo de cada atividade</a:t>
+            </a:r>
+          </a:p>
+          <a:p>
+            <a:pPr lvl="2"/>
+            <a:endParaRPr lang="pt-BR" dirty="0"/>
+          </a:p>
+          <a:p>
+            <a:pPr lvl="2"/>
+            <a:r>
+              <a:rPr lang="pt-BR" dirty="0"/>
+              <a:t>Isso pode definir um superdimensionamento: custo desnecessário, perda de competitividade</a:t>
+            </a:r>
+          </a:p>
+          <a:p>
+            <a:pPr lvl="2"/>
+            <a:r>
+              <a:rPr lang="pt-BR" dirty="0"/>
+              <a:t>Ou subdimensionamento: atendimento de baixa qualidade, sobrecarga, risco de perda do contrato</a:t>
+            </a:r>
+          </a:p>
+        </p:txBody>
+      </p:sp>
+      <p:pic>
+        <p:nvPicPr>
+          <p:cNvPr id="5" name="Graphic 4" descr="Money">
+            <a:extLst>
+              <a:ext uri="{FF2B5EF4-FFF2-40B4-BE49-F238E27FC236}">
+                <a16:creationId xmlns:a16="http://schemas.microsoft.com/office/drawing/2014/main" id="{B39828D6-5A21-4A10-850E-A2C736C88B07}"/>
+              </a:ext>
+            </a:extLst>
+          </p:cNvPr>
+          <p:cNvPicPr>
+            <a:picLocks noChangeAspect="1"/>
+          </p:cNvPicPr>
+          <p:nvPr/>
+        </p:nvPicPr>
+        <p:blipFill>
+          <a:blip r:embed="rId4">
+            <a:extLst>
+              <a:ext uri="{96DAC541-7B7A-43D3-8B79-37D633B846F1}">
+                <asvg:svgBlip xmlns:asvg="http://schemas.microsoft.com/office/drawing/2016/SVG/main" r:embed="rId5"/>
+              </a:ext>
+            </a:extLst>
+          </a:blip>
+          <a:stretch>
+            <a:fillRect/>
+          </a:stretch>
+        </p:blipFill>
+        <p:spPr>
+          <a:xfrm>
+            <a:off x="299905" y="1410887"/>
+            <a:ext cx="1797341" cy="1797341"/>
+          </a:xfrm>
+          <a:prstGeom prst="rect">
+            <a:avLst/>
+          </a:prstGeom>
+        </p:spPr>
+      </p:pic>
+      <p:pic>
+        <p:nvPicPr>
+          <p:cNvPr id="7" name="Graphic 6" descr="Scales of justice">
+            <a:extLst>
+              <a:ext uri="{FF2B5EF4-FFF2-40B4-BE49-F238E27FC236}">
+                <a16:creationId xmlns:a16="http://schemas.microsoft.com/office/drawing/2014/main" id="{830FA24F-FA46-4DE2-BE63-9A4E692F4051}"/>
+              </a:ext>
+            </a:extLst>
+          </p:cNvPr>
+          <p:cNvPicPr>
+            <a:picLocks noChangeAspect="1"/>
+          </p:cNvPicPr>
+          <p:nvPr/>
+        </p:nvPicPr>
+        <p:blipFill>
+          <a:blip r:embed="rId6">
+            <a:extLst>
+              <a:ext uri="{96DAC541-7B7A-43D3-8B79-37D633B846F1}">
+                <asvg:svgBlip xmlns:asvg="http://schemas.microsoft.com/office/drawing/2016/SVG/main" r:embed="rId7"/>
+              </a:ext>
+            </a:extLst>
+          </a:blip>
+          <a:stretch>
+            <a:fillRect/>
+          </a:stretch>
+        </p:blipFill>
+        <p:spPr>
+          <a:xfrm>
+            <a:off x="408961" y="3840406"/>
+            <a:ext cx="1797340" cy="1797340"/>
+          </a:xfrm>
+          <a:prstGeom prst="rect">
+            <a:avLst/>
+          </a:prstGeom>
+        </p:spPr>
+      </p:pic>
     </p:spTree>
     <p:extLst>
       <p:ext uri="{BB962C8B-B14F-4D97-AF65-F5344CB8AC3E}">
@@ -5973,6 +6466,955 @@
   <p:clrMapOvr>
     <a:masterClrMapping/>
   </p:clrMapOvr>
+  <p:transition spd="slow">
+    <p:push dir="u"/>
+  </p:transition>
+  <p:timing>
+    <p:tnLst>
+      <p:par>
+        <p:cTn id="1" dur="indefinite" restart="never" nodeType="tmRoot">
+          <p:childTnLst>
+            <p:seq concurrent="1" nextAc="seek">
+              <p:cTn id="2" dur="indefinite" nodeType="mainSeq">
+                <p:childTnLst>
+                  <p:par>
+                    <p:cTn id="3" fill="hold">
+                      <p:stCondLst>
+                        <p:cond delay="indefinite"/>
+                      </p:stCondLst>
+                      <p:childTnLst>
+                        <p:par>
+                          <p:cTn id="4" fill="hold">
+                            <p:stCondLst>
+                              <p:cond delay="0"/>
+                            </p:stCondLst>
+                            <p:childTnLst>
+                              <p:par>
+                                <p:cTn id="5" presetID="1" presetClass="entr" presetSubtype="0" fill="hold" nodeType="clickEffect">
+                                  <p:stCondLst>
+                                    <p:cond delay="0"/>
+                                  </p:stCondLst>
+                                  <p:childTnLst>
+                                    <p:set>
+                                      <p:cBhvr>
+                                        <p:cTn id="6" dur="1" fill="hold">
+                                          <p:stCondLst>
+                                            <p:cond delay="0"/>
+                                          </p:stCondLst>
+                                        </p:cTn>
+                                        <p:tgtEl>
+                                          <p:spTgt spid="5"/>
+                                        </p:tgtEl>
+                                        <p:attrNameLst>
+                                          <p:attrName>style.visibility</p:attrName>
+                                        </p:attrNameLst>
+                                      </p:cBhvr>
+                                      <p:to>
+                                        <p:strVal val="visible"/>
+                                      </p:to>
+                                    </p:set>
+                                  </p:childTnLst>
+                                </p:cTn>
+                              </p:par>
+                              <p:par>
+                                <p:cTn id="7" presetID="2" presetClass="entr" presetSubtype="4" fill="hold" nodeType="withEffect">
+                                  <p:stCondLst>
+                                    <p:cond delay="0"/>
+                                  </p:stCondLst>
+                                  <p:childTnLst>
+                                    <p:set>
+                                      <p:cBhvr>
+                                        <p:cTn id="8" dur="1" fill="hold">
+                                          <p:stCondLst>
+                                            <p:cond delay="0"/>
+                                          </p:stCondLst>
+                                        </p:cTn>
+                                        <p:tgtEl>
+                                          <p:spTgt spid="3">
+                                            <p:txEl>
+                                              <p:pRg st="0" end="0"/>
+                                            </p:txEl>
+                                          </p:spTgt>
+                                        </p:tgtEl>
+                                        <p:attrNameLst>
+                                          <p:attrName>style.visibility</p:attrName>
+                                        </p:attrNameLst>
+                                      </p:cBhvr>
+                                      <p:to>
+                                        <p:strVal val="visible"/>
+                                      </p:to>
+                                    </p:set>
+                                    <p:anim calcmode="lin" valueType="num">
+                                      <p:cBhvr additive="base">
+                                        <p:cTn id="9" dur="500" fill="hold"/>
+                                        <p:tgtEl>
+                                          <p:spTgt spid="3">
+                                            <p:txEl>
+                                              <p:pRg st="0" end="0"/>
+                                            </p:txEl>
+                                          </p:spTgt>
+                                        </p:tgtEl>
+                                        <p:attrNameLst>
+                                          <p:attrName>ppt_x</p:attrName>
+                                        </p:attrNameLst>
+                                      </p:cBhvr>
+                                      <p:tavLst>
+                                        <p:tav tm="0">
+                                          <p:val>
+                                            <p:strVal val="#ppt_x"/>
+                                          </p:val>
+                                        </p:tav>
+                                        <p:tav tm="100000">
+                                          <p:val>
+                                            <p:strVal val="#ppt_x"/>
+                                          </p:val>
+                                        </p:tav>
+                                      </p:tavLst>
+                                    </p:anim>
+                                    <p:anim calcmode="lin" valueType="num">
+                                      <p:cBhvr additive="base">
+                                        <p:cTn id="10" dur="500" fill="hold"/>
+                                        <p:tgtEl>
+                                          <p:spTgt spid="3">
+                                            <p:txEl>
+                                              <p:pRg st="0" end="0"/>
+                                            </p:txEl>
+                                          </p:spTgt>
+                                        </p:tgtEl>
+                                        <p:attrNameLst>
+                                          <p:attrName>ppt_y</p:attrName>
+                                        </p:attrNameLst>
+                                      </p:cBhvr>
+                                      <p:tavLst>
+                                        <p:tav tm="0">
+                                          <p:val>
+                                            <p:strVal val="1+#ppt_h/2"/>
+                                          </p:val>
+                                        </p:tav>
+                                        <p:tav tm="100000">
+                                          <p:val>
+                                            <p:strVal val="#ppt_y"/>
+                                          </p:val>
+                                        </p:tav>
+                                      </p:tavLst>
+                                    </p:anim>
+                                  </p:childTnLst>
+                                </p:cTn>
+                              </p:par>
+                              <p:par>
+                                <p:cTn id="11" presetID="2" presetClass="entr" presetSubtype="4" fill="hold" nodeType="withEffect">
+                                  <p:stCondLst>
+                                    <p:cond delay="0"/>
+                                  </p:stCondLst>
+                                  <p:childTnLst>
+                                    <p:set>
+                                      <p:cBhvr>
+                                        <p:cTn id="12" dur="1" fill="hold">
+                                          <p:stCondLst>
+                                            <p:cond delay="0"/>
+                                          </p:stCondLst>
+                                        </p:cTn>
+                                        <p:tgtEl>
+                                          <p:spTgt spid="3">
+                                            <p:txEl>
+                                              <p:pRg st="1" end="1"/>
+                                            </p:txEl>
+                                          </p:spTgt>
+                                        </p:tgtEl>
+                                        <p:attrNameLst>
+                                          <p:attrName>style.visibility</p:attrName>
+                                        </p:attrNameLst>
+                                      </p:cBhvr>
+                                      <p:to>
+                                        <p:strVal val="visible"/>
+                                      </p:to>
+                                    </p:set>
+                                    <p:anim calcmode="lin" valueType="num">
+                                      <p:cBhvr additive="base">
+                                        <p:cTn id="13" dur="500" fill="hold"/>
+                                        <p:tgtEl>
+                                          <p:spTgt spid="3">
+                                            <p:txEl>
+                                              <p:pRg st="1" end="1"/>
+                                            </p:txEl>
+                                          </p:spTgt>
+                                        </p:tgtEl>
+                                        <p:attrNameLst>
+                                          <p:attrName>ppt_x</p:attrName>
+                                        </p:attrNameLst>
+                                      </p:cBhvr>
+                                      <p:tavLst>
+                                        <p:tav tm="0">
+                                          <p:val>
+                                            <p:strVal val="#ppt_x"/>
+                                          </p:val>
+                                        </p:tav>
+                                        <p:tav tm="100000">
+                                          <p:val>
+                                            <p:strVal val="#ppt_x"/>
+                                          </p:val>
+                                        </p:tav>
+                                      </p:tavLst>
+                                    </p:anim>
+                                    <p:anim calcmode="lin" valueType="num">
+                                      <p:cBhvr additive="base">
+                                        <p:cTn id="14" dur="500" fill="hold"/>
+                                        <p:tgtEl>
+                                          <p:spTgt spid="3">
+                                            <p:txEl>
+                                              <p:pRg st="1" end="1"/>
+                                            </p:txEl>
+                                          </p:spTgt>
+                                        </p:tgtEl>
+                                        <p:attrNameLst>
+                                          <p:attrName>ppt_y</p:attrName>
+                                        </p:attrNameLst>
+                                      </p:cBhvr>
+                                      <p:tavLst>
+                                        <p:tav tm="0">
+                                          <p:val>
+                                            <p:strVal val="1+#ppt_h/2"/>
+                                          </p:val>
+                                        </p:tav>
+                                        <p:tav tm="100000">
+                                          <p:val>
+                                            <p:strVal val="#ppt_y"/>
+                                          </p:val>
+                                        </p:tav>
+                                      </p:tavLst>
+                                    </p:anim>
+                                  </p:childTnLst>
+                                </p:cTn>
+                              </p:par>
+                            </p:childTnLst>
+                          </p:cTn>
+                        </p:par>
+                        <p:par>
+                          <p:cTn id="15" fill="hold">
+                            <p:stCondLst>
+                              <p:cond delay="500"/>
+                            </p:stCondLst>
+                            <p:childTnLst>
+                              <p:par>
+                                <p:cTn id="16" presetID="26" presetClass="emph" presetSubtype="0" fill="hold" nodeType="afterEffect">
+                                  <p:stCondLst>
+                                    <p:cond delay="0"/>
+                                  </p:stCondLst>
+                                  <p:childTnLst>
+                                    <p:animEffect transition="out" filter="fade">
+                                      <p:cBhvr>
+                                        <p:cTn id="17" dur="3000" tmFilter="0, 0; .2, .5; .8, .5; 1, 0"/>
+                                        <p:tgtEl>
+                                          <p:spTgt spid="3">
+                                            <p:txEl>
+                                              <p:pRg st="1" end="1"/>
+                                            </p:txEl>
+                                          </p:spTgt>
+                                        </p:tgtEl>
+                                      </p:cBhvr>
+                                    </p:animEffect>
+                                    <p:animScale>
+                                      <p:cBhvr>
+                                        <p:cTn id="18" dur="1500" autoRev="1" fill="hold"/>
+                                        <p:tgtEl>
+                                          <p:spTgt spid="3">
+                                            <p:txEl>
+                                              <p:pRg st="1" end="1"/>
+                                            </p:txEl>
+                                          </p:spTgt>
+                                        </p:tgtEl>
+                                      </p:cBhvr>
+                                      <p:by x="105000" y="105000"/>
+                                    </p:animScale>
+                                  </p:childTnLst>
+                                </p:cTn>
+                              </p:par>
+                            </p:childTnLst>
+                          </p:cTn>
+                        </p:par>
+                      </p:childTnLst>
+                    </p:cTn>
+                  </p:par>
+                  <p:par>
+                    <p:cTn id="19" fill="hold">
+                      <p:stCondLst>
+                        <p:cond delay="indefinite"/>
+                      </p:stCondLst>
+                      <p:childTnLst>
+                        <p:par>
+                          <p:cTn id="20" fill="hold">
+                            <p:stCondLst>
+                              <p:cond delay="0"/>
+                            </p:stCondLst>
+                            <p:childTnLst>
+                              <p:par>
+                                <p:cTn id="21" presetID="2" presetClass="entr" presetSubtype="4" fill="hold" nodeType="clickEffect">
+                                  <p:stCondLst>
+                                    <p:cond delay="0"/>
+                                  </p:stCondLst>
+                                  <p:childTnLst>
+                                    <p:set>
+                                      <p:cBhvr>
+                                        <p:cTn id="22" dur="1" fill="hold">
+                                          <p:stCondLst>
+                                            <p:cond delay="0"/>
+                                          </p:stCondLst>
+                                        </p:cTn>
+                                        <p:tgtEl>
+                                          <p:spTgt spid="3">
+                                            <p:txEl>
+                                              <p:pRg st="4" end="4"/>
+                                            </p:txEl>
+                                          </p:spTgt>
+                                        </p:tgtEl>
+                                        <p:attrNameLst>
+                                          <p:attrName>style.visibility</p:attrName>
+                                        </p:attrNameLst>
+                                      </p:cBhvr>
+                                      <p:to>
+                                        <p:strVal val="visible"/>
+                                      </p:to>
+                                    </p:set>
+                                    <p:anim calcmode="lin" valueType="num">
+                                      <p:cBhvr additive="base">
+                                        <p:cTn id="23" dur="500" fill="hold"/>
+                                        <p:tgtEl>
+                                          <p:spTgt spid="3">
+                                            <p:txEl>
+                                              <p:pRg st="4" end="4"/>
+                                            </p:txEl>
+                                          </p:spTgt>
+                                        </p:tgtEl>
+                                        <p:attrNameLst>
+                                          <p:attrName>ppt_x</p:attrName>
+                                        </p:attrNameLst>
+                                      </p:cBhvr>
+                                      <p:tavLst>
+                                        <p:tav tm="0">
+                                          <p:val>
+                                            <p:strVal val="#ppt_x"/>
+                                          </p:val>
+                                        </p:tav>
+                                        <p:tav tm="100000">
+                                          <p:val>
+                                            <p:strVal val="#ppt_x"/>
+                                          </p:val>
+                                        </p:tav>
+                                      </p:tavLst>
+                                    </p:anim>
+                                    <p:anim calcmode="lin" valueType="num">
+                                      <p:cBhvr additive="base">
+                                        <p:cTn id="24" dur="500" fill="hold"/>
+                                        <p:tgtEl>
+                                          <p:spTgt spid="3">
+                                            <p:txEl>
+                                              <p:pRg st="4" end="4"/>
+                                            </p:txEl>
+                                          </p:spTgt>
+                                        </p:tgtEl>
+                                        <p:attrNameLst>
+                                          <p:attrName>ppt_y</p:attrName>
+                                        </p:attrNameLst>
+                                      </p:cBhvr>
+                                      <p:tavLst>
+                                        <p:tav tm="0">
+                                          <p:val>
+                                            <p:strVal val="1+#ppt_h/2"/>
+                                          </p:val>
+                                        </p:tav>
+                                        <p:tav tm="100000">
+                                          <p:val>
+                                            <p:strVal val="#ppt_y"/>
+                                          </p:val>
+                                        </p:tav>
+                                      </p:tavLst>
+                                    </p:anim>
+                                  </p:childTnLst>
+                                </p:cTn>
+                              </p:par>
+                              <p:par>
+                                <p:cTn id="25" presetID="2" presetClass="entr" presetSubtype="4" fill="hold" nodeType="withEffect">
+                                  <p:stCondLst>
+                                    <p:cond delay="0"/>
+                                  </p:stCondLst>
+                                  <p:childTnLst>
+                                    <p:set>
+                                      <p:cBhvr>
+                                        <p:cTn id="26" dur="1" fill="hold">
+                                          <p:stCondLst>
+                                            <p:cond delay="0"/>
+                                          </p:stCondLst>
+                                        </p:cTn>
+                                        <p:tgtEl>
+                                          <p:spTgt spid="3">
+                                            <p:txEl>
+                                              <p:pRg st="5" end="5"/>
+                                            </p:txEl>
+                                          </p:spTgt>
+                                        </p:tgtEl>
+                                        <p:attrNameLst>
+                                          <p:attrName>style.visibility</p:attrName>
+                                        </p:attrNameLst>
+                                      </p:cBhvr>
+                                      <p:to>
+                                        <p:strVal val="visible"/>
+                                      </p:to>
+                                    </p:set>
+                                    <p:anim calcmode="lin" valueType="num">
+                                      <p:cBhvr additive="base">
+                                        <p:cTn id="27" dur="500" fill="hold"/>
+                                        <p:tgtEl>
+                                          <p:spTgt spid="3">
+                                            <p:txEl>
+                                              <p:pRg st="5" end="5"/>
+                                            </p:txEl>
+                                          </p:spTgt>
+                                        </p:tgtEl>
+                                        <p:attrNameLst>
+                                          <p:attrName>ppt_x</p:attrName>
+                                        </p:attrNameLst>
+                                      </p:cBhvr>
+                                      <p:tavLst>
+                                        <p:tav tm="0">
+                                          <p:val>
+                                            <p:strVal val="#ppt_x"/>
+                                          </p:val>
+                                        </p:tav>
+                                        <p:tav tm="100000">
+                                          <p:val>
+                                            <p:strVal val="#ppt_x"/>
+                                          </p:val>
+                                        </p:tav>
+                                      </p:tavLst>
+                                    </p:anim>
+                                    <p:anim calcmode="lin" valueType="num">
+                                      <p:cBhvr additive="base">
+                                        <p:cTn id="28" dur="500" fill="hold"/>
+                                        <p:tgtEl>
+                                          <p:spTgt spid="3">
+                                            <p:txEl>
+                                              <p:pRg st="5" end="5"/>
+                                            </p:txEl>
+                                          </p:spTgt>
+                                        </p:tgtEl>
+                                        <p:attrNameLst>
+                                          <p:attrName>ppt_y</p:attrName>
+                                        </p:attrNameLst>
+                                      </p:cBhvr>
+                                      <p:tavLst>
+                                        <p:tav tm="0">
+                                          <p:val>
+                                            <p:strVal val="1+#ppt_h/2"/>
+                                          </p:val>
+                                        </p:tav>
+                                        <p:tav tm="100000">
+                                          <p:val>
+                                            <p:strVal val="#ppt_y"/>
+                                          </p:val>
+                                        </p:tav>
+                                      </p:tavLst>
+                                    </p:anim>
+                                  </p:childTnLst>
+                                </p:cTn>
+                              </p:par>
+                              <p:par>
+                                <p:cTn id="29" presetID="2" presetClass="entr" presetSubtype="4" fill="hold" nodeType="withEffect">
+                                  <p:stCondLst>
+                                    <p:cond delay="0"/>
+                                  </p:stCondLst>
+                                  <p:childTnLst>
+                                    <p:set>
+                                      <p:cBhvr>
+                                        <p:cTn id="30" dur="1" fill="hold">
+                                          <p:stCondLst>
+                                            <p:cond delay="0"/>
+                                          </p:stCondLst>
+                                        </p:cTn>
+                                        <p:tgtEl>
+                                          <p:spTgt spid="3">
+                                            <p:txEl>
+                                              <p:pRg st="6" end="6"/>
+                                            </p:txEl>
+                                          </p:spTgt>
+                                        </p:tgtEl>
+                                        <p:attrNameLst>
+                                          <p:attrName>style.visibility</p:attrName>
+                                        </p:attrNameLst>
+                                      </p:cBhvr>
+                                      <p:to>
+                                        <p:strVal val="visible"/>
+                                      </p:to>
+                                    </p:set>
+                                    <p:anim calcmode="lin" valueType="num">
+                                      <p:cBhvr additive="base">
+                                        <p:cTn id="31" dur="500" fill="hold"/>
+                                        <p:tgtEl>
+                                          <p:spTgt spid="3">
+                                            <p:txEl>
+                                              <p:pRg st="6" end="6"/>
+                                            </p:txEl>
+                                          </p:spTgt>
+                                        </p:tgtEl>
+                                        <p:attrNameLst>
+                                          <p:attrName>ppt_x</p:attrName>
+                                        </p:attrNameLst>
+                                      </p:cBhvr>
+                                      <p:tavLst>
+                                        <p:tav tm="0">
+                                          <p:val>
+                                            <p:strVal val="#ppt_x"/>
+                                          </p:val>
+                                        </p:tav>
+                                        <p:tav tm="100000">
+                                          <p:val>
+                                            <p:strVal val="#ppt_x"/>
+                                          </p:val>
+                                        </p:tav>
+                                      </p:tavLst>
+                                    </p:anim>
+                                    <p:anim calcmode="lin" valueType="num">
+                                      <p:cBhvr additive="base">
+                                        <p:cTn id="32" dur="500" fill="hold"/>
+                                        <p:tgtEl>
+                                          <p:spTgt spid="3">
+                                            <p:txEl>
+                                              <p:pRg st="6" end="6"/>
+                                            </p:txEl>
+                                          </p:spTgt>
+                                        </p:tgtEl>
+                                        <p:attrNameLst>
+                                          <p:attrName>ppt_y</p:attrName>
+                                        </p:attrNameLst>
+                                      </p:cBhvr>
+                                      <p:tavLst>
+                                        <p:tav tm="0">
+                                          <p:val>
+                                            <p:strVal val="1+#ppt_h/2"/>
+                                          </p:val>
+                                        </p:tav>
+                                        <p:tav tm="100000">
+                                          <p:val>
+                                            <p:strVal val="#ppt_y"/>
+                                          </p:val>
+                                        </p:tav>
+                                      </p:tavLst>
+                                    </p:anim>
+                                  </p:childTnLst>
+                                </p:cTn>
+                              </p:par>
+                              <p:par>
+                                <p:cTn id="33" presetID="2" presetClass="entr" presetSubtype="4" fill="hold" nodeType="withEffect">
+                                  <p:stCondLst>
+                                    <p:cond delay="0"/>
+                                  </p:stCondLst>
+                                  <p:childTnLst>
+                                    <p:set>
+                                      <p:cBhvr>
+                                        <p:cTn id="34" dur="1" fill="hold">
+                                          <p:stCondLst>
+                                            <p:cond delay="0"/>
+                                          </p:stCondLst>
+                                        </p:cTn>
+                                        <p:tgtEl>
+                                          <p:spTgt spid="3">
+                                            <p:txEl>
+                                              <p:pRg st="7" end="7"/>
+                                            </p:txEl>
+                                          </p:spTgt>
+                                        </p:tgtEl>
+                                        <p:attrNameLst>
+                                          <p:attrName>style.visibility</p:attrName>
+                                        </p:attrNameLst>
+                                      </p:cBhvr>
+                                      <p:to>
+                                        <p:strVal val="visible"/>
+                                      </p:to>
+                                    </p:set>
+                                    <p:anim calcmode="lin" valueType="num">
+                                      <p:cBhvr additive="base">
+                                        <p:cTn id="35" dur="500" fill="hold"/>
+                                        <p:tgtEl>
+                                          <p:spTgt spid="3">
+                                            <p:txEl>
+                                              <p:pRg st="7" end="7"/>
+                                            </p:txEl>
+                                          </p:spTgt>
+                                        </p:tgtEl>
+                                        <p:attrNameLst>
+                                          <p:attrName>ppt_x</p:attrName>
+                                        </p:attrNameLst>
+                                      </p:cBhvr>
+                                      <p:tavLst>
+                                        <p:tav tm="0">
+                                          <p:val>
+                                            <p:strVal val="#ppt_x"/>
+                                          </p:val>
+                                        </p:tav>
+                                        <p:tav tm="100000">
+                                          <p:val>
+                                            <p:strVal val="#ppt_x"/>
+                                          </p:val>
+                                        </p:tav>
+                                      </p:tavLst>
+                                    </p:anim>
+                                    <p:anim calcmode="lin" valueType="num">
+                                      <p:cBhvr additive="base">
+                                        <p:cTn id="36" dur="500" fill="hold"/>
+                                        <p:tgtEl>
+                                          <p:spTgt spid="3">
+                                            <p:txEl>
+                                              <p:pRg st="7" end="7"/>
+                                            </p:txEl>
+                                          </p:spTgt>
+                                        </p:tgtEl>
+                                        <p:attrNameLst>
+                                          <p:attrName>ppt_y</p:attrName>
+                                        </p:attrNameLst>
+                                      </p:cBhvr>
+                                      <p:tavLst>
+                                        <p:tav tm="0">
+                                          <p:val>
+                                            <p:strVal val="1+#ppt_h/2"/>
+                                          </p:val>
+                                        </p:tav>
+                                        <p:tav tm="100000">
+                                          <p:val>
+                                            <p:strVal val="#ppt_y"/>
+                                          </p:val>
+                                        </p:tav>
+                                      </p:tavLst>
+                                    </p:anim>
+                                  </p:childTnLst>
+                                </p:cTn>
+                              </p:par>
+                              <p:par>
+                                <p:cTn id="37" presetID="2" presetClass="entr" presetSubtype="4" fill="hold" nodeType="withEffect">
+                                  <p:stCondLst>
+                                    <p:cond delay="0"/>
+                                  </p:stCondLst>
+                                  <p:childTnLst>
+                                    <p:set>
+                                      <p:cBhvr>
+                                        <p:cTn id="38" dur="1" fill="hold">
+                                          <p:stCondLst>
+                                            <p:cond delay="0"/>
+                                          </p:stCondLst>
+                                        </p:cTn>
+                                        <p:tgtEl>
+                                          <p:spTgt spid="3">
+                                            <p:txEl>
+                                              <p:pRg st="8" end="8"/>
+                                            </p:txEl>
+                                          </p:spTgt>
+                                        </p:tgtEl>
+                                        <p:attrNameLst>
+                                          <p:attrName>style.visibility</p:attrName>
+                                        </p:attrNameLst>
+                                      </p:cBhvr>
+                                      <p:to>
+                                        <p:strVal val="visible"/>
+                                      </p:to>
+                                    </p:set>
+                                    <p:anim calcmode="lin" valueType="num">
+                                      <p:cBhvr additive="base">
+                                        <p:cTn id="39" dur="500" fill="hold"/>
+                                        <p:tgtEl>
+                                          <p:spTgt spid="3">
+                                            <p:txEl>
+                                              <p:pRg st="8" end="8"/>
+                                            </p:txEl>
+                                          </p:spTgt>
+                                        </p:tgtEl>
+                                        <p:attrNameLst>
+                                          <p:attrName>ppt_x</p:attrName>
+                                        </p:attrNameLst>
+                                      </p:cBhvr>
+                                      <p:tavLst>
+                                        <p:tav tm="0">
+                                          <p:val>
+                                            <p:strVal val="#ppt_x"/>
+                                          </p:val>
+                                        </p:tav>
+                                        <p:tav tm="100000">
+                                          <p:val>
+                                            <p:strVal val="#ppt_x"/>
+                                          </p:val>
+                                        </p:tav>
+                                      </p:tavLst>
+                                    </p:anim>
+                                    <p:anim calcmode="lin" valueType="num">
+                                      <p:cBhvr additive="base">
+                                        <p:cTn id="40" dur="500" fill="hold"/>
+                                        <p:tgtEl>
+                                          <p:spTgt spid="3">
+                                            <p:txEl>
+                                              <p:pRg st="8" end="8"/>
+                                            </p:txEl>
+                                          </p:spTgt>
+                                        </p:tgtEl>
+                                        <p:attrNameLst>
+                                          <p:attrName>ppt_y</p:attrName>
+                                        </p:attrNameLst>
+                                      </p:cBhvr>
+                                      <p:tavLst>
+                                        <p:tav tm="0">
+                                          <p:val>
+                                            <p:strVal val="1+#ppt_h/2"/>
+                                          </p:val>
+                                        </p:tav>
+                                        <p:tav tm="100000">
+                                          <p:val>
+                                            <p:strVal val="#ppt_y"/>
+                                          </p:val>
+                                        </p:tav>
+                                      </p:tavLst>
+                                    </p:anim>
+                                  </p:childTnLst>
+                                </p:cTn>
+                              </p:par>
+                            </p:childTnLst>
+                          </p:cTn>
+                        </p:par>
+                      </p:childTnLst>
+                    </p:cTn>
+                  </p:par>
+                  <p:par>
+                    <p:cTn id="41" fill="hold">
+                      <p:stCondLst>
+                        <p:cond delay="indefinite"/>
+                      </p:stCondLst>
+                      <p:childTnLst>
+                        <p:par>
+                          <p:cTn id="42" fill="hold">
+                            <p:stCondLst>
+                              <p:cond delay="0"/>
+                            </p:stCondLst>
+                            <p:childTnLst>
+                              <p:par>
+                                <p:cTn id="43" presetID="1" presetClass="entr" presetSubtype="0" fill="hold" nodeType="clickEffect">
+                                  <p:stCondLst>
+                                    <p:cond delay="0"/>
+                                  </p:stCondLst>
+                                  <p:childTnLst>
+                                    <p:set>
+                                      <p:cBhvr>
+                                        <p:cTn id="44" dur="1" fill="hold">
+                                          <p:stCondLst>
+                                            <p:cond delay="0"/>
+                                          </p:stCondLst>
+                                        </p:cTn>
+                                        <p:tgtEl>
+                                          <p:spTgt spid="7"/>
+                                        </p:tgtEl>
+                                        <p:attrNameLst>
+                                          <p:attrName>style.visibility</p:attrName>
+                                        </p:attrNameLst>
+                                      </p:cBhvr>
+                                      <p:to>
+                                        <p:strVal val="visible"/>
+                                      </p:to>
+                                    </p:set>
+                                  </p:childTnLst>
+                                </p:cTn>
+                              </p:par>
+                              <p:par>
+                                <p:cTn id="45" presetID="2" presetClass="entr" presetSubtype="4" fill="hold" nodeType="withEffect">
+                                  <p:stCondLst>
+                                    <p:cond delay="0"/>
+                                  </p:stCondLst>
+                                  <p:childTnLst>
+                                    <p:set>
+                                      <p:cBhvr>
+                                        <p:cTn id="46" dur="1" fill="hold">
+                                          <p:stCondLst>
+                                            <p:cond delay="0"/>
+                                          </p:stCondLst>
+                                        </p:cTn>
+                                        <p:tgtEl>
+                                          <p:spTgt spid="3">
+                                            <p:txEl>
+                                              <p:pRg st="10" end="10"/>
+                                            </p:txEl>
+                                          </p:spTgt>
+                                        </p:tgtEl>
+                                        <p:attrNameLst>
+                                          <p:attrName>style.visibility</p:attrName>
+                                        </p:attrNameLst>
+                                      </p:cBhvr>
+                                      <p:to>
+                                        <p:strVal val="visible"/>
+                                      </p:to>
+                                    </p:set>
+                                    <p:anim calcmode="lin" valueType="num">
+                                      <p:cBhvr additive="base">
+                                        <p:cTn id="47" dur="500" fill="hold"/>
+                                        <p:tgtEl>
+                                          <p:spTgt spid="3">
+                                            <p:txEl>
+                                              <p:pRg st="10" end="10"/>
+                                            </p:txEl>
+                                          </p:spTgt>
+                                        </p:tgtEl>
+                                        <p:attrNameLst>
+                                          <p:attrName>ppt_x</p:attrName>
+                                        </p:attrNameLst>
+                                      </p:cBhvr>
+                                      <p:tavLst>
+                                        <p:tav tm="0">
+                                          <p:val>
+                                            <p:strVal val="#ppt_x"/>
+                                          </p:val>
+                                        </p:tav>
+                                        <p:tav tm="100000">
+                                          <p:val>
+                                            <p:strVal val="#ppt_x"/>
+                                          </p:val>
+                                        </p:tav>
+                                      </p:tavLst>
+                                    </p:anim>
+                                    <p:anim calcmode="lin" valueType="num">
+                                      <p:cBhvr additive="base">
+                                        <p:cTn id="48" dur="500" fill="hold"/>
+                                        <p:tgtEl>
+                                          <p:spTgt spid="3">
+                                            <p:txEl>
+                                              <p:pRg st="10" end="10"/>
+                                            </p:txEl>
+                                          </p:spTgt>
+                                        </p:tgtEl>
+                                        <p:attrNameLst>
+                                          <p:attrName>ppt_y</p:attrName>
+                                        </p:attrNameLst>
+                                      </p:cBhvr>
+                                      <p:tavLst>
+                                        <p:tav tm="0">
+                                          <p:val>
+                                            <p:strVal val="1+#ppt_h/2"/>
+                                          </p:val>
+                                        </p:tav>
+                                        <p:tav tm="100000">
+                                          <p:val>
+                                            <p:strVal val="#ppt_y"/>
+                                          </p:val>
+                                        </p:tav>
+                                      </p:tavLst>
+                                    </p:anim>
+                                  </p:childTnLst>
+                                </p:cTn>
+                              </p:par>
+                              <p:par>
+                                <p:cTn id="49" presetID="2" presetClass="entr" presetSubtype="4" fill="hold" nodeType="withEffect">
+                                  <p:stCondLst>
+                                    <p:cond delay="0"/>
+                                  </p:stCondLst>
+                                  <p:childTnLst>
+                                    <p:set>
+                                      <p:cBhvr>
+                                        <p:cTn id="50" dur="1" fill="hold">
+                                          <p:stCondLst>
+                                            <p:cond delay="0"/>
+                                          </p:stCondLst>
+                                        </p:cTn>
+                                        <p:tgtEl>
+                                          <p:spTgt spid="3">
+                                            <p:txEl>
+                                              <p:pRg st="11" end="11"/>
+                                            </p:txEl>
+                                          </p:spTgt>
+                                        </p:tgtEl>
+                                        <p:attrNameLst>
+                                          <p:attrName>style.visibility</p:attrName>
+                                        </p:attrNameLst>
+                                      </p:cBhvr>
+                                      <p:to>
+                                        <p:strVal val="visible"/>
+                                      </p:to>
+                                    </p:set>
+                                    <p:anim calcmode="lin" valueType="num">
+                                      <p:cBhvr additive="base">
+                                        <p:cTn id="51" dur="500" fill="hold"/>
+                                        <p:tgtEl>
+                                          <p:spTgt spid="3">
+                                            <p:txEl>
+                                              <p:pRg st="11" end="11"/>
+                                            </p:txEl>
+                                          </p:spTgt>
+                                        </p:tgtEl>
+                                        <p:attrNameLst>
+                                          <p:attrName>ppt_x</p:attrName>
+                                        </p:attrNameLst>
+                                      </p:cBhvr>
+                                      <p:tavLst>
+                                        <p:tav tm="0">
+                                          <p:val>
+                                            <p:strVal val="#ppt_x"/>
+                                          </p:val>
+                                        </p:tav>
+                                        <p:tav tm="100000">
+                                          <p:val>
+                                            <p:strVal val="#ppt_x"/>
+                                          </p:val>
+                                        </p:tav>
+                                      </p:tavLst>
+                                    </p:anim>
+                                    <p:anim calcmode="lin" valueType="num">
+                                      <p:cBhvr additive="base">
+                                        <p:cTn id="52" dur="500" fill="hold"/>
+                                        <p:tgtEl>
+                                          <p:spTgt spid="3">
+                                            <p:txEl>
+                                              <p:pRg st="11" end="11"/>
+                                            </p:txEl>
+                                          </p:spTgt>
+                                        </p:tgtEl>
+                                        <p:attrNameLst>
+                                          <p:attrName>ppt_y</p:attrName>
+                                        </p:attrNameLst>
+                                      </p:cBhvr>
+                                      <p:tavLst>
+                                        <p:tav tm="0">
+                                          <p:val>
+                                            <p:strVal val="1+#ppt_h/2"/>
+                                          </p:val>
+                                        </p:tav>
+                                        <p:tav tm="100000">
+                                          <p:val>
+                                            <p:strVal val="#ppt_y"/>
+                                          </p:val>
+                                        </p:tav>
+                                      </p:tavLst>
+                                    </p:anim>
+                                  </p:childTnLst>
+                                </p:cTn>
+                              </p:par>
+                            </p:childTnLst>
+                          </p:cTn>
+                        </p:par>
+                      </p:childTnLst>
+                    </p:cTn>
+                  </p:par>
+                </p:childTnLst>
+              </p:cTn>
+              <p:prevCondLst>
+                <p:cond evt="onPrev" delay="0">
+                  <p:tgtEl>
+                    <p:sldTgt/>
+                  </p:tgtEl>
+                </p:cond>
+              </p:prevCondLst>
+              <p:nextCondLst>
+                <p:cond evt="onNext" delay="0">
+                  <p:tgtEl>
+                    <p:sldTgt/>
+                  </p:tgtEl>
+                </p:cond>
+              </p:nextCondLst>
+            </p:seq>
+          </p:childTnLst>
+        </p:cTn>
+      </p:par>
+    </p:tnLst>
+  </p:timing>
 </p:sld>
 </file>
 
@@ -6037,7 +7479,12 @@
             <p:ph idx="1"/>
           </p:nvPr>
         </p:nvSpPr>
-        <p:spPr/>
+        <p:spPr>
+          <a:xfrm>
+            <a:off x="2529444" y="2194560"/>
+            <a:ext cx="8976756" cy="4024125"/>
+          </a:xfrm>
+        </p:spPr>
         <p:txBody>
           <a:bodyPr>
             <a:normAutofit/>
@@ -6045,10 +7492,257 @@
           <a:lstStyle/>
           <a:p>
             <a:pPr lvl="1"/>
+            <a:r>
+              <a:rPr lang="en-US" dirty="0" err="1"/>
+              <a:t>Prever</a:t>
+            </a:r>
+            <a:r>
+              <a:rPr lang="en-US" dirty="0"/>
+              <a:t> o tempo de </a:t>
+            </a:r>
+            <a:r>
+              <a:rPr lang="en-US" dirty="0" err="1"/>
+              <a:t>uma</a:t>
+            </a:r>
+            <a:r>
+              <a:rPr lang="en-US" dirty="0"/>
+              <a:t> </a:t>
+            </a:r>
+            <a:r>
+              <a:rPr lang="en-US" dirty="0" err="1"/>
+              <a:t>tarefa</a:t>
+            </a:r>
+            <a:r>
+              <a:rPr lang="en-US" dirty="0"/>
+              <a:t>, por </a:t>
+            </a:r>
+            <a:r>
+              <a:rPr lang="en-US" dirty="0" err="1"/>
+              <a:t>ativo</a:t>
+            </a:r>
+            <a:r>
+              <a:rPr lang="en-US" dirty="0"/>
+              <a:t> e </a:t>
+            </a:r>
+            <a:r>
+              <a:rPr lang="en-US" dirty="0" err="1"/>
+              <a:t>tipo</a:t>
+            </a:r>
+            <a:r>
+              <a:rPr lang="en-US" dirty="0"/>
+              <a:t> de </a:t>
+            </a:r>
+            <a:r>
+              <a:rPr lang="en-US" dirty="0" err="1"/>
+              <a:t>atividade</a:t>
+            </a:r>
+            <a:endParaRPr lang="en-US" dirty="0"/>
+          </a:p>
+          <a:p>
+            <a:pPr lvl="1"/>
+            <a:endParaRPr lang="en-US" dirty="0"/>
+          </a:p>
+          <a:p>
+            <a:pPr lvl="1"/>
+            <a:r>
+              <a:rPr lang="en-US" dirty="0" err="1"/>
+              <a:t>Prever</a:t>
+            </a:r>
+            <a:r>
+              <a:rPr lang="en-US" dirty="0"/>
+              <a:t> a </a:t>
+            </a:r>
+            <a:r>
+              <a:rPr lang="en-US" dirty="0" err="1"/>
+              <a:t>quantidade</a:t>
+            </a:r>
+            <a:r>
+              <a:rPr lang="en-US" dirty="0"/>
+              <a:t> de </a:t>
+            </a:r>
+            <a:r>
+              <a:rPr lang="en-US" dirty="0" err="1"/>
+              <a:t>técnicos</a:t>
+            </a:r>
+            <a:r>
+              <a:rPr lang="en-US" dirty="0"/>
+              <a:t> </a:t>
+            </a:r>
+            <a:r>
+              <a:rPr lang="en-US" dirty="0" err="1"/>
+              <a:t>necessários</a:t>
+            </a:r>
+            <a:r>
+              <a:rPr lang="en-US" dirty="0"/>
+              <a:t> para um </a:t>
+            </a:r>
+            <a:r>
+              <a:rPr lang="en-US" dirty="0" err="1"/>
+              <a:t>contrato</a:t>
+            </a:r>
+            <a:r>
+              <a:rPr lang="en-US" dirty="0"/>
+              <a:t> de </a:t>
+            </a:r>
+            <a:r>
+              <a:rPr lang="en-US" dirty="0" err="1"/>
+              <a:t>manuten</a:t>
+            </a:r>
+            <a:r>
+              <a:rPr lang="pt-BR" dirty="0" err="1"/>
+              <a:t>ção</a:t>
+            </a:r>
             <a:endParaRPr lang="pt-BR" dirty="0"/>
           </a:p>
-        </p:txBody>
-      </p:sp>
+          <a:p>
+            <a:pPr lvl="1"/>
+            <a:endParaRPr lang="pt-BR" dirty="0"/>
+          </a:p>
+          <a:p>
+            <a:pPr lvl="1"/>
+            <a:endParaRPr lang="pt-BR" dirty="0"/>
+          </a:p>
+          <a:p>
+            <a:pPr lvl="1"/>
+            <a:endParaRPr lang="pt-BR" dirty="0"/>
+          </a:p>
+          <a:p>
+            <a:pPr lvl="1"/>
+            <a:r>
+              <a:rPr lang="pt-BR" dirty="0"/>
+              <a:t>Implantar monitoramento com </a:t>
+            </a:r>
+            <a:r>
+              <a:rPr lang="pt-BR" dirty="0" err="1"/>
+              <a:t>IoT</a:t>
+            </a:r>
+            <a:r>
+              <a:rPr lang="pt-BR" dirty="0"/>
+              <a:t> das principais condições dos ativos, para associar o tempo de manutenção que é “investido” por ativo, mostrando o ganho operacional ou perda evitada</a:t>
+            </a:r>
+            <a:endParaRPr lang="en-US" dirty="0"/>
+          </a:p>
+        </p:txBody>
+      </p:sp>
+      <p:pic>
+        <p:nvPicPr>
+          <p:cNvPr id="3074" name="Picture 2" descr="A inteligência artificial pode prever o futuro? De certa forma, sim">
+            <a:extLst>
+              <a:ext uri="{FF2B5EF4-FFF2-40B4-BE49-F238E27FC236}">
+                <a16:creationId xmlns:a16="http://schemas.microsoft.com/office/drawing/2014/main" id="{1CF65A78-38C3-48EA-B32F-B83801DA7384}"/>
+              </a:ext>
+            </a:extLst>
+          </p:cNvPr>
+          <p:cNvPicPr>
+            <a:picLocks noChangeAspect="1" noChangeArrowheads="1"/>
+          </p:cNvPicPr>
+          <p:nvPr/>
+        </p:nvPicPr>
+        <p:blipFill>
+          <a:blip r:embed="rId2">
+            <a:extLst>
+              <a:ext uri="{28A0092B-C50C-407E-A947-70E740481C1C}">
+                <a14:useLocalDpi xmlns:a14="http://schemas.microsoft.com/office/drawing/2010/main" val="0"/>
+              </a:ext>
+            </a:extLst>
+          </a:blip>
+          <a:srcRect/>
+          <a:stretch>
+            <a:fillRect/>
+          </a:stretch>
+        </p:blipFill>
+        <p:spPr bwMode="auto">
+          <a:xfrm>
+            <a:off x="130205" y="2057401"/>
+            <a:ext cx="2597245" cy="1732363"/>
+          </a:xfrm>
+          <a:prstGeom prst="teardrop">
+            <a:avLst/>
+          </a:prstGeom>
+          <a:noFill/>
+          <a:extLst>
+            <a:ext uri="{909E8E84-426E-40DD-AFC4-6F175D3DCCD1}">
+              <a14:hiddenFill xmlns:a14="http://schemas.microsoft.com/office/drawing/2010/main">
+                <a:solidFill>
+                  <a:srgbClr val="FFFFFF"/>
+                </a:solidFill>
+              </a14:hiddenFill>
+            </a:ext>
+          </a:extLst>
+        </p:spPr>
+      </p:pic>
+      <p:pic>
+        <p:nvPicPr>
+          <p:cNvPr id="5" name="Graphic 4" descr="Research">
+            <a:extLst>
+              <a:ext uri="{FF2B5EF4-FFF2-40B4-BE49-F238E27FC236}">
+                <a16:creationId xmlns:a16="http://schemas.microsoft.com/office/drawing/2014/main" id="{084B7D71-24E4-483B-9777-B63AC80D2A60}"/>
+              </a:ext>
+            </a:extLst>
+          </p:cNvPr>
+          <p:cNvPicPr>
+            <a:picLocks noChangeAspect="1"/>
+          </p:cNvPicPr>
+          <p:nvPr/>
+        </p:nvPicPr>
+        <p:blipFill>
+          <a:blip r:embed="rId3">
+            <a:extLst>
+              <a:ext uri="{96DAC541-7B7A-43D3-8B79-37D633B846F1}">
+                <asvg:svgBlip xmlns:asvg="http://schemas.microsoft.com/office/drawing/2016/SVG/main" r:embed="rId4"/>
+              </a:ext>
+            </a:extLst>
+          </a:blip>
+          <a:stretch>
+            <a:fillRect/>
+          </a:stretch>
+        </p:blipFill>
+        <p:spPr>
+          <a:xfrm>
+            <a:off x="353729" y="4434841"/>
+            <a:ext cx="1311442" cy="1311442"/>
+          </a:xfrm>
+          <a:prstGeom prst="rect">
+            <a:avLst/>
+          </a:prstGeom>
+        </p:spPr>
+      </p:pic>
+      <p:pic>
+        <p:nvPicPr>
+          <p:cNvPr id="7" name="Graphic 6" descr="Dollar">
+            <a:extLst>
+              <a:ext uri="{FF2B5EF4-FFF2-40B4-BE49-F238E27FC236}">
+                <a16:creationId xmlns:a16="http://schemas.microsoft.com/office/drawing/2014/main" id="{05E6812A-0243-48BB-A3DA-914487823909}"/>
+              </a:ext>
+            </a:extLst>
+          </p:cNvPr>
+          <p:cNvPicPr>
+            <a:picLocks noChangeAspect="1"/>
+          </p:cNvPicPr>
+          <p:nvPr/>
+        </p:nvPicPr>
+        <p:blipFill>
+          <a:blip r:embed="rId5">
+            <a:extLst>
+              <a:ext uri="{96DAC541-7B7A-43D3-8B79-37D633B846F1}">
+                <asvg:svgBlip xmlns:asvg="http://schemas.microsoft.com/office/drawing/2016/SVG/main" r:embed="rId6"/>
+              </a:ext>
+            </a:extLst>
+          </a:blip>
+          <a:stretch>
+            <a:fillRect/>
+          </a:stretch>
+        </p:blipFill>
+        <p:spPr>
+          <a:xfrm>
+            <a:off x="1543657" y="4434841"/>
+            <a:ext cx="1311442" cy="1311442"/>
+          </a:xfrm>
+          <a:prstGeom prst="rect">
+            <a:avLst/>
+          </a:prstGeom>
+        </p:spPr>
+      </p:pic>
     </p:spTree>
     <p:extLst>
       <p:ext uri="{BB962C8B-B14F-4D97-AF65-F5344CB8AC3E}">
@@ -6059,6 +7753,438 @@
   <p:clrMapOvr>
     <a:masterClrMapping/>
   </p:clrMapOvr>
+  <p:transition spd="slow">
+    <p:push dir="u"/>
+  </p:transition>
+  <p:timing>
+    <p:tnLst>
+      <p:par>
+        <p:cTn id="1" dur="indefinite" restart="never" nodeType="tmRoot">
+          <p:childTnLst>
+            <p:seq concurrent="1" nextAc="seek">
+              <p:cTn id="2" dur="indefinite" nodeType="mainSeq">
+                <p:childTnLst>
+                  <p:par>
+                    <p:cTn id="3" fill="hold">
+                      <p:stCondLst>
+                        <p:cond delay="indefinite"/>
+                      </p:stCondLst>
+                      <p:childTnLst>
+                        <p:par>
+                          <p:cTn id="4" fill="hold">
+                            <p:stCondLst>
+                              <p:cond delay="0"/>
+                            </p:stCondLst>
+                            <p:childTnLst>
+                              <p:par>
+                                <p:cTn id="5" presetID="1" presetClass="entr" presetSubtype="0" fill="hold" nodeType="clickEffect">
+                                  <p:stCondLst>
+                                    <p:cond delay="0"/>
+                                  </p:stCondLst>
+                                  <p:childTnLst>
+                                    <p:set>
+                                      <p:cBhvr>
+                                        <p:cTn id="6" dur="1" fill="hold">
+                                          <p:stCondLst>
+                                            <p:cond delay="0"/>
+                                          </p:stCondLst>
+                                        </p:cTn>
+                                        <p:tgtEl>
+                                          <p:spTgt spid="3074"/>
+                                        </p:tgtEl>
+                                        <p:attrNameLst>
+                                          <p:attrName>style.visibility</p:attrName>
+                                        </p:attrNameLst>
+                                      </p:cBhvr>
+                                      <p:to>
+                                        <p:strVal val="visible"/>
+                                      </p:to>
+                                    </p:set>
+                                  </p:childTnLst>
+                                </p:cTn>
+                              </p:par>
+                            </p:childTnLst>
+                          </p:cTn>
+                        </p:par>
+                        <p:par>
+                          <p:cTn id="7" fill="hold">
+                            <p:stCondLst>
+                              <p:cond delay="0"/>
+                            </p:stCondLst>
+                            <p:childTnLst>
+                              <p:par>
+                                <p:cTn id="8" presetID="2" presetClass="entr" presetSubtype="4" fill="hold" nodeType="afterEffect">
+                                  <p:stCondLst>
+                                    <p:cond delay="0"/>
+                                  </p:stCondLst>
+                                  <p:childTnLst>
+                                    <p:set>
+                                      <p:cBhvr>
+                                        <p:cTn id="9" dur="1" fill="hold">
+                                          <p:stCondLst>
+                                            <p:cond delay="0"/>
+                                          </p:stCondLst>
+                                        </p:cTn>
+                                        <p:tgtEl>
+                                          <p:spTgt spid="3">
+                                            <p:txEl>
+                                              <p:pRg st="0" end="0"/>
+                                            </p:txEl>
+                                          </p:spTgt>
+                                        </p:tgtEl>
+                                        <p:attrNameLst>
+                                          <p:attrName>style.visibility</p:attrName>
+                                        </p:attrNameLst>
+                                      </p:cBhvr>
+                                      <p:to>
+                                        <p:strVal val="visible"/>
+                                      </p:to>
+                                    </p:set>
+                                    <p:anim calcmode="lin" valueType="num">
+                                      <p:cBhvr additive="base">
+                                        <p:cTn id="10" dur="500" fill="hold"/>
+                                        <p:tgtEl>
+                                          <p:spTgt spid="3">
+                                            <p:txEl>
+                                              <p:pRg st="0" end="0"/>
+                                            </p:txEl>
+                                          </p:spTgt>
+                                        </p:tgtEl>
+                                        <p:attrNameLst>
+                                          <p:attrName>ppt_x</p:attrName>
+                                        </p:attrNameLst>
+                                      </p:cBhvr>
+                                      <p:tavLst>
+                                        <p:tav tm="0">
+                                          <p:val>
+                                            <p:strVal val="#ppt_x"/>
+                                          </p:val>
+                                        </p:tav>
+                                        <p:tav tm="100000">
+                                          <p:val>
+                                            <p:strVal val="#ppt_x"/>
+                                          </p:val>
+                                        </p:tav>
+                                      </p:tavLst>
+                                    </p:anim>
+                                    <p:anim calcmode="lin" valueType="num">
+                                      <p:cBhvr additive="base">
+                                        <p:cTn id="11" dur="500" fill="hold"/>
+                                        <p:tgtEl>
+                                          <p:spTgt spid="3">
+                                            <p:txEl>
+                                              <p:pRg st="0" end="0"/>
+                                            </p:txEl>
+                                          </p:spTgt>
+                                        </p:tgtEl>
+                                        <p:attrNameLst>
+                                          <p:attrName>ppt_y</p:attrName>
+                                        </p:attrNameLst>
+                                      </p:cBhvr>
+                                      <p:tavLst>
+                                        <p:tav tm="0">
+                                          <p:val>
+                                            <p:strVal val="1+#ppt_h/2"/>
+                                          </p:val>
+                                        </p:tav>
+                                        <p:tav tm="100000">
+                                          <p:val>
+                                            <p:strVal val="#ppt_y"/>
+                                          </p:val>
+                                        </p:tav>
+                                      </p:tavLst>
+                                    </p:anim>
+                                  </p:childTnLst>
+                                </p:cTn>
+                              </p:par>
+                            </p:childTnLst>
+                          </p:cTn>
+                        </p:par>
+                        <p:par>
+                          <p:cTn id="12" fill="hold">
+                            <p:stCondLst>
+                              <p:cond delay="500"/>
+                            </p:stCondLst>
+                            <p:childTnLst>
+                              <p:par>
+                                <p:cTn id="13" presetID="2" presetClass="entr" presetSubtype="4" fill="hold" nodeType="afterEffect">
+                                  <p:stCondLst>
+                                    <p:cond delay="0"/>
+                                  </p:stCondLst>
+                                  <p:childTnLst>
+                                    <p:set>
+                                      <p:cBhvr>
+                                        <p:cTn id="14" dur="1" fill="hold">
+                                          <p:stCondLst>
+                                            <p:cond delay="0"/>
+                                          </p:stCondLst>
+                                        </p:cTn>
+                                        <p:tgtEl>
+                                          <p:spTgt spid="3">
+                                            <p:txEl>
+                                              <p:pRg st="2" end="2"/>
+                                            </p:txEl>
+                                          </p:spTgt>
+                                        </p:tgtEl>
+                                        <p:attrNameLst>
+                                          <p:attrName>style.visibility</p:attrName>
+                                        </p:attrNameLst>
+                                      </p:cBhvr>
+                                      <p:to>
+                                        <p:strVal val="visible"/>
+                                      </p:to>
+                                    </p:set>
+                                    <p:anim calcmode="lin" valueType="num">
+                                      <p:cBhvr additive="base">
+                                        <p:cTn id="15" dur="500" fill="hold"/>
+                                        <p:tgtEl>
+                                          <p:spTgt spid="3">
+                                            <p:txEl>
+                                              <p:pRg st="2" end="2"/>
+                                            </p:txEl>
+                                          </p:spTgt>
+                                        </p:tgtEl>
+                                        <p:attrNameLst>
+                                          <p:attrName>ppt_x</p:attrName>
+                                        </p:attrNameLst>
+                                      </p:cBhvr>
+                                      <p:tavLst>
+                                        <p:tav tm="0">
+                                          <p:val>
+                                            <p:strVal val="#ppt_x"/>
+                                          </p:val>
+                                        </p:tav>
+                                        <p:tav tm="100000">
+                                          <p:val>
+                                            <p:strVal val="#ppt_x"/>
+                                          </p:val>
+                                        </p:tav>
+                                      </p:tavLst>
+                                    </p:anim>
+                                    <p:anim calcmode="lin" valueType="num">
+                                      <p:cBhvr additive="base">
+                                        <p:cTn id="16" dur="500" fill="hold"/>
+                                        <p:tgtEl>
+                                          <p:spTgt spid="3">
+                                            <p:txEl>
+                                              <p:pRg st="2" end="2"/>
+                                            </p:txEl>
+                                          </p:spTgt>
+                                        </p:tgtEl>
+                                        <p:attrNameLst>
+                                          <p:attrName>ppt_y</p:attrName>
+                                        </p:attrNameLst>
+                                      </p:cBhvr>
+                                      <p:tavLst>
+                                        <p:tav tm="0">
+                                          <p:val>
+                                            <p:strVal val="1+#ppt_h/2"/>
+                                          </p:val>
+                                        </p:tav>
+                                        <p:tav tm="100000">
+                                          <p:val>
+                                            <p:strVal val="#ppt_y"/>
+                                          </p:val>
+                                        </p:tav>
+                                      </p:tavLst>
+                                    </p:anim>
+                                  </p:childTnLst>
+                                </p:cTn>
+                              </p:par>
+                            </p:childTnLst>
+                          </p:cTn>
+                        </p:par>
+                      </p:childTnLst>
+                    </p:cTn>
+                  </p:par>
+                  <p:par>
+                    <p:cTn id="17" fill="hold">
+                      <p:stCondLst>
+                        <p:cond delay="indefinite"/>
+                      </p:stCondLst>
+                      <p:childTnLst>
+                        <p:par>
+                          <p:cTn id="18" fill="hold">
+                            <p:stCondLst>
+                              <p:cond delay="0"/>
+                            </p:stCondLst>
+                            <p:childTnLst>
+                              <p:par>
+                                <p:cTn id="19" presetID="1" presetClass="entr" presetSubtype="0" fill="hold" nodeType="clickEffect">
+                                  <p:stCondLst>
+                                    <p:cond delay="0"/>
+                                  </p:stCondLst>
+                                  <p:childTnLst>
+                                    <p:set>
+                                      <p:cBhvr>
+                                        <p:cTn id="20" dur="1" fill="hold">
+                                          <p:stCondLst>
+                                            <p:cond delay="0"/>
+                                          </p:stCondLst>
+                                        </p:cTn>
+                                        <p:tgtEl>
+                                          <p:spTgt spid="5"/>
+                                        </p:tgtEl>
+                                        <p:attrNameLst>
+                                          <p:attrName>style.visibility</p:attrName>
+                                        </p:attrNameLst>
+                                      </p:cBhvr>
+                                      <p:to>
+                                        <p:strVal val="visible"/>
+                                      </p:to>
+                                    </p:set>
+                                  </p:childTnLst>
+                                </p:cTn>
+                              </p:par>
+                              <p:par>
+                                <p:cTn id="21" presetID="1" presetClass="entr" presetSubtype="0" fill="hold" nodeType="withEffect">
+                                  <p:stCondLst>
+                                    <p:cond delay="0"/>
+                                  </p:stCondLst>
+                                  <p:childTnLst>
+                                    <p:set>
+                                      <p:cBhvr>
+                                        <p:cTn id="22" dur="1" fill="hold">
+                                          <p:stCondLst>
+                                            <p:cond delay="0"/>
+                                          </p:stCondLst>
+                                        </p:cTn>
+                                        <p:tgtEl>
+                                          <p:spTgt spid="7"/>
+                                        </p:tgtEl>
+                                        <p:attrNameLst>
+                                          <p:attrName>style.visibility</p:attrName>
+                                        </p:attrNameLst>
+                                      </p:cBhvr>
+                                      <p:to>
+                                        <p:strVal val="visible"/>
+                                      </p:to>
+                                    </p:set>
+                                  </p:childTnLst>
+                                </p:cTn>
+                              </p:par>
+                            </p:childTnLst>
+                          </p:cTn>
+                        </p:par>
+                        <p:par>
+                          <p:cTn id="23" fill="hold">
+                            <p:stCondLst>
+                              <p:cond delay="0"/>
+                            </p:stCondLst>
+                            <p:childTnLst>
+                              <p:par>
+                                <p:cTn id="24" presetID="2" presetClass="entr" presetSubtype="4" fill="hold" nodeType="afterEffect">
+                                  <p:stCondLst>
+                                    <p:cond delay="0"/>
+                                  </p:stCondLst>
+                                  <p:childTnLst>
+                                    <p:set>
+                                      <p:cBhvr>
+                                        <p:cTn id="25" dur="1" fill="hold">
+                                          <p:stCondLst>
+                                            <p:cond delay="0"/>
+                                          </p:stCondLst>
+                                        </p:cTn>
+                                        <p:tgtEl>
+                                          <p:spTgt spid="3">
+                                            <p:txEl>
+                                              <p:pRg st="6" end="6"/>
+                                            </p:txEl>
+                                          </p:spTgt>
+                                        </p:tgtEl>
+                                        <p:attrNameLst>
+                                          <p:attrName>style.visibility</p:attrName>
+                                        </p:attrNameLst>
+                                      </p:cBhvr>
+                                      <p:to>
+                                        <p:strVal val="visible"/>
+                                      </p:to>
+                                    </p:set>
+                                    <p:anim calcmode="lin" valueType="num">
+                                      <p:cBhvr additive="base">
+                                        <p:cTn id="26" dur="500" fill="hold"/>
+                                        <p:tgtEl>
+                                          <p:spTgt spid="3">
+                                            <p:txEl>
+                                              <p:pRg st="6" end="6"/>
+                                            </p:txEl>
+                                          </p:spTgt>
+                                        </p:tgtEl>
+                                        <p:attrNameLst>
+                                          <p:attrName>ppt_x</p:attrName>
+                                        </p:attrNameLst>
+                                      </p:cBhvr>
+                                      <p:tavLst>
+                                        <p:tav tm="0">
+                                          <p:val>
+                                            <p:strVal val="#ppt_x"/>
+                                          </p:val>
+                                        </p:tav>
+                                        <p:tav tm="100000">
+                                          <p:val>
+                                            <p:strVal val="#ppt_x"/>
+                                          </p:val>
+                                        </p:tav>
+                                      </p:tavLst>
+                                    </p:anim>
+                                    <p:anim calcmode="lin" valueType="num">
+                                      <p:cBhvr additive="base">
+                                        <p:cTn id="27" dur="500" fill="hold"/>
+                                        <p:tgtEl>
+                                          <p:spTgt spid="3">
+                                            <p:txEl>
+                                              <p:pRg st="6" end="6"/>
+                                            </p:txEl>
+                                          </p:spTgt>
+                                        </p:tgtEl>
+                                        <p:attrNameLst>
+                                          <p:attrName>ppt_y</p:attrName>
+                                        </p:attrNameLst>
+                                      </p:cBhvr>
+                                      <p:tavLst>
+                                        <p:tav tm="0">
+                                          <p:val>
+                                            <p:strVal val="1+#ppt_h/2"/>
+                                          </p:val>
+                                        </p:tav>
+                                        <p:tav tm="100000">
+                                          <p:val>
+                                            <p:strVal val="#ppt_y"/>
+                                          </p:val>
+                                        </p:tav>
+                                      </p:tavLst>
+                                    </p:anim>
+                                  </p:childTnLst>
+                                </p:cTn>
+                              </p:par>
+                            </p:childTnLst>
+                          </p:cTn>
+                        </p:par>
+                      </p:childTnLst>
+                    </p:cTn>
+                  </p:par>
+                </p:childTnLst>
+              </p:cTn>
+              <p:prevCondLst>
+                <p:cond evt="onPrev" delay="0">
+                  <p:tgtEl>
+                    <p:sldTgt/>
+                  </p:tgtEl>
+                </p:cond>
+              </p:prevCondLst>
+              <p:nextCondLst>
+                <p:cond evt="onNext" delay="0">
+                  <p:tgtEl>
+                    <p:sldTgt/>
+                  </p:tgtEl>
+                </p:cond>
+              </p:nextCondLst>
+            </p:seq>
+          </p:childTnLst>
+        </p:cTn>
+      </p:par>
+    </p:tnLst>
+  </p:timing>
 </p:sld>
 </file>
 
@@ -6145,6 +8271,9 @@
   <p:clrMapOvr>
     <a:masterClrMapping/>
   </p:clrMapOvr>
+  <p:transition spd="slow">
+    <p:push dir="u"/>
+  </p:transition>
 </p:sld>
 </file>
 
@@ -6231,6 +8360,9 @@
   <p:clrMapOvr>
     <a:masterClrMapping/>
   </p:clrMapOvr>
+  <p:transition spd="slow">
+    <p:push dir="u"/>
+  </p:transition>
 </p:sld>
 </file>
 
@@ -6276,58 +8408,186 @@
           <a:p>
             <a:r>
               <a:rPr lang="pt-BR" dirty="0"/>
-              <a:t>receitas</a:t>
-            </a:r>
-          </a:p>
-        </p:txBody>
-      </p:sp>
-      <p:sp>
-        <p:nvSpPr>
-          <p:cNvPr id="4" name="Content Placeholder 3">
+              <a:t>REVISÃO DE DASHBOARD</a:t>
+            </a:r>
+          </a:p>
+        </p:txBody>
+      </p:sp>
+      <p:pic>
+        <p:nvPicPr>
+          <p:cNvPr id="8" name="Content Placeholder 7">
             <a:extLst>
               <a:ext uri="{FF2B5EF4-FFF2-40B4-BE49-F238E27FC236}">
-                <a16:creationId xmlns:a16="http://schemas.microsoft.com/office/drawing/2014/main" id="{521C57F5-75DD-46B2-8A32-F21D4A3CBE6A}"/>
+                <a16:creationId xmlns:a16="http://schemas.microsoft.com/office/drawing/2014/main" id="{5118013C-2879-4B08-ABD1-4057F5D78866}"/>
               </a:ext>
             </a:extLst>
           </p:cNvPr>
-          <p:cNvSpPr>
-            <a:spLocks noGrp="1"/>
-          </p:cNvSpPr>
-          <p:nvPr>
-            <p:ph sz="half" idx="1"/>
-          </p:nvPr>
-        </p:nvSpPr>
-        <p:spPr/>
-        <p:txBody>
-          <a:bodyPr/>
-          <a:lstStyle/>
-          <a:p>
-            <a:endParaRPr lang="pt-BR"/>
-          </a:p>
-        </p:txBody>
-      </p:sp>
-      <p:sp>
-        <p:nvSpPr>
-          <p:cNvPr id="6" name="Content Placeholder 5">
+          <p:cNvPicPr>
+            <a:picLocks noGrp="1" noChangeAspect="1"/>
+          </p:cNvPicPr>
+          <p:nvPr>
+            <p:ph idx="1"/>
+          </p:nvPr>
+        </p:nvPicPr>
+        <p:blipFill>
+          <a:blip r:embed="rId2"/>
+          <a:stretch>
+            <a:fillRect/>
+          </a:stretch>
+        </p:blipFill>
+        <p:spPr>
+          <a:xfrm>
+            <a:off x="1429640" y="1713358"/>
+            <a:ext cx="9036974" cy="5053968"/>
+          </a:xfrm>
+          <a:prstGeom prst="rect">
+            <a:avLst/>
+          </a:prstGeom>
+        </p:spPr>
+      </p:pic>
+      <p:cxnSp>
+        <p:nvCxnSpPr>
+          <p:cNvPr id="10" name="Straight Connector 9">
             <a:extLst>
               <a:ext uri="{FF2B5EF4-FFF2-40B4-BE49-F238E27FC236}">
-                <a16:creationId xmlns:a16="http://schemas.microsoft.com/office/drawing/2014/main" id="{BC3D3991-1E4A-4821-BC5B-CE1EAFF7F8B6}"/>
+                <a16:creationId xmlns:a16="http://schemas.microsoft.com/office/drawing/2014/main" id="{7A4C5DE9-A300-4935-9195-F9493BAF6EED}"/>
               </a:ext>
             </a:extLst>
           </p:cNvPr>
-          <p:cNvSpPr>
-            <a:spLocks noGrp="1"/>
-          </p:cNvSpPr>
-          <p:nvPr>
-            <p:ph sz="half" idx="2"/>
-          </p:nvPr>
-        </p:nvSpPr>
-        <p:spPr/>
-        <p:txBody>
-          <a:bodyPr/>
+          <p:cNvCxnSpPr>
+            <a:cxnSpLocks/>
+          </p:cNvCxnSpPr>
+          <p:nvPr/>
+        </p:nvCxnSpPr>
+        <p:spPr>
+          <a:xfrm>
+            <a:off x="1750967" y="5468586"/>
+            <a:ext cx="5272872" cy="0"/>
+          </a:xfrm>
+          <a:prstGeom prst="line">
+            <a:avLst/>
+          </a:prstGeom>
+          <a:ln w="38100">
+            <a:solidFill>
+              <a:srgbClr val="00B050"/>
+            </a:solidFill>
+          </a:ln>
+        </p:spPr>
+        <p:style>
+          <a:lnRef idx="1">
+            <a:schemeClr val="accent1"/>
+          </a:lnRef>
+          <a:fillRef idx="0">
+            <a:schemeClr val="accent1"/>
+          </a:fillRef>
+          <a:effectRef idx="0">
+            <a:schemeClr val="accent1"/>
+          </a:effectRef>
+          <a:fontRef idx="minor">
+            <a:schemeClr val="tx1"/>
+          </a:fontRef>
+        </p:style>
+      </p:cxnSp>
+      <p:sp>
+        <p:nvSpPr>
+          <p:cNvPr id="11" name="TextBox 10">
+            <a:extLst>
+              <a:ext uri="{FF2B5EF4-FFF2-40B4-BE49-F238E27FC236}">
+                <a16:creationId xmlns:a16="http://schemas.microsoft.com/office/drawing/2014/main" id="{072B244C-05D2-44E9-9106-A0DB186FAC7F}"/>
+              </a:ext>
+            </a:extLst>
+          </p:cNvPr>
+          <p:cNvSpPr txBox="1"/>
+          <p:nvPr/>
+        </p:nvSpPr>
+        <p:spPr>
+          <a:xfrm>
+            <a:off x="1552846" y="6358589"/>
+            <a:ext cx="5693937" cy="415498"/>
+          </a:xfrm>
+          <a:prstGeom prst="rect">
+            <a:avLst/>
+          </a:prstGeom>
+          <a:solidFill>
+            <a:srgbClr val="7030A0"/>
+          </a:solidFill>
+        </p:spPr>
+        <p:txBody>
+          <a:bodyPr wrap="square" rtlCol="0">
+            <a:spAutoFit/>
+          </a:bodyPr>
           <a:lstStyle/>
           <a:p>
-            <a:endParaRPr lang="pt-BR"/>
+            <a:r>
+              <a:rPr lang="en-US" sz="700" dirty="0"/>
+              <a:t>               </a:t>
+            </a:r>
+            <a:r>
+              <a:rPr lang="en-US" sz="700" dirty="0" err="1"/>
+              <a:t>Func</a:t>
+            </a:r>
+            <a:r>
+              <a:rPr lang="en-US" sz="700" dirty="0"/>
+              <a:t> 1                   </a:t>
+            </a:r>
+            <a:r>
+              <a:rPr lang="en-US" sz="700" dirty="0" err="1"/>
+              <a:t>Func</a:t>
+            </a:r>
+            <a:r>
+              <a:rPr lang="en-US" sz="700" dirty="0"/>
+              <a:t> 2</a:t>
+            </a:r>
+            <a:r>
+              <a:rPr lang="pt-BR" sz="700" dirty="0"/>
+              <a:t> 	    </a:t>
+            </a:r>
+            <a:r>
+              <a:rPr lang="en-US" sz="700" dirty="0" err="1"/>
+              <a:t>Func</a:t>
+            </a:r>
+            <a:r>
+              <a:rPr lang="en-US" sz="700" dirty="0"/>
+              <a:t> 3	                 </a:t>
+            </a:r>
+            <a:r>
+              <a:rPr lang="en-US" sz="700" dirty="0" err="1"/>
+              <a:t>Func</a:t>
+            </a:r>
+            <a:r>
+              <a:rPr lang="en-US" sz="700" dirty="0"/>
+              <a:t> 4                  </a:t>
+            </a:r>
+            <a:r>
+              <a:rPr lang="en-US" sz="700" dirty="0" err="1"/>
+              <a:t>Func</a:t>
+            </a:r>
+            <a:r>
+              <a:rPr lang="en-US" sz="700" dirty="0"/>
+              <a:t> 5                    </a:t>
+            </a:r>
+            <a:r>
+              <a:rPr lang="en-US" sz="700" dirty="0" err="1"/>
+              <a:t>Func</a:t>
+            </a:r>
+            <a:r>
+              <a:rPr lang="en-US" sz="700" dirty="0"/>
+              <a:t> 6 	                 </a:t>
+            </a:r>
+            <a:r>
+              <a:rPr lang="en-US" sz="700" dirty="0" err="1"/>
+              <a:t>Func</a:t>
+            </a:r>
+            <a:r>
+              <a:rPr lang="en-US" sz="700" dirty="0"/>
+              <a:t> n</a:t>
+            </a:r>
+          </a:p>
+          <a:p>
+            <a:endParaRPr lang="en-US" sz="700" dirty="0"/>
+          </a:p>
+          <a:p>
+            <a:endParaRPr lang="en-US" sz="700" dirty="0"/>
           </a:p>
         </p:txBody>
       </p:sp>
@@ -6341,6 +8601,92 @@
   <p:clrMapOvr>
     <a:masterClrMapping/>
   </p:clrMapOvr>
+  <p:transition spd="slow">
+    <p:push dir="u"/>
+  </p:transition>
+  <p:timing>
+    <p:tnLst>
+      <p:par>
+        <p:cTn id="1" dur="indefinite" restart="never" nodeType="tmRoot">
+          <p:childTnLst>
+            <p:seq concurrent="1" nextAc="seek">
+              <p:cTn id="2" dur="indefinite" nodeType="mainSeq">
+                <p:childTnLst>
+                  <p:par>
+                    <p:cTn id="3" fill="hold">
+                      <p:stCondLst>
+                        <p:cond delay="indefinite"/>
+                      </p:stCondLst>
+                      <p:childTnLst>
+                        <p:par>
+                          <p:cTn id="4" fill="hold">
+                            <p:stCondLst>
+                              <p:cond delay="0"/>
+                            </p:stCondLst>
+                            <p:childTnLst>
+                              <p:par>
+                                <p:cTn id="5" presetID="6" presetClass="entr" presetSubtype="16" fill="hold" nodeType="clickEffect">
+                                  <p:stCondLst>
+                                    <p:cond delay="0"/>
+                                  </p:stCondLst>
+                                  <p:childTnLst>
+                                    <p:set>
+                                      <p:cBhvr>
+                                        <p:cTn id="6" dur="1" fill="hold">
+                                          <p:stCondLst>
+                                            <p:cond delay="0"/>
+                                          </p:stCondLst>
+                                        </p:cTn>
+                                        <p:tgtEl>
+                                          <p:spTgt spid="10"/>
+                                        </p:tgtEl>
+                                        <p:attrNameLst>
+                                          <p:attrName>style.visibility</p:attrName>
+                                        </p:attrNameLst>
+                                      </p:cBhvr>
+                                      <p:to>
+                                        <p:strVal val="visible"/>
+                                      </p:to>
+                                    </p:set>
+                                    <p:animEffect transition="in" filter="circle(in)">
+                                      <p:cBhvr>
+                                        <p:cTn id="7" dur="2000"/>
+                                        <p:tgtEl>
+                                          <p:spTgt spid="10"/>
+                                        </p:tgtEl>
+                                      </p:cBhvr>
+                                    </p:animEffect>
+                                  </p:childTnLst>
+                                </p:cTn>
+                              </p:par>
+                            </p:childTnLst>
+                          </p:cTn>
+                        </p:par>
+                      </p:childTnLst>
+                    </p:cTn>
+                  </p:par>
+                </p:childTnLst>
+              </p:cTn>
+              <p:prevCondLst>
+                <p:cond evt="onPrev" delay="0">
+                  <p:tgtEl>
+                    <p:sldTgt/>
+                  </p:tgtEl>
+                </p:cond>
+              </p:prevCondLst>
+              <p:nextCondLst>
+                <p:cond evt="onNext" delay="0">
+                  <p:tgtEl>
+                    <p:sldTgt/>
+                  </p:tgtEl>
+                </p:cond>
+              </p:nextCondLst>
+            </p:seq>
+          </p:childTnLst>
+        </p:cTn>
+      </p:par>
+    </p:tnLst>
+  </p:timing>
 </p:sld>
 </file>
 
@@ -6361,6 +8707,38 @@
           <a:chExt cx="0" cy="0"/>
         </a:xfrm>
       </p:grpSpPr>
+      <p:pic>
+        <p:nvPicPr>
+          <p:cNvPr id="5" name="Content Placeholder 4">
+            <a:extLst>
+              <a:ext uri="{FF2B5EF4-FFF2-40B4-BE49-F238E27FC236}">
+                <a16:creationId xmlns:a16="http://schemas.microsoft.com/office/drawing/2014/main" id="{13F00033-C83A-4B7D-B5F9-3C831E1A094C}"/>
+              </a:ext>
+            </a:extLst>
+          </p:cNvPr>
+          <p:cNvPicPr>
+            <a:picLocks noGrp="1" noChangeAspect="1"/>
+          </p:cNvPicPr>
+          <p:nvPr>
+            <p:ph idx="1"/>
+          </p:nvPr>
+        </p:nvPicPr>
+        <p:blipFill>
+          <a:blip r:embed="rId2"/>
+          <a:stretch>
+            <a:fillRect/>
+          </a:stretch>
+        </p:blipFill>
+        <p:spPr>
+          <a:xfrm>
+            <a:off x="1566863" y="1694807"/>
+            <a:ext cx="9058274" cy="5081324"/>
+          </a:xfrm>
+          <a:prstGeom prst="rect">
+            <a:avLst/>
+          </a:prstGeom>
+        </p:spPr>
+      </p:pic>
       <p:sp>
         <p:nvSpPr>
           <p:cNvPr id="2" name="Título 1">
@@ -6379,55 +8757,1018 @@
         </p:nvSpPr>
         <p:spPr/>
         <p:txBody>
-          <a:bodyPr/>
+          <a:bodyPr>
+            <a:normAutofit/>
+          </a:bodyPr>
           <a:lstStyle/>
           <a:p>
             <a:r>
-              <a:rPr lang="pt-BR" dirty="0" err="1"/>
-              <a:t>conclusÕes</a:t>
-            </a:r>
-            <a:endParaRPr lang="pt-BR" dirty="0"/>
-          </a:p>
-        </p:txBody>
-      </p:sp>
-      <p:sp>
-        <p:nvSpPr>
-          <p:cNvPr id="5" name="Espaço Reservado para Texto 4">
+              <a:rPr lang="pt-BR" dirty="0"/>
+              <a:t>REVISÃO DE DASHBOARD</a:t>
+            </a:r>
+          </a:p>
+        </p:txBody>
+      </p:sp>
+      <p:sp>
+        <p:nvSpPr>
+          <p:cNvPr id="6" name="TextBox 5">
             <a:extLst>
               <a:ext uri="{FF2B5EF4-FFF2-40B4-BE49-F238E27FC236}">
-                <a16:creationId xmlns:a16="http://schemas.microsoft.com/office/drawing/2014/main" id="{5AF711BC-B97E-E04F-BF8A-D4B754792CAC}"/>
+                <a16:creationId xmlns:a16="http://schemas.microsoft.com/office/drawing/2014/main" id="{9719F1D0-6DC1-4245-B12B-C301F10A0C03}"/>
               </a:ext>
             </a:extLst>
           </p:cNvPr>
-          <p:cNvSpPr>
-            <a:spLocks noGrp="1"/>
-          </p:cNvSpPr>
-          <p:nvPr>
-            <p:ph idx="1"/>
-          </p:nvPr>
-        </p:nvSpPr>
-        <p:spPr/>
-        <p:txBody>
-          <a:bodyPr/>
+          <p:cNvSpPr txBox="1"/>
+          <p:nvPr/>
+        </p:nvSpPr>
+        <p:spPr>
+          <a:xfrm>
+            <a:off x="3171825" y="4057650"/>
+            <a:ext cx="7453312" cy="230832"/>
+          </a:xfrm>
+          <a:prstGeom prst="rect">
+            <a:avLst/>
+          </a:prstGeom>
+          <a:solidFill>
+            <a:srgbClr val="660066"/>
+          </a:solidFill>
+        </p:spPr>
+        <p:txBody>
+          <a:bodyPr wrap="square" rtlCol="0">
+            <a:spAutoFit/>
+          </a:bodyPr>
           <a:lstStyle/>
           <a:p>
-            <a:endParaRPr lang="pt-BR" dirty="0"/>
-          </a:p>
-          <a:p>
-            <a:endParaRPr lang="pt-BR" dirty="0"/>
+            <a:pPr algn="ctr"/>
+            <a:r>
+              <a:rPr lang="en-US" sz="900" b="1" dirty="0" err="1"/>
+              <a:t>Ganhos</a:t>
+            </a:r>
+            <a:r>
+              <a:rPr lang="en-US" sz="900" b="1" dirty="0"/>
+              <a:t> / </a:t>
+            </a:r>
+            <a:r>
+              <a:rPr lang="en-US" sz="900" b="1" dirty="0" err="1"/>
+              <a:t>Perda</a:t>
+            </a:r>
+            <a:r>
+              <a:rPr lang="en-US" sz="900" b="1" dirty="0"/>
+              <a:t> </a:t>
+            </a:r>
+            <a:r>
+              <a:rPr lang="en-US" sz="900" b="1" dirty="0" err="1"/>
+              <a:t>evitada</a:t>
+            </a:r>
+            <a:r>
+              <a:rPr lang="en-US" sz="900" b="1" dirty="0"/>
+              <a:t> – </a:t>
+            </a:r>
+            <a:r>
+              <a:rPr lang="en-US" sz="900" b="1" dirty="0" err="1"/>
+              <a:t>Mês</a:t>
+            </a:r>
+            <a:r>
+              <a:rPr lang="en-US" sz="900" b="1" dirty="0"/>
+              <a:t> a </a:t>
+            </a:r>
+            <a:r>
+              <a:rPr lang="en-US" sz="900" b="1" dirty="0" err="1"/>
+              <a:t>Mês</a:t>
+            </a:r>
+            <a:endParaRPr lang="pt-BR" sz="900" b="1" dirty="0"/>
+          </a:p>
+        </p:txBody>
+      </p:sp>
+      <p:sp>
+        <p:nvSpPr>
+          <p:cNvPr id="12" name="TextBox 11">
+            <a:extLst>
+              <a:ext uri="{FF2B5EF4-FFF2-40B4-BE49-F238E27FC236}">
+                <a16:creationId xmlns:a16="http://schemas.microsoft.com/office/drawing/2014/main" id="{6AB05036-DF23-466D-BA64-5DDAA33326AD}"/>
+              </a:ext>
+            </a:extLst>
+          </p:cNvPr>
+          <p:cNvSpPr txBox="1"/>
+          <p:nvPr/>
+        </p:nvSpPr>
+        <p:spPr>
+          <a:xfrm>
+            <a:off x="3171825" y="5416890"/>
+            <a:ext cx="7453312" cy="230832"/>
+          </a:xfrm>
+          <a:prstGeom prst="rect">
+            <a:avLst/>
+          </a:prstGeom>
+          <a:solidFill>
+            <a:srgbClr val="660066"/>
+          </a:solidFill>
+        </p:spPr>
+        <p:txBody>
+          <a:bodyPr wrap="square" rtlCol="0">
+            <a:spAutoFit/>
+          </a:bodyPr>
+          <a:lstStyle/>
+          <a:p>
+            <a:pPr algn="ctr"/>
+            <a:r>
+              <a:rPr lang="en-US" sz="900" b="1" dirty="0" err="1"/>
+              <a:t>Ganhos</a:t>
+            </a:r>
+            <a:r>
+              <a:rPr lang="en-US" sz="900" b="1" dirty="0"/>
+              <a:t> x OS</a:t>
+            </a:r>
+            <a:endParaRPr lang="pt-BR" sz="900" b="1" dirty="0"/>
+          </a:p>
+        </p:txBody>
+      </p:sp>
+      <p:sp>
+        <p:nvSpPr>
+          <p:cNvPr id="13" name="TextBox 12">
+            <a:extLst>
+              <a:ext uri="{FF2B5EF4-FFF2-40B4-BE49-F238E27FC236}">
+                <a16:creationId xmlns:a16="http://schemas.microsoft.com/office/drawing/2014/main" id="{79CBCE35-EF17-4ED8-89FF-37C6EF72D592}"/>
+              </a:ext>
+            </a:extLst>
+          </p:cNvPr>
+          <p:cNvSpPr txBox="1"/>
+          <p:nvPr/>
+        </p:nvSpPr>
+        <p:spPr>
+          <a:xfrm>
+            <a:off x="3171825" y="2872419"/>
+            <a:ext cx="1247775" cy="230832"/>
+          </a:xfrm>
+          <a:prstGeom prst="rect">
+            <a:avLst/>
+          </a:prstGeom>
+          <a:solidFill>
+            <a:srgbClr val="660066"/>
+          </a:solidFill>
+        </p:spPr>
+        <p:txBody>
+          <a:bodyPr wrap="square" rtlCol="0">
+            <a:spAutoFit/>
+          </a:bodyPr>
+          <a:lstStyle/>
+          <a:p>
+            <a:pPr algn="ctr"/>
+            <a:r>
+              <a:rPr lang="en-US" sz="900" b="1" dirty="0" err="1"/>
+              <a:t>Perdas</a:t>
+            </a:r>
+            <a:r>
+              <a:rPr lang="en-US" sz="900" b="1" dirty="0"/>
+              <a:t> </a:t>
+            </a:r>
+            <a:r>
+              <a:rPr lang="en-US" sz="900" b="1" dirty="0" err="1"/>
+              <a:t>Evitadas</a:t>
+            </a:r>
+            <a:endParaRPr lang="pt-BR" sz="900" b="1" dirty="0"/>
+          </a:p>
+        </p:txBody>
+      </p:sp>
+      <p:sp>
+        <p:nvSpPr>
+          <p:cNvPr id="14" name="TextBox 13">
+            <a:extLst>
+              <a:ext uri="{FF2B5EF4-FFF2-40B4-BE49-F238E27FC236}">
+                <a16:creationId xmlns:a16="http://schemas.microsoft.com/office/drawing/2014/main" id="{BA6A9C76-5DB6-4BE0-A829-39AFDDDB08C5}"/>
+              </a:ext>
+            </a:extLst>
+          </p:cNvPr>
+          <p:cNvSpPr txBox="1"/>
+          <p:nvPr/>
+        </p:nvSpPr>
+        <p:spPr>
+          <a:xfrm>
+            <a:off x="4429125" y="2872419"/>
+            <a:ext cx="1314450" cy="230832"/>
+          </a:xfrm>
+          <a:prstGeom prst="rect">
+            <a:avLst/>
+          </a:prstGeom>
+          <a:solidFill>
+            <a:srgbClr val="660066"/>
+          </a:solidFill>
+        </p:spPr>
+        <p:txBody>
+          <a:bodyPr wrap="square" rtlCol="0">
+            <a:spAutoFit/>
+          </a:bodyPr>
+          <a:lstStyle/>
+          <a:p>
+            <a:pPr algn="ctr"/>
+            <a:r>
+              <a:rPr lang="en-US" sz="900" b="1" dirty="0" err="1"/>
+              <a:t>Redução</a:t>
+            </a:r>
+            <a:r>
+              <a:rPr lang="en-US" sz="900" b="1" dirty="0"/>
+              <a:t> </a:t>
+            </a:r>
+            <a:r>
+              <a:rPr lang="en-US" sz="900" b="1" dirty="0" err="1"/>
+              <a:t>Consumo</a:t>
+            </a:r>
+            <a:endParaRPr lang="pt-BR" sz="900" b="1" dirty="0"/>
+          </a:p>
+        </p:txBody>
+      </p:sp>
+      <p:sp>
+        <p:nvSpPr>
+          <p:cNvPr id="15" name="TextBox 14">
+            <a:extLst>
+              <a:ext uri="{FF2B5EF4-FFF2-40B4-BE49-F238E27FC236}">
+                <a16:creationId xmlns:a16="http://schemas.microsoft.com/office/drawing/2014/main" id="{E4358237-E76D-4122-B716-CC317E0B76BA}"/>
+              </a:ext>
+            </a:extLst>
+          </p:cNvPr>
+          <p:cNvSpPr txBox="1"/>
+          <p:nvPr/>
+        </p:nvSpPr>
+        <p:spPr>
+          <a:xfrm>
+            <a:off x="5743575" y="2872418"/>
+            <a:ext cx="2533650" cy="1185232"/>
+          </a:xfrm>
+          <a:prstGeom prst="rect">
+            <a:avLst/>
+          </a:prstGeom>
+          <a:solidFill>
+            <a:srgbClr val="660066"/>
+          </a:solidFill>
+        </p:spPr>
+        <p:txBody>
+          <a:bodyPr wrap="none" rtlCol="0">
+            <a:noAutofit/>
+          </a:bodyPr>
+          <a:lstStyle/>
+          <a:p>
+            <a:pPr algn="ctr"/>
+            <a:r>
+              <a:rPr lang="en-US" sz="1400" b="1" dirty="0"/>
+              <a:t>$ </a:t>
+            </a:r>
+            <a:r>
+              <a:rPr lang="en-US" sz="1400" b="1" dirty="0" err="1"/>
+              <a:t>Perdas</a:t>
+            </a:r>
+            <a:r>
+              <a:rPr lang="en-US" sz="1400" b="1" dirty="0"/>
+              <a:t> </a:t>
+            </a:r>
+            <a:r>
+              <a:rPr lang="en-US" sz="1400" b="1" dirty="0" err="1"/>
+              <a:t>Evitadas</a:t>
+            </a:r>
+            <a:endParaRPr lang="en-US" sz="1400" b="1" dirty="0"/>
+          </a:p>
+          <a:p>
+            <a:pPr algn="ctr"/>
+            <a:endParaRPr lang="en-US" sz="900" b="1" dirty="0"/>
+          </a:p>
+          <a:p>
+            <a:pPr algn="ctr"/>
+            <a:endParaRPr lang="en-US" sz="900" b="1" dirty="0"/>
+          </a:p>
+          <a:p>
+            <a:pPr algn="ctr"/>
+            <a:endParaRPr lang="en-US" sz="900" b="1" dirty="0"/>
+          </a:p>
+          <a:p>
+            <a:pPr algn="ctr"/>
+            <a:r>
+              <a:rPr lang="en-US" sz="3300" b="1" dirty="0"/>
+              <a:t>154 </a:t>
+            </a:r>
+            <a:r>
+              <a:rPr lang="en-US" sz="3300" b="1" dirty="0" err="1"/>
+              <a:t>kBRL</a:t>
+            </a:r>
+            <a:endParaRPr lang="pt-BR" sz="3300" b="1" dirty="0"/>
+          </a:p>
+        </p:txBody>
+      </p:sp>
+      <p:sp>
+        <p:nvSpPr>
+          <p:cNvPr id="16" name="TextBox 15">
+            <a:extLst>
+              <a:ext uri="{FF2B5EF4-FFF2-40B4-BE49-F238E27FC236}">
+                <a16:creationId xmlns:a16="http://schemas.microsoft.com/office/drawing/2014/main" id="{7BAC7278-A454-43E2-8CF0-089E43CA775C}"/>
+              </a:ext>
+            </a:extLst>
+          </p:cNvPr>
+          <p:cNvSpPr txBox="1"/>
+          <p:nvPr/>
+        </p:nvSpPr>
+        <p:spPr>
+          <a:xfrm>
+            <a:off x="8277225" y="2872418"/>
+            <a:ext cx="2347912" cy="1185232"/>
+          </a:xfrm>
+          <a:prstGeom prst="rect">
+            <a:avLst/>
+          </a:prstGeom>
+          <a:solidFill>
+            <a:srgbClr val="660066"/>
+          </a:solidFill>
+        </p:spPr>
+        <p:txBody>
+          <a:bodyPr wrap="none" rtlCol="0">
+            <a:noAutofit/>
+          </a:bodyPr>
+          <a:lstStyle/>
+          <a:p>
+            <a:pPr algn="ctr"/>
+            <a:r>
+              <a:rPr lang="en-US" sz="1400" b="1" dirty="0"/>
+              <a:t>$ </a:t>
+            </a:r>
+            <a:r>
+              <a:rPr lang="en-US" sz="1400" b="1" dirty="0" err="1"/>
+              <a:t>Ganhos</a:t>
+            </a:r>
+            <a:r>
+              <a:rPr lang="en-US" sz="1400" b="1" dirty="0"/>
+              <a:t> </a:t>
+            </a:r>
+            <a:r>
+              <a:rPr lang="en-US" sz="1400" b="1" dirty="0" err="1"/>
+              <a:t>Operacionais</a:t>
+            </a:r>
+            <a:endParaRPr lang="en-US" sz="1400" b="1" dirty="0"/>
+          </a:p>
+          <a:p>
+            <a:pPr algn="ctr"/>
+            <a:endParaRPr lang="en-US" sz="900" b="1" dirty="0"/>
+          </a:p>
+          <a:p>
+            <a:pPr algn="ctr"/>
+            <a:endParaRPr lang="en-US" sz="900" b="1" dirty="0"/>
+          </a:p>
+          <a:p>
+            <a:pPr algn="ctr"/>
+            <a:endParaRPr lang="en-US" sz="900" b="1" dirty="0"/>
+          </a:p>
+          <a:p>
+            <a:pPr algn="ctr"/>
+            <a:r>
+              <a:rPr lang="en-US" sz="3300" b="1" dirty="0"/>
+              <a:t>45 </a:t>
+            </a:r>
+            <a:r>
+              <a:rPr lang="en-US" sz="3300" b="1" dirty="0" err="1"/>
+              <a:t>kBRL</a:t>
+            </a:r>
+            <a:endParaRPr lang="pt-BR" sz="3300" b="1" dirty="0"/>
+          </a:p>
+        </p:txBody>
+      </p:sp>
+      <p:sp>
+        <p:nvSpPr>
+          <p:cNvPr id="17" name="TextBox 16">
+            <a:extLst>
+              <a:ext uri="{FF2B5EF4-FFF2-40B4-BE49-F238E27FC236}">
+                <a16:creationId xmlns:a16="http://schemas.microsoft.com/office/drawing/2014/main" id="{A43BB68F-CF54-411C-8065-AC52F6B321EB}"/>
+              </a:ext>
+            </a:extLst>
+          </p:cNvPr>
+          <p:cNvSpPr txBox="1"/>
+          <p:nvPr/>
+        </p:nvSpPr>
+        <p:spPr>
+          <a:xfrm>
+            <a:off x="2859881" y="1794242"/>
+            <a:ext cx="3236119" cy="389590"/>
+          </a:xfrm>
+          <a:prstGeom prst="rect">
+            <a:avLst/>
+          </a:prstGeom>
+          <a:solidFill>
+            <a:srgbClr val="660066"/>
+          </a:solidFill>
+        </p:spPr>
+        <p:txBody>
+          <a:bodyPr wrap="none" rtlCol="0">
+            <a:noAutofit/>
+          </a:bodyPr>
+          <a:lstStyle/>
+          <a:p>
+            <a:pPr algn="ctr"/>
+            <a:r>
+              <a:rPr lang="en-US" b="1" dirty="0"/>
+              <a:t>Performance do </a:t>
+            </a:r>
+            <a:r>
+              <a:rPr lang="en-US" b="1" dirty="0" err="1"/>
+              <a:t>Contrato</a:t>
+            </a:r>
+            <a:endParaRPr lang="pt-BR" b="1" dirty="0"/>
+          </a:p>
+        </p:txBody>
+      </p:sp>
+      <p:sp>
+        <p:nvSpPr>
+          <p:cNvPr id="7" name="Rectangle 6">
+            <a:extLst>
+              <a:ext uri="{FF2B5EF4-FFF2-40B4-BE49-F238E27FC236}">
+                <a16:creationId xmlns:a16="http://schemas.microsoft.com/office/drawing/2014/main" id="{AC1A2EDB-1E24-4C9C-B23C-B57EDBC6B601}"/>
+              </a:ext>
+            </a:extLst>
+          </p:cNvPr>
+          <p:cNvSpPr/>
+          <p:nvPr/>
+        </p:nvSpPr>
+        <p:spPr>
+          <a:xfrm>
+            <a:off x="5779293" y="2794957"/>
+            <a:ext cx="4845843" cy="1573480"/>
+          </a:xfrm>
+          <a:prstGeom prst="rect">
+            <a:avLst/>
+          </a:prstGeom>
+          <a:noFill/>
+          <a:ln w="38100">
+            <a:solidFill>
+              <a:srgbClr val="00B050"/>
+            </a:solidFill>
+          </a:ln>
+        </p:spPr>
+        <p:style>
+          <a:lnRef idx="2">
+            <a:schemeClr val="accent1">
+              <a:shade val="50000"/>
+            </a:schemeClr>
+          </a:lnRef>
+          <a:fillRef idx="1">
+            <a:schemeClr val="accent1"/>
+          </a:fillRef>
+          <a:effectRef idx="0">
+            <a:schemeClr val="accent1"/>
+          </a:effectRef>
+          <a:fontRef idx="minor">
+            <a:schemeClr val="lt1"/>
+          </a:fontRef>
+        </p:style>
+        <p:txBody>
+          <a:bodyPr rtlCol="0" anchor="ctr"/>
+          <a:lstStyle/>
+          <a:p>
+            <a:pPr algn="ctr"/>
+            <a:endParaRPr lang="pt-BR"/>
+          </a:p>
+        </p:txBody>
+      </p:sp>
+      <p:sp>
+        <p:nvSpPr>
+          <p:cNvPr id="19" name="Rectangle 18">
+            <a:extLst>
+              <a:ext uri="{FF2B5EF4-FFF2-40B4-BE49-F238E27FC236}">
+                <a16:creationId xmlns:a16="http://schemas.microsoft.com/office/drawing/2014/main" id="{A9E165DA-B748-4EBB-9A6B-AF521A5134B1}"/>
+              </a:ext>
+            </a:extLst>
+          </p:cNvPr>
+          <p:cNvSpPr/>
+          <p:nvPr/>
+        </p:nvSpPr>
+        <p:spPr>
+          <a:xfrm>
+            <a:off x="3010364" y="1665491"/>
+            <a:ext cx="3121356" cy="614564"/>
+          </a:xfrm>
+          <a:prstGeom prst="rect">
+            <a:avLst/>
+          </a:prstGeom>
+          <a:noFill/>
+          <a:ln w="38100">
+            <a:solidFill>
+              <a:srgbClr val="00B050"/>
+            </a:solidFill>
+          </a:ln>
+        </p:spPr>
+        <p:style>
+          <a:lnRef idx="2">
+            <a:schemeClr val="accent1">
+              <a:shade val="50000"/>
+            </a:schemeClr>
+          </a:lnRef>
+          <a:fillRef idx="1">
+            <a:schemeClr val="accent1"/>
+          </a:fillRef>
+          <a:effectRef idx="0">
+            <a:schemeClr val="accent1"/>
+          </a:effectRef>
+          <a:fontRef idx="minor">
+            <a:schemeClr val="lt1"/>
+          </a:fontRef>
+        </p:style>
+        <p:txBody>
+          <a:bodyPr rtlCol="0" anchor="ctr"/>
+          <a:lstStyle/>
+          <a:p>
+            <a:pPr algn="ctr"/>
+            <a:endParaRPr lang="pt-BR"/>
+          </a:p>
+        </p:txBody>
+      </p:sp>
+      <p:sp>
+        <p:nvSpPr>
+          <p:cNvPr id="20" name="Rectangle 19">
+            <a:extLst>
+              <a:ext uri="{FF2B5EF4-FFF2-40B4-BE49-F238E27FC236}">
+                <a16:creationId xmlns:a16="http://schemas.microsoft.com/office/drawing/2014/main" id="{63DCAF97-AB15-4D3E-80C2-EBAF2C0DD554}"/>
+              </a:ext>
+            </a:extLst>
+          </p:cNvPr>
+          <p:cNvSpPr/>
+          <p:nvPr/>
+        </p:nvSpPr>
+        <p:spPr>
+          <a:xfrm>
+            <a:off x="3049654" y="2802009"/>
+            <a:ext cx="2729639" cy="1566427"/>
+          </a:xfrm>
+          <a:prstGeom prst="rect">
+            <a:avLst/>
+          </a:prstGeom>
+          <a:noFill/>
+          <a:ln w="38100">
+            <a:solidFill>
+              <a:srgbClr val="00B050"/>
+            </a:solidFill>
+          </a:ln>
+        </p:spPr>
+        <p:style>
+          <a:lnRef idx="2">
+            <a:schemeClr val="accent1">
+              <a:shade val="50000"/>
+            </a:schemeClr>
+          </a:lnRef>
+          <a:fillRef idx="1">
+            <a:schemeClr val="accent1"/>
+          </a:fillRef>
+          <a:effectRef idx="0">
+            <a:schemeClr val="accent1"/>
+          </a:effectRef>
+          <a:fontRef idx="minor">
+            <a:schemeClr val="lt1"/>
+          </a:fontRef>
+        </p:style>
+        <p:txBody>
+          <a:bodyPr rtlCol="0" anchor="ctr"/>
+          <a:lstStyle/>
+          <a:p>
+            <a:pPr algn="ctr"/>
+            <a:endParaRPr lang="pt-BR"/>
+          </a:p>
+        </p:txBody>
+      </p:sp>
+      <p:sp>
+        <p:nvSpPr>
+          <p:cNvPr id="21" name="Rectangle 20">
+            <a:extLst>
+              <a:ext uri="{FF2B5EF4-FFF2-40B4-BE49-F238E27FC236}">
+                <a16:creationId xmlns:a16="http://schemas.microsoft.com/office/drawing/2014/main" id="{096939F9-A1A8-477C-B330-08FC1FB33B8A}"/>
+              </a:ext>
+            </a:extLst>
+          </p:cNvPr>
+          <p:cNvSpPr/>
+          <p:nvPr/>
+        </p:nvSpPr>
+        <p:spPr>
+          <a:xfrm>
+            <a:off x="3171825" y="5416889"/>
+            <a:ext cx="7453311" cy="1279285"/>
+          </a:xfrm>
+          <a:prstGeom prst="rect">
+            <a:avLst/>
+          </a:prstGeom>
+          <a:noFill/>
+          <a:ln w="38100">
+            <a:solidFill>
+              <a:srgbClr val="00B050"/>
+            </a:solidFill>
+          </a:ln>
+        </p:spPr>
+        <p:style>
+          <a:lnRef idx="2">
+            <a:schemeClr val="accent1">
+              <a:shade val="50000"/>
+            </a:schemeClr>
+          </a:lnRef>
+          <a:fillRef idx="1">
+            <a:schemeClr val="accent1"/>
+          </a:fillRef>
+          <a:effectRef idx="0">
+            <a:schemeClr val="accent1"/>
+          </a:effectRef>
+          <a:fontRef idx="minor">
+            <a:schemeClr val="lt1"/>
+          </a:fontRef>
+        </p:style>
+        <p:txBody>
+          <a:bodyPr rtlCol="0" anchor="ctr"/>
+          <a:lstStyle/>
+          <a:p>
+            <a:pPr algn="ctr"/>
+            <a:endParaRPr lang="pt-BR"/>
           </a:p>
         </p:txBody>
       </p:sp>
     </p:spTree>
     <p:extLst>
       <p:ext uri="{BB962C8B-B14F-4D97-AF65-F5344CB8AC3E}">
-        <p14:creationId xmlns:p14="http://schemas.microsoft.com/office/powerpoint/2010/main" val="3179760174"/>
+        <p14:creationId xmlns:p14="http://schemas.microsoft.com/office/powerpoint/2010/main" val="4081534313"/>
       </p:ext>
     </p:extLst>
   </p:cSld>
   <p:clrMapOvr>
     <a:masterClrMapping/>
   </p:clrMapOvr>
+  <p:transition spd="slow">
+    <p:push dir="u"/>
+  </p:transition>
+  <p:timing>
+    <p:tnLst>
+      <p:par>
+        <p:cTn id="1" dur="indefinite" restart="never" nodeType="tmRoot">
+          <p:childTnLst>
+            <p:seq concurrent="1" nextAc="seek">
+              <p:cTn id="2" dur="indefinite" nodeType="mainSeq">
+                <p:childTnLst>
+                  <p:par>
+                    <p:cTn id="3" fill="hold">
+                      <p:stCondLst>
+                        <p:cond delay="indefinite"/>
+                      </p:stCondLst>
+                      <p:childTnLst>
+                        <p:par>
+                          <p:cTn id="4" fill="hold">
+                            <p:stCondLst>
+                              <p:cond delay="0"/>
+                            </p:stCondLst>
+                            <p:childTnLst>
+                              <p:par>
+                                <p:cTn id="5" presetID="53" presetClass="entr" presetSubtype="16" fill="hold" grpId="0" nodeType="clickEffect">
+                                  <p:stCondLst>
+                                    <p:cond delay="0"/>
+                                  </p:stCondLst>
+                                  <p:childTnLst>
+                                    <p:set>
+                                      <p:cBhvr>
+                                        <p:cTn id="6" dur="1" fill="hold">
+                                          <p:stCondLst>
+                                            <p:cond delay="0"/>
+                                          </p:stCondLst>
+                                        </p:cTn>
+                                        <p:tgtEl>
+                                          <p:spTgt spid="7"/>
+                                        </p:tgtEl>
+                                        <p:attrNameLst>
+                                          <p:attrName>style.visibility</p:attrName>
+                                        </p:attrNameLst>
+                                      </p:cBhvr>
+                                      <p:to>
+                                        <p:strVal val="visible"/>
+                                      </p:to>
+                                    </p:set>
+                                    <p:anim calcmode="lin" valueType="num">
+                                      <p:cBhvr>
+                                        <p:cTn id="7" dur="500" fill="hold"/>
+                                        <p:tgtEl>
+                                          <p:spTgt spid="7"/>
+                                        </p:tgtEl>
+                                        <p:attrNameLst>
+                                          <p:attrName>ppt_w</p:attrName>
+                                        </p:attrNameLst>
+                                      </p:cBhvr>
+                                      <p:tavLst>
+                                        <p:tav tm="0">
+                                          <p:val>
+                                            <p:fltVal val="0"/>
+                                          </p:val>
+                                        </p:tav>
+                                        <p:tav tm="100000">
+                                          <p:val>
+                                            <p:strVal val="#ppt_w"/>
+                                          </p:val>
+                                        </p:tav>
+                                      </p:tavLst>
+                                    </p:anim>
+                                    <p:anim calcmode="lin" valueType="num">
+                                      <p:cBhvr>
+                                        <p:cTn id="8" dur="500" fill="hold"/>
+                                        <p:tgtEl>
+                                          <p:spTgt spid="7"/>
+                                        </p:tgtEl>
+                                        <p:attrNameLst>
+                                          <p:attrName>ppt_h</p:attrName>
+                                        </p:attrNameLst>
+                                      </p:cBhvr>
+                                      <p:tavLst>
+                                        <p:tav tm="0">
+                                          <p:val>
+                                            <p:fltVal val="0"/>
+                                          </p:val>
+                                        </p:tav>
+                                        <p:tav tm="100000">
+                                          <p:val>
+                                            <p:strVal val="#ppt_h"/>
+                                          </p:val>
+                                        </p:tav>
+                                      </p:tavLst>
+                                    </p:anim>
+                                    <p:animEffect transition="in" filter="fade">
+                                      <p:cBhvr>
+                                        <p:cTn id="9" dur="500"/>
+                                        <p:tgtEl>
+                                          <p:spTgt spid="7"/>
+                                        </p:tgtEl>
+                                      </p:cBhvr>
+                                    </p:animEffect>
+                                  </p:childTnLst>
+                                </p:cTn>
+                              </p:par>
+                              <p:par>
+                                <p:cTn id="10" presetID="53" presetClass="entr" presetSubtype="16" fill="hold" grpId="0" nodeType="withEffect">
+                                  <p:stCondLst>
+                                    <p:cond delay="0"/>
+                                  </p:stCondLst>
+                                  <p:childTnLst>
+                                    <p:set>
+                                      <p:cBhvr>
+                                        <p:cTn id="11" dur="1" fill="hold">
+                                          <p:stCondLst>
+                                            <p:cond delay="0"/>
+                                          </p:stCondLst>
+                                        </p:cTn>
+                                        <p:tgtEl>
+                                          <p:spTgt spid="20"/>
+                                        </p:tgtEl>
+                                        <p:attrNameLst>
+                                          <p:attrName>style.visibility</p:attrName>
+                                        </p:attrNameLst>
+                                      </p:cBhvr>
+                                      <p:to>
+                                        <p:strVal val="visible"/>
+                                      </p:to>
+                                    </p:set>
+                                    <p:anim calcmode="lin" valueType="num">
+                                      <p:cBhvr>
+                                        <p:cTn id="12" dur="500" fill="hold"/>
+                                        <p:tgtEl>
+                                          <p:spTgt spid="20"/>
+                                        </p:tgtEl>
+                                        <p:attrNameLst>
+                                          <p:attrName>ppt_w</p:attrName>
+                                        </p:attrNameLst>
+                                      </p:cBhvr>
+                                      <p:tavLst>
+                                        <p:tav tm="0">
+                                          <p:val>
+                                            <p:fltVal val="0"/>
+                                          </p:val>
+                                        </p:tav>
+                                        <p:tav tm="100000">
+                                          <p:val>
+                                            <p:strVal val="#ppt_w"/>
+                                          </p:val>
+                                        </p:tav>
+                                      </p:tavLst>
+                                    </p:anim>
+                                    <p:anim calcmode="lin" valueType="num">
+                                      <p:cBhvr>
+                                        <p:cTn id="13" dur="500" fill="hold"/>
+                                        <p:tgtEl>
+                                          <p:spTgt spid="20"/>
+                                        </p:tgtEl>
+                                        <p:attrNameLst>
+                                          <p:attrName>ppt_h</p:attrName>
+                                        </p:attrNameLst>
+                                      </p:cBhvr>
+                                      <p:tavLst>
+                                        <p:tav tm="0">
+                                          <p:val>
+                                            <p:fltVal val="0"/>
+                                          </p:val>
+                                        </p:tav>
+                                        <p:tav tm="100000">
+                                          <p:val>
+                                            <p:strVal val="#ppt_h"/>
+                                          </p:val>
+                                        </p:tav>
+                                      </p:tavLst>
+                                    </p:anim>
+                                    <p:animEffect transition="in" filter="fade">
+                                      <p:cBhvr>
+                                        <p:cTn id="14" dur="500"/>
+                                        <p:tgtEl>
+                                          <p:spTgt spid="20"/>
+                                        </p:tgtEl>
+                                      </p:cBhvr>
+                                    </p:animEffect>
+                                  </p:childTnLst>
+                                </p:cTn>
+                              </p:par>
+                              <p:par>
+                                <p:cTn id="15" presetID="53" presetClass="entr" presetSubtype="16" fill="hold" grpId="0" nodeType="withEffect">
+                                  <p:stCondLst>
+                                    <p:cond delay="0"/>
+                                  </p:stCondLst>
+                                  <p:childTnLst>
+                                    <p:set>
+                                      <p:cBhvr>
+                                        <p:cTn id="16" dur="1" fill="hold">
+                                          <p:stCondLst>
+                                            <p:cond delay="0"/>
+                                          </p:stCondLst>
+                                        </p:cTn>
+                                        <p:tgtEl>
+                                          <p:spTgt spid="19"/>
+                                        </p:tgtEl>
+                                        <p:attrNameLst>
+                                          <p:attrName>style.visibility</p:attrName>
+                                        </p:attrNameLst>
+                                      </p:cBhvr>
+                                      <p:to>
+                                        <p:strVal val="visible"/>
+                                      </p:to>
+                                    </p:set>
+                                    <p:anim calcmode="lin" valueType="num">
+                                      <p:cBhvr>
+                                        <p:cTn id="17" dur="500" fill="hold"/>
+                                        <p:tgtEl>
+                                          <p:spTgt spid="19"/>
+                                        </p:tgtEl>
+                                        <p:attrNameLst>
+                                          <p:attrName>ppt_w</p:attrName>
+                                        </p:attrNameLst>
+                                      </p:cBhvr>
+                                      <p:tavLst>
+                                        <p:tav tm="0">
+                                          <p:val>
+                                            <p:fltVal val="0"/>
+                                          </p:val>
+                                        </p:tav>
+                                        <p:tav tm="100000">
+                                          <p:val>
+                                            <p:strVal val="#ppt_w"/>
+                                          </p:val>
+                                        </p:tav>
+                                      </p:tavLst>
+                                    </p:anim>
+                                    <p:anim calcmode="lin" valueType="num">
+                                      <p:cBhvr>
+                                        <p:cTn id="18" dur="500" fill="hold"/>
+                                        <p:tgtEl>
+                                          <p:spTgt spid="19"/>
+                                        </p:tgtEl>
+                                        <p:attrNameLst>
+                                          <p:attrName>ppt_h</p:attrName>
+                                        </p:attrNameLst>
+                                      </p:cBhvr>
+                                      <p:tavLst>
+                                        <p:tav tm="0">
+                                          <p:val>
+                                            <p:fltVal val="0"/>
+                                          </p:val>
+                                        </p:tav>
+                                        <p:tav tm="100000">
+                                          <p:val>
+                                            <p:strVal val="#ppt_h"/>
+                                          </p:val>
+                                        </p:tav>
+                                      </p:tavLst>
+                                    </p:anim>
+                                    <p:animEffect transition="in" filter="fade">
+                                      <p:cBhvr>
+                                        <p:cTn id="19" dur="500"/>
+                                        <p:tgtEl>
+                                          <p:spTgt spid="19"/>
+                                        </p:tgtEl>
+                                      </p:cBhvr>
+                                    </p:animEffect>
+                                  </p:childTnLst>
+                                </p:cTn>
+                              </p:par>
+                              <p:par>
+                                <p:cTn id="20" presetID="53" presetClass="entr" presetSubtype="16" fill="hold" grpId="0" nodeType="withEffect">
+                                  <p:stCondLst>
+                                    <p:cond delay="0"/>
+                                  </p:stCondLst>
+                                  <p:childTnLst>
+                                    <p:set>
+                                      <p:cBhvr>
+                                        <p:cTn id="21" dur="1" fill="hold">
+                                          <p:stCondLst>
+                                            <p:cond delay="0"/>
+                                          </p:stCondLst>
+                                        </p:cTn>
+                                        <p:tgtEl>
+                                          <p:spTgt spid="21"/>
+                                        </p:tgtEl>
+                                        <p:attrNameLst>
+                                          <p:attrName>style.visibility</p:attrName>
+                                        </p:attrNameLst>
+                                      </p:cBhvr>
+                                      <p:to>
+                                        <p:strVal val="visible"/>
+                                      </p:to>
+                                    </p:set>
+                                    <p:anim calcmode="lin" valueType="num">
+                                      <p:cBhvr>
+                                        <p:cTn id="22" dur="500" fill="hold"/>
+                                        <p:tgtEl>
+                                          <p:spTgt spid="21"/>
+                                        </p:tgtEl>
+                                        <p:attrNameLst>
+                                          <p:attrName>ppt_w</p:attrName>
+                                        </p:attrNameLst>
+                                      </p:cBhvr>
+                                      <p:tavLst>
+                                        <p:tav tm="0">
+                                          <p:val>
+                                            <p:fltVal val="0"/>
+                                          </p:val>
+                                        </p:tav>
+                                        <p:tav tm="100000">
+                                          <p:val>
+                                            <p:strVal val="#ppt_w"/>
+                                          </p:val>
+                                        </p:tav>
+                                      </p:tavLst>
+                                    </p:anim>
+                                    <p:anim calcmode="lin" valueType="num">
+                                      <p:cBhvr>
+                                        <p:cTn id="23" dur="500" fill="hold"/>
+                                        <p:tgtEl>
+                                          <p:spTgt spid="21"/>
+                                        </p:tgtEl>
+                                        <p:attrNameLst>
+                                          <p:attrName>ppt_h</p:attrName>
+                                        </p:attrNameLst>
+                                      </p:cBhvr>
+                                      <p:tavLst>
+                                        <p:tav tm="0">
+                                          <p:val>
+                                            <p:fltVal val="0"/>
+                                          </p:val>
+                                        </p:tav>
+                                        <p:tav tm="100000">
+                                          <p:val>
+                                            <p:strVal val="#ppt_h"/>
+                                          </p:val>
+                                        </p:tav>
+                                      </p:tavLst>
+                                    </p:anim>
+                                    <p:animEffect transition="in" filter="fade">
+                                      <p:cBhvr>
+                                        <p:cTn id="24" dur="500"/>
+                                        <p:tgtEl>
+                                          <p:spTgt spid="21"/>
+                                        </p:tgtEl>
+                                      </p:cBhvr>
+                                    </p:animEffect>
+                                  </p:childTnLst>
+                                </p:cTn>
+                              </p:par>
+                            </p:childTnLst>
+                          </p:cTn>
+                        </p:par>
+                      </p:childTnLst>
+                    </p:cTn>
+                  </p:par>
+                </p:childTnLst>
+              </p:cTn>
+              <p:prevCondLst>
+                <p:cond evt="onPrev" delay="0">
+                  <p:tgtEl>
+                    <p:sldTgt/>
+                  </p:tgtEl>
+                </p:cond>
+              </p:prevCondLst>
+              <p:nextCondLst>
+                <p:cond evt="onNext" delay="0">
+                  <p:tgtEl>
+                    <p:sldTgt/>
+                  </p:tgtEl>
+                </p:cond>
+              </p:nextCondLst>
+            </p:seq>
+          </p:childTnLst>
+        </p:cTn>
+      </p:par>
+    </p:tnLst>
+    <p:bldLst>
+      <p:bldP spid="7" grpId="0" animBg="1"/>
+      <p:bldP spid="19" grpId="0" animBg="1"/>
+      <p:bldP spid="20" grpId="0" animBg="1"/>
+      <p:bldP spid="21" grpId="0" animBg="1"/>
+    </p:bldLst>
+  </p:timing>
 </p:sld>
 </file>
 
@@ -6470,9 +9811,10 @@
           <a:lstStyle/>
           <a:p>
             <a:r>
-              <a:rPr lang="pt-BR" dirty="0"/>
-              <a:t>agradecimentos</a:t>
-            </a:r>
+              <a:rPr lang="pt-BR" dirty="0" err="1"/>
+              <a:t>conclusÕes</a:t>
+            </a:r>
+            <a:endParaRPr lang="pt-BR" dirty="0"/>
           </a:p>
         </p:txBody>
       </p:sp>
@@ -6489,7 +9831,7 @@
             <a:spLocks noGrp="1"/>
           </p:cNvSpPr>
           <p:nvPr>
-            <p:ph idx="1"/>
+            <p:ph type="body" idx="1"/>
           </p:nvPr>
         </p:nvSpPr>
         <p:spPr/>
@@ -6500,49 +9842,1648 @@
             <a:endParaRPr lang="pt-BR" dirty="0"/>
           </a:p>
           <a:p>
-            <a:r>
-              <a:rPr lang="pt-BR" dirty="0"/>
-              <a:t>Ao cliente, pela oportunidade de aplicar os conhecimentos de sala de aula;</a:t>
-            </a:r>
-          </a:p>
-          <a:p>
-            <a:r>
-              <a:rPr lang="pt-BR" dirty="0"/>
-              <a:t>A todos os professores de IA da </a:t>
-            </a:r>
-            <a:r>
-              <a:rPr lang="pt-BR" dirty="0" err="1"/>
-              <a:t>FIAP</a:t>
-            </a:r>
-            <a:r>
-              <a:rPr lang="pt-BR" dirty="0"/>
-              <a:t>, por toda a base que nos fez chegar até aqui;</a:t>
-            </a:r>
-          </a:p>
-          <a:p>
-            <a:r>
-              <a:rPr lang="pt-BR" dirty="0"/>
-              <a:t>Aos nossos familiares, por tanta paciência.</a:t>
-            </a:r>
-          </a:p>
-          <a:p>
-            <a:r>
-              <a:rPr lang="pt-BR" dirty="0"/>
-              <a:t>E até à pandemia, que acabou acelerando muitos projetos na área de Transformação Digital.</a:t>
-            </a:r>
-          </a:p>
-        </p:txBody>
-      </p:sp>
+            <a:endParaRPr lang="pt-BR" dirty="0"/>
+          </a:p>
+        </p:txBody>
+      </p:sp>
+      <p:sp>
+        <p:nvSpPr>
+          <p:cNvPr id="6" name="Text Placeholder 5">
+            <a:extLst>
+              <a:ext uri="{FF2B5EF4-FFF2-40B4-BE49-F238E27FC236}">
+                <a16:creationId xmlns:a16="http://schemas.microsoft.com/office/drawing/2014/main" id="{22235EA3-2B1C-4672-9249-686677E7C5EE}"/>
+              </a:ext>
+            </a:extLst>
+          </p:cNvPr>
+          <p:cNvSpPr>
+            <a:spLocks noGrp="1"/>
+          </p:cNvSpPr>
+          <p:nvPr>
+            <p:ph type="body" sz="half" idx="15"/>
+          </p:nvPr>
+        </p:nvSpPr>
+        <p:spPr>
+          <a:xfrm>
+            <a:off x="685799" y="2904564"/>
+            <a:ext cx="3456432" cy="3544361"/>
+          </a:xfrm>
+        </p:spPr>
+        <p:txBody>
+          <a:bodyPr>
+            <a:noAutofit/>
+          </a:bodyPr>
+          <a:lstStyle/>
+          <a:p>
+            <a:r>
+              <a:rPr lang="en-US" sz="1800" dirty="0"/>
+              <a:t>Levar o mercado de Facilities a um </a:t>
+            </a:r>
+            <a:r>
+              <a:rPr lang="en-US" sz="1800" dirty="0" err="1"/>
+              <a:t>patamar</a:t>
+            </a:r>
+            <a:r>
+              <a:rPr lang="en-US" sz="1800" dirty="0"/>
+              <a:t> de valor </a:t>
+            </a:r>
+            <a:r>
+              <a:rPr lang="en-US" sz="1800" dirty="0" err="1"/>
+              <a:t>agregado</a:t>
+            </a:r>
+            <a:r>
+              <a:rPr lang="en-US" sz="1800" dirty="0"/>
+              <a:t> </a:t>
+            </a:r>
+            <a:r>
+              <a:rPr lang="en-US" sz="1800" dirty="0" err="1"/>
+              <a:t>ao</a:t>
+            </a:r>
+            <a:r>
+              <a:rPr lang="en-US" sz="1800" dirty="0"/>
+              <a:t> </a:t>
+            </a:r>
+            <a:r>
+              <a:rPr lang="en-US" sz="1800" dirty="0" err="1"/>
+              <a:t>negócio</a:t>
+            </a:r>
+            <a:r>
+              <a:rPr lang="en-US" sz="1800" dirty="0"/>
+              <a:t> do </a:t>
+            </a:r>
+            <a:r>
+              <a:rPr lang="en-US" sz="1800" dirty="0" err="1"/>
+              <a:t>cliente</a:t>
+            </a:r>
+            <a:r>
+              <a:rPr lang="en-US" sz="1800" dirty="0"/>
+              <a:t> final </a:t>
+            </a:r>
+            <a:r>
+              <a:rPr lang="en-US" sz="1800" dirty="0" err="1"/>
+              <a:t>não</a:t>
+            </a:r>
+            <a:r>
+              <a:rPr lang="en-US" sz="1800" dirty="0"/>
+              <a:t> é </a:t>
+            </a:r>
+            <a:r>
+              <a:rPr lang="en-US" sz="1800" dirty="0" err="1"/>
+              <a:t>uma</a:t>
+            </a:r>
+            <a:r>
+              <a:rPr lang="en-US" sz="1800" dirty="0"/>
+              <a:t> </a:t>
+            </a:r>
+            <a:r>
+              <a:rPr lang="en-US" sz="1800" dirty="0" err="1"/>
+              <a:t>tarefa</a:t>
+            </a:r>
+            <a:r>
+              <a:rPr lang="en-US" sz="1800" dirty="0"/>
+              <a:t> </a:t>
+            </a:r>
+            <a:r>
+              <a:rPr lang="en-US" sz="1800" dirty="0" err="1"/>
+              <a:t>fácil</a:t>
+            </a:r>
+            <a:r>
+              <a:rPr lang="en-US" sz="1800" dirty="0"/>
+              <a:t>.</a:t>
+            </a:r>
+          </a:p>
+          <a:p>
+            <a:endParaRPr lang="en-US" sz="1800" dirty="0"/>
+          </a:p>
+          <a:p>
+            <a:r>
+              <a:rPr lang="en-US" sz="1800" dirty="0"/>
+              <a:t>A </a:t>
+            </a:r>
+            <a:r>
+              <a:rPr lang="en-US" sz="1800" dirty="0" err="1"/>
+              <a:t>proposta</a:t>
+            </a:r>
+            <a:r>
+              <a:rPr lang="en-US" sz="1800" dirty="0"/>
+              <a:t> </a:t>
+            </a:r>
+            <a:r>
+              <a:rPr lang="en-US" sz="1800" dirty="0" err="1"/>
+              <a:t>deste</a:t>
+            </a:r>
+            <a:r>
+              <a:rPr lang="en-US" sz="1800" dirty="0"/>
+              <a:t> </a:t>
+            </a:r>
+            <a:r>
+              <a:rPr lang="en-US" sz="1800" dirty="0" err="1"/>
+              <a:t>projeto</a:t>
+            </a:r>
+            <a:r>
+              <a:rPr lang="en-US" sz="1800" dirty="0"/>
+              <a:t> </a:t>
+            </a:r>
+            <a:r>
+              <a:rPr lang="en-US" sz="1800" dirty="0" err="1"/>
+              <a:t>transforma</a:t>
+            </a:r>
+            <a:r>
+              <a:rPr lang="en-US" sz="1800" dirty="0"/>
+              <a:t> a </a:t>
+            </a:r>
+            <a:r>
+              <a:rPr lang="en-US" sz="1800" dirty="0" err="1"/>
+              <a:t>manutenção</a:t>
+            </a:r>
+            <a:r>
+              <a:rPr lang="en-US" sz="1800" dirty="0"/>
+              <a:t>, que é </a:t>
+            </a:r>
+            <a:r>
+              <a:rPr lang="en-US" sz="1800" dirty="0" err="1"/>
+              <a:t>meramente</a:t>
+            </a:r>
+            <a:r>
+              <a:rPr lang="en-US" sz="1800" dirty="0"/>
+              <a:t> vista </a:t>
+            </a:r>
+            <a:r>
+              <a:rPr lang="en-US" sz="1800" dirty="0" err="1"/>
+              <a:t>como</a:t>
+            </a:r>
+            <a:r>
+              <a:rPr lang="en-US" sz="1800" dirty="0"/>
+              <a:t> um </a:t>
+            </a:r>
+            <a:r>
+              <a:rPr lang="en-US" sz="1800" dirty="0" err="1"/>
+              <a:t>centro</a:t>
+            </a:r>
+            <a:r>
+              <a:rPr lang="en-US" sz="1800" dirty="0"/>
+              <a:t> de </a:t>
+            </a:r>
+            <a:r>
+              <a:rPr lang="en-US" sz="1800" dirty="0" err="1"/>
+              <a:t>custo</a:t>
+            </a:r>
+            <a:r>
+              <a:rPr lang="en-US" sz="1800" dirty="0"/>
+              <a:t>, num  </a:t>
+            </a:r>
+            <a:r>
+              <a:rPr lang="en-US" sz="1800" b="1" dirty="0" err="1"/>
+              <a:t>parceiro</a:t>
+            </a:r>
+            <a:r>
+              <a:rPr lang="en-US" sz="1800" b="1" dirty="0"/>
+              <a:t> de </a:t>
+            </a:r>
+            <a:r>
+              <a:rPr lang="en-US" sz="1800" b="1" dirty="0" err="1"/>
+              <a:t>ganhos</a:t>
+            </a:r>
+            <a:r>
+              <a:rPr lang="en-US" sz="1800" b="1" dirty="0"/>
+              <a:t> </a:t>
+            </a:r>
+            <a:r>
+              <a:rPr lang="en-US" sz="1800" b="1" dirty="0" err="1"/>
+              <a:t>operacionais</a:t>
+            </a:r>
+            <a:r>
+              <a:rPr lang="en-US" sz="1800" b="1" dirty="0"/>
+              <a:t> e </a:t>
+            </a:r>
+            <a:r>
+              <a:rPr lang="en-US" sz="1800" b="1" dirty="0" err="1"/>
+              <a:t>ativo</a:t>
+            </a:r>
+            <a:r>
+              <a:rPr lang="en-US" sz="1800" b="1" dirty="0"/>
+              <a:t> </a:t>
+            </a:r>
+            <a:r>
+              <a:rPr lang="en-US" sz="1800" b="1" dirty="0" err="1"/>
+              <a:t>estratégico</a:t>
+            </a:r>
+            <a:r>
+              <a:rPr lang="en-US" sz="1800" dirty="0"/>
+              <a:t>.</a:t>
+            </a:r>
+            <a:endParaRPr lang="pt-BR" sz="1800" dirty="0"/>
+          </a:p>
+        </p:txBody>
+      </p:sp>
+      <p:sp>
+        <p:nvSpPr>
+          <p:cNvPr id="3" name="Text Placeholder 2">
+            <a:extLst>
+              <a:ext uri="{FF2B5EF4-FFF2-40B4-BE49-F238E27FC236}">
+                <a16:creationId xmlns:a16="http://schemas.microsoft.com/office/drawing/2014/main" id="{48D8E0BB-2A78-4E3B-94F8-444711D5C91B}"/>
+              </a:ext>
+            </a:extLst>
+          </p:cNvPr>
+          <p:cNvSpPr>
+            <a:spLocks noGrp="1"/>
+          </p:cNvSpPr>
+          <p:nvPr>
+            <p:ph type="body" sz="quarter" idx="3"/>
+          </p:nvPr>
+        </p:nvSpPr>
+        <p:spPr/>
+        <p:txBody>
+          <a:bodyPr/>
+          <a:lstStyle/>
+          <a:p>
+            <a:r>
+              <a:rPr lang="en-US" dirty="0"/>
+              <a:t>Quick Win</a:t>
+            </a:r>
+            <a:endParaRPr lang="pt-BR" dirty="0"/>
+          </a:p>
+        </p:txBody>
+      </p:sp>
+      <p:sp>
+        <p:nvSpPr>
+          <p:cNvPr id="7" name="Text Placeholder 6">
+            <a:extLst>
+              <a:ext uri="{FF2B5EF4-FFF2-40B4-BE49-F238E27FC236}">
+                <a16:creationId xmlns:a16="http://schemas.microsoft.com/office/drawing/2014/main" id="{31AB9958-80EC-4BBC-BD83-EBBF12A38057}"/>
+              </a:ext>
+            </a:extLst>
+          </p:cNvPr>
+          <p:cNvSpPr>
+            <a:spLocks noGrp="1"/>
+          </p:cNvSpPr>
+          <p:nvPr>
+            <p:ph type="body" sz="half" idx="16"/>
+          </p:nvPr>
+        </p:nvSpPr>
+        <p:spPr/>
+        <p:txBody>
+          <a:bodyPr>
+            <a:normAutofit/>
+          </a:bodyPr>
+          <a:lstStyle/>
+          <a:p>
+            <a:pPr marL="285750" indent="-285750">
+              <a:buFontTx/>
+              <a:buChar char="-"/>
+            </a:pPr>
+            <a:r>
+              <a:rPr lang="en-US" sz="1800" dirty="0" err="1"/>
+              <a:t>Revisão</a:t>
+            </a:r>
+            <a:r>
+              <a:rPr lang="en-US" sz="1800" dirty="0"/>
+              <a:t> da </a:t>
+            </a:r>
+            <a:r>
+              <a:rPr lang="en-US" sz="1800" dirty="0" err="1"/>
+              <a:t>Previsão</a:t>
+            </a:r>
+            <a:r>
+              <a:rPr lang="en-US" sz="1800" dirty="0"/>
+              <a:t> de Tempo de </a:t>
+            </a:r>
+            <a:r>
+              <a:rPr lang="en-US" sz="1800" dirty="0" err="1"/>
+              <a:t>execução</a:t>
+            </a:r>
+            <a:r>
+              <a:rPr lang="en-US" sz="1800" dirty="0"/>
+              <a:t> de </a:t>
+            </a:r>
+            <a:r>
+              <a:rPr lang="en-US" sz="1800" dirty="0" err="1"/>
+              <a:t>atividades</a:t>
+            </a:r>
+            <a:endParaRPr lang="en-US" sz="1800" dirty="0"/>
+          </a:p>
+          <a:p>
+            <a:pPr marL="285750" indent="-285750">
+              <a:buFontTx/>
+              <a:buChar char="-"/>
+            </a:pPr>
+            <a:r>
+              <a:rPr lang="en-US" sz="1800" dirty="0" err="1"/>
+              <a:t>Redimensionamento</a:t>
+            </a:r>
+            <a:r>
+              <a:rPr lang="en-US" sz="1800" dirty="0"/>
+              <a:t> de </a:t>
+            </a:r>
+            <a:r>
+              <a:rPr lang="en-US" sz="1800" dirty="0" err="1"/>
+              <a:t>equipes</a:t>
+            </a:r>
+            <a:r>
+              <a:rPr lang="en-US" sz="1800" dirty="0"/>
+              <a:t> </a:t>
+            </a:r>
+            <a:r>
+              <a:rPr lang="en-US" sz="1800" dirty="0" err="1"/>
+              <a:t>técnicas</a:t>
+            </a:r>
+            <a:endParaRPr lang="en-US" sz="1800" dirty="0"/>
+          </a:p>
+          <a:p>
+            <a:pPr marL="285750" indent="-285750">
+              <a:buFontTx/>
+              <a:buChar char="-"/>
+            </a:pPr>
+            <a:r>
+              <a:rPr lang="en-US" sz="1800" dirty="0" err="1"/>
+              <a:t>Gestão</a:t>
+            </a:r>
+            <a:r>
+              <a:rPr lang="en-US" sz="1800" dirty="0"/>
+              <a:t> de skills do Quadro de </a:t>
+            </a:r>
+            <a:r>
+              <a:rPr lang="en-US" sz="1800" dirty="0" err="1"/>
+              <a:t>funcionários</a:t>
+            </a:r>
+            <a:endParaRPr lang="pt-BR" sz="1800" dirty="0"/>
+          </a:p>
+          <a:p>
+            <a:endParaRPr lang="pt-BR" sz="1800" dirty="0"/>
+          </a:p>
+        </p:txBody>
+      </p:sp>
+      <p:sp>
+        <p:nvSpPr>
+          <p:cNvPr id="4" name="Text Placeholder 3">
+            <a:extLst>
+              <a:ext uri="{FF2B5EF4-FFF2-40B4-BE49-F238E27FC236}">
+                <a16:creationId xmlns:a16="http://schemas.microsoft.com/office/drawing/2014/main" id="{D139B3E5-3484-4CCF-BE3C-F6A3AABE1238}"/>
+              </a:ext>
+            </a:extLst>
+          </p:cNvPr>
+          <p:cNvSpPr>
+            <a:spLocks noGrp="1"/>
+          </p:cNvSpPr>
+          <p:nvPr>
+            <p:ph type="body" sz="quarter" idx="13"/>
+          </p:nvPr>
+        </p:nvSpPr>
+        <p:spPr/>
+        <p:txBody>
+          <a:bodyPr/>
+          <a:lstStyle/>
+          <a:p>
+            <a:r>
+              <a:rPr lang="en-US" dirty="0" err="1"/>
+              <a:t>Próximos</a:t>
+            </a:r>
+            <a:r>
+              <a:rPr lang="en-US" dirty="0"/>
+              <a:t> </a:t>
+            </a:r>
+            <a:r>
+              <a:rPr lang="en-US" dirty="0" err="1"/>
+              <a:t>passos</a:t>
+            </a:r>
+            <a:endParaRPr lang="pt-BR" dirty="0"/>
+          </a:p>
+        </p:txBody>
+      </p:sp>
+      <p:sp>
+        <p:nvSpPr>
+          <p:cNvPr id="8" name="Text Placeholder 7">
+            <a:extLst>
+              <a:ext uri="{FF2B5EF4-FFF2-40B4-BE49-F238E27FC236}">
+                <a16:creationId xmlns:a16="http://schemas.microsoft.com/office/drawing/2014/main" id="{6AA5BE7D-E1F6-4C0C-BE37-B6375F879DDB}"/>
+              </a:ext>
+            </a:extLst>
+          </p:cNvPr>
+          <p:cNvSpPr>
+            <a:spLocks noGrp="1"/>
+          </p:cNvSpPr>
+          <p:nvPr>
+            <p:ph type="body" sz="half" idx="17"/>
+          </p:nvPr>
+        </p:nvSpPr>
+        <p:spPr/>
+        <p:txBody>
+          <a:bodyPr>
+            <a:normAutofit/>
+          </a:bodyPr>
+          <a:lstStyle/>
+          <a:p>
+            <a:r>
+              <a:rPr lang="en-US" sz="1800" dirty="0" err="1"/>
+              <a:t>Agregar</a:t>
+            </a:r>
+            <a:r>
+              <a:rPr lang="en-US" sz="1800" dirty="0"/>
+              <a:t> dados com o </a:t>
+            </a:r>
+            <a:r>
+              <a:rPr lang="en-US" sz="1800" dirty="0" err="1"/>
+              <a:t>monitoramento</a:t>
+            </a:r>
+            <a:r>
+              <a:rPr lang="en-US" sz="1800" dirty="0"/>
+              <a:t> das </a:t>
+            </a:r>
+            <a:r>
+              <a:rPr lang="en-US" sz="1800" dirty="0" err="1"/>
+              <a:t>principais</a:t>
+            </a:r>
+            <a:r>
+              <a:rPr lang="en-US" sz="1800" dirty="0"/>
+              <a:t> </a:t>
+            </a:r>
+            <a:r>
+              <a:rPr lang="en-US" sz="1800" dirty="0" err="1"/>
+              <a:t>condições</a:t>
+            </a:r>
+            <a:r>
+              <a:rPr lang="en-US" sz="1800" dirty="0"/>
+              <a:t> dos </a:t>
+            </a:r>
+            <a:r>
+              <a:rPr lang="en-US" sz="1800" dirty="0" err="1"/>
+              <a:t>ativos</a:t>
+            </a:r>
+            <a:r>
+              <a:rPr lang="en-US" sz="1800" dirty="0"/>
+              <a:t>:</a:t>
+            </a:r>
+          </a:p>
+          <a:p>
+            <a:pPr marL="285750" indent="-285750">
+              <a:buFontTx/>
+              <a:buChar char="-"/>
+            </a:pPr>
+            <a:r>
+              <a:rPr lang="en-US" sz="1800" dirty="0"/>
+              <a:t>Valor de hora </a:t>
+            </a:r>
+            <a:r>
+              <a:rPr lang="en-US" sz="1800" dirty="0" err="1"/>
+              <a:t>parada</a:t>
+            </a:r>
+            <a:r>
+              <a:rPr lang="en-US" sz="1800" dirty="0"/>
+              <a:t> do </a:t>
+            </a:r>
+            <a:r>
+              <a:rPr lang="en-US" sz="1800" dirty="0" err="1"/>
+              <a:t>ativo</a:t>
+            </a:r>
+            <a:r>
+              <a:rPr lang="en-US" sz="1800" dirty="0"/>
+              <a:t>: </a:t>
+            </a:r>
+            <a:r>
+              <a:rPr lang="en-US" sz="1800" dirty="0" err="1"/>
+              <a:t>direto</a:t>
+            </a:r>
+            <a:r>
+              <a:rPr lang="en-US" sz="1800" dirty="0"/>
+              <a:t> e </a:t>
+            </a:r>
+            <a:r>
+              <a:rPr lang="en-US" sz="1800" dirty="0" err="1"/>
+              <a:t>indireto</a:t>
+            </a:r>
+            <a:endParaRPr lang="en-US" sz="1800" dirty="0"/>
+          </a:p>
+          <a:p>
+            <a:pPr marL="285750" indent="-285750">
+              <a:buFontTx/>
+              <a:buChar char="-"/>
+            </a:pPr>
+            <a:r>
+              <a:rPr lang="en-US" sz="1800" dirty="0" err="1"/>
+              <a:t>Manutenção</a:t>
+            </a:r>
+            <a:r>
+              <a:rPr lang="en-US" sz="1800" dirty="0"/>
+              <a:t> </a:t>
+            </a:r>
+            <a:r>
+              <a:rPr lang="en-US" sz="1800" dirty="0" err="1"/>
+              <a:t>prescritiva</a:t>
+            </a:r>
+            <a:endParaRPr lang="en-US" sz="1800" dirty="0"/>
+          </a:p>
+        </p:txBody>
+      </p:sp>
+      <p:pic>
+        <p:nvPicPr>
+          <p:cNvPr id="1026" name="Picture 2" descr="chuck norris approves Blank Template - Imgflip">
+            <a:extLst>
+              <a:ext uri="{FF2B5EF4-FFF2-40B4-BE49-F238E27FC236}">
+                <a16:creationId xmlns:a16="http://schemas.microsoft.com/office/drawing/2014/main" id="{1E18959A-C5E7-497B-A9E9-56C6C199087F}"/>
+              </a:ext>
+            </a:extLst>
+          </p:cNvPr>
+          <p:cNvPicPr>
+            <a:picLocks noChangeAspect="1" noChangeArrowheads="1"/>
+          </p:cNvPicPr>
+          <p:nvPr/>
+        </p:nvPicPr>
+        <p:blipFill>
+          <a:blip r:embed="rId2">
+            <a:extLst>
+              <a:ext uri="{28A0092B-C50C-407E-A947-70E740481C1C}">
+                <a14:useLocalDpi xmlns:a14="http://schemas.microsoft.com/office/drawing/2010/main" val="0"/>
+              </a:ext>
+            </a:extLst>
+          </a:blip>
+          <a:srcRect/>
+          <a:stretch>
+            <a:fillRect/>
+          </a:stretch>
+        </p:blipFill>
+        <p:spPr bwMode="auto">
+          <a:xfrm>
+            <a:off x="544367" y="204257"/>
+            <a:ext cx="3133725" cy="2419350"/>
+          </a:xfrm>
+          <a:prstGeom prst="rect">
+            <a:avLst/>
+          </a:prstGeom>
+          <a:noFill/>
+          <a:extLst>
+            <a:ext uri="{909E8E84-426E-40DD-AFC4-6F175D3DCCD1}">
+              <a14:hiddenFill xmlns:a14="http://schemas.microsoft.com/office/drawing/2010/main">
+                <a:solidFill>
+                  <a:srgbClr val="FFFFFF"/>
+                </a:solidFill>
+              </a14:hiddenFill>
+            </a:ext>
+          </a:extLst>
+        </p:spPr>
+      </p:pic>
+      <p:pic>
+        <p:nvPicPr>
+          <p:cNvPr id="10" name="Graphic 9" descr="Venn diagram">
+            <a:extLst>
+              <a:ext uri="{FF2B5EF4-FFF2-40B4-BE49-F238E27FC236}">
+                <a16:creationId xmlns:a16="http://schemas.microsoft.com/office/drawing/2014/main" id="{48383706-B6E9-4CB0-8908-DD92473F701E}"/>
+              </a:ext>
+            </a:extLst>
+          </p:cNvPr>
+          <p:cNvPicPr>
+            <a:picLocks noChangeAspect="1"/>
+          </p:cNvPicPr>
+          <p:nvPr/>
+        </p:nvPicPr>
+        <p:blipFill>
+          <a:blip r:embed="rId3">
+            <a:extLst>
+              <a:ext uri="{96DAC541-7B7A-43D3-8B79-37D633B846F1}">
+                <asvg:svgBlip xmlns:asvg="http://schemas.microsoft.com/office/drawing/2016/SVG/main" r:embed="rId4"/>
+              </a:ext>
+            </a:extLst>
+          </a:blip>
+          <a:stretch>
+            <a:fillRect/>
+          </a:stretch>
+        </p:blipFill>
+        <p:spPr>
+          <a:xfrm>
+            <a:off x="9367151" y="5080533"/>
+            <a:ext cx="1620000" cy="1620000"/>
+          </a:xfrm>
+          <a:prstGeom prst="rect">
+            <a:avLst/>
+          </a:prstGeom>
+        </p:spPr>
+      </p:pic>
+      <p:pic>
+        <p:nvPicPr>
+          <p:cNvPr id="12" name="Graphic 11" descr="Trophy">
+            <a:extLst>
+              <a:ext uri="{FF2B5EF4-FFF2-40B4-BE49-F238E27FC236}">
+                <a16:creationId xmlns:a16="http://schemas.microsoft.com/office/drawing/2014/main" id="{8BA6A7A5-A3BD-4747-A80D-DA7420CF90A2}"/>
+              </a:ext>
+            </a:extLst>
+          </p:cNvPr>
+          <p:cNvPicPr>
+            <a:picLocks noChangeAspect="1"/>
+          </p:cNvPicPr>
+          <p:nvPr/>
+        </p:nvPicPr>
+        <p:blipFill>
+          <a:blip r:embed="rId5">
+            <a:extLst>
+              <a:ext uri="{96DAC541-7B7A-43D3-8B79-37D633B846F1}">
+                <asvg:svgBlip xmlns:asvg="http://schemas.microsoft.com/office/drawing/2016/SVG/main" r:embed="rId6"/>
+              </a:ext>
+            </a:extLst>
+          </a:blip>
+          <a:stretch>
+            <a:fillRect/>
+          </a:stretch>
+        </p:blipFill>
+        <p:spPr>
+          <a:xfrm>
+            <a:off x="5134691" y="5080533"/>
+            <a:ext cx="1620000" cy="1620000"/>
+          </a:xfrm>
+          <a:prstGeom prst="rect">
+            <a:avLst/>
+          </a:prstGeom>
+        </p:spPr>
+      </p:pic>
     </p:spTree>
     <p:extLst>
       <p:ext uri="{BB962C8B-B14F-4D97-AF65-F5344CB8AC3E}">
-        <p14:creationId xmlns:p14="http://schemas.microsoft.com/office/powerpoint/2010/main" val="1100214067"/>
+        <p14:creationId xmlns:p14="http://schemas.microsoft.com/office/powerpoint/2010/main" val="3179760174"/>
       </p:ext>
     </p:extLst>
   </p:cSld>
   <p:clrMapOvr>
     <a:masterClrMapping/>
   </p:clrMapOvr>
+  <p:transition spd="slow">
+    <p:push dir="u"/>
+  </p:transition>
+  <p:timing>
+    <p:tnLst>
+      <p:par>
+        <p:cTn id="1" dur="indefinite" restart="never" nodeType="tmRoot">
+          <p:childTnLst>
+            <p:seq concurrent="1" nextAc="seek">
+              <p:cTn id="2" dur="indefinite" nodeType="mainSeq">
+                <p:childTnLst>
+                  <p:par>
+                    <p:cTn id="3" fill="hold">
+                      <p:stCondLst>
+                        <p:cond delay="indefinite"/>
+                      </p:stCondLst>
+                      <p:childTnLst>
+                        <p:par>
+                          <p:cTn id="4" fill="hold">
+                            <p:stCondLst>
+                              <p:cond delay="0"/>
+                            </p:stCondLst>
+                            <p:childTnLst>
+                              <p:par>
+                                <p:cTn id="5" presetID="2" presetClass="entr" presetSubtype="4" fill="hold" grpId="0" nodeType="clickEffect">
+                                  <p:stCondLst>
+                                    <p:cond delay="0"/>
+                                  </p:stCondLst>
+                                  <p:childTnLst>
+                                    <p:set>
+                                      <p:cBhvr>
+                                        <p:cTn id="6" dur="1" fill="hold">
+                                          <p:stCondLst>
+                                            <p:cond delay="0"/>
+                                          </p:stCondLst>
+                                        </p:cTn>
+                                        <p:tgtEl>
+                                          <p:spTgt spid="3">
+                                            <p:txEl>
+                                              <p:pRg st="0" end="0"/>
+                                            </p:txEl>
+                                          </p:spTgt>
+                                        </p:tgtEl>
+                                        <p:attrNameLst>
+                                          <p:attrName>style.visibility</p:attrName>
+                                        </p:attrNameLst>
+                                      </p:cBhvr>
+                                      <p:to>
+                                        <p:strVal val="visible"/>
+                                      </p:to>
+                                    </p:set>
+                                    <p:anim calcmode="lin" valueType="num">
+                                      <p:cBhvr additive="base">
+                                        <p:cTn id="7" dur="500" fill="hold"/>
+                                        <p:tgtEl>
+                                          <p:spTgt spid="3">
+                                            <p:txEl>
+                                              <p:pRg st="0" end="0"/>
+                                            </p:txEl>
+                                          </p:spTgt>
+                                        </p:tgtEl>
+                                        <p:attrNameLst>
+                                          <p:attrName>ppt_x</p:attrName>
+                                        </p:attrNameLst>
+                                      </p:cBhvr>
+                                      <p:tavLst>
+                                        <p:tav tm="0">
+                                          <p:val>
+                                            <p:strVal val="#ppt_x"/>
+                                          </p:val>
+                                        </p:tav>
+                                        <p:tav tm="100000">
+                                          <p:val>
+                                            <p:strVal val="#ppt_x"/>
+                                          </p:val>
+                                        </p:tav>
+                                      </p:tavLst>
+                                    </p:anim>
+                                    <p:anim calcmode="lin" valueType="num">
+                                      <p:cBhvr additive="base">
+                                        <p:cTn id="8" dur="500" fill="hold"/>
+                                        <p:tgtEl>
+                                          <p:spTgt spid="3">
+                                            <p:txEl>
+                                              <p:pRg st="0" end="0"/>
+                                            </p:txEl>
+                                          </p:spTgt>
+                                        </p:tgtEl>
+                                        <p:attrNameLst>
+                                          <p:attrName>ppt_y</p:attrName>
+                                        </p:attrNameLst>
+                                      </p:cBhvr>
+                                      <p:tavLst>
+                                        <p:tav tm="0">
+                                          <p:val>
+                                            <p:strVal val="1+#ppt_h/2"/>
+                                          </p:val>
+                                        </p:tav>
+                                        <p:tav tm="100000">
+                                          <p:val>
+                                            <p:strVal val="#ppt_y"/>
+                                          </p:val>
+                                        </p:tav>
+                                      </p:tavLst>
+                                    </p:anim>
+                                  </p:childTnLst>
+                                </p:cTn>
+                              </p:par>
+                              <p:par>
+                                <p:cTn id="9" presetID="2" presetClass="entr" presetSubtype="4" fill="hold" grpId="0" nodeType="withEffect">
+                                  <p:stCondLst>
+                                    <p:cond delay="0"/>
+                                  </p:stCondLst>
+                                  <p:childTnLst>
+                                    <p:set>
+                                      <p:cBhvr>
+                                        <p:cTn id="10" dur="1" fill="hold">
+                                          <p:stCondLst>
+                                            <p:cond delay="0"/>
+                                          </p:stCondLst>
+                                        </p:cTn>
+                                        <p:tgtEl>
+                                          <p:spTgt spid="4">
+                                            <p:txEl>
+                                              <p:pRg st="0" end="0"/>
+                                            </p:txEl>
+                                          </p:spTgt>
+                                        </p:tgtEl>
+                                        <p:attrNameLst>
+                                          <p:attrName>style.visibility</p:attrName>
+                                        </p:attrNameLst>
+                                      </p:cBhvr>
+                                      <p:to>
+                                        <p:strVal val="visible"/>
+                                      </p:to>
+                                    </p:set>
+                                    <p:anim calcmode="lin" valueType="num">
+                                      <p:cBhvr additive="base">
+                                        <p:cTn id="11" dur="500" fill="hold"/>
+                                        <p:tgtEl>
+                                          <p:spTgt spid="4">
+                                            <p:txEl>
+                                              <p:pRg st="0" end="0"/>
+                                            </p:txEl>
+                                          </p:spTgt>
+                                        </p:tgtEl>
+                                        <p:attrNameLst>
+                                          <p:attrName>ppt_x</p:attrName>
+                                        </p:attrNameLst>
+                                      </p:cBhvr>
+                                      <p:tavLst>
+                                        <p:tav tm="0">
+                                          <p:val>
+                                            <p:strVal val="#ppt_x"/>
+                                          </p:val>
+                                        </p:tav>
+                                        <p:tav tm="100000">
+                                          <p:val>
+                                            <p:strVal val="#ppt_x"/>
+                                          </p:val>
+                                        </p:tav>
+                                      </p:tavLst>
+                                    </p:anim>
+                                    <p:anim calcmode="lin" valueType="num">
+                                      <p:cBhvr additive="base">
+                                        <p:cTn id="12" dur="500" fill="hold"/>
+                                        <p:tgtEl>
+                                          <p:spTgt spid="4">
+                                            <p:txEl>
+                                              <p:pRg st="0" end="0"/>
+                                            </p:txEl>
+                                          </p:spTgt>
+                                        </p:tgtEl>
+                                        <p:attrNameLst>
+                                          <p:attrName>ppt_y</p:attrName>
+                                        </p:attrNameLst>
+                                      </p:cBhvr>
+                                      <p:tavLst>
+                                        <p:tav tm="0">
+                                          <p:val>
+                                            <p:strVal val="1+#ppt_h/2"/>
+                                          </p:val>
+                                        </p:tav>
+                                        <p:tav tm="100000">
+                                          <p:val>
+                                            <p:strVal val="#ppt_y"/>
+                                          </p:val>
+                                        </p:tav>
+                                      </p:tavLst>
+                                    </p:anim>
+                                  </p:childTnLst>
+                                </p:cTn>
+                              </p:par>
+                              <p:par>
+                                <p:cTn id="13" presetID="2" presetClass="entr" presetSubtype="4" fill="hold" grpId="0" nodeType="withEffect">
+                                  <p:stCondLst>
+                                    <p:cond delay="0"/>
+                                  </p:stCondLst>
+                                  <p:childTnLst>
+                                    <p:set>
+                                      <p:cBhvr>
+                                        <p:cTn id="14" dur="1" fill="hold">
+                                          <p:stCondLst>
+                                            <p:cond delay="0"/>
+                                          </p:stCondLst>
+                                        </p:cTn>
+                                        <p:tgtEl>
+                                          <p:spTgt spid="7">
+                                            <p:txEl>
+                                              <p:pRg st="0" end="0"/>
+                                            </p:txEl>
+                                          </p:spTgt>
+                                        </p:tgtEl>
+                                        <p:attrNameLst>
+                                          <p:attrName>style.visibility</p:attrName>
+                                        </p:attrNameLst>
+                                      </p:cBhvr>
+                                      <p:to>
+                                        <p:strVal val="visible"/>
+                                      </p:to>
+                                    </p:set>
+                                    <p:anim calcmode="lin" valueType="num">
+                                      <p:cBhvr additive="base">
+                                        <p:cTn id="15" dur="500" fill="hold"/>
+                                        <p:tgtEl>
+                                          <p:spTgt spid="7">
+                                            <p:txEl>
+                                              <p:pRg st="0" end="0"/>
+                                            </p:txEl>
+                                          </p:spTgt>
+                                        </p:tgtEl>
+                                        <p:attrNameLst>
+                                          <p:attrName>ppt_x</p:attrName>
+                                        </p:attrNameLst>
+                                      </p:cBhvr>
+                                      <p:tavLst>
+                                        <p:tav tm="0">
+                                          <p:val>
+                                            <p:strVal val="#ppt_x"/>
+                                          </p:val>
+                                        </p:tav>
+                                        <p:tav tm="100000">
+                                          <p:val>
+                                            <p:strVal val="#ppt_x"/>
+                                          </p:val>
+                                        </p:tav>
+                                      </p:tavLst>
+                                    </p:anim>
+                                    <p:anim calcmode="lin" valueType="num">
+                                      <p:cBhvr additive="base">
+                                        <p:cTn id="16" dur="500" fill="hold"/>
+                                        <p:tgtEl>
+                                          <p:spTgt spid="7">
+                                            <p:txEl>
+                                              <p:pRg st="0" end="0"/>
+                                            </p:txEl>
+                                          </p:spTgt>
+                                        </p:tgtEl>
+                                        <p:attrNameLst>
+                                          <p:attrName>ppt_y</p:attrName>
+                                        </p:attrNameLst>
+                                      </p:cBhvr>
+                                      <p:tavLst>
+                                        <p:tav tm="0">
+                                          <p:val>
+                                            <p:strVal val="1+#ppt_h/2"/>
+                                          </p:val>
+                                        </p:tav>
+                                        <p:tav tm="100000">
+                                          <p:val>
+                                            <p:strVal val="#ppt_y"/>
+                                          </p:val>
+                                        </p:tav>
+                                      </p:tavLst>
+                                    </p:anim>
+                                  </p:childTnLst>
+                                </p:cTn>
+                              </p:par>
+                              <p:par>
+                                <p:cTn id="17" presetID="2" presetClass="entr" presetSubtype="4" fill="hold" grpId="0" nodeType="withEffect">
+                                  <p:stCondLst>
+                                    <p:cond delay="0"/>
+                                  </p:stCondLst>
+                                  <p:childTnLst>
+                                    <p:set>
+                                      <p:cBhvr>
+                                        <p:cTn id="18" dur="1" fill="hold">
+                                          <p:stCondLst>
+                                            <p:cond delay="0"/>
+                                          </p:stCondLst>
+                                        </p:cTn>
+                                        <p:tgtEl>
+                                          <p:spTgt spid="7">
+                                            <p:txEl>
+                                              <p:pRg st="1" end="1"/>
+                                            </p:txEl>
+                                          </p:spTgt>
+                                        </p:tgtEl>
+                                        <p:attrNameLst>
+                                          <p:attrName>style.visibility</p:attrName>
+                                        </p:attrNameLst>
+                                      </p:cBhvr>
+                                      <p:to>
+                                        <p:strVal val="visible"/>
+                                      </p:to>
+                                    </p:set>
+                                    <p:anim calcmode="lin" valueType="num">
+                                      <p:cBhvr additive="base">
+                                        <p:cTn id="19" dur="500" fill="hold"/>
+                                        <p:tgtEl>
+                                          <p:spTgt spid="7">
+                                            <p:txEl>
+                                              <p:pRg st="1" end="1"/>
+                                            </p:txEl>
+                                          </p:spTgt>
+                                        </p:tgtEl>
+                                        <p:attrNameLst>
+                                          <p:attrName>ppt_x</p:attrName>
+                                        </p:attrNameLst>
+                                      </p:cBhvr>
+                                      <p:tavLst>
+                                        <p:tav tm="0">
+                                          <p:val>
+                                            <p:strVal val="#ppt_x"/>
+                                          </p:val>
+                                        </p:tav>
+                                        <p:tav tm="100000">
+                                          <p:val>
+                                            <p:strVal val="#ppt_x"/>
+                                          </p:val>
+                                        </p:tav>
+                                      </p:tavLst>
+                                    </p:anim>
+                                    <p:anim calcmode="lin" valueType="num">
+                                      <p:cBhvr additive="base">
+                                        <p:cTn id="20" dur="500" fill="hold"/>
+                                        <p:tgtEl>
+                                          <p:spTgt spid="7">
+                                            <p:txEl>
+                                              <p:pRg st="1" end="1"/>
+                                            </p:txEl>
+                                          </p:spTgt>
+                                        </p:tgtEl>
+                                        <p:attrNameLst>
+                                          <p:attrName>ppt_y</p:attrName>
+                                        </p:attrNameLst>
+                                      </p:cBhvr>
+                                      <p:tavLst>
+                                        <p:tav tm="0">
+                                          <p:val>
+                                            <p:strVal val="1+#ppt_h/2"/>
+                                          </p:val>
+                                        </p:tav>
+                                        <p:tav tm="100000">
+                                          <p:val>
+                                            <p:strVal val="#ppt_y"/>
+                                          </p:val>
+                                        </p:tav>
+                                      </p:tavLst>
+                                    </p:anim>
+                                  </p:childTnLst>
+                                </p:cTn>
+                              </p:par>
+                              <p:par>
+                                <p:cTn id="21" presetID="2" presetClass="entr" presetSubtype="4" fill="hold" grpId="0" nodeType="withEffect">
+                                  <p:stCondLst>
+                                    <p:cond delay="0"/>
+                                  </p:stCondLst>
+                                  <p:childTnLst>
+                                    <p:set>
+                                      <p:cBhvr>
+                                        <p:cTn id="22" dur="1" fill="hold">
+                                          <p:stCondLst>
+                                            <p:cond delay="0"/>
+                                          </p:stCondLst>
+                                        </p:cTn>
+                                        <p:tgtEl>
+                                          <p:spTgt spid="7">
+                                            <p:txEl>
+                                              <p:pRg st="2" end="2"/>
+                                            </p:txEl>
+                                          </p:spTgt>
+                                        </p:tgtEl>
+                                        <p:attrNameLst>
+                                          <p:attrName>style.visibility</p:attrName>
+                                        </p:attrNameLst>
+                                      </p:cBhvr>
+                                      <p:to>
+                                        <p:strVal val="visible"/>
+                                      </p:to>
+                                    </p:set>
+                                    <p:anim calcmode="lin" valueType="num">
+                                      <p:cBhvr additive="base">
+                                        <p:cTn id="23" dur="500" fill="hold"/>
+                                        <p:tgtEl>
+                                          <p:spTgt spid="7">
+                                            <p:txEl>
+                                              <p:pRg st="2" end="2"/>
+                                            </p:txEl>
+                                          </p:spTgt>
+                                        </p:tgtEl>
+                                        <p:attrNameLst>
+                                          <p:attrName>ppt_x</p:attrName>
+                                        </p:attrNameLst>
+                                      </p:cBhvr>
+                                      <p:tavLst>
+                                        <p:tav tm="0">
+                                          <p:val>
+                                            <p:strVal val="#ppt_x"/>
+                                          </p:val>
+                                        </p:tav>
+                                        <p:tav tm="100000">
+                                          <p:val>
+                                            <p:strVal val="#ppt_x"/>
+                                          </p:val>
+                                        </p:tav>
+                                      </p:tavLst>
+                                    </p:anim>
+                                    <p:anim calcmode="lin" valueType="num">
+                                      <p:cBhvr additive="base">
+                                        <p:cTn id="24" dur="500" fill="hold"/>
+                                        <p:tgtEl>
+                                          <p:spTgt spid="7">
+                                            <p:txEl>
+                                              <p:pRg st="2" end="2"/>
+                                            </p:txEl>
+                                          </p:spTgt>
+                                        </p:tgtEl>
+                                        <p:attrNameLst>
+                                          <p:attrName>ppt_y</p:attrName>
+                                        </p:attrNameLst>
+                                      </p:cBhvr>
+                                      <p:tavLst>
+                                        <p:tav tm="0">
+                                          <p:val>
+                                            <p:strVal val="1+#ppt_h/2"/>
+                                          </p:val>
+                                        </p:tav>
+                                        <p:tav tm="100000">
+                                          <p:val>
+                                            <p:strVal val="#ppt_y"/>
+                                          </p:val>
+                                        </p:tav>
+                                      </p:tavLst>
+                                    </p:anim>
+                                  </p:childTnLst>
+                                </p:cTn>
+                              </p:par>
+                              <p:par>
+                                <p:cTn id="25" presetID="2" presetClass="entr" presetSubtype="4" fill="hold" grpId="0" nodeType="withEffect">
+                                  <p:stCondLst>
+                                    <p:cond delay="0"/>
+                                  </p:stCondLst>
+                                  <p:childTnLst>
+                                    <p:set>
+                                      <p:cBhvr>
+                                        <p:cTn id="26" dur="1" fill="hold">
+                                          <p:stCondLst>
+                                            <p:cond delay="0"/>
+                                          </p:stCondLst>
+                                        </p:cTn>
+                                        <p:tgtEl>
+                                          <p:spTgt spid="8">
+                                            <p:txEl>
+                                              <p:pRg st="0" end="0"/>
+                                            </p:txEl>
+                                          </p:spTgt>
+                                        </p:tgtEl>
+                                        <p:attrNameLst>
+                                          <p:attrName>style.visibility</p:attrName>
+                                        </p:attrNameLst>
+                                      </p:cBhvr>
+                                      <p:to>
+                                        <p:strVal val="visible"/>
+                                      </p:to>
+                                    </p:set>
+                                    <p:anim calcmode="lin" valueType="num">
+                                      <p:cBhvr additive="base">
+                                        <p:cTn id="27" dur="500" fill="hold"/>
+                                        <p:tgtEl>
+                                          <p:spTgt spid="8">
+                                            <p:txEl>
+                                              <p:pRg st="0" end="0"/>
+                                            </p:txEl>
+                                          </p:spTgt>
+                                        </p:tgtEl>
+                                        <p:attrNameLst>
+                                          <p:attrName>ppt_x</p:attrName>
+                                        </p:attrNameLst>
+                                      </p:cBhvr>
+                                      <p:tavLst>
+                                        <p:tav tm="0">
+                                          <p:val>
+                                            <p:strVal val="#ppt_x"/>
+                                          </p:val>
+                                        </p:tav>
+                                        <p:tav tm="100000">
+                                          <p:val>
+                                            <p:strVal val="#ppt_x"/>
+                                          </p:val>
+                                        </p:tav>
+                                      </p:tavLst>
+                                    </p:anim>
+                                    <p:anim calcmode="lin" valueType="num">
+                                      <p:cBhvr additive="base">
+                                        <p:cTn id="28" dur="500" fill="hold"/>
+                                        <p:tgtEl>
+                                          <p:spTgt spid="8">
+                                            <p:txEl>
+                                              <p:pRg st="0" end="0"/>
+                                            </p:txEl>
+                                          </p:spTgt>
+                                        </p:tgtEl>
+                                        <p:attrNameLst>
+                                          <p:attrName>ppt_y</p:attrName>
+                                        </p:attrNameLst>
+                                      </p:cBhvr>
+                                      <p:tavLst>
+                                        <p:tav tm="0">
+                                          <p:val>
+                                            <p:strVal val="1+#ppt_h/2"/>
+                                          </p:val>
+                                        </p:tav>
+                                        <p:tav tm="100000">
+                                          <p:val>
+                                            <p:strVal val="#ppt_y"/>
+                                          </p:val>
+                                        </p:tav>
+                                      </p:tavLst>
+                                    </p:anim>
+                                  </p:childTnLst>
+                                </p:cTn>
+                              </p:par>
+                              <p:par>
+                                <p:cTn id="29" presetID="2" presetClass="entr" presetSubtype="4" fill="hold" grpId="0" nodeType="withEffect">
+                                  <p:stCondLst>
+                                    <p:cond delay="0"/>
+                                  </p:stCondLst>
+                                  <p:childTnLst>
+                                    <p:set>
+                                      <p:cBhvr>
+                                        <p:cTn id="30" dur="1" fill="hold">
+                                          <p:stCondLst>
+                                            <p:cond delay="0"/>
+                                          </p:stCondLst>
+                                        </p:cTn>
+                                        <p:tgtEl>
+                                          <p:spTgt spid="8">
+                                            <p:txEl>
+                                              <p:pRg st="1" end="1"/>
+                                            </p:txEl>
+                                          </p:spTgt>
+                                        </p:tgtEl>
+                                        <p:attrNameLst>
+                                          <p:attrName>style.visibility</p:attrName>
+                                        </p:attrNameLst>
+                                      </p:cBhvr>
+                                      <p:to>
+                                        <p:strVal val="visible"/>
+                                      </p:to>
+                                    </p:set>
+                                    <p:anim calcmode="lin" valueType="num">
+                                      <p:cBhvr additive="base">
+                                        <p:cTn id="31" dur="500" fill="hold"/>
+                                        <p:tgtEl>
+                                          <p:spTgt spid="8">
+                                            <p:txEl>
+                                              <p:pRg st="1" end="1"/>
+                                            </p:txEl>
+                                          </p:spTgt>
+                                        </p:tgtEl>
+                                        <p:attrNameLst>
+                                          <p:attrName>ppt_x</p:attrName>
+                                        </p:attrNameLst>
+                                      </p:cBhvr>
+                                      <p:tavLst>
+                                        <p:tav tm="0">
+                                          <p:val>
+                                            <p:strVal val="#ppt_x"/>
+                                          </p:val>
+                                        </p:tav>
+                                        <p:tav tm="100000">
+                                          <p:val>
+                                            <p:strVal val="#ppt_x"/>
+                                          </p:val>
+                                        </p:tav>
+                                      </p:tavLst>
+                                    </p:anim>
+                                    <p:anim calcmode="lin" valueType="num">
+                                      <p:cBhvr additive="base">
+                                        <p:cTn id="32" dur="500" fill="hold"/>
+                                        <p:tgtEl>
+                                          <p:spTgt spid="8">
+                                            <p:txEl>
+                                              <p:pRg st="1" end="1"/>
+                                            </p:txEl>
+                                          </p:spTgt>
+                                        </p:tgtEl>
+                                        <p:attrNameLst>
+                                          <p:attrName>ppt_y</p:attrName>
+                                        </p:attrNameLst>
+                                      </p:cBhvr>
+                                      <p:tavLst>
+                                        <p:tav tm="0">
+                                          <p:val>
+                                            <p:strVal val="1+#ppt_h/2"/>
+                                          </p:val>
+                                        </p:tav>
+                                        <p:tav tm="100000">
+                                          <p:val>
+                                            <p:strVal val="#ppt_y"/>
+                                          </p:val>
+                                        </p:tav>
+                                      </p:tavLst>
+                                    </p:anim>
+                                  </p:childTnLst>
+                                </p:cTn>
+                              </p:par>
+                              <p:par>
+                                <p:cTn id="33" presetID="2" presetClass="entr" presetSubtype="4" fill="hold" grpId="0" nodeType="withEffect">
+                                  <p:stCondLst>
+                                    <p:cond delay="0"/>
+                                  </p:stCondLst>
+                                  <p:childTnLst>
+                                    <p:set>
+                                      <p:cBhvr>
+                                        <p:cTn id="34" dur="1" fill="hold">
+                                          <p:stCondLst>
+                                            <p:cond delay="0"/>
+                                          </p:stCondLst>
+                                        </p:cTn>
+                                        <p:tgtEl>
+                                          <p:spTgt spid="8">
+                                            <p:txEl>
+                                              <p:pRg st="2" end="2"/>
+                                            </p:txEl>
+                                          </p:spTgt>
+                                        </p:tgtEl>
+                                        <p:attrNameLst>
+                                          <p:attrName>style.visibility</p:attrName>
+                                        </p:attrNameLst>
+                                      </p:cBhvr>
+                                      <p:to>
+                                        <p:strVal val="visible"/>
+                                      </p:to>
+                                    </p:set>
+                                    <p:anim calcmode="lin" valueType="num">
+                                      <p:cBhvr additive="base">
+                                        <p:cTn id="35" dur="500" fill="hold"/>
+                                        <p:tgtEl>
+                                          <p:spTgt spid="8">
+                                            <p:txEl>
+                                              <p:pRg st="2" end="2"/>
+                                            </p:txEl>
+                                          </p:spTgt>
+                                        </p:tgtEl>
+                                        <p:attrNameLst>
+                                          <p:attrName>ppt_x</p:attrName>
+                                        </p:attrNameLst>
+                                      </p:cBhvr>
+                                      <p:tavLst>
+                                        <p:tav tm="0">
+                                          <p:val>
+                                            <p:strVal val="#ppt_x"/>
+                                          </p:val>
+                                        </p:tav>
+                                        <p:tav tm="100000">
+                                          <p:val>
+                                            <p:strVal val="#ppt_x"/>
+                                          </p:val>
+                                        </p:tav>
+                                      </p:tavLst>
+                                    </p:anim>
+                                    <p:anim calcmode="lin" valueType="num">
+                                      <p:cBhvr additive="base">
+                                        <p:cTn id="36" dur="500" fill="hold"/>
+                                        <p:tgtEl>
+                                          <p:spTgt spid="8">
+                                            <p:txEl>
+                                              <p:pRg st="2" end="2"/>
+                                            </p:txEl>
+                                          </p:spTgt>
+                                        </p:tgtEl>
+                                        <p:attrNameLst>
+                                          <p:attrName>ppt_y</p:attrName>
+                                        </p:attrNameLst>
+                                      </p:cBhvr>
+                                      <p:tavLst>
+                                        <p:tav tm="0">
+                                          <p:val>
+                                            <p:strVal val="1+#ppt_h/2"/>
+                                          </p:val>
+                                        </p:tav>
+                                        <p:tav tm="100000">
+                                          <p:val>
+                                            <p:strVal val="#ppt_y"/>
+                                          </p:val>
+                                        </p:tav>
+                                      </p:tavLst>
+                                    </p:anim>
+                                  </p:childTnLst>
+                                </p:cTn>
+                              </p:par>
+                              <p:par>
+                                <p:cTn id="37" presetID="2" presetClass="entr" presetSubtype="4" fill="hold" nodeType="withEffect">
+                                  <p:stCondLst>
+                                    <p:cond delay="0"/>
+                                  </p:stCondLst>
+                                  <p:childTnLst>
+                                    <p:set>
+                                      <p:cBhvr>
+                                        <p:cTn id="38" dur="1" fill="hold">
+                                          <p:stCondLst>
+                                            <p:cond delay="0"/>
+                                          </p:stCondLst>
+                                        </p:cTn>
+                                        <p:tgtEl>
+                                          <p:spTgt spid="12"/>
+                                        </p:tgtEl>
+                                        <p:attrNameLst>
+                                          <p:attrName>style.visibility</p:attrName>
+                                        </p:attrNameLst>
+                                      </p:cBhvr>
+                                      <p:to>
+                                        <p:strVal val="visible"/>
+                                      </p:to>
+                                    </p:set>
+                                    <p:anim calcmode="lin" valueType="num">
+                                      <p:cBhvr additive="base">
+                                        <p:cTn id="39" dur="500" fill="hold"/>
+                                        <p:tgtEl>
+                                          <p:spTgt spid="12"/>
+                                        </p:tgtEl>
+                                        <p:attrNameLst>
+                                          <p:attrName>ppt_x</p:attrName>
+                                        </p:attrNameLst>
+                                      </p:cBhvr>
+                                      <p:tavLst>
+                                        <p:tav tm="0">
+                                          <p:val>
+                                            <p:strVal val="#ppt_x"/>
+                                          </p:val>
+                                        </p:tav>
+                                        <p:tav tm="100000">
+                                          <p:val>
+                                            <p:strVal val="#ppt_x"/>
+                                          </p:val>
+                                        </p:tav>
+                                      </p:tavLst>
+                                    </p:anim>
+                                    <p:anim calcmode="lin" valueType="num">
+                                      <p:cBhvr additive="base">
+                                        <p:cTn id="40" dur="500" fill="hold"/>
+                                        <p:tgtEl>
+                                          <p:spTgt spid="12"/>
+                                        </p:tgtEl>
+                                        <p:attrNameLst>
+                                          <p:attrName>ppt_y</p:attrName>
+                                        </p:attrNameLst>
+                                      </p:cBhvr>
+                                      <p:tavLst>
+                                        <p:tav tm="0">
+                                          <p:val>
+                                            <p:strVal val="1+#ppt_h/2"/>
+                                          </p:val>
+                                        </p:tav>
+                                        <p:tav tm="100000">
+                                          <p:val>
+                                            <p:strVal val="#ppt_y"/>
+                                          </p:val>
+                                        </p:tav>
+                                      </p:tavLst>
+                                    </p:anim>
+                                  </p:childTnLst>
+                                </p:cTn>
+                              </p:par>
+                              <p:par>
+                                <p:cTn id="41" presetID="2" presetClass="entr" presetSubtype="4" fill="hold" nodeType="withEffect">
+                                  <p:stCondLst>
+                                    <p:cond delay="0"/>
+                                  </p:stCondLst>
+                                  <p:childTnLst>
+                                    <p:set>
+                                      <p:cBhvr>
+                                        <p:cTn id="42" dur="1" fill="hold">
+                                          <p:stCondLst>
+                                            <p:cond delay="0"/>
+                                          </p:stCondLst>
+                                        </p:cTn>
+                                        <p:tgtEl>
+                                          <p:spTgt spid="10"/>
+                                        </p:tgtEl>
+                                        <p:attrNameLst>
+                                          <p:attrName>style.visibility</p:attrName>
+                                        </p:attrNameLst>
+                                      </p:cBhvr>
+                                      <p:to>
+                                        <p:strVal val="visible"/>
+                                      </p:to>
+                                    </p:set>
+                                    <p:anim calcmode="lin" valueType="num">
+                                      <p:cBhvr additive="base">
+                                        <p:cTn id="43" dur="500" fill="hold"/>
+                                        <p:tgtEl>
+                                          <p:spTgt spid="10"/>
+                                        </p:tgtEl>
+                                        <p:attrNameLst>
+                                          <p:attrName>ppt_x</p:attrName>
+                                        </p:attrNameLst>
+                                      </p:cBhvr>
+                                      <p:tavLst>
+                                        <p:tav tm="0">
+                                          <p:val>
+                                            <p:strVal val="#ppt_x"/>
+                                          </p:val>
+                                        </p:tav>
+                                        <p:tav tm="100000">
+                                          <p:val>
+                                            <p:strVal val="#ppt_x"/>
+                                          </p:val>
+                                        </p:tav>
+                                      </p:tavLst>
+                                    </p:anim>
+                                    <p:anim calcmode="lin" valueType="num">
+                                      <p:cBhvr additive="base">
+                                        <p:cTn id="44" dur="500" fill="hold"/>
+                                        <p:tgtEl>
+                                          <p:spTgt spid="10"/>
+                                        </p:tgtEl>
+                                        <p:attrNameLst>
+                                          <p:attrName>ppt_y</p:attrName>
+                                        </p:attrNameLst>
+                                      </p:cBhvr>
+                                      <p:tavLst>
+                                        <p:tav tm="0">
+                                          <p:val>
+                                            <p:strVal val="1+#ppt_h/2"/>
+                                          </p:val>
+                                        </p:tav>
+                                        <p:tav tm="100000">
+                                          <p:val>
+                                            <p:strVal val="#ppt_y"/>
+                                          </p:val>
+                                        </p:tav>
+                                      </p:tavLst>
+                                    </p:anim>
+                                  </p:childTnLst>
+                                </p:cTn>
+                              </p:par>
+                            </p:childTnLst>
+                          </p:cTn>
+                        </p:par>
+                      </p:childTnLst>
+                    </p:cTn>
+                  </p:par>
+                  <p:par>
+                    <p:cTn id="45" fill="hold">
+                      <p:stCondLst>
+                        <p:cond delay="indefinite"/>
+                      </p:stCondLst>
+                      <p:childTnLst>
+                        <p:par>
+                          <p:cTn id="46" fill="hold">
+                            <p:stCondLst>
+                              <p:cond delay="0"/>
+                            </p:stCondLst>
+                            <p:childTnLst>
+                              <p:par>
+                                <p:cTn id="47" presetID="53" presetClass="entr" presetSubtype="16" fill="hold" nodeType="clickEffect">
+                                  <p:stCondLst>
+                                    <p:cond delay="0"/>
+                                  </p:stCondLst>
+                                  <p:childTnLst>
+                                    <p:set>
+                                      <p:cBhvr>
+                                        <p:cTn id="48" dur="1" fill="hold">
+                                          <p:stCondLst>
+                                            <p:cond delay="0"/>
+                                          </p:stCondLst>
+                                        </p:cTn>
+                                        <p:tgtEl>
+                                          <p:spTgt spid="1026"/>
+                                        </p:tgtEl>
+                                        <p:attrNameLst>
+                                          <p:attrName>style.visibility</p:attrName>
+                                        </p:attrNameLst>
+                                      </p:cBhvr>
+                                      <p:to>
+                                        <p:strVal val="visible"/>
+                                      </p:to>
+                                    </p:set>
+                                    <p:anim calcmode="lin" valueType="num">
+                                      <p:cBhvr>
+                                        <p:cTn id="49" dur="500" fill="hold"/>
+                                        <p:tgtEl>
+                                          <p:spTgt spid="1026"/>
+                                        </p:tgtEl>
+                                        <p:attrNameLst>
+                                          <p:attrName>ppt_w</p:attrName>
+                                        </p:attrNameLst>
+                                      </p:cBhvr>
+                                      <p:tavLst>
+                                        <p:tav tm="0">
+                                          <p:val>
+                                            <p:fltVal val="0"/>
+                                          </p:val>
+                                        </p:tav>
+                                        <p:tav tm="100000">
+                                          <p:val>
+                                            <p:strVal val="#ppt_w"/>
+                                          </p:val>
+                                        </p:tav>
+                                      </p:tavLst>
+                                    </p:anim>
+                                    <p:anim calcmode="lin" valueType="num">
+                                      <p:cBhvr>
+                                        <p:cTn id="50" dur="500" fill="hold"/>
+                                        <p:tgtEl>
+                                          <p:spTgt spid="1026"/>
+                                        </p:tgtEl>
+                                        <p:attrNameLst>
+                                          <p:attrName>ppt_h</p:attrName>
+                                        </p:attrNameLst>
+                                      </p:cBhvr>
+                                      <p:tavLst>
+                                        <p:tav tm="0">
+                                          <p:val>
+                                            <p:fltVal val="0"/>
+                                          </p:val>
+                                        </p:tav>
+                                        <p:tav tm="100000">
+                                          <p:val>
+                                            <p:strVal val="#ppt_h"/>
+                                          </p:val>
+                                        </p:tav>
+                                      </p:tavLst>
+                                    </p:anim>
+                                    <p:animEffect transition="in" filter="fade">
+                                      <p:cBhvr>
+                                        <p:cTn id="51" dur="500"/>
+                                        <p:tgtEl>
+                                          <p:spTgt spid="1026"/>
+                                        </p:tgtEl>
+                                      </p:cBhvr>
+                                    </p:animEffect>
+                                  </p:childTnLst>
+                                </p:cTn>
+                              </p:par>
+                            </p:childTnLst>
+                          </p:cTn>
+                        </p:par>
+                      </p:childTnLst>
+                    </p:cTn>
+                  </p:par>
+                </p:childTnLst>
+              </p:cTn>
+              <p:prevCondLst>
+                <p:cond evt="onPrev" delay="0">
+                  <p:tgtEl>
+                    <p:sldTgt/>
+                  </p:tgtEl>
+                </p:cond>
+              </p:prevCondLst>
+              <p:nextCondLst>
+                <p:cond evt="onNext" delay="0">
+                  <p:tgtEl>
+                    <p:sldTgt/>
+                  </p:tgtEl>
+                </p:cond>
+              </p:nextCondLst>
+            </p:seq>
+          </p:childTnLst>
+        </p:cTn>
+      </p:par>
+    </p:tnLst>
+    <p:bldLst>
+      <p:bldP spid="3" grpId="0" build="p"/>
+      <p:bldP spid="7" grpId="0" uiExpand="1" build="p"/>
+      <p:bldP spid="4" grpId="0" build="p"/>
+      <p:bldP spid="8" grpId="0" uiExpand="1" build="p"/>
+    </p:bldLst>
+  </p:timing>
 </p:sld>
 </file>
 

--- a/pitch/Bootcamp_Pitch_Vivante_FJMT_R-0.pptx
+++ b/pitch/Bootcamp_Pitch_Vivante_FJMT_R-0.pptx
@@ -6,7 +6,7 @@
   </p:sldMasterIdLst>
   <p:sldIdLst>
     <p:sldId id="256" r:id="rId2"/>
-    <p:sldId id="257" r:id="rId3"/>
+    <p:sldId id="271" r:id="rId3"/>
     <p:sldId id="265" r:id="rId4"/>
     <p:sldId id="266" r:id="rId5"/>
     <p:sldId id="267" r:id="rId6"/>
@@ -343,7 +343,7 @@
           <a:p>
             <a:fld id="{6D22F896-40B5-4ADD-8801-0D06FADFA095}" type="slidenum">
               <a:rPr lang="en-US" dirty="0"/>
-              <a:t>‹#›</a:t>
+              <a:t>‹nº›</a:t>
             </a:fld>
             <a:endParaRPr lang="en-US" dirty="0"/>
           </a:p>
@@ -595,7 +595,7 @@
           <a:p>
             <a:fld id="{6D22F896-40B5-4ADD-8801-0D06FADFA095}" type="slidenum">
               <a:rPr lang="en-US" dirty="0"/>
-              <a:t>‹#›</a:t>
+              <a:t>‹nº›</a:t>
             </a:fld>
             <a:endParaRPr lang="en-US" dirty="0"/>
           </a:p>
@@ -832,7 +832,7 @@
           <a:p>
             <a:fld id="{6D22F896-40B5-4ADD-8801-0D06FADFA095}" type="slidenum">
               <a:rPr lang="en-US" dirty="0"/>
-              <a:t>‹#›</a:t>
+              <a:t>‹nº›</a:t>
             </a:fld>
             <a:endParaRPr lang="en-US" dirty="0"/>
           </a:p>
@@ -1138,7 +1138,7 @@
           <a:p>
             <a:fld id="{6D22F896-40B5-4ADD-8801-0D06FADFA095}" type="slidenum">
               <a:rPr lang="en-US" dirty="0"/>
-              <a:t>‹#›</a:t>
+              <a:t>‹nº›</a:t>
             </a:fld>
             <a:endParaRPr lang="en-US" dirty="0"/>
           </a:p>
@@ -1607,7 +1607,7 @@
           <a:p>
             <a:fld id="{6D22F896-40B5-4ADD-8801-0D06FADFA095}" type="slidenum">
               <a:rPr lang="en-US" dirty="0"/>
-              <a:t>‹#›</a:t>
+              <a:t>‹nº›</a:t>
             </a:fld>
             <a:endParaRPr lang="en-US" dirty="0"/>
           </a:p>
@@ -2139,7 +2139,7 @@
           <a:p>
             <a:fld id="{6D22F896-40B5-4ADD-8801-0D06FADFA095}" type="slidenum">
               <a:rPr lang="en-US" dirty="0"/>
-              <a:t>‹#›</a:t>
+              <a:t>‹nº›</a:t>
             </a:fld>
             <a:endParaRPr lang="en-US" dirty="0"/>
           </a:p>
@@ -2908,7 +2908,7 @@
           <a:p>
             <a:fld id="{6D22F896-40B5-4ADD-8801-0D06FADFA095}" type="slidenum">
               <a:rPr lang="en-US" dirty="0"/>
-              <a:t>‹#›</a:t>
+              <a:t>‹nº›</a:t>
             </a:fld>
             <a:endParaRPr lang="en-US" dirty="0"/>
           </a:p>
@@ -3078,7 +3078,7 @@
           <a:p>
             <a:fld id="{6D22F896-40B5-4ADD-8801-0D06FADFA095}" type="slidenum">
               <a:rPr lang="en-US" dirty="0"/>
-              <a:t>‹#›</a:t>
+              <a:t>‹nº›</a:t>
             </a:fld>
             <a:endParaRPr lang="en-US" dirty="0"/>
           </a:p>
@@ -3307,7 +3307,7 @@
           <a:p>
             <a:fld id="{6D22F896-40B5-4ADD-8801-0D06FADFA095}" type="slidenum">
               <a:rPr lang="en-US" dirty="0"/>
-              <a:t>‹#›</a:t>
+              <a:t>‹nº›</a:t>
             </a:fld>
             <a:endParaRPr lang="en-US" dirty="0"/>
           </a:p>
@@ -3472,7 +3472,7 @@
           <a:p>
             <a:fld id="{6D22F896-40B5-4ADD-8801-0D06FADFA095}" type="slidenum">
               <a:rPr lang="en-US" dirty="0"/>
-              <a:t>‹#›</a:t>
+              <a:t>‹nº›</a:t>
             </a:fld>
             <a:endParaRPr lang="en-US" dirty="0"/>
           </a:p>
@@ -3767,7 +3767,7 @@
           <a:p>
             <a:fld id="{6D22F896-40B5-4ADD-8801-0D06FADFA095}" type="slidenum">
               <a:rPr lang="en-US" dirty="0"/>
-              <a:t>‹#›</a:t>
+              <a:t>‹nº›</a:t>
             </a:fld>
             <a:endParaRPr lang="en-US" dirty="0"/>
           </a:p>
@@ -3994,7 +3994,7 @@
           <a:p>
             <a:fld id="{6D22F896-40B5-4ADD-8801-0D06FADFA095}" type="slidenum">
               <a:rPr lang="en-US" dirty="0"/>
-              <a:t>‹#›</a:t>
+              <a:t>‹nº›</a:t>
             </a:fld>
             <a:endParaRPr lang="en-US" dirty="0"/>
           </a:p>
@@ -4368,7 +4368,7 @@
           <a:p>
             <a:fld id="{6D22F896-40B5-4ADD-8801-0D06FADFA095}" type="slidenum">
               <a:rPr lang="en-US" dirty="0"/>
-              <a:t>‹#›</a:t>
+              <a:t>‹nº›</a:t>
             </a:fld>
             <a:endParaRPr lang="en-US" dirty="0"/>
           </a:p>
@@ -4481,7 +4481,7 @@
           <a:p>
             <a:fld id="{6D22F896-40B5-4ADD-8801-0D06FADFA095}" type="slidenum">
               <a:rPr lang="en-US" dirty="0"/>
-              <a:t>‹#›</a:t>
+              <a:t>‹nº›</a:t>
             </a:fld>
             <a:endParaRPr lang="en-US" dirty="0"/>
           </a:p>
@@ -4571,7 +4571,7 @@
           <a:p>
             <a:fld id="{6D22F896-40B5-4ADD-8801-0D06FADFA095}" type="slidenum">
               <a:rPr lang="en-US" dirty="0"/>
-              <a:t>‹#›</a:t>
+              <a:t>‹nº›</a:t>
             </a:fld>
             <a:endParaRPr lang="en-US" dirty="0"/>
           </a:p>
@@ -4815,7 +4815,7 @@
           <a:p>
             <a:fld id="{6D22F896-40B5-4ADD-8801-0D06FADFA095}" type="slidenum">
               <a:rPr lang="en-US" dirty="0"/>
-              <a:t>‹#›</a:t>
+              <a:t>‹nº›</a:t>
             </a:fld>
             <a:endParaRPr lang="en-US" dirty="0"/>
           </a:p>
@@ -5067,7 +5067,7 @@
           <a:p>
             <a:fld id="{6D22F896-40B5-4ADD-8801-0D06FADFA095}" type="slidenum">
               <a:rPr lang="en-US" dirty="0"/>
-              <a:t>‹#›</a:t>
+              <a:t>‹nº›</a:t>
             </a:fld>
             <a:endParaRPr lang="en-US" dirty="0"/>
           </a:p>
@@ -5343,7 +5343,7 @@
             <a:fld id="{6D22F896-40B5-4ADD-8801-0D06FADFA095}" type="slidenum">
               <a:rPr lang="en-US" dirty="0"/>
               <a:pPr/>
-              <a:t>‹#›</a:t>
+              <a:t>‹nº›</a:t>
             </a:fld>
             <a:endParaRPr lang="en-US" dirty="0"/>
           </a:p>
@@ -5959,9 +5959,16 @@
             <p:ph type="title"/>
           </p:nvPr>
         </p:nvSpPr>
-        <p:spPr/>
-        <p:txBody>
-          <a:bodyPr/>
+        <p:spPr>
+          <a:xfrm>
+            <a:off x="2895600" y="764373"/>
+            <a:ext cx="8610600" cy="1293028"/>
+          </a:xfrm>
+        </p:spPr>
+        <p:txBody>
+          <a:bodyPr>
+            <a:normAutofit/>
+          </a:bodyPr>
           <a:lstStyle/>
           <a:p>
             <a:r>
@@ -5987,31 +5994,122 @@
             <p:ph idx="1"/>
           </p:nvPr>
         </p:nvSpPr>
-        <p:spPr/>
+        <p:spPr>
+          <a:xfrm>
+            <a:off x="677333" y="2194560"/>
+            <a:ext cx="5816600" cy="4024125"/>
+          </a:xfrm>
+        </p:spPr>
         <p:txBody>
           <a:bodyPr>
             <a:normAutofit/>
           </a:bodyPr>
           <a:lstStyle/>
           <a:p>
-            <a:pPr lvl="1"/>
-            <a:endParaRPr lang="pt-BR" dirty="0"/>
-          </a:p>
-        </p:txBody>
-      </p:sp>
+            <a:pPr marL="457200" lvl="1" indent="0">
+              <a:buNone/>
+            </a:pPr>
+            <a:r>
+              <a:rPr lang="pt-BR" sz="1600" dirty="0"/>
+              <a:t>A </a:t>
+            </a:r>
+            <a:r>
+              <a:rPr lang="pt-BR" sz="1600" dirty="0" err="1"/>
+              <a:t>Vivante</a:t>
+            </a:r>
+            <a:r>
+              <a:rPr lang="pt-BR" sz="1600" dirty="0"/>
+              <a:t> atua há mais de 20 anos no mercado nacional de manutenção, </a:t>
+            </a:r>
+            <a:r>
+              <a:rPr lang="pt-BR" sz="1600" dirty="0" err="1"/>
+              <a:t>facilities</a:t>
+            </a:r>
+            <a:r>
+              <a:rPr lang="pt-BR" sz="1600" dirty="0"/>
+              <a:t> e eficiência energética.</a:t>
+            </a:r>
+          </a:p>
+          <a:p>
+            <a:pPr marL="457200" lvl="1" indent="0">
+              <a:buNone/>
+            </a:pPr>
+            <a:endParaRPr lang="pt-BR" sz="1600" dirty="0"/>
+          </a:p>
+          <a:p>
+            <a:pPr marL="457200" lvl="1" indent="0">
+              <a:buNone/>
+            </a:pPr>
+            <a:r>
+              <a:rPr lang="pt-BR" sz="1600" dirty="0"/>
+              <a:t>Possui hoje mais de 5.000 colaboradores em todo o Brasil, atendendo uma grande variedade de clientes em diversos segmentos.</a:t>
+            </a:r>
+          </a:p>
+          <a:p>
+            <a:pPr marL="457200" lvl="1" indent="0">
+              <a:buNone/>
+            </a:pPr>
+            <a:endParaRPr lang="pt-BR" sz="1600" dirty="0"/>
+          </a:p>
+          <a:p>
+            <a:pPr marL="457200" lvl="1" indent="0">
+              <a:buNone/>
+            </a:pPr>
+            <a:r>
+              <a:rPr lang="pt-BR" sz="1600" dirty="0"/>
+              <a:t>A </a:t>
+            </a:r>
+            <a:r>
+              <a:rPr lang="pt-BR" sz="1600" dirty="0" err="1"/>
+              <a:t>Vivante</a:t>
+            </a:r>
+            <a:r>
+              <a:rPr lang="pt-BR" sz="1600" dirty="0"/>
+              <a:t> possui uma cultura de vanguarda na adoção de inovações tecnológicas e ferramentas de ponta buscando sempre otimização e qualidade.</a:t>
+            </a:r>
+          </a:p>
+        </p:txBody>
+      </p:sp>
+      <p:pic>
+        <p:nvPicPr>
+          <p:cNvPr id="7" name="Imagem 6">
+            <a:extLst>
+              <a:ext uri="{FF2B5EF4-FFF2-40B4-BE49-F238E27FC236}">
+                <a16:creationId xmlns:a16="http://schemas.microsoft.com/office/drawing/2014/main" id="{1B37EF94-14D9-4E38-880F-44FA257C39D4}"/>
+              </a:ext>
+            </a:extLst>
+          </p:cNvPr>
+          <p:cNvPicPr>
+            <a:picLocks noChangeAspect="1"/>
+          </p:cNvPicPr>
+          <p:nvPr/>
+        </p:nvPicPr>
+        <p:blipFill>
+          <a:blip r:embed="rId2"/>
+          <a:stretch>
+            <a:fillRect/>
+          </a:stretch>
+        </p:blipFill>
+        <p:spPr>
+          <a:xfrm>
+            <a:off x="6985000" y="2617767"/>
+            <a:ext cx="4521200" cy="2462910"/>
+          </a:xfrm>
+          <a:prstGeom prst="rect">
+            <a:avLst/>
+          </a:prstGeom>
+        </p:spPr>
+      </p:pic>
     </p:spTree>
     <p:extLst>
       <p:ext uri="{BB962C8B-B14F-4D97-AF65-F5344CB8AC3E}">
-        <p14:creationId xmlns:p14="http://schemas.microsoft.com/office/powerpoint/2010/main" val="3214094838"/>
+        <p14:creationId xmlns:p14="http://schemas.microsoft.com/office/powerpoint/2010/main" val="2979802934"/>
       </p:ext>
     </p:extLst>
   </p:cSld>
   <p:clrMapOvr>
     <a:masterClrMapping/>
   </p:clrMapOvr>
-  <p:transition spd="slow">
-    <p:push dir="u"/>
-  </p:transition>
 </p:sld>
 </file>
 
@@ -8310,9 +8408,16 @@
             <p:ph type="title"/>
           </p:nvPr>
         </p:nvSpPr>
-        <p:spPr/>
-        <p:txBody>
-          <a:bodyPr/>
+        <p:spPr>
+          <a:xfrm>
+            <a:off x="2895600" y="764373"/>
+            <a:ext cx="8610600" cy="1293028"/>
+          </a:xfrm>
+        </p:spPr>
+        <p:txBody>
+          <a:bodyPr>
+            <a:normAutofit/>
+          </a:bodyPr>
           <a:lstStyle/>
           <a:p>
             <a:r>
@@ -8338,7 +8443,12 @@
             <p:ph idx="1"/>
           </p:nvPr>
         </p:nvSpPr>
-        <p:spPr/>
+        <p:spPr>
+          <a:xfrm>
+            <a:off x="677333" y="2194560"/>
+            <a:ext cx="5816600" cy="4024125"/>
+          </a:xfrm>
+        </p:spPr>
         <p:txBody>
           <a:bodyPr>
             <a:normAutofit/>
@@ -8346,10 +8456,98 @@
           <a:lstStyle/>
           <a:p>
             <a:pPr lvl="1"/>
+            <a:r>
+              <a:rPr lang="pt-BR" dirty="0"/>
+              <a:t>Contratos mais rentáveis e maior segurança na definição das margens de lucro;</a:t>
+            </a:r>
+          </a:p>
+          <a:p>
+            <a:pPr lvl="1"/>
+            <a:r>
+              <a:rPr lang="pt-BR" dirty="0"/>
+              <a:t>Criação de KPIs e </a:t>
+            </a:r>
+            <a:r>
+              <a:rPr lang="pt-BR" dirty="0" err="1"/>
+              <a:t>OPIs</a:t>
+            </a:r>
+            <a:r>
+              <a:rPr lang="pt-BR" dirty="0"/>
+              <a:t> relevantes e monetizáveis, levando a avaliações de desempenho mais objetivas;</a:t>
+            </a:r>
+          </a:p>
+          <a:p>
+            <a:pPr lvl="1"/>
+            <a:r>
+              <a:rPr lang="pt-BR" dirty="0"/>
+              <a:t>Reconhecimento mensurável do valor agregado ao cliente;</a:t>
+            </a:r>
+          </a:p>
+          <a:p>
+            <a:pPr lvl="1"/>
+            <a:r>
+              <a:rPr lang="pt-BR" dirty="0"/>
+              <a:t>Possibilidade de remuneração variável baseada em desempenho real;</a:t>
+            </a:r>
+          </a:p>
+          <a:p>
+            <a:pPr lvl="1"/>
+            <a:r>
+              <a:rPr lang="pt-BR" dirty="0"/>
+              <a:t>Melhor controle da jornada de trabalho e alocação da equipe.</a:t>
+            </a:r>
+          </a:p>
+          <a:p>
+            <a:pPr lvl="1"/>
             <a:endParaRPr lang="pt-BR" dirty="0"/>
           </a:p>
-        </p:txBody>
-      </p:sp>
+          <a:p>
+            <a:pPr lvl="1"/>
+            <a:endParaRPr lang="pt-BR" dirty="0"/>
+          </a:p>
+          <a:p>
+            <a:pPr lvl="1"/>
+            <a:endParaRPr lang="pt-BR" dirty="0"/>
+          </a:p>
+          <a:p>
+            <a:pPr lvl="1"/>
+            <a:endParaRPr lang="pt-BR" dirty="0"/>
+          </a:p>
+          <a:p>
+            <a:pPr lvl="1"/>
+            <a:endParaRPr lang="pt-BR" dirty="0"/>
+          </a:p>
+        </p:txBody>
+      </p:sp>
+      <p:pic>
+        <p:nvPicPr>
+          <p:cNvPr id="4" name="Imagem 3">
+            <a:extLst>
+              <a:ext uri="{FF2B5EF4-FFF2-40B4-BE49-F238E27FC236}">
+                <a16:creationId xmlns:a16="http://schemas.microsoft.com/office/drawing/2014/main" id="{DCD572A7-FEAC-4067-8B90-B3443A3BF6B3}"/>
+              </a:ext>
+            </a:extLst>
+          </p:cNvPr>
+          <p:cNvPicPr>
+            <a:picLocks noChangeAspect="1"/>
+          </p:cNvPicPr>
+          <p:nvPr/>
+        </p:nvPicPr>
+        <p:blipFill rotWithShape="1">
+          <a:blip r:embed="rId2"/>
+          <a:srcRect l="13776" r="17299" b="2"/>
+          <a:stretch/>
+        </p:blipFill>
+        <p:spPr>
+          <a:xfrm>
+            <a:off x="6985000" y="2501159"/>
+            <a:ext cx="4521200" cy="3410926"/>
+          </a:xfrm>
+          <a:prstGeom prst="rect">
+            <a:avLst/>
+          </a:prstGeom>
+        </p:spPr>
+      </p:pic>
     </p:spTree>
     <p:extLst>
       <p:ext uri="{BB962C8B-B14F-4D97-AF65-F5344CB8AC3E}">
@@ -8360,9 +8558,6 @@
   <p:clrMapOvr>
     <a:masterClrMapping/>
   </p:clrMapOvr>
-  <p:transition spd="slow">
-    <p:push dir="u"/>
-  </p:transition>
 </p:sld>
 </file>
 

--- a/pitch/Bootcamp_Pitch_Vivante_FJMT_R-0.pptx
+++ b/pitch/Bootcamp_Pitch_Vivante_FJMT_R-0.pptx
@@ -343,7 +343,7 @@
           <a:p>
             <a:fld id="{6D22F896-40B5-4ADD-8801-0D06FADFA095}" type="slidenum">
               <a:rPr lang="en-US" dirty="0"/>
-              <a:t>‹nº›</a:t>
+              <a:t>‹#›</a:t>
             </a:fld>
             <a:endParaRPr lang="en-US" dirty="0"/>
           </a:p>
@@ -595,7 +595,7 @@
           <a:p>
             <a:fld id="{6D22F896-40B5-4ADD-8801-0D06FADFA095}" type="slidenum">
               <a:rPr lang="en-US" dirty="0"/>
-              <a:t>‹nº›</a:t>
+              <a:t>‹#›</a:t>
             </a:fld>
             <a:endParaRPr lang="en-US" dirty="0"/>
           </a:p>
@@ -832,7 +832,7 @@
           <a:p>
             <a:fld id="{6D22F896-40B5-4ADD-8801-0D06FADFA095}" type="slidenum">
               <a:rPr lang="en-US" dirty="0"/>
-              <a:t>‹nº›</a:t>
+              <a:t>‹#›</a:t>
             </a:fld>
             <a:endParaRPr lang="en-US" dirty="0"/>
           </a:p>
@@ -1138,7 +1138,7 @@
           <a:p>
             <a:fld id="{6D22F896-40B5-4ADD-8801-0D06FADFA095}" type="slidenum">
               <a:rPr lang="en-US" dirty="0"/>
-              <a:t>‹nº›</a:t>
+              <a:t>‹#›</a:t>
             </a:fld>
             <a:endParaRPr lang="en-US" dirty="0"/>
           </a:p>
@@ -1607,7 +1607,7 @@
           <a:p>
             <a:fld id="{6D22F896-40B5-4ADD-8801-0D06FADFA095}" type="slidenum">
               <a:rPr lang="en-US" dirty="0"/>
-              <a:t>‹nº›</a:t>
+              <a:t>‹#›</a:t>
             </a:fld>
             <a:endParaRPr lang="en-US" dirty="0"/>
           </a:p>
@@ -2139,7 +2139,7 @@
           <a:p>
             <a:fld id="{6D22F896-40B5-4ADD-8801-0D06FADFA095}" type="slidenum">
               <a:rPr lang="en-US" dirty="0"/>
-              <a:t>‹nº›</a:t>
+              <a:t>‹#›</a:t>
             </a:fld>
             <a:endParaRPr lang="en-US" dirty="0"/>
           </a:p>
@@ -2908,7 +2908,7 @@
           <a:p>
             <a:fld id="{6D22F896-40B5-4ADD-8801-0D06FADFA095}" type="slidenum">
               <a:rPr lang="en-US" dirty="0"/>
-              <a:t>‹nº›</a:t>
+              <a:t>‹#›</a:t>
             </a:fld>
             <a:endParaRPr lang="en-US" dirty="0"/>
           </a:p>
@@ -3078,7 +3078,7 @@
           <a:p>
             <a:fld id="{6D22F896-40B5-4ADD-8801-0D06FADFA095}" type="slidenum">
               <a:rPr lang="en-US" dirty="0"/>
-              <a:t>‹nº›</a:t>
+              <a:t>‹#›</a:t>
             </a:fld>
             <a:endParaRPr lang="en-US" dirty="0"/>
           </a:p>
@@ -3307,7 +3307,7 @@
           <a:p>
             <a:fld id="{6D22F896-40B5-4ADD-8801-0D06FADFA095}" type="slidenum">
               <a:rPr lang="en-US" dirty="0"/>
-              <a:t>‹nº›</a:t>
+              <a:t>‹#›</a:t>
             </a:fld>
             <a:endParaRPr lang="en-US" dirty="0"/>
           </a:p>
@@ -3472,7 +3472,7 @@
           <a:p>
             <a:fld id="{6D22F896-40B5-4ADD-8801-0D06FADFA095}" type="slidenum">
               <a:rPr lang="en-US" dirty="0"/>
-              <a:t>‹nº›</a:t>
+              <a:t>‹#›</a:t>
             </a:fld>
             <a:endParaRPr lang="en-US" dirty="0"/>
           </a:p>
@@ -3767,7 +3767,7 @@
           <a:p>
             <a:fld id="{6D22F896-40B5-4ADD-8801-0D06FADFA095}" type="slidenum">
               <a:rPr lang="en-US" dirty="0"/>
-              <a:t>‹nº›</a:t>
+              <a:t>‹#›</a:t>
             </a:fld>
             <a:endParaRPr lang="en-US" dirty="0"/>
           </a:p>
@@ -3994,7 +3994,7 @@
           <a:p>
             <a:fld id="{6D22F896-40B5-4ADD-8801-0D06FADFA095}" type="slidenum">
               <a:rPr lang="en-US" dirty="0"/>
-              <a:t>‹nº›</a:t>
+              <a:t>‹#›</a:t>
             </a:fld>
             <a:endParaRPr lang="en-US" dirty="0"/>
           </a:p>
@@ -4368,7 +4368,7 @@
           <a:p>
             <a:fld id="{6D22F896-40B5-4ADD-8801-0D06FADFA095}" type="slidenum">
               <a:rPr lang="en-US" dirty="0"/>
-              <a:t>‹nº›</a:t>
+              <a:t>‹#›</a:t>
             </a:fld>
             <a:endParaRPr lang="en-US" dirty="0"/>
           </a:p>
@@ -4481,7 +4481,7 @@
           <a:p>
             <a:fld id="{6D22F896-40B5-4ADD-8801-0D06FADFA095}" type="slidenum">
               <a:rPr lang="en-US" dirty="0"/>
-              <a:t>‹nº›</a:t>
+              <a:t>‹#›</a:t>
             </a:fld>
             <a:endParaRPr lang="en-US" dirty="0"/>
           </a:p>
@@ -4571,7 +4571,7 @@
           <a:p>
             <a:fld id="{6D22F896-40B5-4ADD-8801-0D06FADFA095}" type="slidenum">
               <a:rPr lang="en-US" dirty="0"/>
-              <a:t>‹nº›</a:t>
+              <a:t>‹#›</a:t>
             </a:fld>
             <a:endParaRPr lang="en-US" dirty="0"/>
           </a:p>
@@ -4815,7 +4815,7 @@
           <a:p>
             <a:fld id="{6D22F896-40B5-4ADD-8801-0D06FADFA095}" type="slidenum">
               <a:rPr lang="en-US" dirty="0"/>
-              <a:t>‹nº›</a:t>
+              <a:t>‹#›</a:t>
             </a:fld>
             <a:endParaRPr lang="en-US" dirty="0"/>
           </a:p>
@@ -5067,7 +5067,7 @@
           <a:p>
             <a:fld id="{6D22F896-40B5-4ADD-8801-0D06FADFA095}" type="slidenum">
               <a:rPr lang="en-US" dirty="0"/>
-              <a:t>‹nº›</a:t>
+              <a:t>‹#›</a:t>
             </a:fld>
             <a:endParaRPr lang="en-US" dirty="0"/>
           </a:p>
@@ -5343,7 +5343,7 @@
             <a:fld id="{6D22F896-40B5-4ADD-8801-0D06FADFA095}" type="slidenum">
               <a:rPr lang="en-US" dirty="0"/>
               <a:pPr/>
-              <a:t>‹nº›</a:t>
+              <a:t>‹#›</a:t>
             </a:fld>
             <a:endParaRPr lang="en-US" dirty="0"/>
           </a:p>
@@ -7592,11 +7592,19 @@
             <a:pPr lvl="1"/>
             <a:r>
               <a:rPr lang="en-US" dirty="0" err="1"/>
-              <a:t>Prever</a:t>
+              <a:t>Otimizar</a:t>
             </a:r>
             <a:r>
               <a:rPr lang="en-US" dirty="0"/>
-              <a:t> o tempo de </a:t>
+              <a:t> a </a:t>
+            </a:r>
+            <a:r>
+              <a:rPr lang="en-US" dirty="0" err="1"/>
+              <a:t>estimativa</a:t>
+            </a:r>
+            <a:r>
+              <a:rPr lang="en-US" dirty="0"/>
+              <a:t> de tempo de </a:t>
             </a:r>
             <a:r>
               <a:rPr lang="en-US" dirty="0" err="1"/>
@@ -7612,7 +7620,55 @@
             </a:r>
             <a:r>
               <a:rPr lang="en-US" dirty="0"/>
-              <a:t>, por </a:t>
+              <a:t> do </a:t>
+            </a:r>
+            <a:r>
+              <a:rPr lang="en-US" dirty="0" err="1"/>
+              <a:t>técnico</a:t>
+            </a:r>
+            <a:r>
+              <a:rPr lang="en-US" dirty="0"/>
+              <a:t> </a:t>
+            </a:r>
+            <a:r>
+              <a:rPr lang="en-US" dirty="0" err="1"/>
+              <a:t>envolvido</a:t>
+            </a:r>
+            <a:r>
+              <a:rPr lang="en-US" dirty="0"/>
+              <a:t>, </a:t>
+            </a:r>
+            <a:r>
+              <a:rPr lang="en-US" dirty="0" err="1"/>
+              <a:t>levando</a:t>
+            </a:r>
+            <a:r>
+              <a:rPr lang="en-US" dirty="0"/>
+              <a:t> </a:t>
+            </a:r>
+            <a:r>
+              <a:rPr lang="en-US" dirty="0" err="1"/>
+              <a:t>em</a:t>
+            </a:r>
+            <a:r>
+              <a:rPr lang="en-US" dirty="0"/>
+              <a:t> </a:t>
+            </a:r>
+            <a:r>
+              <a:rPr lang="en-US" dirty="0" err="1"/>
+              <a:t>consideração</a:t>
+            </a:r>
+            <a:r>
+              <a:rPr lang="en-US" dirty="0"/>
+              <a:t> a </a:t>
+            </a:r>
+            <a:r>
+              <a:rPr lang="en-US" dirty="0" err="1"/>
+              <a:t>atividade</a:t>
+            </a:r>
+            <a:r>
+              <a:rPr lang="en-US" dirty="0"/>
+              <a:t>, o </a:t>
             </a:r>
             <a:r>
               <a:rPr lang="en-US" dirty="0" err="1"/>
@@ -7620,19 +7676,19 @@
             </a:r>
             <a:r>
               <a:rPr lang="en-US" dirty="0"/>
-              <a:t> e </a:t>
+              <a:t> e a </a:t>
             </a:r>
             <a:r>
               <a:rPr lang="en-US" dirty="0" err="1"/>
-              <a:t>tipo</a:t>
+              <a:t>classe</a:t>
             </a:r>
             <a:r>
               <a:rPr lang="en-US" dirty="0"/>
               <a:t> de </a:t>
             </a:r>
             <a:r>
-              <a:rPr lang="en-US" dirty="0" err="1"/>
-              <a:t>atividade</a:t>
+              <a:rPr lang="en-US"/>
+              <a:t>trabalho</a:t>
             </a:r>
             <a:endParaRPr lang="en-US" dirty="0"/>
           </a:p>
@@ -8287,7 +8343,7 @@
 </file>
 
 <file path=ppt/slides/slide5.xml><?xml version="1.0" encoding="utf-8"?>
-<p:sld xmlns:a="http://schemas.openxmlformats.org/drawingml/2006/main" xmlns:r="http://schemas.openxmlformats.org/officeDocument/2006/relationships" xmlns:p="http://schemas.openxmlformats.org/presentationml/2006/main">
+<p:sld xmlns:a="http://schemas.openxmlformats.org/drawingml/2006/main" xmlns:r="http://schemas.openxmlformats.org/officeDocument/2006/relationships" xmlns:p="http://schemas.openxmlformats.org/presentationml/2006/main" show="0">
   <p:cSld>
     <p:spTree>
       <p:nvGrpSpPr>

--- a/pitch/Bootcamp_Pitch_Vivante_FJMT_R-0.pptx
+++ b/pitch/Bootcamp_Pitch_Vivante_FJMT_R-0.pptx
@@ -6,15 +6,16 @@
   </p:sldMasterIdLst>
   <p:sldIdLst>
     <p:sldId id="256" r:id="rId2"/>
-    <p:sldId id="271" r:id="rId3"/>
-    <p:sldId id="265" r:id="rId4"/>
-    <p:sldId id="266" r:id="rId5"/>
-    <p:sldId id="267" r:id="rId6"/>
-    <p:sldId id="268" r:id="rId7"/>
-    <p:sldId id="258" r:id="rId8"/>
-    <p:sldId id="270" r:id="rId9"/>
-    <p:sldId id="262" r:id="rId10"/>
-    <p:sldId id="269" r:id="rId11"/>
+    <p:sldId id="272" r:id="rId3"/>
+    <p:sldId id="271" r:id="rId4"/>
+    <p:sldId id="265" r:id="rId5"/>
+    <p:sldId id="266" r:id="rId6"/>
+    <p:sldId id="267" r:id="rId7"/>
+    <p:sldId id="268" r:id="rId8"/>
+    <p:sldId id="258" r:id="rId9"/>
+    <p:sldId id="270" r:id="rId10"/>
+    <p:sldId id="262" r:id="rId11"/>
+    <p:sldId id="269" r:id="rId12"/>
   </p:sldIdLst>
   <p:sldSz cx="12192000" cy="6858000"/>
   <p:notesSz cx="6858000" cy="9144000"/>
@@ -5687,10 +5688,15 @@
             <p:ph type="ctrTitle"/>
           </p:nvPr>
         </p:nvSpPr>
-        <p:spPr/>
+        <p:spPr>
+          <a:xfrm>
+            <a:off x="1371600" y="1392572"/>
+            <a:ext cx="9448800" cy="2235929"/>
+          </a:xfrm>
+        </p:spPr>
         <p:txBody>
           <a:bodyPr>
-            <a:normAutofit/>
+            <a:normAutofit fontScale="90000"/>
           </a:bodyPr>
           <a:lstStyle/>
           <a:p>
@@ -5710,8 +5716,22 @@
               <a:rPr lang="pt-BR" dirty="0"/>
             </a:br>
             <a:r>
-              <a:rPr lang="pt-BR" sz="4200" dirty="0"/>
-              <a:t>MANUTENÇÃO OTIMIZADA</a:t>
+              <a:rPr lang="pt-BR" sz="3600" dirty="0"/>
+              <a:t>Grupo </a:t>
+            </a:r>
+            <a:r>
+              <a:rPr lang="pt-BR" sz="3600" dirty="0" err="1"/>
+              <a:t>fjmt</a:t>
+            </a:r>
+            <a:br>
+              <a:rPr lang="pt-BR" sz="3600" dirty="0"/>
+            </a:br>
+            <a:br>
+              <a:rPr lang="pt-BR" sz="3600" dirty="0"/>
+            </a:br>
+            <a:r>
+              <a:rPr lang="pt-BR" sz="3600" dirty="0"/>
+              <a:t>MANUTENÇÃO Como ATIVO Estratégico</a:t>
             </a:r>
           </a:p>
         </p:txBody>
@@ -5847,9 +5867,10 @@
           <a:lstStyle/>
           <a:p>
             <a:r>
-              <a:rPr lang="pt-BR" dirty="0"/>
-              <a:t>agradecimentos</a:t>
-            </a:r>
+              <a:rPr lang="pt-BR" dirty="0" err="1"/>
+              <a:t>conclusÕes</a:t>
+            </a:r>
+            <a:endParaRPr lang="pt-BR" dirty="0"/>
           </a:p>
         </p:txBody>
       </p:sp>
@@ -5866,4222 +5887,6 @@
             <a:spLocks noGrp="1"/>
           </p:cNvSpPr>
           <p:nvPr>
-            <p:ph idx="1"/>
-          </p:nvPr>
-        </p:nvSpPr>
-        <p:spPr/>
-        <p:txBody>
-          <a:bodyPr/>
-          <a:lstStyle/>
-          <a:p>
-            <a:endParaRPr lang="pt-BR" dirty="0"/>
-          </a:p>
-          <a:p>
-            <a:r>
-              <a:rPr lang="pt-BR" dirty="0"/>
-              <a:t>Ao cliente VIVANTE, pela oportunidade de aplicar os conhecimentos de sala de aula;</a:t>
-            </a:r>
-          </a:p>
-          <a:p>
-            <a:r>
-              <a:rPr lang="pt-BR" dirty="0"/>
-              <a:t>A todos os professores de IA da </a:t>
-            </a:r>
-            <a:r>
-              <a:rPr lang="pt-BR" dirty="0" err="1"/>
-              <a:t>FIAP</a:t>
-            </a:r>
-            <a:r>
-              <a:rPr lang="pt-BR" dirty="0"/>
-              <a:t>, por toda a base que nos fez chegar até aqui;</a:t>
-            </a:r>
-          </a:p>
-          <a:p>
-            <a:r>
-              <a:rPr lang="pt-BR" dirty="0"/>
-              <a:t>Aos nossos familiares, por tanta paciência.</a:t>
-            </a:r>
-          </a:p>
-          <a:p>
-            <a:r>
-              <a:rPr lang="pt-BR" dirty="0"/>
-              <a:t>E até à pandemia, que acabou acelerando muitos projetos na área de Transformação Digital.</a:t>
-            </a:r>
-          </a:p>
-        </p:txBody>
-      </p:sp>
-    </p:spTree>
-    <p:extLst>
-      <p:ext uri="{BB962C8B-B14F-4D97-AF65-F5344CB8AC3E}">
-        <p14:creationId xmlns:p14="http://schemas.microsoft.com/office/powerpoint/2010/main" val="1100214067"/>
-      </p:ext>
-    </p:extLst>
-  </p:cSld>
-  <p:clrMapOvr>
-    <a:masterClrMapping/>
-  </p:clrMapOvr>
-  <p:transition spd="slow">
-    <p:push dir="u"/>
-  </p:transition>
-</p:sld>
-</file>
-
-<file path=ppt/slides/slide2.xml><?xml version="1.0" encoding="utf-8"?>
-<p:sld xmlns:a="http://schemas.openxmlformats.org/drawingml/2006/main" xmlns:r="http://schemas.openxmlformats.org/officeDocument/2006/relationships" xmlns:p="http://schemas.openxmlformats.org/presentationml/2006/main">
-  <p:cSld>
-    <p:spTree>
-      <p:nvGrpSpPr>
-        <p:cNvPr id="1" name=""/>
-        <p:cNvGrpSpPr/>
-        <p:nvPr/>
-      </p:nvGrpSpPr>
-      <p:grpSpPr>
-        <a:xfrm>
-          <a:off x="0" y="0"/>
-          <a:ext cx="0" cy="0"/>
-          <a:chOff x="0" y="0"/>
-          <a:chExt cx="0" cy="0"/>
-        </a:xfrm>
-      </p:grpSpPr>
-      <p:sp>
-        <p:nvSpPr>
-          <p:cNvPr id="2" name="Título 1">
-            <a:extLst>
-              <a:ext uri="{FF2B5EF4-FFF2-40B4-BE49-F238E27FC236}">
-                <a16:creationId xmlns:a16="http://schemas.microsoft.com/office/drawing/2014/main" id="{1DBB9128-C0D1-2B49-8B6F-83116D3CF601}"/>
-              </a:ext>
-            </a:extLst>
-          </p:cNvPr>
-          <p:cNvSpPr>
-            <a:spLocks noGrp="1"/>
-          </p:cNvSpPr>
-          <p:nvPr>
-            <p:ph type="title"/>
-          </p:nvPr>
-        </p:nvSpPr>
-        <p:spPr>
-          <a:xfrm>
-            <a:off x="2895600" y="764373"/>
-            <a:ext cx="8610600" cy="1293028"/>
-          </a:xfrm>
-        </p:spPr>
-        <p:txBody>
-          <a:bodyPr>
-            <a:normAutofit/>
-          </a:bodyPr>
-          <a:lstStyle/>
-          <a:p>
-            <a:r>
-              <a:rPr lang="pt-BR" dirty="0"/>
-              <a:t>O cliente</a:t>
-            </a:r>
-          </a:p>
-        </p:txBody>
-      </p:sp>
-      <p:sp>
-        <p:nvSpPr>
-          <p:cNvPr id="3" name="Espaço Reservado para Conteúdo 2">
-            <a:extLst>
-              <a:ext uri="{FF2B5EF4-FFF2-40B4-BE49-F238E27FC236}">
-                <a16:creationId xmlns:a16="http://schemas.microsoft.com/office/drawing/2014/main" id="{3DAD9610-3B15-4848-84F0-4B806EC24DCD}"/>
-              </a:ext>
-            </a:extLst>
-          </p:cNvPr>
-          <p:cNvSpPr>
-            <a:spLocks noGrp="1"/>
-          </p:cNvSpPr>
-          <p:nvPr>
-            <p:ph idx="1"/>
-          </p:nvPr>
-        </p:nvSpPr>
-        <p:spPr>
-          <a:xfrm>
-            <a:off x="677333" y="2194560"/>
-            <a:ext cx="5816600" cy="4024125"/>
-          </a:xfrm>
-        </p:spPr>
-        <p:txBody>
-          <a:bodyPr>
-            <a:normAutofit/>
-          </a:bodyPr>
-          <a:lstStyle/>
-          <a:p>
-            <a:pPr marL="457200" lvl="1" indent="0">
-              <a:buNone/>
-            </a:pPr>
-            <a:r>
-              <a:rPr lang="pt-BR" sz="1600" dirty="0"/>
-              <a:t>A </a:t>
-            </a:r>
-            <a:r>
-              <a:rPr lang="pt-BR" sz="1600" dirty="0" err="1"/>
-              <a:t>Vivante</a:t>
-            </a:r>
-            <a:r>
-              <a:rPr lang="pt-BR" sz="1600" dirty="0"/>
-              <a:t> atua há mais de 20 anos no mercado nacional de manutenção, </a:t>
-            </a:r>
-            <a:r>
-              <a:rPr lang="pt-BR" sz="1600" dirty="0" err="1"/>
-              <a:t>facilities</a:t>
-            </a:r>
-            <a:r>
-              <a:rPr lang="pt-BR" sz="1600" dirty="0"/>
-              <a:t> e eficiência energética.</a:t>
-            </a:r>
-          </a:p>
-          <a:p>
-            <a:pPr marL="457200" lvl="1" indent="0">
-              <a:buNone/>
-            </a:pPr>
-            <a:endParaRPr lang="pt-BR" sz="1600" dirty="0"/>
-          </a:p>
-          <a:p>
-            <a:pPr marL="457200" lvl="1" indent="0">
-              <a:buNone/>
-            </a:pPr>
-            <a:r>
-              <a:rPr lang="pt-BR" sz="1600" dirty="0"/>
-              <a:t>Possui hoje mais de 5.000 colaboradores em todo o Brasil, atendendo uma grande variedade de clientes em diversos segmentos.</a:t>
-            </a:r>
-          </a:p>
-          <a:p>
-            <a:pPr marL="457200" lvl="1" indent="0">
-              <a:buNone/>
-            </a:pPr>
-            <a:endParaRPr lang="pt-BR" sz="1600" dirty="0"/>
-          </a:p>
-          <a:p>
-            <a:pPr marL="457200" lvl="1" indent="0">
-              <a:buNone/>
-            </a:pPr>
-            <a:r>
-              <a:rPr lang="pt-BR" sz="1600" dirty="0"/>
-              <a:t>A </a:t>
-            </a:r>
-            <a:r>
-              <a:rPr lang="pt-BR" sz="1600" dirty="0" err="1"/>
-              <a:t>Vivante</a:t>
-            </a:r>
-            <a:r>
-              <a:rPr lang="pt-BR" sz="1600" dirty="0"/>
-              <a:t> possui uma cultura de vanguarda na adoção de inovações tecnológicas e ferramentas de ponta buscando sempre otimização e qualidade.</a:t>
-            </a:r>
-          </a:p>
-        </p:txBody>
-      </p:sp>
-      <p:pic>
-        <p:nvPicPr>
-          <p:cNvPr id="7" name="Imagem 6">
-            <a:extLst>
-              <a:ext uri="{FF2B5EF4-FFF2-40B4-BE49-F238E27FC236}">
-                <a16:creationId xmlns:a16="http://schemas.microsoft.com/office/drawing/2014/main" id="{1B37EF94-14D9-4E38-880F-44FA257C39D4}"/>
-              </a:ext>
-            </a:extLst>
-          </p:cNvPr>
-          <p:cNvPicPr>
-            <a:picLocks noChangeAspect="1"/>
-          </p:cNvPicPr>
-          <p:nvPr/>
-        </p:nvPicPr>
-        <p:blipFill>
-          <a:blip r:embed="rId2"/>
-          <a:stretch>
-            <a:fillRect/>
-          </a:stretch>
-        </p:blipFill>
-        <p:spPr>
-          <a:xfrm>
-            <a:off x="6985000" y="2617767"/>
-            <a:ext cx="4521200" cy="2462910"/>
-          </a:xfrm>
-          <a:prstGeom prst="rect">
-            <a:avLst/>
-          </a:prstGeom>
-        </p:spPr>
-      </p:pic>
-    </p:spTree>
-    <p:extLst>
-      <p:ext uri="{BB962C8B-B14F-4D97-AF65-F5344CB8AC3E}">
-        <p14:creationId xmlns:p14="http://schemas.microsoft.com/office/powerpoint/2010/main" val="2979802934"/>
-      </p:ext>
-    </p:extLst>
-  </p:cSld>
-  <p:clrMapOvr>
-    <a:masterClrMapping/>
-  </p:clrMapOvr>
-</p:sld>
-</file>
-
-<file path=ppt/slides/slide3.xml><?xml version="1.0" encoding="utf-8"?>
-<p:sld xmlns:a="http://schemas.openxmlformats.org/drawingml/2006/main" xmlns:r="http://schemas.openxmlformats.org/officeDocument/2006/relationships" xmlns:p="http://schemas.openxmlformats.org/presentationml/2006/main">
-  <p:cSld>
-    <p:bg>
-      <p:bgPr>
-        <a:solidFill>
-          <a:schemeClr val="bg1"/>
-        </a:solidFill>
-        <a:effectLst/>
-      </p:bgPr>
-    </p:bg>
-    <p:spTree>
-      <p:nvGrpSpPr>
-        <p:cNvPr id="1" name=""/>
-        <p:cNvGrpSpPr/>
-        <p:nvPr/>
-      </p:nvGrpSpPr>
-      <p:grpSpPr>
-        <a:xfrm>
-          <a:off x="0" y="0"/>
-          <a:ext cx="0" cy="0"/>
-          <a:chOff x="0" y="0"/>
-          <a:chExt cx="0" cy="0"/>
-        </a:xfrm>
-      </p:grpSpPr>
-      <p:sp>
-        <p:nvSpPr>
-          <p:cNvPr id="2052" name="Rectangle 70">
-            <a:extLst>
-              <a:ext uri="{FF2B5EF4-FFF2-40B4-BE49-F238E27FC236}">
-                <a16:creationId xmlns:a16="http://schemas.microsoft.com/office/drawing/2014/main" id="{1EA5387D-64D8-4D6C-B109-FF4E81DF609A}"/>
-              </a:ext>
-              <a:ext uri="{C183D7F6-B498-43B3-948B-1728B52AA6E4}">
-                <adec:decorative xmlns:adec="http://schemas.microsoft.com/office/drawing/2017/decorative" val="1"/>
-              </a:ext>
-            </a:extLst>
-          </p:cNvPr>
-          <p:cNvSpPr>
-            <a:spLocks noGrp="1" noRot="1" noChangeAspect="1" noMove="1" noResize="1" noEditPoints="1" noAdjustHandles="1" noChangeArrowheads="1" noChangeShapeType="1" noTextEdit="1"/>
-          </p:cNvSpPr>
-          <p:nvPr>
-            <p:extLst>
-              <p:ext uri="{386F3935-93C4-4BCD-93E2-E3B085C9AB24}">
-                <p16:designElem xmlns:p16="http://schemas.microsoft.com/office/powerpoint/2015/main" val="1"/>
-              </p:ext>
-            </p:extLst>
-          </p:nvPr>
-        </p:nvSpPr>
-        <p:spPr>
-          <a:xfrm>
-            <a:off x="0" y="0"/>
-            <a:ext cx="12192000" cy="6858000"/>
-          </a:xfrm>
-          <a:prstGeom prst="rect">
-            <a:avLst/>
-          </a:prstGeom>
-          <a:solidFill>
-            <a:schemeClr val="bg1"/>
-          </a:solidFill>
-          <a:ln>
-            <a:noFill/>
-          </a:ln>
-        </p:spPr>
-        <p:style>
-          <a:lnRef idx="2">
-            <a:schemeClr val="accent1">
-              <a:shade val="50000"/>
-            </a:schemeClr>
-          </a:lnRef>
-          <a:fillRef idx="1">
-            <a:schemeClr val="accent1"/>
-          </a:fillRef>
-          <a:effectRef idx="0">
-            <a:schemeClr val="accent1"/>
-          </a:effectRef>
-          <a:fontRef idx="minor">
-            <a:schemeClr val="lt1"/>
-          </a:fontRef>
-        </p:style>
-        <p:txBody>
-          <a:bodyPr rtlCol="0" anchor="ctr"/>
-          <a:lstStyle/>
-          <a:p>
-            <a:pPr algn="ctr"/>
-            <a:endParaRPr lang="en-US"/>
-          </a:p>
-        </p:txBody>
-      </p:sp>
-      <p:pic>
-        <p:nvPicPr>
-          <p:cNvPr id="2050" name="Picture 2" descr="Em Construção Manutenção Vlc De - Imagens grátis no Pixabay">
-            <a:extLst>
-              <a:ext uri="{FF2B5EF4-FFF2-40B4-BE49-F238E27FC236}">
-                <a16:creationId xmlns:a16="http://schemas.microsoft.com/office/drawing/2014/main" id="{FC1E726E-63D0-40D8-B260-2FF4E7B0FA88}"/>
-              </a:ext>
-            </a:extLst>
-          </p:cNvPr>
-          <p:cNvPicPr>
-            <a:picLocks noChangeAspect="1" noChangeArrowheads="1"/>
-          </p:cNvPicPr>
-          <p:nvPr/>
-        </p:nvPicPr>
-        <p:blipFill rotWithShape="1">
-          <a:blip r:embed="rId2">
-            <a:duotone>
-              <a:prstClr val="black"/>
-              <a:schemeClr val="tx2">
-                <a:tint val="45000"/>
-                <a:satMod val="400000"/>
-              </a:schemeClr>
-            </a:duotone>
-            <a:alphaModFix amt="30000"/>
-            <a:extLst>
-              <a:ext uri="{28A0092B-C50C-407E-A947-70E740481C1C}">
-                <a14:useLocalDpi xmlns:a14="http://schemas.microsoft.com/office/drawing/2010/main" val="0"/>
-              </a:ext>
-            </a:extLst>
-          </a:blip>
-          <a:srcRect t="15730"/>
-          <a:stretch/>
-        </p:blipFill>
-        <p:spPr bwMode="auto">
-          <a:xfrm>
-            <a:off x="20" y="10"/>
-            <a:ext cx="12191980" cy="6857990"/>
-          </a:xfrm>
-          <a:prstGeom prst="rect">
-            <a:avLst/>
-          </a:prstGeom>
-          <a:noFill/>
-          <a:extLst>
-            <a:ext uri="{909E8E84-426E-40DD-AFC4-6F175D3DCCD1}">
-              <a14:hiddenFill xmlns:a14="http://schemas.microsoft.com/office/drawing/2010/main">
-                <a:solidFill>
-                  <a:srgbClr val="FFFFFF"/>
-                </a:solidFill>
-              </a14:hiddenFill>
-            </a:ext>
-          </a:extLst>
-        </p:spPr>
-      </p:pic>
-      <p:pic>
-        <p:nvPicPr>
-          <p:cNvPr id="73" name="Picture 72">
-            <a:extLst>
-              <a:ext uri="{FF2B5EF4-FFF2-40B4-BE49-F238E27FC236}">
-                <a16:creationId xmlns:a16="http://schemas.microsoft.com/office/drawing/2014/main" id="{6319FFD2-07B5-4029-BFB3-26FCFCC2F1B8}"/>
-              </a:ext>
-              <a:ext uri="{C183D7F6-B498-43B3-948B-1728B52AA6E4}">
-                <adec:decorative xmlns:adec="http://schemas.microsoft.com/office/drawing/2017/decorative" val="1"/>
-              </a:ext>
-            </a:extLst>
-          </p:cNvPr>
-          <p:cNvPicPr>
-            <a:picLocks noGrp="1" noRot="1" noChangeAspect="1" noMove="1" noResize="1" noEditPoints="1" noAdjustHandles="1" noChangeArrowheads="1" noChangeShapeType="1" noCrop="1"/>
-          </p:cNvPicPr>
-          <p:nvPr>
-            <p:extLst>
-              <p:ext uri="{386F3935-93C4-4BCD-93E2-E3B085C9AB24}">
-                <p16:designElem xmlns:p16="http://schemas.microsoft.com/office/powerpoint/2015/main" val="1"/>
-              </p:ext>
-            </p:extLst>
-          </p:nvPr>
-        </p:nvPicPr>
-        <p:blipFill>
-          <a:blip r:embed="rId3">
-            <a:extLst>
-              <a:ext uri="{28A0092B-C50C-407E-A947-70E740481C1C}">
-                <a14:useLocalDpi xmlns:a14="http://schemas.microsoft.com/office/drawing/2010/main" val="0"/>
-              </a:ext>
-            </a:extLst>
-          </a:blip>
-          <a:stretch>
-            <a:fillRect/>
-          </a:stretch>
-        </p:blipFill>
-        <p:spPr>
-          <a:xfrm>
-            <a:off x="0" y="0"/>
-            <a:ext cx="12192000" cy="1441450"/>
-          </a:xfrm>
-          <a:prstGeom prst="rect">
-            <a:avLst/>
-          </a:prstGeom>
-        </p:spPr>
-      </p:pic>
-      <p:sp>
-        <p:nvSpPr>
-          <p:cNvPr id="2" name="Título 1">
-            <a:extLst>
-              <a:ext uri="{FF2B5EF4-FFF2-40B4-BE49-F238E27FC236}">
-                <a16:creationId xmlns:a16="http://schemas.microsoft.com/office/drawing/2014/main" id="{1DBB9128-C0D1-2B49-8B6F-83116D3CF601}"/>
-              </a:ext>
-            </a:extLst>
-          </p:cNvPr>
-          <p:cNvSpPr>
-            <a:spLocks noGrp="1"/>
-          </p:cNvSpPr>
-          <p:nvPr>
-            <p:ph type="title"/>
-          </p:nvPr>
-        </p:nvSpPr>
-        <p:spPr>
-          <a:xfrm>
-            <a:off x="2895600" y="764373"/>
-            <a:ext cx="8610600" cy="1293028"/>
-          </a:xfrm>
-        </p:spPr>
-        <p:txBody>
-          <a:bodyPr>
-            <a:normAutofit/>
-          </a:bodyPr>
-          <a:lstStyle/>
-          <a:p>
-            <a:r>
-              <a:rPr lang="pt-BR" dirty="0"/>
-              <a:t>O problema</a:t>
-            </a:r>
-          </a:p>
-        </p:txBody>
-      </p:sp>
-      <p:sp>
-        <p:nvSpPr>
-          <p:cNvPr id="3" name="Espaço Reservado para Conteúdo 2">
-            <a:extLst>
-              <a:ext uri="{FF2B5EF4-FFF2-40B4-BE49-F238E27FC236}">
-                <a16:creationId xmlns:a16="http://schemas.microsoft.com/office/drawing/2014/main" id="{3DAD9610-3B15-4848-84F0-4B806EC24DCD}"/>
-              </a:ext>
-            </a:extLst>
-          </p:cNvPr>
-          <p:cNvSpPr>
-            <a:spLocks noGrp="1"/>
-          </p:cNvSpPr>
-          <p:nvPr>
-            <p:ph idx="1"/>
-          </p:nvPr>
-        </p:nvSpPr>
-        <p:spPr>
-          <a:xfrm>
-            <a:off x="1820410" y="2194560"/>
-            <a:ext cx="9685789" cy="4562375"/>
-          </a:xfrm>
-        </p:spPr>
-        <p:txBody>
-          <a:bodyPr>
-            <a:normAutofit/>
-          </a:bodyPr>
-          <a:lstStyle/>
-          <a:p>
-            <a:pPr lvl="1"/>
-            <a:r>
-              <a:rPr lang="en-US" dirty="0" err="1"/>
-              <a:t>Manutenção</a:t>
-            </a:r>
-            <a:r>
-              <a:rPr lang="en-US" dirty="0"/>
-              <a:t> é </a:t>
-            </a:r>
-            <a:r>
-              <a:rPr lang="en-US" dirty="0" err="1"/>
-              <a:t>sempre</a:t>
-            </a:r>
-            <a:r>
-              <a:rPr lang="en-US" dirty="0"/>
-              <a:t> vista </a:t>
-            </a:r>
-            <a:r>
-              <a:rPr lang="en-US" dirty="0" err="1"/>
-              <a:t>como</a:t>
-            </a:r>
-            <a:r>
-              <a:rPr lang="en-US" dirty="0"/>
-              <a:t> um </a:t>
-            </a:r>
-            <a:r>
-              <a:rPr lang="en-US" dirty="0" err="1"/>
-              <a:t>custo</a:t>
-            </a:r>
-            <a:r>
-              <a:rPr lang="en-US" dirty="0"/>
-              <a:t>:</a:t>
-            </a:r>
-          </a:p>
-          <a:p>
-            <a:pPr lvl="2"/>
-            <a:r>
-              <a:rPr lang="en-US" dirty="0"/>
-              <a:t>“Um mal </a:t>
-            </a:r>
-            <a:r>
-              <a:rPr lang="en-US" dirty="0" err="1"/>
-              <a:t>necessário</a:t>
-            </a:r>
-            <a:r>
-              <a:rPr lang="en-US" dirty="0"/>
-              <a:t>”</a:t>
-            </a:r>
-          </a:p>
-          <a:p>
-            <a:pPr lvl="1"/>
-            <a:endParaRPr lang="pt-BR" dirty="0"/>
-          </a:p>
-          <a:p>
-            <a:pPr lvl="1"/>
-            <a:endParaRPr lang="pt-BR" dirty="0"/>
-          </a:p>
-          <a:p>
-            <a:pPr lvl="1"/>
-            <a:r>
-              <a:rPr lang="pt-BR" dirty="0"/>
-              <a:t>Time técnico do contrato de manutenção é dimensionado por:</a:t>
-            </a:r>
-          </a:p>
-          <a:p>
-            <a:pPr marL="914400" lvl="2" indent="0">
-              <a:buNone/>
-            </a:pPr>
-            <a:r>
-              <a:rPr lang="pt-BR" dirty="0"/>
-              <a:t># ativos</a:t>
-            </a:r>
-          </a:p>
-          <a:p>
-            <a:pPr marL="914400" lvl="2" indent="0">
-              <a:buNone/>
-            </a:pPr>
-            <a:r>
-              <a:rPr lang="pt-BR" dirty="0"/>
-              <a:t># pavimentos/andares ou área útil</a:t>
-            </a:r>
-          </a:p>
-          <a:p>
-            <a:pPr marL="914400" lvl="2" indent="0">
-              <a:buNone/>
-            </a:pPr>
-            <a:r>
-              <a:rPr lang="pt-BR" dirty="0"/>
-              <a:t># disciplinas técnicas (elétrica, mecânica, serviços gerais, etc.)</a:t>
-            </a:r>
-          </a:p>
-          <a:p>
-            <a:pPr marL="914400" lvl="2" indent="0">
-              <a:buNone/>
-            </a:pPr>
-            <a:r>
-              <a:rPr lang="pt-BR" dirty="0"/>
-              <a:t>~ tempo de cada atividade</a:t>
-            </a:r>
-          </a:p>
-          <a:p>
-            <a:pPr lvl="2"/>
-            <a:endParaRPr lang="pt-BR" dirty="0"/>
-          </a:p>
-          <a:p>
-            <a:pPr lvl="2"/>
-            <a:r>
-              <a:rPr lang="pt-BR" dirty="0"/>
-              <a:t>Isso pode definir um superdimensionamento: custo desnecessário, perda de competitividade</a:t>
-            </a:r>
-          </a:p>
-          <a:p>
-            <a:pPr lvl="2"/>
-            <a:r>
-              <a:rPr lang="pt-BR" dirty="0"/>
-              <a:t>Ou subdimensionamento: atendimento de baixa qualidade, sobrecarga, risco de perda do contrato</a:t>
-            </a:r>
-          </a:p>
-        </p:txBody>
-      </p:sp>
-      <p:pic>
-        <p:nvPicPr>
-          <p:cNvPr id="5" name="Graphic 4" descr="Money">
-            <a:extLst>
-              <a:ext uri="{FF2B5EF4-FFF2-40B4-BE49-F238E27FC236}">
-                <a16:creationId xmlns:a16="http://schemas.microsoft.com/office/drawing/2014/main" id="{B39828D6-5A21-4A10-850E-A2C736C88B07}"/>
-              </a:ext>
-            </a:extLst>
-          </p:cNvPr>
-          <p:cNvPicPr>
-            <a:picLocks noChangeAspect="1"/>
-          </p:cNvPicPr>
-          <p:nvPr/>
-        </p:nvPicPr>
-        <p:blipFill>
-          <a:blip r:embed="rId4">
-            <a:extLst>
-              <a:ext uri="{96DAC541-7B7A-43D3-8B79-37D633B846F1}">
-                <asvg:svgBlip xmlns:asvg="http://schemas.microsoft.com/office/drawing/2016/SVG/main" r:embed="rId5"/>
-              </a:ext>
-            </a:extLst>
-          </a:blip>
-          <a:stretch>
-            <a:fillRect/>
-          </a:stretch>
-        </p:blipFill>
-        <p:spPr>
-          <a:xfrm>
-            <a:off x="299905" y="1410887"/>
-            <a:ext cx="1797341" cy="1797341"/>
-          </a:xfrm>
-          <a:prstGeom prst="rect">
-            <a:avLst/>
-          </a:prstGeom>
-        </p:spPr>
-      </p:pic>
-      <p:pic>
-        <p:nvPicPr>
-          <p:cNvPr id="7" name="Graphic 6" descr="Scales of justice">
-            <a:extLst>
-              <a:ext uri="{FF2B5EF4-FFF2-40B4-BE49-F238E27FC236}">
-                <a16:creationId xmlns:a16="http://schemas.microsoft.com/office/drawing/2014/main" id="{830FA24F-FA46-4DE2-BE63-9A4E692F4051}"/>
-              </a:ext>
-            </a:extLst>
-          </p:cNvPr>
-          <p:cNvPicPr>
-            <a:picLocks noChangeAspect="1"/>
-          </p:cNvPicPr>
-          <p:nvPr/>
-        </p:nvPicPr>
-        <p:blipFill>
-          <a:blip r:embed="rId6">
-            <a:extLst>
-              <a:ext uri="{96DAC541-7B7A-43D3-8B79-37D633B846F1}">
-                <asvg:svgBlip xmlns:asvg="http://schemas.microsoft.com/office/drawing/2016/SVG/main" r:embed="rId7"/>
-              </a:ext>
-            </a:extLst>
-          </a:blip>
-          <a:stretch>
-            <a:fillRect/>
-          </a:stretch>
-        </p:blipFill>
-        <p:spPr>
-          <a:xfrm>
-            <a:off x="408961" y="3840406"/>
-            <a:ext cx="1797340" cy="1797340"/>
-          </a:xfrm>
-          <a:prstGeom prst="rect">
-            <a:avLst/>
-          </a:prstGeom>
-        </p:spPr>
-      </p:pic>
-    </p:spTree>
-    <p:extLst>
-      <p:ext uri="{BB962C8B-B14F-4D97-AF65-F5344CB8AC3E}">
-        <p14:creationId xmlns:p14="http://schemas.microsoft.com/office/powerpoint/2010/main" val="4135298402"/>
-      </p:ext>
-    </p:extLst>
-  </p:cSld>
-  <p:clrMapOvr>
-    <a:masterClrMapping/>
-  </p:clrMapOvr>
-  <p:transition spd="slow">
-    <p:push dir="u"/>
-  </p:transition>
-  <p:timing>
-    <p:tnLst>
-      <p:par>
-        <p:cTn id="1" dur="indefinite" restart="never" nodeType="tmRoot">
-          <p:childTnLst>
-            <p:seq concurrent="1" nextAc="seek">
-              <p:cTn id="2" dur="indefinite" nodeType="mainSeq">
-                <p:childTnLst>
-                  <p:par>
-                    <p:cTn id="3" fill="hold">
-                      <p:stCondLst>
-                        <p:cond delay="indefinite"/>
-                      </p:stCondLst>
-                      <p:childTnLst>
-                        <p:par>
-                          <p:cTn id="4" fill="hold">
-                            <p:stCondLst>
-                              <p:cond delay="0"/>
-                            </p:stCondLst>
-                            <p:childTnLst>
-                              <p:par>
-                                <p:cTn id="5" presetID="1" presetClass="entr" presetSubtype="0" fill="hold" nodeType="clickEffect">
-                                  <p:stCondLst>
-                                    <p:cond delay="0"/>
-                                  </p:stCondLst>
-                                  <p:childTnLst>
-                                    <p:set>
-                                      <p:cBhvr>
-                                        <p:cTn id="6" dur="1" fill="hold">
-                                          <p:stCondLst>
-                                            <p:cond delay="0"/>
-                                          </p:stCondLst>
-                                        </p:cTn>
-                                        <p:tgtEl>
-                                          <p:spTgt spid="5"/>
-                                        </p:tgtEl>
-                                        <p:attrNameLst>
-                                          <p:attrName>style.visibility</p:attrName>
-                                        </p:attrNameLst>
-                                      </p:cBhvr>
-                                      <p:to>
-                                        <p:strVal val="visible"/>
-                                      </p:to>
-                                    </p:set>
-                                  </p:childTnLst>
-                                </p:cTn>
-                              </p:par>
-                              <p:par>
-                                <p:cTn id="7" presetID="2" presetClass="entr" presetSubtype="4" fill="hold" nodeType="withEffect">
-                                  <p:stCondLst>
-                                    <p:cond delay="0"/>
-                                  </p:stCondLst>
-                                  <p:childTnLst>
-                                    <p:set>
-                                      <p:cBhvr>
-                                        <p:cTn id="8" dur="1" fill="hold">
-                                          <p:stCondLst>
-                                            <p:cond delay="0"/>
-                                          </p:stCondLst>
-                                        </p:cTn>
-                                        <p:tgtEl>
-                                          <p:spTgt spid="3">
-                                            <p:txEl>
-                                              <p:pRg st="0" end="0"/>
-                                            </p:txEl>
-                                          </p:spTgt>
-                                        </p:tgtEl>
-                                        <p:attrNameLst>
-                                          <p:attrName>style.visibility</p:attrName>
-                                        </p:attrNameLst>
-                                      </p:cBhvr>
-                                      <p:to>
-                                        <p:strVal val="visible"/>
-                                      </p:to>
-                                    </p:set>
-                                    <p:anim calcmode="lin" valueType="num">
-                                      <p:cBhvr additive="base">
-                                        <p:cTn id="9" dur="500" fill="hold"/>
-                                        <p:tgtEl>
-                                          <p:spTgt spid="3">
-                                            <p:txEl>
-                                              <p:pRg st="0" end="0"/>
-                                            </p:txEl>
-                                          </p:spTgt>
-                                        </p:tgtEl>
-                                        <p:attrNameLst>
-                                          <p:attrName>ppt_x</p:attrName>
-                                        </p:attrNameLst>
-                                      </p:cBhvr>
-                                      <p:tavLst>
-                                        <p:tav tm="0">
-                                          <p:val>
-                                            <p:strVal val="#ppt_x"/>
-                                          </p:val>
-                                        </p:tav>
-                                        <p:tav tm="100000">
-                                          <p:val>
-                                            <p:strVal val="#ppt_x"/>
-                                          </p:val>
-                                        </p:tav>
-                                      </p:tavLst>
-                                    </p:anim>
-                                    <p:anim calcmode="lin" valueType="num">
-                                      <p:cBhvr additive="base">
-                                        <p:cTn id="10" dur="500" fill="hold"/>
-                                        <p:tgtEl>
-                                          <p:spTgt spid="3">
-                                            <p:txEl>
-                                              <p:pRg st="0" end="0"/>
-                                            </p:txEl>
-                                          </p:spTgt>
-                                        </p:tgtEl>
-                                        <p:attrNameLst>
-                                          <p:attrName>ppt_y</p:attrName>
-                                        </p:attrNameLst>
-                                      </p:cBhvr>
-                                      <p:tavLst>
-                                        <p:tav tm="0">
-                                          <p:val>
-                                            <p:strVal val="1+#ppt_h/2"/>
-                                          </p:val>
-                                        </p:tav>
-                                        <p:tav tm="100000">
-                                          <p:val>
-                                            <p:strVal val="#ppt_y"/>
-                                          </p:val>
-                                        </p:tav>
-                                      </p:tavLst>
-                                    </p:anim>
-                                  </p:childTnLst>
-                                </p:cTn>
-                              </p:par>
-                              <p:par>
-                                <p:cTn id="11" presetID="2" presetClass="entr" presetSubtype="4" fill="hold" nodeType="withEffect">
-                                  <p:stCondLst>
-                                    <p:cond delay="0"/>
-                                  </p:stCondLst>
-                                  <p:childTnLst>
-                                    <p:set>
-                                      <p:cBhvr>
-                                        <p:cTn id="12" dur="1" fill="hold">
-                                          <p:stCondLst>
-                                            <p:cond delay="0"/>
-                                          </p:stCondLst>
-                                        </p:cTn>
-                                        <p:tgtEl>
-                                          <p:spTgt spid="3">
-                                            <p:txEl>
-                                              <p:pRg st="1" end="1"/>
-                                            </p:txEl>
-                                          </p:spTgt>
-                                        </p:tgtEl>
-                                        <p:attrNameLst>
-                                          <p:attrName>style.visibility</p:attrName>
-                                        </p:attrNameLst>
-                                      </p:cBhvr>
-                                      <p:to>
-                                        <p:strVal val="visible"/>
-                                      </p:to>
-                                    </p:set>
-                                    <p:anim calcmode="lin" valueType="num">
-                                      <p:cBhvr additive="base">
-                                        <p:cTn id="13" dur="500" fill="hold"/>
-                                        <p:tgtEl>
-                                          <p:spTgt spid="3">
-                                            <p:txEl>
-                                              <p:pRg st="1" end="1"/>
-                                            </p:txEl>
-                                          </p:spTgt>
-                                        </p:tgtEl>
-                                        <p:attrNameLst>
-                                          <p:attrName>ppt_x</p:attrName>
-                                        </p:attrNameLst>
-                                      </p:cBhvr>
-                                      <p:tavLst>
-                                        <p:tav tm="0">
-                                          <p:val>
-                                            <p:strVal val="#ppt_x"/>
-                                          </p:val>
-                                        </p:tav>
-                                        <p:tav tm="100000">
-                                          <p:val>
-                                            <p:strVal val="#ppt_x"/>
-                                          </p:val>
-                                        </p:tav>
-                                      </p:tavLst>
-                                    </p:anim>
-                                    <p:anim calcmode="lin" valueType="num">
-                                      <p:cBhvr additive="base">
-                                        <p:cTn id="14" dur="500" fill="hold"/>
-                                        <p:tgtEl>
-                                          <p:spTgt spid="3">
-                                            <p:txEl>
-                                              <p:pRg st="1" end="1"/>
-                                            </p:txEl>
-                                          </p:spTgt>
-                                        </p:tgtEl>
-                                        <p:attrNameLst>
-                                          <p:attrName>ppt_y</p:attrName>
-                                        </p:attrNameLst>
-                                      </p:cBhvr>
-                                      <p:tavLst>
-                                        <p:tav tm="0">
-                                          <p:val>
-                                            <p:strVal val="1+#ppt_h/2"/>
-                                          </p:val>
-                                        </p:tav>
-                                        <p:tav tm="100000">
-                                          <p:val>
-                                            <p:strVal val="#ppt_y"/>
-                                          </p:val>
-                                        </p:tav>
-                                      </p:tavLst>
-                                    </p:anim>
-                                  </p:childTnLst>
-                                </p:cTn>
-                              </p:par>
-                            </p:childTnLst>
-                          </p:cTn>
-                        </p:par>
-                        <p:par>
-                          <p:cTn id="15" fill="hold">
-                            <p:stCondLst>
-                              <p:cond delay="500"/>
-                            </p:stCondLst>
-                            <p:childTnLst>
-                              <p:par>
-                                <p:cTn id="16" presetID="26" presetClass="emph" presetSubtype="0" fill="hold" nodeType="afterEffect">
-                                  <p:stCondLst>
-                                    <p:cond delay="0"/>
-                                  </p:stCondLst>
-                                  <p:childTnLst>
-                                    <p:animEffect transition="out" filter="fade">
-                                      <p:cBhvr>
-                                        <p:cTn id="17" dur="3000" tmFilter="0, 0; .2, .5; .8, .5; 1, 0"/>
-                                        <p:tgtEl>
-                                          <p:spTgt spid="3">
-                                            <p:txEl>
-                                              <p:pRg st="1" end="1"/>
-                                            </p:txEl>
-                                          </p:spTgt>
-                                        </p:tgtEl>
-                                      </p:cBhvr>
-                                    </p:animEffect>
-                                    <p:animScale>
-                                      <p:cBhvr>
-                                        <p:cTn id="18" dur="1500" autoRev="1" fill="hold"/>
-                                        <p:tgtEl>
-                                          <p:spTgt spid="3">
-                                            <p:txEl>
-                                              <p:pRg st="1" end="1"/>
-                                            </p:txEl>
-                                          </p:spTgt>
-                                        </p:tgtEl>
-                                      </p:cBhvr>
-                                      <p:by x="105000" y="105000"/>
-                                    </p:animScale>
-                                  </p:childTnLst>
-                                </p:cTn>
-                              </p:par>
-                            </p:childTnLst>
-                          </p:cTn>
-                        </p:par>
-                      </p:childTnLst>
-                    </p:cTn>
-                  </p:par>
-                  <p:par>
-                    <p:cTn id="19" fill="hold">
-                      <p:stCondLst>
-                        <p:cond delay="indefinite"/>
-                      </p:stCondLst>
-                      <p:childTnLst>
-                        <p:par>
-                          <p:cTn id="20" fill="hold">
-                            <p:stCondLst>
-                              <p:cond delay="0"/>
-                            </p:stCondLst>
-                            <p:childTnLst>
-                              <p:par>
-                                <p:cTn id="21" presetID="2" presetClass="entr" presetSubtype="4" fill="hold" nodeType="clickEffect">
-                                  <p:stCondLst>
-                                    <p:cond delay="0"/>
-                                  </p:stCondLst>
-                                  <p:childTnLst>
-                                    <p:set>
-                                      <p:cBhvr>
-                                        <p:cTn id="22" dur="1" fill="hold">
-                                          <p:stCondLst>
-                                            <p:cond delay="0"/>
-                                          </p:stCondLst>
-                                        </p:cTn>
-                                        <p:tgtEl>
-                                          <p:spTgt spid="3">
-                                            <p:txEl>
-                                              <p:pRg st="4" end="4"/>
-                                            </p:txEl>
-                                          </p:spTgt>
-                                        </p:tgtEl>
-                                        <p:attrNameLst>
-                                          <p:attrName>style.visibility</p:attrName>
-                                        </p:attrNameLst>
-                                      </p:cBhvr>
-                                      <p:to>
-                                        <p:strVal val="visible"/>
-                                      </p:to>
-                                    </p:set>
-                                    <p:anim calcmode="lin" valueType="num">
-                                      <p:cBhvr additive="base">
-                                        <p:cTn id="23" dur="500" fill="hold"/>
-                                        <p:tgtEl>
-                                          <p:spTgt spid="3">
-                                            <p:txEl>
-                                              <p:pRg st="4" end="4"/>
-                                            </p:txEl>
-                                          </p:spTgt>
-                                        </p:tgtEl>
-                                        <p:attrNameLst>
-                                          <p:attrName>ppt_x</p:attrName>
-                                        </p:attrNameLst>
-                                      </p:cBhvr>
-                                      <p:tavLst>
-                                        <p:tav tm="0">
-                                          <p:val>
-                                            <p:strVal val="#ppt_x"/>
-                                          </p:val>
-                                        </p:tav>
-                                        <p:tav tm="100000">
-                                          <p:val>
-                                            <p:strVal val="#ppt_x"/>
-                                          </p:val>
-                                        </p:tav>
-                                      </p:tavLst>
-                                    </p:anim>
-                                    <p:anim calcmode="lin" valueType="num">
-                                      <p:cBhvr additive="base">
-                                        <p:cTn id="24" dur="500" fill="hold"/>
-                                        <p:tgtEl>
-                                          <p:spTgt spid="3">
-                                            <p:txEl>
-                                              <p:pRg st="4" end="4"/>
-                                            </p:txEl>
-                                          </p:spTgt>
-                                        </p:tgtEl>
-                                        <p:attrNameLst>
-                                          <p:attrName>ppt_y</p:attrName>
-                                        </p:attrNameLst>
-                                      </p:cBhvr>
-                                      <p:tavLst>
-                                        <p:tav tm="0">
-                                          <p:val>
-                                            <p:strVal val="1+#ppt_h/2"/>
-                                          </p:val>
-                                        </p:tav>
-                                        <p:tav tm="100000">
-                                          <p:val>
-                                            <p:strVal val="#ppt_y"/>
-                                          </p:val>
-                                        </p:tav>
-                                      </p:tavLst>
-                                    </p:anim>
-                                  </p:childTnLst>
-                                </p:cTn>
-                              </p:par>
-                              <p:par>
-                                <p:cTn id="25" presetID="2" presetClass="entr" presetSubtype="4" fill="hold" nodeType="withEffect">
-                                  <p:stCondLst>
-                                    <p:cond delay="0"/>
-                                  </p:stCondLst>
-                                  <p:childTnLst>
-                                    <p:set>
-                                      <p:cBhvr>
-                                        <p:cTn id="26" dur="1" fill="hold">
-                                          <p:stCondLst>
-                                            <p:cond delay="0"/>
-                                          </p:stCondLst>
-                                        </p:cTn>
-                                        <p:tgtEl>
-                                          <p:spTgt spid="3">
-                                            <p:txEl>
-                                              <p:pRg st="5" end="5"/>
-                                            </p:txEl>
-                                          </p:spTgt>
-                                        </p:tgtEl>
-                                        <p:attrNameLst>
-                                          <p:attrName>style.visibility</p:attrName>
-                                        </p:attrNameLst>
-                                      </p:cBhvr>
-                                      <p:to>
-                                        <p:strVal val="visible"/>
-                                      </p:to>
-                                    </p:set>
-                                    <p:anim calcmode="lin" valueType="num">
-                                      <p:cBhvr additive="base">
-                                        <p:cTn id="27" dur="500" fill="hold"/>
-                                        <p:tgtEl>
-                                          <p:spTgt spid="3">
-                                            <p:txEl>
-                                              <p:pRg st="5" end="5"/>
-                                            </p:txEl>
-                                          </p:spTgt>
-                                        </p:tgtEl>
-                                        <p:attrNameLst>
-                                          <p:attrName>ppt_x</p:attrName>
-                                        </p:attrNameLst>
-                                      </p:cBhvr>
-                                      <p:tavLst>
-                                        <p:tav tm="0">
-                                          <p:val>
-                                            <p:strVal val="#ppt_x"/>
-                                          </p:val>
-                                        </p:tav>
-                                        <p:tav tm="100000">
-                                          <p:val>
-                                            <p:strVal val="#ppt_x"/>
-                                          </p:val>
-                                        </p:tav>
-                                      </p:tavLst>
-                                    </p:anim>
-                                    <p:anim calcmode="lin" valueType="num">
-                                      <p:cBhvr additive="base">
-                                        <p:cTn id="28" dur="500" fill="hold"/>
-                                        <p:tgtEl>
-                                          <p:spTgt spid="3">
-                                            <p:txEl>
-                                              <p:pRg st="5" end="5"/>
-                                            </p:txEl>
-                                          </p:spTgt>
-                                        </p:tgtEl>
-                                        <p:attrNameLst>
-                                          <p:attrName>ppt_y</p:attrName>
-                                        </p:attrNameLst>
-                                      </p:cBhvr>
-                                      <p:tavLst>
-                                        <p:tav tm="0">
-                                          <p:val>
-                                            <p:strVal val="1+#ppt_h/2"/>
-                                          </p:val>
-                                        </p:tav>
-                                        <p:tav tm="100000">
-                                          <p:val>
-                                            <p:strVal val="#ppt_y"/>
-                                          </p:val>
-                                        </p:tav>
-                                      </p:tavLst>
-                                    </p:anim>
-                                  </p:childTnLst>
-                                </p:cTn>
-                              </p:par>
-                              <p:par>
-                                <p:cTn id="29" presetID="2" presetClass="entr" presetSubtype="4" fill="hold" nodeType="withEffect">
-                                  <p:stCondLst>
-                                    <p:cond delay="0"/>
-                                  </p:stCondLst>
-                                  <p:childTnLst>
-                                    <p:set>
-                                      <p:cBhvr>
-                                        <p:cTn id="30" dur="1" fill="hold">
-                                          <p:stCondLst>
-                                            <p:cond delay="0"/>
-                                          </p:stCondLst>
-                                        </p:cTn>
-                                        <p:tgtEl>
-                                          <p:spTgt spid="3">
-                                            <p:txEl>
-                                              <p:pRg st="6" end="6"/>
-                                            </p:txEl>
-                                          </p:spTgt>
-                                        </p:tgtEl>
-                                        <p:attrNameLst>
-                                          <p:attrName>style.visibility</p:attrName>
-                                        </p:attrNameLst>
-                                      </p:cBhvr>
-                                      <p:to>
-                                        <p:strVal val="visible"/>
-                                      </p:to>
-                                    </p:set>
-                                    <p:anim calcmode="lin" valueType="num">
-                                      <p:cBhvr additive="base">
-                                        <p:cTn id="31" dur="500" fill="hold"/>
-                                        <p:tgtEl>
-                                          <p:spTgt spid="3">
-                                            <p:txEl>
-                                              <p:pRg st="6" end="6"/>
-                                            </p:txEl>
-                                          </p:spTgt>
-                                        </p:tgtEl>
-                                        <p:attrNameLst>
-                                          <p:attrName>ppt_x</p:attrName>
-                                        </p:attrNameLst>
-                                      </p:cBhvr>
-                                      <p:tavLst>
-                                        <p:tav tm="0">
-                                          <p:val>
-                                            <p:strVal val="#ppt_x"/>
-                                          </p:val>
-                                        </p:tav>
-                                        <p:tav tm="100000">
-                                          <p:val>
-                                            <p:strVal val="#ppt_x"/>
-                                          </p:val>
-                                        </p:tav>
-                                      </p:tavLst>
-                                    </p:anim>
-                                    <p:anim calcmode="lin" valueType="num">
-                                      <p:cBhvr additive="base">
-                                        <p:cTn id="32" dur="500" fill="hold"/>
-                                        <p:tgtEl>
-                                          <p:spTgt spid="3">
-                                            <p:txEl>
-                                              <p:pRg st="6" end="6"/>
-                                            </p:txEl>
-                                          </p:spTgt>
-                                        </p:tgtEl>
-                                        <p:attrNameLst>
-                                          <p:attrName>ppt_y</p:attrName>
-                                        </p:attrNameLst>
-                                      </p:cBhvr>
-                                      <p:tavLst>
-                                        <p:tav tm="0">
-                                          <p:val>
-                                            <p:strVal val="1+#ppt_h/2"/>
-                                          </p:val>
-                                        </p:tav>
-                                        <p:tav tm="100000">
-                                          <p:val>
-                                            <p:strVal val="#ppt_y"/>
-                                          </p:val>
-                                        </p:tav>
-                                      </p:tavLst>
-                                    </p:anim>
-                                  </p:childTnLst>
-                                </p:cTn>
-                              </p:par>
-                              <p:par>
-                                <p:cTn id="33" presetID="2" presetClass="entr" presetSubtype="4" fill="hold" nodeType="withEffect">
-                                  <p:stCondLst>
-                                    <p:cond delay="0"/>
-                                  </p:stCondLst>
-                                  <p:childTnLst>
-                                    <p:set>
-                                      <p:cBhvr>
-                                        <p:cTn id="34" dur="1" fill="hold">
-                                          <p:stCondLst>
-                                            <p:cond delay="0"/>
-                                          </p:stCondLst>
-                                        </p:cTn>
-                                        <p:tgtEl>
-                                          <p:spTgt spid="3">
-                                            <p:txEl>
-                                              <p:pRg st="7" end="7"/>
-                                            </p:txEl>
-                                          </p:spTgt>
-                                        </p:tgtEl>
-                                        <p:attrNameLst>
-                                          <p:attrName>style.visibility</p:attrName>
-                                        </p:attrNameLst>
-                                      </p:cBhvr>
-                                      <p:to>
-                                        <p:strVal val="visible"/>
-                                      </p:to>
-                                    </p:set>
-                                    <p:anim calcmode="lin" valueType="num">
-                                      <p:cBhvr additive="base">
-                                        <p:cTn id="35" dur="500" fill="hold"/>
-                                        <p:tgtEl>
-                                          <p:spTgt spid="3">
-                                            <p:txEl>
-                                              <p:pRg st="7" end="7"/>
-                                            </p:txEl>
-                                          </p:spTgt>
-                                        </p:tgtEl>
-                                        <p:attrNameLst>
-                                          <p:attrName>ppt_x</p:attrName>
-                                        </p:attrNameLst>
-                                      </p:cBhvr>
-                                      <p:tavLst>
-                                        <p:tav tm="0">
-                                          <p:val>
-                                            <p:strVal val="#ppt_x"/>
-                                          </p:val>
-                                        </p:tav>
-                                        <p:tav tm="100000">
-                                          <p:val>
-                                            <p:strVal val="#ppt_x"/>
-                                          </p:val>
-                                        </p:tav>
-                                      </p:tavLst>
-                                    </p:anim>
-                                    <p:anim calcmode="lin" valueType="num">
-                                      <p:cBhvr additive="base">
-                                        <p:cTn id="36" dur="500" fill="hold"/>
-                                        <p:tgtEl>
-                                          <p:spTgt spid="3">
-                                            <p:txEl>
-                                              <p:pRg st="7" end="7"/>
-                                            </p:txEl>
-                                          </p:spTgt>
-                                        </p:tgtEl>
-                                        <p:attrNameLst>
-                                          <p:attrName>ppt_y</p:attrName>
-                                        </p:attrNameLst>
-                                      </p:cBhvr>
-                                      <p:tavLst>
-                                        <p:tav tm="0">
-                                          <p:val>
-                                            <p:strVal val="1+#ppt_h/2"/>
-                                          </p:val>
-                                        </p:tav>
-                                        <p:tav tm="100000">
-                                          <p:val>
-                                            <p:strVal val="#ppt_y"/>
-                                          </p:val>
-                                        </p:tav>
-                                      </p:tavLst>
-                                    </p:anim>
-                                  </p:childTnLst>
-                                </p:cTn>
-                              </p:par>
-                              <p:par>
-                                <p:cTn id="37" presetID="2" presetClass="entr" presetSubtype="4" fill="hold" nodeType="withEffect">
-                                  <p:stCondLst>
-                                    <p:cond delay="0"/>
-                                  </p:stCondLst>
-                                  <p:childTnLst>
-                                    <p:set>
-                                      <p:cBhvr>
-                                        <p:cTn id="38" dur="1" fill="hold">
-                                          <p:stCondLst>
-                                            <p:cond delay="0"/>
-                                          </p:stCondLst>
-                                        </p:cTn>
-                                        <p:tgtEl>
-                                          <p:spTgt spid="3">
-                                            <p:txEl>
-                                              <p:pRg st="8" end="8"/>
-                                            </p:txEl>
-                                          </p:spTgt>
-                                        </p:tgtEl>
-                                        <p:attrNameLst>
-                                          <p:attrName>style.visibility</p:attrName>
-                                        </p:attrNameLst>
-                                      </p:cBhvr>
-                                      <p:to>
-                                        <p:strVal val="visible"/>
-                                      </p:to>
-                                    </p:set>
-                                    <p:anim calcmode="lin" valueType="num">
-                                      <p:cBhvr additive="base">
-                                        <p:cTn id="39" dur="500" fill="hold"/>
-                                        <p:tgtEl>
-                                          <p:spTgt spid="3">
-                                            <p:txEl>
-                                              <p:pRg st="8" end="8"/>
-                                            </p:txEl>
-                                          </p:spTgt>
-                                        </p:tgtEl>
-                                        <p:attrNameLst>
-                                          <p:attrName>ppt_x</p:attrName>
-                                        </p:attrNameLst>
-                                      </p:cBhvr>
-                                      <p:tavLst>
-                                        <p:tav tm="0">
-                                          <p:val>
-                                            <p:strVal val="#ppt_x"/>
-                                          </p:val>
-                                        </p:tav>
-                                        <p:tav tm="100000">
-                                          <p:val>
-                                            <p:strVal val="#ppt_x"/>
-                                          </p:val>
-                                        </p:tav>
-                                      </p:tavLst>
-                                    </p:anim>
-                                    <p:anim calcmode="lin" valueType="num">
-                                      <p:cBhvr additive="base">
-                                        <p:cTn id="40" dur="500" fill="hold"/>
-                                        <p:tgtEl>
-                                          <p:spTgt spid="3">
-                                            <p:txEl>
-                                              <p:pRg st="8" end="8"/>
-                                            </p:txEl>
-                                          </p:spTgt>
-                                        </p:tgtEl>
-                                        <p:attrNameLst>
-                                          <p:attrName>ppt_y</p:attrName>
-                                        </p:attrNameLst>
-                                      </p:cBhvr>
-                                      <p:tavLst>
-                                        <p:tav tm="0">
-                                          <p:val>
-                                            <p:strVal val="1+#ppt_h/2"/>
-                                          </p:val>
-                                        </p:tav>
-                                        <p:tav tm="100000">
-                                          <p:val>
-                                            <p:strVal val="#ppt_y"/>
-                                          </p:val>
-                                        </p:tav>
-                                      </p:tavLst>
-                                    </p:anim>
-                                  </p:childTnLst>
-                                </p:cTn>
-                              </p:par>
-                            </p:childTnLst>
-                          </p:cTn>
-                        </p:par>
-                      </p:childTnLst>
-                    </p:cTn>
-                  </p:par>
-                  <p:par>
-                    <p:cTn id="41" fill="hold">
-                      <p:stCondLst>
-                        <p:cond delay="indefinite"/>
-                      </p:stCondLst>
-                      <p:childTnLst>
-                        <p:par>
-                          <p:cTn id="42" fill="hold">
-                            <p:stCondLst>
-                              <p:cond delay="0"/>
-                            </p:stCondLst>
-                            <p:childTnLst>
-                              <p:par>
-                                <p:cTn id="43" presetID="1" presetClass="entr" presetSubtype="0" fill="hold" nodeType="clickEffect">
-                                  <p:stCondLst>
-                                    <p:cond delay="0"/>
-                                  </p:stCondLst>
-                                  <p:childTnLst>
-                                    <p:set>
-                                      <p:cBhvr>
-                                        <p:cTn id="44" dur="1" fill="hold">
-                                          <p:stCondLst>
-                                            <p:cond delay="0"/>
-                                          </p:stCondLst>
-                                        </p:cTn>
-                                        <p:tgtEl>
-                                          <p:spTgt spid="7"/>
-                                        </p:tgtEl>
-                                        <p:attrNameLst>
-                                          <p:attrName>style.visibility</p:attrName>
-                                        </p:attrNameLst>
-                                      </p:cBhvr>
-                                      <p:to>
-                                        <p:strVal val="visible"/>
-                                      </p:to>
-                                    </p:set>
-                                  </p:childTnLst>
-                                </p:cTn>
-                              </p:par>
-                              <p:par>
-                                <p:cTn id="45" presetID="2" presetClass="entr" presetSubtype="4" fill="hold" nodeType="withEffect">
-                                  <p:stCondLst>
-                                    <p:cond delay="0"/>
-                                  </p:stCondLst>
-                                  <p:childTnLst>
-                                    <p:set>
-                                      <p:cBhvr>
-                                        <p:cTn id="46" dur="1" fill="hold">
-                                          <p:stCondLst>
-                                            <p:cond delay="0"/>
-                                          </p:stCondLst>
-                                        </p:cTn>
-                                        <p:tgtEl>
-                                          <p:spTgt spid="3">
-                                            <p:txEl>
-                                              <p:pRg st="10" end="10"/>
-                                            </p:txEl>
-                                          </p:spTgt>
-                                        </p:tgtEl>
-                                        <p:attrNameLst>
-                                          <p:attrName>style.visibility</p:attrName>
-                                        </p:attrNameLst>
-                                      </p:cBhvr>
-                                      <p:to>
-                                        <p:strVal val="visible"/>
-                                      </p:to>
-                                    </p:set>
-                                    <p:anim calcmode="lin" valueType="num">
-                                      <p:cBhvr additive="base">
-                                        <p:cTn id="47" dur="500" fill="hold"/>
-                                        <p:tgtEl>
-                                          <p:spTgt spid="3">
-                                            <p:txEl>
-                                              <p:pRg st="10" end="10"/>
-                                            </p:txEl>
-                                          </p:spTgt>
-                                        </p:tgtEl>
-                                        <p:attrNameLst>
-                                          <p:attrName>ppt_x</p:attrName>
-                                        </p:attrNameLst>
-                                      </p:cBhvr>
-                                      <p:tavLst>
-                                        <p:tav tm="0">
-                                          <p:val>
-                                            <p:strVal val="#ppt_x"/>
-                                          </p:val>
-                                        </p:tav>
-                                        <p:tav tm="100000">
-                                          <p:val>
-                                            <p:strVal val="#ppt_x"/>
-                                          </p:val>
-                                        </p:tav>
-                                      </p:tavLst>
-                                    </p:anim>
-                                    <p:anim calcmode="lin" valueType="num">
-                                      <p:cBhvr additive="base">
-                                        <p:cTn id="48" dur="500" fill="hold"/>
-                                        <p:tgtEl>
-                                          <p:spTgt spid="3">
-                                            <p:txEl>
-                                              <p:pRg st="10" end="10"/>
-                                            </p:txEl>
-                                          </p:spTgt>
-                                        </p:tgtEl>
-                                        <p:attrNameLst>
-                                          <p:attrName>ppt_y</p:attrName>
-                                        </p:attrNameLst>
-                                      </p:cBhvr>
-                                      <p:tavLst>
-                                        <p:tav tm="0">
-                                          <p:val>
-                                            <p:strVal val="1+#ppt_h/2"/>
-                                          </p:val>
-                                        </p:tav>
-                                        <p:tav tm="100000">
-                                          <p:val>
-                                            <p:strVal val="#ppt_y"/>
-                                          </p:val>
-                                        </p:tav>
-                                      </p:tavLst>
-                                    </p:anim>
-                                  </p:childTnLst>
-                                </p:cTn>
-                              </p:par>
-                              <p:par>
-                                <p:cTn id="49" presetID="2" presetClass="entr" presetSubtype="4" fill="hold" nodeType="withEffect">
-                                  <p:stCondLst>
-                                    <p:cond delay="0"/>
-                                  </p:stCondLst>
-                                  <p:childTnLst>
-                                    <p:set>
-                                      <p:cBhvr>
-                                        <p:cTn id="50" dur="1" fill="hold">
-                                          <p:stCondLst>
-                                            <p:cond delay="0"/>
-                                          </p:stCondLst>
-                                        </p:cTn>
-                                        <p:tgtEl>
-                                          <p:spTgt spid="3">
-                                            <p:txEl>
-                                              <p:pRg st="11" end="11"/>
-                                            </p:txEl>
-                                          </p:spTgt>
-                                        </p:tgtEl>
-                                        <p:attrNameLst>
-                                          <p:attrName>style.visibility</p:attrName>
-                                        </p:attrNameLst>
-                                      </p:cBhvr>
-                                      <p:to>
-                                        <p:strVal val="visible"/>
-                                      </p:to>
-                                    </p:set>
-                                    <p:anim calcmode="lin" valueType="num">
-                                      <p:cBhvr additive="base">
-                                        <p:cTn id="51" dur="500" fill="hold"/>
-                                        <p:tgtEl>
-                                          <p:spTgt spid="3">
-                                            <p:txEl>
-                                              <p:pRg st="11" end="11"/>
-                                            </p:txEl>
-                                          </p:spTgt>
-                                        </p:tgtEl>
-                                        <p:attrNameLst>
-                                          <p:attrName>ppt_x</p:attrName>
-                                        </p:attrNameLst>
-                                      </p:cBhvr>
-                                      <p:tavLst>
-                                        <p:tav tm="0">
-                                          <p:val>
-                                            <p:strVal val="#ppt_x"/>
-                                          </p:val>
-                                        </p:tav>
-                                        <p:tav tm="100000">
-                                          <p:val>
-                                            <p:strVal val="#ppt_x"/>
-                                          </p:val>
-                                        </p:tav>
-                                      </p:tavLst>
-                                    </p:anim>
-                                    <p:anim calcmode="lin" valueType="num">
-                                      <p:cBhvr additive="base">
-                                        <p:cTn id="52" dur="500" fill="hold"/>
-                                        <p:tgtEl>
-                                          <p:spTgt spid="3">
-                                            <p:txEl>
-                                              <p:pRg st="11" end="11"/>
-                                            </p:txEl>
-                                          </p:spTgt>
-                                        </p:tgtEl>
-                                        <p:attrNameLst>
-                                          <p:attrName>ppt_y</p:attrName>
-                                        </p:attrNameLst>
-                                      </p:cBhvr>
-                                      <p:tavLst>
-                                        <p:tav tm="0">
-                                          <p:val>
-                                            <p:strVal val="1+#ppt_h/2"/>
-                                          </p:val>
-                                        </p:tav>
-                                        <p:tav tm="100000">
-                                          <p:val>
-                                            <p:strVal val="#ppt_y"/>
-                                          </p:val>
-                                        </p:tav>
-                                      </p:tavLst>
-                                    </p:anim>
-                                  </p:childTnLst>
-                                </p:cTn>
-                              </p:par>
-                            </p:childTnLst>
-                          </p:cTn>
-                        </p:par>
-                      </p:childTnLst>
-                    </p:cTn>
-                  </p:par>
-                </p:childTnLst>
-              </p:cTn>
-              <p:prevCondLst>
-                <p:cond evt="onPrev" delay="0">
-                  <p:tgtEl>
-                    <p:sldTgt/>
-                  </p:tgtEl>
-                </p:cond>
-              </p:prevCondLst>
-              <p:nextCondLst>
-                <p:cond evt="onNext" delay="0">
-                  <p:tgtEl>
-                    <p:sldTgt/>
-                  </p:tgtEl>
-                </p:cond>
-              </p:nextCondLst>
-            </p:seq>
-          </p:childTnLst>
-        </p:cTn>
-      </p:par>
-    </p:tnLst>
-  </p:timing>
-</p:sld>
-</file>
-
-<file path=ppt/slides/slide4.xml><?xml version="1.0" encoding="utf-8"?>
-<p:sld xmlns:a="http://schemas.openxmlformats.org/drawingml/2006/main" xmlns:r="http://schemas.openxmlformats.org/officeDocument/2006/relationships" xmlns:p="http://schemas.openxmlformats.org/presentationml/2006/main">
-  <p:cSld>
-    <p:spTree>
-      <p:nvGrpSpPr>
-        <p:cNvPr id="1" name=""/>
-        <p:cNvGrpSpPr/>
-        <p:nvPr/>
-      </p:nvGrpSpPr>
-      <p:grpSpPr>
-        <a:xfrm>
-          <a:off x="0" y="0"/>
-          <a:ext cx="0" cy="0"/>
-          <a:chOff x="0" y="0"/>
-          <a:chExt cx="0" cy="0"/>
-        </a:xfrm>
-      </p:grpSpPr>
-      <p:sp>
-        <p:nvSpPr>
-          <p:cNvPr id="2" name="Título 1">
-            <a:extLst>
-              <a:ext uri="{FF2B5EF4-FFF2-40B4-BE49-F238E27FC236}">
-                <a16:creationId xmlns:a16="http://schemas.microsoft.com/office/drawing/2014/main" id="{1DBB9128-C0D1-2B49-8B6F-83116D3CF601}"/>
-              </a:ext>
-            </a:extLst>
-          </p:cNvPr>
-          <p:cNvSpPr>
-            <a:spLocks noGrp="1"/>
-          </p:cNvSpPr>
-          <p:nvPr>
-            <p:ph type="title"/>
-          </p:nvPr>
-        </p:nvSpPr>
-        <p:spPr/>
-        <p:txBody>
-          <a:bodyPr/>
-          <a:lstStyle/>
-          <a:p>
-            <a:r>
-              <a:rPr lang="pt-BR" dirty="0"/>
-              <a:t>A proposta</a:t>
-            </a:r>
-          </a:p>
-        </p:txBody>
-      </p:sp>
-      <p:sp>
-        <p:nvSpPr>
-          <p:cNvPr id="3" name="Espaço Reservado para Conteúdo 2">
-            <a:extLst>
-              <a:ext uri="{FF2B5EF4-FFF2-40B4-BE49-F238E27FC236}">
-                <a16:creationId xmlns:a16="http://schemas.microsoft.com/office/drawing/2014/main" id="{3DAD9610-3B15-4848-84F0-4B806EC24DCD}"/>
-              </a:ext>
-            </a:extLst>
-          </p:cNvPr>
-          <p:cNvSpPr>
-            <a:spLocks noGrp="1"/>
-          </p:cNvSpPr>
-          <p:nvPr>
-            <p:ph idx="1"/>
-          </p:nvPr>
-        </p:nvSpPr>
-        <p:spPr>
-          <a:xfrm>
-            <a:off x="2529444" y="2194560"/>
-            <a:ext cx="8976756" cy="4024125"/>
-          </a:xfrm>
-        </p:spPr>
-        <p:txBody>
-          <a:bodyPr>
-            <a:normAutofit/>
-          </a:bodyPr>
-          <a:lstStyle/>
-          <a:p>
-            <a:pPr lvl="1"/>
-            <a:r>
-              <a:rPr lang="en-US" dirty="0" err="1"/>
-              <a:t>Otimizar</a:t>
-            </a:r>
-            <a:r>
-              <a:rPr lang="en-US" dirty="0"/>
-              <a:t> a </a:t>
-            </a:r>
-            <a:r>
-              <a:rPr lang="en-US" dirty="0" err="1"/>
-              <a:t>estimativa</a:t>
-            </a:r>
-            <a:r>
-              <a:rPr lang="en-US" dirty="0"/>
-              <a:t> de tempo de </a:t>
-            </a:r>
-            <a:r>
-              <a:rPr lang="en-US" dirty="0" err="1"/>
-              <a:t>uma</a:t>
-            </a:r>
-            <a:r>
-              <a:rPr lang="en-US" dirty="0"/>
-              <a:t> </a:t>
-            </a:r>
-            <a:r>
-              <a:rPr lang="en-US" dirty="0" err="1"/>
-              <a:t>tarefa</a:t>
-            </a:r>
-            <a:r>
-              <a:rPr lang="en-US" dirty="0"/>
-              <a:t> do </a:t>
-            </a:r>
-            <a:r>
-              <a:rPr lang="en-US" dirty="0" err="1"/>
-              <a:t>técnico</a:t>
-            </a:r>
-            <a:r>
-              <a:rPr lang="en-US" dirty="0"/>
-              <a:t> </a:t>
-            </a:r>
-            <a:r>
-              <a:rPr lang="en-US" dirty="0" err="1"/>
-              <a:t>envolvido</a:t>
-            </a:r>
-            <a:r>
-              <a:rPr lang="en-US" dirty="0"/>
-              <a:t>, </a:t>
-            </a:r>
-            <a:r>
-              <a:rPr lang="en-US" dirty="0" err="1"/>
-              <a:t>levando</a:t>
-            </a:r>
-            <a:r>
-              <a:rPr lang="en-US" dirty="0"/>
-              <a:t> </a:t>
-            </a:r>
-            <a:r>
-              <a:rPr lang="en-US" dirty="0" err="1"/>
-              <a:t>em</a:t>
-            </a:r>
-            <a:r>
-              <a:rPr lang="en-US" dirty="0"/>
-              <a:t> </a:t>
-            </a:r>
-            <a:r>
-              <a:rPr lang="en-US" dirty="0" err="1"/>
-              <a:t>consideração</a:t>
-            </a:r>
-            <a:r>
-              <a:rPr lang="en-US" dirty="0"/>
-              <a:t> a </a:t>
-            </a:r>
-            <a:r>
-              <a:rPr lang="en-US" dirty="0" err="1"/>
-              <a:t>atividade</a:t>
-            </a:r>
-            <a:r>
-              <a:rPr lang="en-US" dirty="0"/>
-              <a:t>, o </a:t>
-            </a:r>
-            <a:r>
-              <a:rPr lang="en-US" dirty="0" err="1"/>
-              <a:t>ativo</a:t>
-            </a:r>
-            <a:r>
-              <a:rPr lang="en-US" dirty="0"/>
-              <a:t> e a </a:t>
-            </a:r>
-            <a:r>
-              <a:rPr lang="en-US" dirty="0" err="1"/>
-              <a:t>classe</a:t>
-            </a:r>
-            <a:r>
-              <a:rPr lang="en-US" dirty="0"/>
-              <a:t> de </a:t>
-            </a:r>
-            <a:r>
-              <a:rPr lang="en-US"/>
-              <a:t>trabalho</a:t>
-            </a:r>
-            <a:endParaRPr lang="en-US" dirty="0"/>
-          </a:p>
-          <a:p>
-            <a:pPr lvl="1"/>
-            <a:endParaRPr lang="en-US" dirty="0"/>
-          </a:p>
-          <a:p>
-            <a:pPr lvl="1"/>
-            <a:r>
-              <a:rPr lang="en-US" dirty="0" err="1"/>
-              <a:t>Prever</a:t>
-            </a:r>
-            <a:r>
-              <a:rPr lang="en-US" dirty="0"/>
-              <a:t> a </a:t>
-            </a:r>
-            <a:r>
-              <a:rPr lang="en-US" dirty="0" err="1"/>
-              <a:t>quantidade</a:t>
-            </a:r>
-            <a:r>
-              <a:rPr lang="en-US" dirty="0"/>
-              <a:t> de </a:t>
-            </a:r>
-            <a:r>
-              <a:rPr lang="en-US" dirty="0" err="1"/>
-              <a:t>técnicos</a:t>
-            </a:r>
-            <a:r>
-              <a:rPr lang="en-US" dirty="0"/>
-              <a:t> </a:t>
-            </a:r>
-            <a:r>
-              <a:rPr lang="en-US" dirty="0" err="1"/>
-              <a:t>necessários</a:t>
-            </a:r>
-            <a:r>
-              <a:rPr lang="en-US" dirty="0"/>
-              <a:t> para um </a:t>
-            </a:r>
-            <a:r>
-              <a:rPr lang="en-US" dirty="0" err="1"/>
-              <a:t>contrato</a:t>
-            </a:r>
-            <a:r>
-              <a:rPr lang="en-US" dirty="0"/>
-              <a:t> de </a:t>
-            </a:r>
-            <a:r>
-              <a:rPr lang="en-US" dirty="0" err="1"/>
-              <a:t>manuten</a:t>
-            </a:r>
-            <a:r>
-              <a:rPr lang="pt-BR" dirty="0" err="1"/>
-              <a:t>ção</a:t>
-            </a:r>
-            <a:endParaRPr lang="pt-BR" dirty="0"/>
-          </a:p>
-          <a:p>
-            <a:pPr lvl="1"/>
-            <a:endParaRPr lang="pt-BR" dirty="0"/>
-          </a:p>
-          <a:p>
-            <a:pPr lvl="1"/>
-            <a:endParaRPr lang="pt-BR" dirty="0"/>
-          </a:p>
-          <a:p>
-            <a:pPr lvl="1"/>
-            <a:endParaRPr lang="pt-BR" dirty="0"/>
-          </a:p>
-          <a:p>
-            <a:pPr lvl="1"/>
-            <a:r>
-              <a:rPr lang="pt-BR" dirty="0"/>
-              <a:t>Implantar monitoramento com </a:t>
-            </a:r>
-            <a:r>
-              <a:rPr lang="pt-BR" dirty="0" err="1"/>
-              <a:t>IoT</a:t>
-            </a:r>
-            <a:r>
-              <a:rPr lang="pt-BR" dirty="0"/>
-              <a:t> das principais condições dos ativos, para associar o tempo de manutenção que é “investido” por ativo, mostrando o ganho operacional ou perda evitada</a:t>
-            </a:r>
-            <a:endParaRPr lang="en-US" dirty="0"/>
-          </a:p>
-        </p:txBody>
-      </p:sp>
-      <p:pic>
-        <p:nvPicPr>
-          <p:cNvPr id="3074" name="Picture 2" descr="A inteligência artificial pode prever o futuro? De certa forma, sim">
-            <a:extLst>
-              <a:ext uri="{FF2B5EF4-FFF2-40B4-BE49-F238E27FC236}">
-                <a16:creationId xmlns:a16="http://schemas.microsoft.com/office/drawing/2014/main" id="{1CF65A78-38C3-48EA-B32F-B83801DA7384}"/>
-              </a:ext>
-            </a:extLst>
-          </p:cNvPr>
-          <p:cNvPicPr>
-            <a:picLocks noChangeAspect="1" noChangeArrowheads="1"/>
-          </p:cNvPicPr>
-          <p:nvPr/>
-        </p:nvPicPr>
-        <p:blipFill>
-          <a:blip r:embed="rId2">
-            <a:extLst>
-              <a:ext uri="{28A0092B-C50C-407E-A947-70E740481C1C}">
-                <a14:useLocalDpi xmlns:a14="http://schemas.microsoft.com/office/drawing/2010/main" val="0"/>
-              </a:ext>
-            </a:extLst>
-          </a:blip>
-          <a:srcRect/>
-          <a:stretch>
-            <a:fillRect/>
-          </a:stretch>
-        </p:blipFill>
-        <p:spPr bwMode="auto">
-          <a:xfrm>
-            <a:off x="130205" y="2057401"/>
-            <a:ext cx="2597245" cy="1732363"/>
-          </a:xfrm>
-          <a:prstGeom prst="teardrop">
-            <a:avLst/>
-          </a:prstGeom>
-          <a:noFill/>
-          <a:extLst>
-            <a:ext uri="{909E8E84-426E-40DD-AFC4-6F175D3DCCD1}">
-              <a14:hiddenFill xmlns:a14="http://schemas.microsoft.com/office/drawing/2010/main">
-                <a:solidFill>
-                  <a:srgbClr val="FFFFFF"/>
-                </a:solidFill>
-              </a14:hiddenFill>
-            </a:ext>
-          </a:extLst>
-        </p:spPr>
-      </p:pic>
-      <p:pic>
-        <p:nvPicPr>
-          <p:cNvPr id="5" name="Graphic 4" descr="Research">
-            <a:extLst>
-              <a:ext uri="{FF2B5EF4-FFF2-40B4-BE49-F238E27FC236}">
-                <a16:creationId xmlns:a16="http://schemas.microsoft.com/office/drawing/2014/main" id="{084B7D71-24E4-483B-9777-B63AC80D2A60}"/>
-              </a:ext>
-            </a:extLst>
-          </p:cNvPr>
-          <p:cNvPicPr>
-            <a:picLocks noChangeAspect="1"/>
-          </p:cNvPicPr>
-          <p:nvPr/>
-        </p:nvPicPr>
-        <p:blipFill>
-          <a:blip r:embed="rId3">
-            <a:extLst>
-              <a:ext uri="{96DAC541-7B7A-43D3-8B79-37D633B846F1}">
-                <asvg:svgBlip xmlns:asvg="http://schemas.microsoft.com/office/drawing/2016/SVG/main" r:embed="rId4"/>
-              </a:ext>
-            </a:extLst>
-          </a:blip>
-          <a:stretch>
-            <a:fillRect/>
-          </a:stretch>
-        </p:blipFill>
-        <p:spPr>
-          <a:xfrm>
-            <a:off x="353729" y="4434841"/>
-            <a:ext cx="1311442" cy="1311442"/>
-          </a:xfrm>
-          <a:prstGeom prst="rect">
-            <a:avLst/>
-          </a:prstGeom>
-        </p:spPr>
-      </p:pic>
-      <p:pic>
-        <p:nvPicPr>
-          <p:cNvPr id="7" name="Graphic 6" descr="Dollar">
-            <a:extLst>
-              <a:ext uri="{FF2B5EF4-FFF2-40B4-BE49-F238E27FC236}">
-                <a16:creationId xmlns:a16="http://schemas.microsoft.com/office/drawing/2014/main" id="{05E6812A-0243-48BB-A3DA-914487823909}"/>
-              </a:ext>
-            </a:extLst>
-          </p:cNvPr>
-          <p:cNvPicPr>
-            <a:picLocks noChangeAspect="1"/>
-          </p:cNvPicPr>
-          <p:nvPr/>
-        </p:nvPicPr>
-        <p:blipFill>
-          <a:blip r:embed="rId5">
-            <a:extLst>
-              <a:ext uri="{96DAC541-7B7A-43D3-8B79-37D633B846F1}">
-                <asvg:svgBlip xmlns:asvg="http://schemas.microsoft.com/office/drawing/2016/SVG/main" r:embed="rId6"/>
-              </a:ext>
-            </a:extLst>
-          </a:blip>
-          <a:stretch>
-            <a:fillRect/>
-          </a:stretch>
-        </p:blipFill>
-        <p:spPr>
-          <a:xfrm>
-            <a:off x="1543657" y="4434841"/>
-            <a:ext cx="1311442" cy="1311442"/>
-          </a:xfrm>
-          <a:prstGeom prst="rect">
-            <a:avLst/>
-          </a:prstGeom>
-        </p:spPr>
-      </p:pic>
-    </p:spTree>
-    <p:extLst>
-      <p:ext uri="{BB962C8B-B14F-4D97-AF65-F5344CB8AC3E}">
-        <p14:creationId xmlns:p14="http://schemas.microsoft.com/office/powerpoint/2010/main" val="3405443065"/>
-      </p:ext>
-    </p:extLst>
-  </p:cSld>
-  <p:clrMapOvr>
-    <a:masterClrMapping/>
-  </p:clrMapOvr>
-  <p:transition spd="slow">
-    <p:push dir="u"/>
-  </p:transition>
-  <p:timing>
-    <p:tnLst>
-      <p:par>
-        <p:cTn id="1" dur="indefinite" restart="never" nodeType="tmRoot">
-          <p:childTnLst>
-            <p:seq concurrent="1" nextAc="seek">
-              <p:cTn id="2" dur="indefinite" nodeType="mainSeq">
-                <p:childTnLst>
-                  <p:par>
-                    <p:cTn id="3" fill="hold">
-                      <p:stCondLst>
-                        <p:cond delay="indefinite"/>
-                      </p:stCondLst>
-                      <p:childTnLst>
-                        <p:par>
-                          <p:cTn id="4" fill="hold">
-                            <p:stCondLst>
-                              <p:cond delay="0"/>
-                            </p:stCondLst>
-                            <p:childTnLst>
-                              <p:par>
-                                <p:cTn id="5" presetID="1" presetClass="entr" presetSubtype="0" fill="hold" nodeType="clickEffect">
-                                  <p:stCondLst>
-                                    <p:cond delay="0"/>
-                                  </p:stCondLst>
-                                  <p:childTnLst>
-                                    <p:set>
-                                      <p:cBhvr>
-                                        <p:cTn id="6" dur="1" fill="hold">
-                                          <p:stCondLst>
-                                            <p:cond delay="0"/>
-                                          </p:stCondLst>
-                                        </p:cTn>
-                                        <p:tgtEl>
-                                          <p:spTgt spid="3074"/>
-                                        </p:tgtEl>
-                                        <p:attrNameLst>
-                                          <p:attrName>style.visibility</p:attrName>
-                                        </p:attrNameLst>
-                                      </p:cBhvr>
-                                      <p:to>
-                                        <p:strVal val="visible"/>
-                                      </p:to>
-                                    </p:set>
-                                  </p:childTnLst>
-                                </p:cTn>
-                              </p:par>
-                            </p:childTnLst>
-                          </p:cTn>
-                        </p:par>
-                        <p:par>
-                          <p:cTn id="7" fill="hold">
-                            <p:stCondLst>
-                              <p:cond delay="0"/>
-                            </p:stCondLst>
-                            <p:childTnLst>
-                              <p:par>
-                                <p:cTn id="8" presetID="2" presetClass="entr" presetSubtype="4" fill="hold" nodeType="afterEffect">
-                                  <p:stCondLst>
-                                    <p:cond delay="0"/>
-                                  </p:stCondLst>
-                                  <p:childTnLst>
-                                    <p:set>
-                                      <p:cBhvr>
-                                        <p:cTn id="9" dur="1" fill="hold">
-                                          <p:stCondLst>
-                                            <p:cond delay="0"/>
-                                          </p:stCondLst>
-                                        </p:cTn>
-                                        <p:tgtEl>
-                                          <p:spTgt spid="3">
-                                            <p:txEl>
-                                              <p:pRg st="0" end="0"/>
-                                            </p:txEl>
-                                          </p:spTgt>
-                                        </p:tgtEl>
-                                        <p:attrNameLst>
-                                          <p:attrName>style.visibility</p:attrName>
-                                        </p:attrNameLst>
-                                      </p:cBhvr>
-                                      <p:to>
-                                        <p:strVal val="visible"/>
-                                      </p:to>
-                                    </p:set>
-                                    <p:anim calcmode="lin" valueType="num">
-                                      <p:cBhvr additive="base">
-                                        <p:cTn id="10" dur="500" fill="hold"/>
-                                        <p:tgtEl>
-                                          <p:spTgt spid="3">
-                                            <p:txEl>
-                                              <p:pRg st="0" end="0"/>
-                                            </p:txEl>
-                                          </p:spTgt>
-                                        </p:tgtEl>
-                                        <p:attrNameLst>
-                                          <p:attrName>ppt_x</p:attrName>
-                                        </p:attrNameLst>
-                                      </p:cBhvr>
-                                      <p:tavLst>
-                                        <p:tav tm="0">
-                                          <p:val>
-                                            <p:strVal val="#ppt_x"/>
-                                          </p:val>
-                                        </p:tav>
-                                        <p:tav tm="100000">
-                                          <p:val>
-                                            <p:strVal val="#ppt_x"/>
-                                          </p:val>
-                                        </p:tav>
-                                      </p:tavLst>
-                                    </p:anim>
-                                    <p:anim calcmode="lin" valueType="num">
-                                      <p:cBhvr additive="base">
-                                        <p:cTn id="11" dur="500" fill="hold"/>
-                                        <p:tgtEl>
-                                          <p:spTgt spid="3">
-                                            <p:txEl>
-                                              <p:pRg st="0" end="0"/>
-                                            </p:txEl>
-                                          </p:spTgt>
-                                        </p:tgtEl>
-                                        <p:attrNameLst>
-                                          <p:attrName>ppt_y</p:attrName>
-                                        </p:attrNameLst>
-                                      </p:cBhvr>
-                                      <p:tavLst>
-                                        <p:tav tm="0">
-                                          <p:val>
-                                            <p:strVal val="1+#ppt_h/2"/>
-                                          </p:val>
-                                        </p:tav>
-                                        <p:tav tm="100000">
-                                          <p:val>
-                                            <p:strVal val="#ppt_y"/>
-                                          </p:val>
-                                        </p:tav>
-                                      </p:tavLst>
-                                    </p:anim>
-                                  </p:childTnLst>
-                                </p:cTn>
-                              </p:par>
-                            </p:childTnLst>
-                          </p:cTn>
-                        </p:par>
-                        <p:par>
-                          <p:cTn id="12" fill="hold">
-                            <p:stCondLst>
-                              <p:cond delay="500"/>
-                            </p:stCondLst>
-                            <p:childTnLst>
-                              <p:par>
-                                <p:cTn id="13" presetID="2" presetClass="entr" presetSubtype="4" fill="hold" nodeType="afterEffect">
-                                  <p:stCondLst>
-                                    <p:cond delay="0"/>
-                                  </p:stCondLst>
-                                  <p:childTnLst>
-                                    <p:set>
-                                      <p:cBhvr>
-                                        <p:cTn id="14" dur="1" fill="hold">
-                                          <p:stCondLst>
-                                            <p:cond delay="0"/>
-                                          </p:stCondLst>
-                                        </p:cTn>
-                                        <p:tgtEl>
-                                          <p:spTgt spid="3">
-                                            <p:txEl>
-                                              <p:pRg st="2" end="2"/>
-                                            </p:txEl>
-                                          </p:spTgt>
-                                        </p:tgtEl>
-                                        <p:attrNameLst>
-                                          <p:attrName>style.visibility</p:attrName>
-                                        </p:attrNameLst>
-                                      </p:cBhvr>
-                                      <p:to>
-                                        <p:strVal val="visible"/>
-                                      </p:to>
-                                    </p:set>
-                                    <p:anim calcmode="lin" valueType="num">
-                                      <p:cBhvr additive="base">
-                                        <p:cTn id="15" dur="500" fill="hold"/>
-                                        <p:tgtEl>
-                                          <p:spTgt spid="3">
-                                            <p:txEl>
-                                              <p:pRg st="2" end="2"/>
-                                            </p:txEl>
-                                          </p:spTgt>
-                                        </p:tgtEl>
-                                        <p:attrNameLst>
-                                          <p:attrName>ppt_x</p:attrName>
-                                        </p:attrNameLst>
-                                      </p:cBhvr>
-                                      <p:tavLst>
-                                        <p:tav tm="0">
-                                          <p:val>
-                                            <p:strVal val="#ppt_x"/>
-                                          </p:val>
-                                        </p:tav>
-                                        <p:tav tm="100000">
-                                          <p:val>
-                                            <p:strVal val="#ppt_x"/>
-                                          </p:val>
-                                        </p:tav>
-                                      </p:tavLst>
-                                    </p:anim>
-                                    <p:anim calcmode="lin" valueType="num">
-                                      <p:cBhvr additive="base">
-                                        <p:cTn id="16" dur="500" fill="hold"/>
-                                        <p:tgtEl>
-                                          <p:spTgt spid="3">
-                                            <p:txEl>
-                                              <p:pRg st="2" end="2"/>
-                                            </p:txEl>
-                                          </p:spTgt>
-                                        </p:tgtEl>
-                                        <p:attrNameLst>
-                                          <p:attrName>ppt_y</p:attrName>
-                                        </p:attrNameLst>
-                                      </p:cBhvr>
-                                      <p:tavLst>
-                                        <p:tav tm="0">
-                                          <p:val>
-                                            <p:strVal val="1+#ppt_h/2"/>
-                                          </p:val>
-                                        </p:tav>
-                                        <p:tav tm="100000">
-                                          <p:val>
-                                            <p:strVal val="#ppt_y"/>
-                                          </p:val>
-                                        </p:tav>
-                                      </p:tavLst>
-                                    </p:anim>
-                                  </p:childTnLst>
-                                </p:cTn>
-                              </p:par>
-                            </p:childTnLst>
-                          </p:cTn>
-                        </p:par>
-                      </p:childTnLst>
-                    </p:cTn>
-                  </p:par>
-                  <p:par>
-                    <p:cTn id="17" fill="hold">
-                      <p:stCondLst>
-                        <p:cond delay="indefinite"/>
-                      </p:stCondLst>
-                      <p:childTnLst>
-                        <p:par>
-                          <p:cTn id="18" fill="hold">
-                            <p:stCondLst>
-                              <p:cond delay="0"/>
-                            </p:stCondLst>
-                            <p:childTnLst>
-                              <p:par>
-                                <p:cTn id="19" presetID="1" presetClass="entr" presetSubtype="0" fill="hold" nodeType="clickEffect">
-                                  <p:stCondLst>
-                                    <p:cond delay="0"/>
-                                  </p:stCondLst>
-                                  <p:childTnLst>
-                                    <p:set>
-                                      <p:cBhvr>
-                                        <p:cTn id="20" dur="1" fill="hold">
-                                          <p:stCondLst>
-                                            <p:cond delay="0"/>
-                                          </p:stCondLst>
-                                        </p:cTn>
-                                        <p:tgtEl>
-                                          <p:spTgt spid="5"/>
-                                        </p:tgtEl>
-                                        <p:attrNameLst>
-                                          <p:attrName>style.visibility</p:attrName>
-                                        </p:attrNameLst>
-                                      </p:cBhvr>
-                                      <p:to>
-                                        <p:strVal val="visible"/>
-                                      </p:to>
-                                    </p:set>
-                                  </p:childTnLst>
-                                </p:cTn>
-                              </p:par>
-                              <p:par>
-                                <p:cTn id="21" presetID="1" presetClass="entr" presetSubtype="0" fill="hold" nodeType="withEffect">
-                                  <p:stCondLst>
-                                    <p:cond delay="0"/>
-                                  </p:stCondLst>
-                                  <p:childTnLst>
-                                    <p:set>
-                                      <p:cBhvr>
-                                        <p:cTn id="22" dur="1" fill="hold">
-                                          <p:stCondLst>
-                                            <p:cond delay="0"/>
-                                          </p:stCondLst>
-                                        </p:cTn>
-                                        <p:tgtEl>
-                                          <p:spTgt spid="7"/>
-                                        </p:tgtEl>
-                                        <p:attrNameLst>
-                                          <p:attrName>style.visibility</p:attrName>
-                                        </p:attrNameLst>
-                                      </p:cBhvr>
-                                      <p:to>
-                                        <p:strVal val="visible"/>
-                                      </p:to>
-                                    </p:set>
-                                  </p:childTnLst>
-                                </p:cTn>
-                              </p:par>
-                            </p:childTnLst>
-                          </p:cTn>
-                        </p:par>
-                        <p:par>
-                          <p:cTn id="23" fill="hold">
-                            <p:stCondLst>
-                              <p:cond delay="0"/>
-                            </p:stCondLst>
-                            <p:childTnLst>
-                              <p:par>
-                                <p:cTn id="24" presetID="2" presetClass="entr" presetSubtype="4" fill="hold" nodeType="afterEffect">
-                                  <p:stCondLst>
-                                    <p:cond delay="0"/>
-                                  </p:stCondLst>
-                                  <p:childTnLst>
-                                    <p:set>
-                                      <p:cBhvr>
-                                        <p:cTn id="25" dur="1" fill="hold">
-                                          <p:stCondLst>
-                                            <p:cond delay="0"/>
-                                          </p:stCondLst>
-                                        </p:cTn>
-                                        <p:tgtEl>
-                                          <p:spTgt spid="3">
-                                            <p:txEl>
-                                              <p:pRg st="6" end="6"/>
-                                            </p:txEl>
-                                          </p:spTgt>
-                                        </p:tgtEl>
-                                        <p:attrNameLst>
-                                          <p:attrName>style.visibility</p:attrName>
-                                        </p:attrNameLst>
-                                      </p:cBhvr>
-                                      <p:to>
-                                        <p:strVal val="visible"/>
-                                      </p:to>
-                                    </p:set>
-                                    <p:anim calcmode="lin" valueType="num">
-                                      <p:cBhvr additive="base">
-                                        <p:cTn id="26" dur="500" fill="hold"/>
-                                        <p:tgtEl>
-                                          <p:spTgt spid="3">
-                                            <p:txEl>
-                                              <p:pRg st="6" end="6"/>
-                                            </p:txEl>
-                                          </p:spTgt>
-                                        </p:tgtEl>
-                                        <p:attrNameLst>
-                                          <p:attrName>ppt_x</p:attrName>
-                                        </p:attrNameLst>
-                                      </p:cBhvr>
-                                      <p:tavLst>
-                                        <p:tav tm="0">
-                                          <p:val>
-                                            <p:strVal val="#ppt_x"/>
-                                          </p:val>
-                                        </p:tav>
-                                        <p:tav tm="100000">
-                                          <p:val>
-                                            <p:strVal val="#ppt_x"/>
-                                          </p:val>
-                                        </p:tav>
-                                      </p:tavLst>
-                                    </p:anim>
-                                    <p:anim calcmode="lin" valueType="num">
-                                      <p:cBhvr additive="base">
-                                        <p:cTn id="27" dur="500" fill="hold"/>
-                                        <p:tgtEl>
-                                          <p:spTgt spid="3">
-                                            <p:txEl>
-                                              <p:pRg st="6" end="6"/>
-                                            </p:txEl>
-                                          </p:spTgt>
-                                        </p:tgtEl>
-                                        <p:attrNameLst>
-                                          <p:attrName>ppt_y</p:attrName>
-                                        </p:attrNameLst>
-                                      </p:cBhvr>
-                                      <p:tavLst>
-                                        <p:tav tm="0">
-                                          <p:val>
-                                            <p:strVal val="1+#ppt_h/2"/>
-                                          </p:val>
-                                        </p:tav>
-                                        <p:tav tm="100000">
-                                          <p:val>
-                                            <p:strVal val="#ppt_y"/>
-                                          </p:val>
-                                        </p:tav>
-                                      </p:tavLst>
-                                    </p:anim>
-                                  </p:childTnLst>
-                                </p:cTn>
-                              </p:par>
-                            </p:childTnLst>
-                          </p:cTn>
-                        </p:par>
-                      </p:childTnLst>
-                    </p:cTn>
-                  </p:par>
-                </p:childTnLst>
-              </p:cTn>
-              <p:prevCondLst>
-                <p:cond evt="onPrev" delay="0">
-                  <p:tgtEl>
-                    <p:sldTgt/>
-                  </p:tgtEl>
-                </p:cond>
-              </p:prevCondLst>
-              <p:nextCondLst>
-                <p:cond evt="onNext" delay="0">
-                  <p:tgtEl>
-                    <p:sldTgt/>
-                  </p:tgtEl>
-                </p:cond>
-              </p:nextCondLst>
-            </p:seq>
-          </p:childTnLst>
-        </p:cTn>
-      </p:par>
-    </p:tnLst>
-  </p:timing>
-</p:sld>
-</file>
-
-<file path=ppt/slides/slide5.xml><?xml version="1.0" encoding="utf-8"?>
-<p:sld xmlns:a="http://schemas.openxmlformats.org/drawingml/2006/main" xmlns:r="http://schemas.openxmlformats.org/officeDocument/2006/relationships" xmlns:p="http://schemas.openxmlformats.org/presentationml/2006/main" show="0">
-  <p:cSld>
-    <p:spTree>
-      <p:nvGrpSpPr>
-        <p:cNvPr id="1" name=""/>
-        <p:cNvGrpSpPr/>
-        <p:nvPr/>
-      </p:nvGrpSpPr>
-      <p:grpSpPr>
-        <a:xfrm>
-          <a:off x="0" y="0"/>
-          <a:ext cx="0" cy="0"/>
-          <a:chOff x="0" y="0"/>
-          <a:chExt cx="0" cy="0"/>
-        </a:xfrm>
-      </p:grpSpPr>
-      <p:sp>
-        <p:nvSpPr>
-          <p:cNvPr id="2" name="Título 1">
-            <a:extLst>
-              <a:ext uri="{FF2B5EF4-FFF2-40B4-BE49-F238E27FC236}">
-                <a16:creationId xmlns:a16="http://schemas.microsoft.com/office/drawing/2014/main" id="{1DBB9128-C0D1-2B49-8B6F-83116D3CF601}"/>
-              </a:ext>
-            </a:extLst>
-          </p:cNvPr>
-          <p:cNvSpPr>
-            <a:spLocks noGrp="1"/>
-          </p:cNvSpPr>
-          <p:nvPr>
-            <p:ph type="title"/>
-          </p:nvPr>
-        </p:nvSpPr>
-        <p:spPr/>
-        <p:txBody>
-          <a:bodyPr/>
-          <a:lstStyle/>
-          <a:p>
-            <a:r>
-              <a:rPr lang="pt-BR" dirty="0"/>
-              <a:t>Prévia de modelos e validação de hipóteses</a:t>
-            </a:r>
-          </a:p>
-        </p:txBody>
-      </p:sp>
-      <p:sp>
-        <p:nvSpPr>
-          <p:cNvPr id="3" name="Espaço Reservado para Conteúdo 2">
-            <a:extLst>
-              <a:ext uri="{FF2B5EF4-FFF2-40B4-BE49-F238E27FC236}">
-                <a16:creationId xmlns:a16="http://schemas.microsoft.com/office/drawing/2014/main" id="{3DAD9610-3B15-4848-84F0-4B806EC24DCD}"/>
-              </a:ext>
-            </a:extLst>
-          </p:cNvPr>
-          <p:cNvSpPr>
-            <a:spLocks noGrp="1"/>
-          </p:cNvSpPr>
-          <p:nvPr>
-            <p:ph idx="1"/>
-          </p:nvPr>
-        </p:nvSpPr>
-        <p:spPr/>
-        <p:txBody>
-          <a:bodyPr>
-            <a:normAutofit/>
-          </a:bodyPr>
-          <a:lstStyle/>
-          <a:p>
-            <a:pPr lvl="1"/>
-            <a:endParaRPr lang="pt-BR" dirty="0"/>
-          </a:p>
-        </p:txBody>
-      </p:sp>
-    </p:spTree>
-    <p:extLst>
-      <p:ext uri="{BB962C8B-B14F-4D97-AF65-F5344CB8AC3E}">
-        <p14:creationId xmlns:p14="http://schemas.microsoft.com/office/powerpoint/2010/main" val="2052506767"/>
-      </p:ext>
-    </p:extLst>
-  </p:cSld>
-  <p:clrMapOvr>
-    <a:masterClrMapping/>
-  </p:clrMapOvr>
-  <p:transition spd="slow">
-    <p:push dir="u"/>
-  </p:transition>
-</p:sld>
-</file>
-
-<file path=ppt/slides/slide6.xml><?xml version="1.0" encoding="utf-8"?>
-<p:sld xmlns:a="http://schemas.openxmlformats.org/drawingml/2006/main" xmlns:r="http://schemas.openxmlformats.org/officeDocument/2006/relationships" xmlns:p="http://schemas.openxmlformats.org/presentationml/2006/main">
-  <p:cSld>
-    <p:spTree>
-      <p:nvGrpSpPr>
-        <p:cNvPr id="1" name=""/>
-        <p:cNvGrpSpPr/>
-        <p:nvPr/>
-      </p:nvGrpSpPr>
-      <p:grpSpPr>
-        <a:xfrm>
-          <a:off x="0" y="0"/>
-          <a:ext cx="0" cy="0"/>
-          <a:chOff x="0" y="0"/>
-          <a:chExt cx="0" cy="0"/>
-        </a:xfrm>
-      </p:grpSpPr>
-      <p:sp>
-        <p:nvSpPr>
-          <p:cNvPr id="2" name="Título 1">
-            <a:extLst>
-              <a:ext uri="{FF2B5EF4-FFF2-40B4-BE49-F238E27FC236}">
-                <a16:creationId xmlns:a16="http://schemas.microsoft.com/office/drawing/2014/main" id="{1DBB9128-C0D1-2B49-8B6F-83116D3CF601}"/>
-              </a:ext>
-            </a:extLst>
-          </p:cNvPr>
-          <p:cNvSpPr>
-            <a:spLocks noGrp="1"/>
-          </p:cNvSpPr>
-          <p:nvPr>
-            <p:ph type="title"/>
-          </p:nvPr>
-        </p:nvSpPr>
-        <p:spPr>
-          <a:xfrm>
-            <a:off x="2895600" y="764373"/>
-            <a:ext cx="8610600" cy="1293028"/>
-          </a:xfrm>
-        </p:spPr>
-        <p:txBody>
-          <a:bodyPr>
-            <a:normAutofit/>
-          </a:bodyPr>
-          <a:lstStyle/>
-          <a:p>
-            <a:r>
-              <a:rPr lang="pt-BR" dirty="0"/>
-              <a:t>benefícios</a:t>
-            </a:r>
-          </a:p>
-        </p:txBody>
-      </p:sp>
-      <p:sp>
-        <p:nvSpPr>
-          <p:cNvPr id="3" name="Espaço Reservado para Conteúdo 2">
-            <a:extLst>
-              <a:ext uri="{FF2B5EF4-FFF2-40B4-BE49-F238E27FC236}">
-                <a16:creationId xmlns:a16="http://schemas.microsoft.com/office/drawing/2014/main" id="{3DAD9610-3B15-4848-84F0-4B806EC24DCD}"/>
-              </a:ext>
-            </a:extLst>
-          </p:cNvPr>
-          <p:cNvSpPr>
-            <a:spLocks noGrp="1"/>
-          </p:cNvSpPr>
-          <p:nvPr>
-            <p:ph idx="1"/>
-          </p:nvPr>
-        </p:nvSpPr>
-        <p:spPr>
-          <a:xfrm>
-            <a:off x="677333" y="2194560"/>
-            <a:ext cx="5816600" cy="4024125"/>
-          </a:xfrm>
-        </p:spPr>
-        <p:txBody>
-          <a:bodyPr>
-            <a:normAutofit/>
-          </a:bodyPr>
-          <a:lstStyle/>
-          <a:p>
-            <a:pPr lvl="1"/>
-            <a:r>
-              <a:rPr lang="pt-BR" dirty="0"/>
-              <a:t>Contratos mais rentáveis e maior segurança na definição das margens de lucro;</a:t>
-            </a:r>
-          </a:p>
-          <a:p>
-            <a:pPr lvl="1"/>
-            <a:r>
-              <a:rPr lang="pt-BR" dirty="0"/>
-              <a:t>Criação de KPIs e </a:t>
-            </a:r>
-            <a:r>
-              <a:rPr lang="pt-BR" dirty="0" err="1"/>
-              <a:t>OPIs</a:t>
-            </a:r>
-            <a:r>
-              <a:rPr lang="pt-BR" dirty="0"/>
-              <a:t> relevantes e monetizáveis, levando a avaliações de desempenho mais objetivas;</a:t>
-            </a:r>
-          </a:p>
-          <a:p>
-            <a:pPr lvl="1"/>
-            <a:r>
-              <a:rPr lang="pt-BR" dirty="0"/>
-              <a:t>Reconhecimento mensurável do valor agregado ao cliente;</a:t>
-            </a:r>
-          </a:p>
-          <a:p>
-            <a:pPr lvl="1"/>
-            <a:r>
-              <a:rPr lang="pt-BR" dirty="0"/>
-              <a:t>Possibilidade de remuneração variável baseada em desempenho real;</a:t>
-            </a:r>
-          </a:p>
-          <a:p>
-            <a:pPr lvl="1"/>
-            <a:r>
-              <a:rPr lang="pt-BR" dirty="0"/>
-              <a:t>Melhor controle da jornada de trabalho e alocação da equipe.</a:t>
-            </a:r>
-          </a:p>
-          <a:p>
-            <a:pPr lvl="1"/>
-            <a:endParaRPr lang="pt-BR" dirty="0"/>
-          </a:p>
-          <a:p>
-            <a:pPr lvl="1"/>
-            <a:endParaRPr lang="pt-BR" dirty="0"/>
-          </a:p>
-          <a:p>
-            <a:pPr lvl="1"/>
-            <a:endParaRPr lang="pt-BR" dirty="0"/>
-          </a:p>
-          <a:p>
-            <a:pPr lvl="1"/>
-            <a:endParaRPr lang="pt-BR" dirty="0"/>
-          </a:p>
-          <a:p>
-            <a:pPr lvl="1"/>
-            <a:endParaRPr lang="pt-BR" dirty="0"/>
-          </a:p>
-        </p:txBody>
-      </p:sp>
-      <p:pic>
-        <p:nvPicPr>
-          <p:cNvPr id="4" name="Imagem 3">
-            <a:extLst>
-              <a:ext uri="{FF2B5EF4-FFF2-40B4-BE49-F238E27FC236}">
-                <a16:creationId xmlns:a16="http://schemas.microsoft.com/office/drawing/2014/main" id="{DCD572A7-FEAC-4067-8B90-B3443A3BF6B3}"/>
-              </a:ext>
-            </a:extLst>
-          </p:cNvPr>
-          <p:cNvPicPr>
-            <a:picLocks noChangeAspect="1"/>
-          </p:cNvPicPr>
-          <p:nvPr/>
-        </p:nvPicPr>
-        <p:blipFill rotWithShape="1">
-          <a:blip r:embed="rId2"/>
-          <a:srcRect l="13776" r="17299" b="2"/>
-          <a:stretch/>
-        </p:blipFill>
-        <p:spPr>
-          <a:xfrm>
-            <a:off x="6985000" y="2501159"/>
-            <a:ext cx="4521200" cy="3410926"/>
-          </a:xfrm>
-          <a:prstGeom prst="rect">
-            <a:avLst/>
-          </a:prstGeom>
-        </p:spPr>
-      </p:pic>
-    </p:spTree>
-    <p:extLst>
-      <p:ext uri="{BB962C8B-B14F-4D97-AF65-F5344CB8AC3E}">
-        <p14:creationId xmlns:p14="http://schemas.microsoft.com/office/powerpoint/2010/main" val="1145557234"/>
-      </p:ext>
-    </p:extLst>
-  </p:cSld>
-  <p:clrMapOvr>
-    <a:masterClrMapping/>
-  </p:clrMapOvr>
-</p:sld>
-</file>
-
-<file path=ppt/slides/slide7.xml><?xml version="1.0" encoding="utf-8"?>
-<p:sld xmlns:a="http://schemas.openxmlformats.org/drawingml/2006/main" xmlns:r="http://schemas.openxmlformats.org/officeDocument/2006/relationships" xmlns:p="http://schemas.openxmlformats.org/presentationml/2006/main">
-  <p:cSld>
-    <p:spTree>
-      <p:nvGrpSpPr>
-        <p:cNvPr id="1" name=""/>
-        <p:cNvGrpSpPr/>
-        <p:nvPr/>
-      </p:nvGrpSpPr>
-      <p:grpSpPr>
-        <a:xfrm>
-          <a:off x="0" y="0"/>
-          <a:ext cx="0" cy="0"/>
-          <a:chOff x="0" y="0"/>
-          <a:chExt cx="0" cy="0"/>
-        </a:xfrm>
-      </p:grpSpPr>
-      <p:sp>
-        <p:nvSpPr>
-          <p:cNvPr id="2" name="Título 1">
-            <a:extLst>
-              <a:ext uri="{FF2B5EF4-FFF2-40B4-BE49-F238E27FC236}">
-                <a16:creationId xmlns:a16="http://schemas.microsoft.com/office/drawing/2014/main" id="{CAED8CDF-F08B-5445-B3DA-BF1F0E307AAB}"/>
-              </a:ext>
-            </a:extLst>
-          </p:cNvPr>
-          <p:cNvSpPr>
-            <a:spLocks noGrp="1"/>
-          </p:cNvSpPr>
-          <p:nvPr>
-            <p:ph type="title"/>
-          </p:nvPr>
-        </p:nvSpPr>
-        <p:spPr/>
-        <p:txBody>
-          <a:bodyPr>
-            <a:normAutofit/>
-          </a:bodyPr>
-          <a:lstStyle/>
-          <a:p>
-            <a:r>
-              <a:rPr lang="pt-BR" dirty="0"/>
-              <a:t>REVISÃO DE DASHBOARD</a:t>
-            </a:r>
-          </a:p>
-        </p:txBody>
-      </p:sp>
-      <p:pic>
-        <p:nvPicPr>
-          <p:cNvPr id="8" name="Content Placeholder 7">
-            <a:extLst>
-              <a:ext uri="{FF2B5EF4-FFF2-40B4-BE49-F238E27FC236}">
-                <a16:creationId xmlns:a16="http://schemas.microsoft.com/office/drawing/2014/main" id="{5118013C-2879-4B08-ABD1-4057F5D78866}"/>
-              </a:ext>
-            </a:extLst>
-          </p:cNvPr>
-          <p:cNvPicPr>
-            <a:picLocks noGrp="1" noChangeAspect="1"/>
-          </p:cNvPicPr>
-          <p:nvPr>
-            <p:ph idx="1"/>
-          </p:nvPr>
-        </p:nvPicPr>
-        <p:blipFill>
-          <a:blip r:embed="rId2"/>
-          <a:stretch>
-            <a:fillRect/>
-          </a:stretch>
-        </p:blipFill>
-        <p:spPr>
-          <a:xfrm>
-            <a:off x="1429640" y="1713358"/>
-            <a:ext cx="9036974" cy="5053968"/>
-          </a:xfrm>
-          <a:prstGeom prst="rect">
-            <a:avLst/>
-          </a:prstGeom>
-        </p:spPr>
-      </p:pic>
-      <p:cxnSp>
-        <p:nvCxnSpPr>
-          <p:cNvPr id="10" name="Straight Connector 9">
-            <a:extLst>
-              <a:ext uri="{FF2B5EF4-FFF2-40B4-BE49-F238E27FC236}">
-                <a16:creationId xmlns:a16="http://schemas.microsoft.com/office/drawing/2014/main" id="{7A4C5DE9-A300-4935-9195-F9493BAF6EED}"/>
-              </a:ext>
-            </a:extLst>
-          </p:cNvPr>
-          <p:cNvCxnSpPr>
-            <a:cxnSpLocks/>
-          </p:cNvCxnSpPr>
-          <p:nvPr/>
-        </p:nvCxnSpPr>
-        <p:spPr>
-          <a:xfrm>
-            <a:off x="1750967" y="5468586"/>
-            <a:ext cx="5272872" cy="0"/>
-          </a:xfrm>
-          <a:prstGeom prst="line">
-            <a:avLst/>
-          </a:prstGeom>
-          <a:ln w="38100">
-            <a:solidFill>
-              <a:srgbClr val="00B050"/>
-            </a:solidFill>
-          </a:ln>
-        </p:spPr>
-        <p:style>
-          <a:lnRef idx="1">
-            <a:schemeClr val="accent1"/>
-          </a:lnRef>
-          <a:fillRef idx="0">
-            <a:schemeClr val="accent1"/>
-          </a:fillRef>
-          <a:effectRef idx="0">
-            <a:schemeClr val="accent1"/>
-          </a:effectRef>
-          <a:fontRef idx="minor">
-            <a:schemeClr val="tx1"/>
-          </a:fontRef>
-        </p:style>
-      </p:cxnSp>
-      <p:sp>
-        <p:nvSpPr>
-          <p:cNvPr id="11" name="TextBox 10">
-            <a:extLst>
-              <a:ext uri="{FF2B5EF4-FFF2-40B4-BE49-F238E27FC236}">
-                <a16:creationId xmlns:a16="http://schemas.microsoft.com/office/drawing/2014/main" id="{072B244C-05D2-44E9-9106-A0DB186FAC7F}"/>
-              </a:ext>
-            </a:extLst>
-          </p:cNvPr>
-          <p:cNvSpPr txBox="1"/>
-          <p:nvPr/>
-        </p:nvSpPr>
-        <p:spPr>
-          <a:xfrm>
-            <a:off x="1552846" y="6358589"/>
-            <a:ext cx="5693937" cy="415498"/>
-          </a:xfrm>
-          <a:prstGeom prst="rect">
-            <a:avLst/>
-          </a:prstGeom>
-          <a:solidFill>
-            <a:srgbClr val="7030A0"/>
-          </a:solidFill>
-        </p:spPr>
-        <p:txBody>
-          <a:bodyPr wrap="square" rtlCol="0">
-            <a:spAutoFit/>
-          </a:bodyPr>
-          <a:lstStyle/>
-          <a:p>
-            <a:r>
-              <a:rPr lang="en-US" sz="700" dirty="0"/>
-              <a:t>               </a:t>
-            </a:r>
-            <a:r>
-              <a:rPr lang="en-US" sz="700" dirty="0" err="1"/>
-              <a:t>Func</a:t>
-            </a:r>
-            <a:r>
-              <a:rPr lang="en-US" sz="700" dirty="0"/>
-              <a:t> 1                   </a:t>
-            </a:r>
-            <a:r>
-              <a:rPr lang="en-US" sz="700" dirty="0" err="1"/>
-              <a:t>Func</a:t>
-            </a:r>
-            <a:r>
-              <a:rPr lang="en-US" sz="700" dirty="0"/>
-              <a:t> 2</a:t>
-            </a:r>
-            <a:r>
-              <a:rPr lang="pt-BR" sz="700" dirty="0"/>
-              <a:t> 	    </a:t>
-            </a:r>
-            <a:r>
-              <a:rPr lang="en-US" sz="700" dirty="0" err="1"/>
-              <a:t>Func</a:t>
-            </a:r>
-            <a:r>
-              <a:rPr lang="en-US" sz="700" dirty="0"/>
-              <a:t> 3	                 </a:t>
-            </a:r>
-            <a:r>
-              <a:rPr lang="en-US" sz="700" dirty="0" err="1"/>
-              <a:t>Func</a:t>
-            </a:r>
-            <a:r>
-              <a:rPr lang="en-US" sz="700" dirty="0"/>
-              <a:t> 4                  </a:t>
-            </a:r>
-            <a:r>
-              <a:rPr lang="en-US" sz="700" dirty="0" err="1"/>
-              <a:t>Func</a:t>
-            </a:r>
-            <a:r>
-              <a:rPr lang="en-US" sz="700" dirty="0"/>
-              <a:t> 5                    </a:t>
-            </a:r>
-            <a:r>
-              <a:rPr lang="en-US" sz="700" dirty="0" err="1"/>
-              <a:t>Func</a:t>
-            </a:r>
-            <a:r>
-              <a:rPr lang="en-US" sz="700" dirty="0"/>
-              <a:t> 6 	                 </a:t>
-            </a:r>
-            <a:r>
-              <a:rPr lang="en-US" sz="700" dirty="0" err="1"/>
-              <a:t>Func</a:t>
-            </a:r>
-            <a:r>
-              <a:rPr lang="en-US" sz="700" dirty="0"/>
-              <a:t> n</a:t>
-            </a:r>
-          </a:p>
-          <a:p>
-            <a:endParaRPr lang="en-US" sz="700" dirty="0"/>
-          </a:p>
-          <a:p>
-            <a:endParaRPr lang="en-US" sz="700" dirty="0"/>
-          </a:p>
-        </p:txBody>
-      </p:sp>
-    </p:spTree>
-    <p:extLst>
-      <p:ext uri="{BB962C8B-B14F-4D97-AF65-F5344CB8AC3E}">
-        <p14:creationId xmlns:p14="http://schemas.microsoft.com/office/powerpoint/2010/main" val="3689404601"/>
-      </p:ext>
-    </p:extLst>
-  </p:cSld>
-  <p:clrMapOvr>
-    <a:masterClrMapping/>
-  </p:clrMapOvr>
-  <p:transition spd="slow">
-    <p:push dir="u"/>
-  </p:transition>
-  <p:timing>
-    <p:tnLst>
-      <p:par>
-        <p:cTn id="1" dur="indefinite" restart="never" nodeType="tmRoot">
-          <p:childTnLst>
-            <p:seq concurrent="1" nextAc="seek">
-              <p:cTn id="2" dur="indefinite" nodeType="mainSeq">
-                <p:childTnLst>
-                  <p:par>
-                    <p:cTn id="3" fill="hold">
-                      <p:stCondLst>
-                        <p:cond delay="indefinite"/>
-                      </p:stCondLst>
-                      <p:childTnLst>
-                        <p:par>
-                          <p:cTn id="4" fill="hold">
-                            <p:stCondLst>
-                              <p:cond delay="0"/>
-                            </p:stCondLst>
-                            <p:childTnLst>
-                              <p:par>
-                                <p:cTn id="5" presetID="6" presetClass="entr" presetSubtype="16" fill="hold" nodeType="clickEffect">
-                                  <p:stCondLst>
-                                    <p:cond delay="0"/>
-                                  </p:stCondLst>
-                                  <p:childTnLst>
-                                    <p:set>
-                                      <p:cBhvr>
-                                        <p:cTn id="6" dur="1" fill="hold">
-                                          <p:stCondLst>
-                                            <p:cond delay="0"/>
-                                          </p:stCondLst>
-                                        </p:cTn>
-                                        <p:tgtEl>
-                                          <p:spTgt spid="10"/>
-                                        </p:tgtEl>
-                                        <p:attrNameLst>
-                                          <p:attrName>style.visibility</p:attrName>
-                                        </p:attrNameLst>
-                                      </p:cBhvr>
-                                      <p:to>
-                                        <p:strVal val="visible"/>
-                                      </p:to>
-                                    </p:set>
-                                    <p:animEffect transition="in" filter="circle(in)">
-                                      <p:cBhvr>
-                                        <p:cTn id="7" dur="2000"/>
-                                        <p:tgtEl>
-                                          <p:spTgt spid="10"/>
-                                        </p:tgtEl>
-                                      </p:cBhvr>
-                                    </p:animEffect>
-                                  </p:childTnLst>
-                                </p:cTn>
-                              </p:par>
-                            </p:childTnLst>
-                          </p:cTn>
-                        </p:par>
-                      </p:childTnLst>
-                    </p:cTn>
-                  </p:par>
-                </p:childTnLst>
-              </p:cTn>
-              <p:prevCondLst>
-                <p:cond evt="onPrev" delay="0">
-                  <p:tgtEl>
-                    <p:sldTgt/>
-                  </p:tgtEl>
-                </p:cond>
-              </p:prevCondLst>
-              <p:nextCondLst>
-                <p:cond evt="onNext" delay="0">
-                  <p:tgtEl>
-                    <p:sldTgt/>
-                  </p:tgtEl>
-                </p:cond>
-              </p:nextCondLst>
-            </p:seq>
-          </p:childTnLst>
-        </p:cTn>
-      </p:par>
-    </p:tnLst>
-  </p:timing>
-</p:sld>
-</file>
-
-<file path=ppt/slides/slide8.xml><?xml version="1.0" encoding="utf-8"?>
-<p:sld xmlns:a="http://schemas.openxmlformats.org/drawingml/2006/main" xmlns:r="http://schemas.openxmlformats.org/officeDocument/2006/relationships" xmlns:p="http://schemas.openxmlformats.org/presentationml/2006/main">
-  <p:cSld>
-    <p:spTree>
-      <p:nvGrpSpPr>
-        <p:cNvPr id="1" name=""/>
-        <p:cNvGrpSpPr/>
-        <p:nvPr/>
-      </p:nvGrpSpPr>
-      <p:grpSpPr>
-        <a:xfrm>
-          <a:off x="0" y="0"/>
-          <a:ext cx="0" cy="0"/>
-          <a:chOff x="0" y="0"/>
-          <a:chExt cx="0" cy="0"/>
-        </a:xfrm>
-      </p:grpSpPr>
-      <p:pic>
-        <p:nvPicPr>
-          <p:cNvPr id="5" name="Content Placeholder 4">
-            <a:extLst>
-              <a:ext uri="{FF2B5EF4-FFF2-40B4-BE49-F238E27FC236}">
-                <a16:creationId xmlns:a16="http://schemas.microsoft.com/office/drawing/2014/main" id="{13F00033-C83A-4B7D-B5F9-3C831E1A094C}"/>
-              </a:ext>
-            </a:extLst>
-          </p:cNvPr>
-          <p:cNvPicPr>
-            <a:picLocks noGrp="1" noChangeAspect="1"/>
-          </p:cNvPicPr>
-          <p:nvPr>
-            <p:ph idx="1"/>
-          </p:nvPr>
-        </p:nvPicPr>
-        <p:blipFill>
-          <a:blip r:embed="rId2"/>
-          <a:stretch>
-            <a:fillRect/>
-          </a:stretch>
-        </p:blipFill>
-        <p:spPr>
-          <a:xfrm>
-            <a:off x="1566863" y="1694807"/>
-            <a:ext cx="9058274" cy="5081324"/>
-          </a:xfrm>
-          <a:prstGeom prst="rect">
-            <a:avLst/>
-          </a:prstGeom>
-        </p:spPr>
-      </p:pic>
-      <p:sp>
-        <p:nvSpPr>
-          <p:cNvPr id="2" name="Título 1">
-            <a:extLst>
-              <a:ext uri="{FF2B5EF4-FFF2-40B4-BE49-F238E27FC236}">
-                <a16:creationId xmlns:a16="http://schemas.microsoft.com/office/drawing/2014/main" id="{CAED8CDF-F08B-5445-B3DA-BF1F0E307AAB}"/>
-              </a:ext>
-            </a:extLst>
-          </p:cNvPr>
-          <p:cNvSpPr>
-            <a:spLocks noGrp="1"/>
-          </p:cNvSpPr>
-          <p:nvPr>
-            <p:ph type="title"/>
-          </p:nvPr>
-        </p:nvSpPr>
-        <p:spPr/>
-        <p:txBody>
-          <a:bodyPr>
-            <a:normAutofit/>
-          </a:bodyPr>
-          <a:lstStyle/>
-          <a:p>
-            <a:r>
-              <a:rPr lang="pt-BR" dirty="0"/>
-              <a:t>REVISÃO DE DASHBOARD</a:t>
-            </a:r>
-          </a:p>
-        </p:txBody>
-      </p:sp>
-      <p:sp>
-        <p:nvSpPr>
-          <p:cNvPr id="6" name="TextBox 5">
-            <a:extLst>
-              <a:ext uri="{FF2B5EF4-FFF2-40B4-BE49-F238E27FC236}">
-                <a16:creationId xmlns:a16="http://schemas.microsoft.com/office/drawing/2014/main" id="{9719F1D0-6DC1-4245-B12B-C301F10A0C03}"/>
-              </a:ext>
-            </a:extLst>
-          </p:cNvPr>
-          <p:cNvSpPr txBox="1"/>
-          <p:nvPr/>
-        </p:nvSpPr>
-        <p:spPr>
-          <a:xfrm>
-            <a:off x="3171825" y="4057650"/>
-            <a:ext cx="7453312" cy="230832"/>
-          </a:xfrm>
-          <a:prstGeom prst="rect">
-            <a:avLst/>
-          </a:prstGeom>
-          <a:solidFill>
-            <a:srgbClr val="660066"/>
-          </a:solidFill>
-        </p:spPr>
-        <p:txBody>
-          <a:bodyPr wrap="square" rtlCol="0">
-            <a:spAutoFit/>
-          </a:bodyPr>
-          <a:lstStyle/>
-          <a:p>
-            <a:pPr algn="ctr"/>
-            <a:r>
-              <a:rPr lang="en-US" sz="900" b="1" dirty="0" err="1"/>
-              <a:t>Ganhos</a:t>
-            </a:r>
-            <a:r>
-              <a:rPr lang="en-US" sz="900" b="1" dirty="0"/>
-              <a:t> / </a:t>
-            </a:r>
-            <a:r>
-              <a:rPr lang="en-US" sz="900" b="1" dirty="0" err="1"/>
-              <a:t>Perda</a:t>
-            </a:r>
-            <a:r>
-              <a:rPr lang="en-US" sz="900" b="1" dirty="0"/>
-              <a:t> </a:t>
-            </a:r>
-            <a:r>
-              <a:rPr lang="en-US" sz="900" b="1" dirty="0" err="1"/>
-              <a:t>evitada</a:t>
-            </a:r>
-            <a:r>
-              <a:rPr lang="en-US" sz="900" b="1" dirty="0"/>
-              <a:t> – </a:t>
-            </a:r>
-            <a:r>
-              <a:rPr lang="en-US" sz="900" b="1" dirty="0" err="1"/>
-              <a:t>Mês</a:t>
-            </a:r>
-            <a:r>
-              <a:rPr lang="en-US" sz="900" b="1" dirty="0"/>
-              <a:t> a </a:t>
-            </a:r>
-            <a:r>
-              <a:rPr lang="en-US" sz="900" b="1" dirty="0" err="1"/>
-              <a:t>Mês</a:t>
-            </a:r>
-            <a:endParaRPr lang="pt-BR" sz="900" b="1" dirty="0"/>
-          </a:p>
-        </p:txBody>
-      </p:sp>
-      <p:sp>
-        <p:nvSpPr>
-          <p:cNvPr id="12" name="TextBox 11">
-            <a:extLst>
-              <a:ext uri="{FF2B5EF4-FFF2-40B4-BE49-F238E27FC236}">
-                <a16:creationId xmlns:a16="http://schemas.microsoft.com/office/drawing/2014/main" id="{6AB05036-DF23-466D-BA64-5DDAA33326AD}"/>
-              </a:ext>
-            </a:extLst>
-          </p:cNvPr>
-          <p:cNvSpPr txBox="1"/>
-          <p:nvPr/>
-        </p:nvSpPr>
-        <p:spPr>
-          <a:xfrm>
-            <a:off x="3171825" y="5416890"/>
-            <a:ext cx="7453312" cy="230832"/>
-          </a:xfrm>
-          <a:prstGeom prst="rect">
-            <a:avLst/>
-          </a:prstGeom>
-          <a:solidFill>
-            <a:srgbClr val="660066"/>
-          </a:solidFill>
-        </p:spPr>
-        <p:txBody>
-          <a:bodyPr wrap="square" rtlCol="0">
-            <a:spAutoFit/>
-          </a:bodyPr>
-          <a:lstStyle/>
-          <a:p>
-            <a:pPr algn="ctr"/>
-            <a:r>
-              <a:rPr lang="en-US" sz="900" b="1" dirty="0" err="1"/>
-              <a:t>Ganhos</a:t>
-            </a:r>
-            <a:r>
-              <a:rPr lang="en-US" sz="900" b="1" dirty="0"/>
-              <a:t> x OS</a:t>
-            </a:r>
-            <a:endParaRPr lang="pt-BR" sz="900" b="1" dirty="0"/>
-          </a:p>
-        </p:txBody>
-      </p:sp>
-      <p:sp>
-        <p:nvSpPr>
-          <p:cNvPr id="13" name="TextBox 12">
-            <a:extLst>
-              <a:ext uri="{FF2B5EF4-FFF2-40B4-BE49-F238E27FC236}">
-                <a16:creationId xmlns:a16="http://schemas.microsoft.com/office/drawing/2014/main" id="{79CBCE35-EF17-4ED8-89FF-37C6EF72D592}"/>
-              </a:ext>
-            </a:extLst>
-          </p:cNvPr>
-          <p:cNvSpPr txBox="1"/>
-          <p:nvPr/>
-        </p:nvSpPr>
-        <p:spPr>
-          <a:xfrm>
-            <a:off x="3171825" y="2872419"/>
-            <a:ext cx="1247775" cy="230832"/>
-          </a:xfrm>
-          <a:prstGeom prst="rect">
-            <a:avLst/>
-          </a:prstGeom>
-          <a:solidFill>
-            <a:srgbClr val="660066"/>
-          </a:solidFill>
-        </p:spPr>
-        <p:txBody>
-          <a:bodyPr wrap="square" rtlCol="0">
-            <a:spAutoFit/>
-          </a:bodyPr>
-          <a:lstStyle/>
-          <a:p>
-            <a:pPr algn="ctr"/>
-            <a:r>
-              <a:rPr lang="en-US" sz="900" b="1" dirty="0" err="1"/>
-              <a:t>Perdas</a:t>
-            </a:r>
-            <a:r>
-              <a:rPr lang="en-US" sz="900" b="1" dirty="0"/>
-              <a:t> </a:t>
-            </a:r>
-            <a:r>
-              <a:rPr lang="en-US" sz="900" b="1" dirty="0" err="1"/>
-              <a:t>Evitadas</a:t>
-            </a:r>
-            <a:endParaRPr lang="pt-BR" sz="900" b="1" dirty="0"/>
-          </a:p>
-        </p:txBody>
-      </p:sp>
-      <p:sp>
-        <p:nvSpPr>
-          <p:cNvPr id="14" name="TextBox 13">
-            <a:extLst>
-              <a:ext uri="{FF2B5EF4-FFF2-40B4-BE49-F238E27FC236}">
-                <a16:creationId xmlns:a16="http://schemas.microsoft.com/office/drawing/2014/main" id="{BA6A9C76-5DB6-4BE0-A829-39AFDDDB08C5}"/>
-              </a:ext>
-            </a:extLst>
-          </p:cNvPr>
-          <p:cNvSpPr txBox="1"/>
-          <p:nvPr/>
-        </p:nvSpPr>
-        <p:spPr>
-          <a:xfrm>
-            <a:off x="4429125" y="2872419"/>
-            <a:ext cx="1314450" cy="230832"/>
-          </a:xfrm>
-          <a:prstGeom prst="rect">
-            <a:avLst/>
-          </a:prstGeom>
-          <a:solidFill>
-            <a:srgbClr val="660066"/>
-          </a:solidFill>
-        </p:spPr>
-        <p:txBody>
-          <a:bodyPr wrap="square" rtlCol="0">
-            <a:spAutoFit/>
-          </a:bodyPr>
-          <a:lstStyle/>
-          <a:p>
-            <a:pPr algn="ctr"/>
-            <a:r>
-              <a:rPr lang="en-US" sz="900" b="1" dirty="0" err="1"/>
-              <a:t>Redução</a:t>
-            </a:r>
-            <a:r>
-              <a:rPr lang="en-US" sz="900" b="1" dirty="0"/>
-              <a:t> </a:t>
-            </a:r>
-            <a:r>
-              <a:rPr lang="en-US" sz="900" b="1" dirty="0" err="1"/>
-              <a:t>Consumo</a:t>
-            </a:r>
-            <a:endParaRPr lang="pt-BR" sz="900" b="1" dirty="0"/>
-          </a:p>
-        </p:txBody>
-      </p:sp>
-      <p:sp>
-        <p:nvSpPr>
-          <p:cNvPr id="15" name="TextBox 14">
-            <a:extLst>
-              <a:ext uri="{FF2B5EF4-FFF2-40B4-BE49-F238E27FC236}">
-                <a16:creationId xmlns:a16="http://schemas.microsoft.com/office/drawing/2014/main" id="{E4358237-E76D-4122-B716-CC317E0B76BA}"/>
-              </a:ext>
-            </a:extLst>
-          </p:cNvPr>
-          <p:cNvSpPr txBox="1"/>
-          <p:nvPr/>
-        </p:nvSpPr>
-        <p:spPr>
-          <a:xfrm>
-            <a:off x="5743575" y="2872418"/>
-            <a:ext cx="2533650" cy="1185232"/>
-          </a:xfrm>
-          <a:prstGeom prst="rect">
-            <a:avLst/>
-          </a:prstGeom>
-          <a:solidFill>
-            <a:srgbClr val="660066"/>
-          </a:solidFill>
-        </p:spPr>
-        <p:txBody>
-          <a:bodyPr wrap="none" rtlCol="0">
-            <a:noAutofit/>
-          </a:bodyPr>
-          <a:lstStyle/>
-          <a:p>
-            <a:pPr algn="ctr"/>
-            <a:r>
-              <a:rPr lang="en-US" sz="1400" b="1" dirty="0"/>
-              <a:t>$ </a:t>
-            </a:r>
-            <a:r>
-              <a:rPr lang="en-US" sz="1400" b="1" dirty="0" err="1"/>
-              <a:t>Perdas</a:t>
-            </a:r>
-            <a:r>
-              <a:rPr lang="en-US" sz="1400" b="1" dirty="0"/>
-              <a:t> </a:t>
-            </a:r>
-            <a:r>
-              <a:rPr lang="en-US" sz="1400" b="1" dirty="0" err="1"/>
-              <a:t>Evitadas</a:t>
-            </a:r>
-            <a:endParaRPr lang="en-US" sz="1400" b="1" dirty="0"/>
-          </a:p>
-          <a:p>
-            <a:pPr algn="ctr"/>
-            <a:endParaRPr lang="en-US" sz="900" b="1" dirty="0"/>
-          </a:p>
-          <a:p>
-            <a:pPr algn="ctr"/>
-            <a:endParaRPr lang="en-US" sz="900" b="1" dirty="0"/>
-          </a:p>
-          <a:p>
-            <a:pPr algn="ctr"/>
-            <a:endParaRPr lang="en-US" sz="900" b="1" dirty="0"/>
-          </a:p>
-          <a:p>
-            <a:pPr algn="ctr"/>
-            <a:r>
-              <a:rPr lang="en-US" sz="3300" b="1" dirty="0"/>
-              <a:t>154 </a:t>
-            </a:r>
-            <a:r>
-              <a:rPr lang="en-US" sz="3300" b="1" dirty="0" err="1"/>
-              <a:t>kBRL</a:t>
-            </a:r>
-            <a:endParaRPr lang="pt-BR" sz="3300" b="1" dirty="0"/>
-          </a:p>
-        </p:txBody>
-      </p:sp>
-      <p:sp>
-        <p:nvSpPr>
-          <p:cNvPr id="16" name="TextBox 15">
-            <a:extLst>
-              <a:ext uri="{FF2B5EF4-FFF2-40B4-BE49-F238E27FC236}">
-                <a16:creationId xmlns:a16="http://schemas.microsoft.com/office/drawing/2014/main" id="{7BAC7278-A454-43E2-8CF0-089E43CA775C}"/>
-              </a:ext>
-            </a:extLst>
-          </p:cNvPr>
-          <p:cNvSpPr txBox="1"/>
-          <p:nvPr/>
-        </p:nvSpPr>
-        <p:spPr>
-          <a:xfrm>
-            <a:off x="8277225" y="2872418"/>
-            <a:ext cx="2347912" cy="1185232"/>
-          </a:xfrm>
-          <a:prstGeom prst="rect">
-            <a:avLst/>
-          </a:prstGeom>
-          <a:solidFill>
-            <a:srgbClr val="660066"/>
-          </a:solidFill>
-        </p:spPr>
-        <p:txBody>
-          <a:bodyPr wrap="none" rtlCol="0">
-            <a:noAutofit/>
-          </a:bodyPr>
-          <a:lstStyle/>
-          <a:p>
-            <a:pPr algn="ctr"/>
-            <a:r>
-              <a:rPr lang="en-US" sz="1400" b="1" dirty="0"/>
-              <a:t>$ </a:t>
-            </a:r>
-            <a:r>
-              <a:rPr lang="en-US" sz="1400" b="1" dirty="0" err="1"/>
-              <a:t>Ganhos</a:t>
-            </a:r>
-            <a:r>
-              <a:rPr lang="en-US" sz="1400" b="1" dirty="0"/>
-              <a:t> </a:t>
-            </a:r>
-            <a:r>
-              <a:rPr lang="en-US" sz="1400" b="1" dirty="0" err="1"/>
-              <a:t>Operacionais</a:t>
-            </a:r>
-            <a:endParaRPr lang="en-US" sz="1400" b="1" dirty="0"/>
-          </a:p>
-          <a:p>
-            <a:pPr algn="ctr"/>
-            <a:endParaRPr lang="en-US" sz="900" b="1" dirty="0"/>
-          </a:p>
-          <a:p>
-            <a:pPr algn="ctr"/>
-            <a:endParaRPr lang="en-US" sz="900" b="1" dirty="0"/>
-          </a:p>
-          <a:p>
-            <a:pPr algn="ctr"/>
-            <a:endParaRPr lang="en-US" sz="900" b="1" dirty="0"/>
-          </a:p>
-          <a:p>
-            <a:pPr algn="ctr"/>
-            <a:r>
-              <a:rPr lang="en-US" sz="3300" b="1" dirty="0"/>
-              <a:t>45 </a:t>
-            </a:r>
-            <a:r>
-              <a:rPr lang="en-US" sz="3300" b="1" dirty="0" err="1"/>
-              <a:t>kBRL</a:t>
-            </a:r>
-            <a:endParaRPr lang="pt-BR" sz="3300" b="1" dirty="0"/>
-          </a:p>
-        </p:txBody>
-      </p:sp>
-      <p:sp>
-        <p:nvSpPr>
-          <p:cNvPr id="17" name="TextBox 16">
-            <a:extLst>
-              <a:ext uri="{FF2B5EF4-FFF2-40B4-BE49-F238E27FC236}">
-                <a16:creationId xmlns:a16="http://schemas.microsoft.com/office/drawing/2014/main" id="{A43BB68F-CF54-411C-8065-AC52F6B321EB}"/>
-              </a:ext>
-            </a:extLst>
-          </p:cNvPr>
-          <p:cNvSpPr txBox="1"/>
-          <p:nvPr/>
-        </p:nvSpPr>
-        <p:spPr>
-          <a:xfrm>
-            <a:off x="2859881" y="1794242"/>
-            <a:ext cx="3236119" cy="389590"/>
-          </a:xfrm>
-          <a:prstGeom prst="rect">
-            <a:avLst/>
-          </a:prstGeom>
-          <a:solidFill>
-            <a:srgbClr val="660066"/>
-          </a:solidFill>
-        </p:spPr>
-        <p:txBody>
-          <a:bodyPr wrap="none" rtlCol="0">
-            <a:noAutofit/>
-          </a:bodyPr>
-          <a:lstStyle/>
-          <a:p>
-            <a:pPr algn="ctr"/>
-            <a:r>
-              <a:rPr lang="en-US" b="1" dirty="0"/>
-              <a:t>Performance do </a:t>
-            </a:r>
-            <a:r>
-              <a:rPr lang="en-US" b="1" dirty="0" err="1"/>
-              <a:t>Contrato</a:t>
-            </a:r>
-            <a:endParaRPr lang="pt-BR" b="1" dirty="0"/>
-          </a:p>
-        </p:txBody>
-      </p:sp>
-      <p:sp>
-        <p:nvSpPr>
-          <p:cNvPr id="7" name="Rectangle 6">
-            <a:extLst>
-              <a:ext uri="{FF2B5EF4-FFF2-40B4-BE49-F238E27FC236}">
-                <a16:creationId xmlns:a16="http://schemas.microsoft.com/office/drawing/2014/main" id="{AC1A2EDB-1E24-4C9C-B23C-B57EDBC6B601}"/>
-              </a:ext>
-            </a:extLst>
-          </p:cNvPr>
-          <p:cNvSpPr/>
-          <p:nvPr/>
-        </p:nvSpPr>
-        <p:spPr>
-          <a:xfrm>
-            <a:off x="5779293" y="2794957"/>
-            <a:ext cx="4845843" cy="1573480"/>
-          </a:xfrm>
-          <a:prstGeom prst="rect">
-            <a:avLst/>
-          </a:prstGeom>
-          <a:noFill/>
-          <a:ln w="38100">
-            <a:solidFill>
-              <a:srgbClr val="00B050"/>
-            </a:solidFill>
-          </a:ln>
-        </p:spPr>
-        <p:style>
-          <a:lnRef idx="2">
-            <a:schemeClr val="accent1">
-              <a:shade val="50000"/>
-            </a:schemeClr>
-          </a:lnRef>
-          <a:fillRef idx="1">
-            <a:schemeClr val="accent1"/>
-          </a:fillRef>
-          <a:effectRef idx="0">
-            <a:schemeClr val="accent1"/>
-          </a:effectRef>
-          <a:fontRef idx="minor">
-            <a:schemeClr val="lt1"/>
-          </a:fontRef>
-        </p:style>
-        <p:txBody>
-          <a:bodyPr rtlCol="0" anchor="ctr"/>
-          <a:lstStyle/>
-          <a:p>
-            <a:pPr algn="ctr"/>
-            <a:endParaRPr lang="pt-BR"/>
-          </a:p>
-        </p:txBody>
-      </p:sp>
-      <p:sp>
-        <p:nvSpPr>
-          <p:cNvPr id="19" name="Rectangle 18">
-            <a:extLst>
-              <a:ext uri="{FF2B5EF4-FFF2-40B4-BE49-F238E27FC236}">
-                <a16:creationId xmlns:a16="http://schemas.microsoft.com/office/drawing/2014/main" id="{A9E165DA-B748-4EBB-9A6B-AF521A5134B1}"/>
-              </a:ext>
-            </a:extLst>
-          </p:cNvPr>
-          <p:cNvSpPr/>
-          <p:nvPr/>
-        </p:nvSpPr>
-        <p:spPr>
-          <a:xfrm>
-            <a:off x="3010364" y="1665491"/>
-            <a:ext cx="3121356" cy="614564"/>
-          </a:xfrm>
-          <a:prstGeom prst="rect">
-            <a:avLst/>
-          </a:prstGeom>
-          <a:noFill/>
-          <a:ln w="38100">
-            <a:solidFill>
-              <a:srgbClr val="00B050"/>
-            </a:solidFill>
-          </a:ln>
-        </p:spPr>
-        <p:style>
-          <a:lnRef idx="2">
-            <a:schemeClr val="accent1">
-              <a:shade val="50000"/>
-            </a:schemeClr>
-          </a:lnRef>
-          <a:fillRef idx="1">
-            <a:schemeClr val="accent1"/>
-          </a:fillRef>
-          <a:effectRef idx="0">
-            <a:schemeClr val="accent1"/>
-          </a:effectRef>
-          <a:fontRef idx="minor">
-            <a:schemeClr val="lt1"/>
-          </a:fontRef>
-        </p:style>
-        <p:txBody>
-          <a:bodyPr rtlCol="0" anchor="ctr"/>
-          <a:lstStyle/>
-          <a:p>
-            <a:pPr algn="ctr"/>
-            <a:endParaRPr lang="pt-BR"/>
-          </a:p>
-        </p:txBody>
-      </p:sp>
-      <p:sp>
-        <p:nvSpPr>
-          <p:cNvPr id="20" name="Rectangle 19">
-            <a:extLst>
-              <a:ext uri="{FF2B5EF4-FFF2-40B4-BE49-F238E27FC236}">
-                <a16:creationId xmlns:a16="http://schemas.microsoft.com/office/drawing/2014/main" id="{63DCAF97-AB15-4D3E-80C2-EBAF2C0DD554}"/>
-              </a:ext>
-            </a:extLst>
-          </p:cNvPr>
-          <p:cNvSpPr/>
-          <p:nvPr/>
-        </p:nvSpPr>
-        <p:spPr>
-          <a:xfrm>
-            <a:off x="3049654" y="2802009"/>
-            <a:ext cx="2729639" cy="1566427"/>
-          </a:xfrm>
-          <a:prstGeom prst="rect">
-            <a:avLst/>
-          </a:prstGeom>
-          <a:noFill/>
-          <a:ln w="38100">
-            <a:solidFill>
-              <a:srgbClr val="00B050"/>
-            </a:solidFill>
-          </a:ln>
-        </p:spPr>
-        <p:style>
-          <a:lnRef idx="2">
-            <a:schemeClr val="accent1">
-              <a:shade val="50000"/>
-            </a:schemeClr>
-          </a:lnRef>
-          <a:fillRef idx="1">
-            <a:schemeClr val="accent1"/>
-          </a:fillRef>
-          <a:effectRef idx="0">
-            <a:schemeClr val="accent1"/>
-          </a:effectRef>
-          <a:fontRef idx="minor">
-            <a:schemeClr val="lt1"/>
-          </a:fontRef>
-        </p:style>
-        <p:txBody>
-          <a:bodyPr rtlCol="0" anchor="ctr"/>
-          <a:lstStyle/>
-          <a:p>
-            <a:pPr algn="ctr"/>
-            <a:endParaRPr lang="pt-BR"/>
-          </a:p>
-        </p:txBody>
-      </p:sp>
-      <p:sp>
-        <p:nvSpPr>
-          <p:cNvPr id="21" name="Rectangle 20">
-            <a:extLst>
-              <a:ext uri="{FF2B5EF4-FFF2-40B4-BE49-F238E27FC236}">
-                <a16:creationId xmlns:a16="http://schemas.microsoft.com/office/drawing/2014/main" id="{096939F9-A1A8-477C-B330-08FC1FB33B8A}"/>
-              </a:ext>
-            </a:extLst>
-          </p:cNvPr>
-          <p:cNvSpPr/>
-          <p:nvPr/>
-        </p:nvSpPr>
-        <p:spPr>
-          <a:xfrm>
-            <a:off x="3171825" y="5416889"/>
-            <a:ext cx="7453311" cy="1279285"/>
-          </a:xfrm>
-          <a:prstGeom prst="rect">
-            <a:avLst/>
-          </a:prstGeom>
-          <a:noFill/>
-          <a:ln w="38100">
-            <a:solidFill>
-              <a:srgbClr val="00B050"/>
-            </a:solidFill>
-          </a:ln>
-        </p:spPr>
-        <p:style>
-          <a:lnRef idx="2">
-            <a:schemeClr val="accent1">
-              <a:shade val="50000"/>
-            </a:schemeClr>
-          </a:lnRef>
-          <a:fillRef idx="1">
-            <a:schemeClr val="accent1"/>
-          </a:fillRef>
-          <a:effectRef idx="0">
-            <a:schemeClr val="accent1"/>
-          </a:effectRef>
-          <a:fontRef idx="minor">
-            <a:schemeClr val="lt1"/>
-          </a:fontRef>
-        </p:style>
-        <p:txBody>
-          <a:bodyPr rtlCol="0" anchor="ctr"/>
-          <a:lstStyle/>
-          <a:p>
-            <a:pPr algn="ctr"/>
-            <a:endParaRPr lang="pt-BR"/>
-          </a:p>
-        </p:txBody>
-      </p:sp>
-    </p:spTree>
-    <p:extLst>
-      <p:ext uri="{BB962C8B-B14F-4D97-AF65-F5344CB8AC3E}">
-        <p14:creationId xmlns:p14="http://schemas.microsoft.com/office/powerpoint/2010/main" val="4081534313"/>
-      </p:ext>
-    </p:extLst>
-  </p:cSld>
-  <p:clrMapOvr>
-    <a:masterClrMapping/>
-  </p:clrMapOvr>
-  <p:transition spd="slow">
-    <p:push dir="u"/>
-  </p:transition>
-  <p:timing>
-    <p:tnLst>
-      <p:par>
-        <p:cTn id="1" dur="indefinite" restart="never" nodeType="tmRoot">
-          <p:childTnLst>
-            <p:seq concurrent="1" nextAc="seek">
-              <p:cTn id="2" dur="indefinite" nodeType="mainSeq">
-                <p:childTnLst>
-                  <p:par>
-                    <p:cTn id="3" fill="hold">
-                      <p:stCondLst>
-                        <p:cond delay="indefinite"/>
-                      </p:stCondLst>
-                      <p:childTnLst>
-                        <p:par>
-                          <p:cTn id="4" fill="hold">
-                            <p:stCondLst>
-                              <p:cond delay="0"/>
-                            </p:stCondLst>
-                            <p:childTnLst>
-                              <p:par>
-                                <p:cTn id="5" presetID="53" presetClass="entr" presetSubtype="16" fill="hold" grpId="0" nodeType="clickEffect">
-                                  <p:stCondLst>
-                                    <p:cond delay="0"/>
-                                  </p:stCondLst>
-                                  <p:childTnLst>
-                                    <p:set>
-                                      <p:cBhvr>
-                                        <p:cTn id="6" dur="1" fill="hold">
-                                          <p:stCondLst>
-                                            <p:cond delay="0"/>
-                                          </p:stCondLst>
-                                        </p:cTn>
-                                        <p:tgtEl>
-                                          <p:spTgt spid="7"/>
-                                        </p:tgtEl>
-                                        <p:attrNameLst>
-                                          <p:attrName>style.visibility</p:attrName>
-                                        </p:attrNameLst>
-                                      </p:cBhvr>
-                                      <p:to>
-                                        <p:strVal val="visible"/>
-                                      </p:to>
-                                    </p:set>
-                                    <p:anim calcmode="lin" valueType="num">
-                                      <p:cBhvr>
-                                        <p:cTn id="7" dur="500" fill="hold"/>
-                                        <p:tgtEl>
-                                          <p:spTgt spid="7"/>
-                                        </p:tgtEl>
-                                        <p:attrNameLst>
-                                          <p:attrName>ppt_w</p:attrName>
-                                        </p:attrNameLst>
-                                      </p:cBhvr>
-                                      <p:tavLst>
-                                        <p:tav tm="0">
-                                          <p:val>
-                                            <p:fltVal val="0"/>
-                                          </p:val>
-                                        </p:tav>
-                                        <p:tav tm="100000">
-                                          <p:val>
-                                            <p:strVal val="#ppt_w"/>
-                                          </p:val>
-                                        </p:tav>
-                                      </p:tavLst>
-                                    </p:anim>
-                                    <p:anim calcmode="lin" valueType="num">
-                                      <p:cBhvr>
-                                        <p:cTn id="8" dur="500" fill="hold"/>
-                                        <p:tgtEl>
-                                          <p:spTgt spid="7"/>
-                                        </p:tgtEl>
-                                        <p:attrNameLst>
-                                          <p:attrName>ppt_h</p:attrName>
-                                        </p:attrNameLst>
-                                      </p:cBhvr>
-                                      <p:tavLst>
-                                        <p:tav tm="0">
-                                          <p:val>
-                                            <p:fltVal val="0"/>
-                                          </p:val>
-                                        </p:tav>
-                                        <p:tav tm="100000">
-                                          <p:val>
-                                            <p:strVal val="#ppt_h"/>
-                                          </p:val>
-                                        </p:tav>
-                                      </p:tavLst>
-                                    </p:anim>
-                                    <p:animEffect transition="in" filter="fade">
-                                      <p:cBhvr>
-                                        <p:cTn id="9" dur="500"/>
-                                        <p:tgtEl>
-                                          <p:spTgt spid="7"/>
-                                        </p:tgtEl>
-                                      </p:cBhvr>
-                                    </p:animEffect>
-                                  </p:childTnLst>
-                                </p:cTn>
-                              </p:par>
-                              <p:par>
-                                <p:cTn id="10" presetID="53" presetClass="entr" presetSubtype="16" fill="hold" grpId="0" nodeType="withEffect">
-                                  <p:stCondLst>
-                                    <p:cond delay="0"/>
-                                  </p:stCondLst>
-                                  <p:childTnLst>
-                                    <p:set>
-                                      <p:cBhvr>
-                                        <p:cTn id="11" dur="1" fill="hold">
-                                          <p:stCondLst>
-                                            <p:cond delay="0"/>
-                                          </p:stCondLst>
-                                        </p:cTn>
-                                        <p:tgtEl>
-                                          <p:spTgt spid="20"/>
-                                        </p:tgtEl>
-                                        <p:attrNameLst>
-                                          <p:attrName>style.visibility</p:attrName>
-                                        </p:attrNameLst>
-                                      </p:cBhvr>
-                                      <p:to>
-                                        <p:strVal val="visible"/>
-                                      </p:to>
-                                    </p:set>
-                                    <p:anim calcmode="lin" valueType="num">
-                                      <p:cBhvr>
-                                        <p:cTn id="12" dur="500" fill="hold"/>
-                                        <p:tgtEl>
-                                          <p:spTgt spid="20"/>
-                                        </p:tgtEl>
-                                        <p:attrNameLst>
-                                          <p:attrName>ppt_w</p:attrName>
-                                        </p:attrNameLst>
-                                      </p:cBhvr>
-                                      <p:tavLst>
-                                        <p:tav tm="0">
-                                          <p:val>
-                                            <p:fltVal val="0"/>
-                                          </p:val>
-                                        </p:tav>
-                                        <p:tav tm="100000">
-                                          <p:val>
-                                            <p:strVal val="#ppt_w"/>
-                                          </p:val>
-                                        </p:tav>
-                                      </p:tavLst>
-                                    </p:anim>
-                                    <p:anim calcmode="lin" valueType="num">
-                                      <p:cBhvr>
-                                        <p:cTn id="13" dur="500" fill="hold"/>
-                                        <p:tgtEl>
-                                          <p:spTgt spid="20"/>
-                                        </p:tgtEl>
-                                        <p:attrNameLst>
-                                          <p:attrName>ppt_h</p:attrName>
-                                        </p:attrNameLst>
-                                      </p:cBhvr>
-                                      <p:tavLst>
-                                        <p:tav tm="0">
-                                          <p:val>
-                                            <p:fltVal val="0"/>
-                                          </p:val>
-                                        </p:tav>
-                                        <p:tav tm="100000">
-                                          <p:val>
-                                            <p:strVal val="#ppt_h"/>
-                                          </p:val>
-                                        </p:tav>
-                                      </p:tavLst>
-                                    </p:anim>
-                                    <p:animEffect transition="in" filter="fade">
-                                      <p:cBhvr>
-                                        <p:cTn id="14" dur="500"/>
-                                        <p:tgtEl>
-                                          <p:spTgt spid="20"/>
-                                        </p:tgtEl>
-                                      </p:cBhvr>
-                                    </p:animEffect>
-                                  </p:childTnLst>
-                                </p:cTn>
-                              </p:par>
-                              <p:par>
-                                <p:cTn id="15" presetID="53" presetClass="entr" presetSubtype="16" fill="hold" grpId="0" nodeType="withEffect">
-                                  <p:stCondLst>
-                                    <p:cond delay="0"/>
-                                  </p:stCondLst>
-                                  <p:childTnLst>
-                                    <p:set>
-                                      <p:cBhvr>
-                                        <p:cTn id="16" dur="1" fill="hold">
-                                          <p:stCondLst>
-                                            <p:cond delay="0"/>
-                                          </p:stCondLst>
-                                        </p:cTn>
-                                        <p:tgtEl>
-                                          <p:spTgt spid="19"/>
-                                        </p:tgtEl>
-                                        <p:attrNameLst>
-                                          <p:attrName>style.visibility</p:attrName>
-                                        </p:attrNameLst>
-                                      </p:cBhvr>
-                                      <p:to>
-                                        <p:strVal val="visible"/>
-                                      </p:to>
-                                    </p:set>
-                                    <p:anim calcmode="lin" valueType="num">
-                                      <p:cBhvr>
-                                        <p:cTn id="17" dur="500" fill="hold"/>
-                                        <p:tgtEl>
-                                          <p:spTgt spid="19"/>
-                                        </p:tgtEl>
-                                        <p:attrNameLst>
-                                          <p:attrName>ppt_w</p:attrName>
-                                        </p:attrNameLst>
-                                      </p:cBhvr>
-                                      <p:tavLst>
-                                        <p:tav tm="0">
-                                          <p:val>
-                                            <p:fltVal val="0"/>
-                                          </p:val>
-                                        </p:tav>
-                                        <p:tav tm="100000">
-                                          <p:val>
-                                            <p:strVal val="#ppt_w"/>
-                                          </p:val>
-                                        </p:tav>
-                                      </p:tavLst>
-                                    </p:anim>
-                                    <p:anim calcmode="lin" valueType="num">
-                                      <p:cBhvr>
-                                        <p:cTn id="18" dur="500" fill="hold"/>
-                                        <p:tgtEl>
-                                          <p:spTgt spid="19"/>
-                                        </p:tgtEl>
-                                        <p:attrNameLst>
-                                          <p:attrName>ppt_h</p:attrName>
-                                        </p:attrNameLst>
-                                      </p:cBhvr>
-                                      <p:tavLst>
-                                        <p:tav tm="0">
-                                          <p:val>
-                                            <p:fltVal val="0"/>
-                                          </p:val>
-                                        </p:tav>
-                                        <p:tav tm="100000">
-                                          <p:val>
-                                            <p:strVal val="#ppt_h"/>
-                                          </p:val>
-                                        </p:tav>
-                                      </p:tavLst>
-                                    </p:anim>
-                                    <p:animEffect transition="in" filter="fade">
-                                      <p:cBhvr>
-                                        <p:cTn id="19" dur="500"/>
-                                        <p:tgtEl>
-                                          <p:spTgt spid="19"/>
-                                        </p:tgtEl>
-                                      </p:cBhvr>
-                                    </p:animEffect>
-                                  </p:childTnLst>
-                                </p:cTn>
-                              </p:par>
-                              <p:par>
-                                <p:cTn id="20" presetID="53" presetClass="entr" presetSubtype="16" fill="hold" grpId="0" nodeType="withEffect">
-                                  <p:stCondLst>
-                                    <p:cond delay="0"/>
-                                  </p:stCondLst>
-                                  <p:childTnLst>
-                                    <p:set>
-                                      <p:cBhvr>
-                                        <p:cTn id="21" dur="1" fill="hold">
-                                          <p:stCondLst>
-                                            <p:cond delay="0"/>
-                                          </p:stCondLst>
-                                        </p:cTn>
-                                        <p:tgtEl>
-                                          <p:spTgt spid="21"/>
-                                        </p:tgtEl>
-                                        <p:attrNameLst>
-                                          <p:attrName>style.visibility</p:attrName>
-                                        </p:attrNameLst>
-                                      </p:cBhvr>
-                                      <p:to>
-                                        <p:strVal val="visible"/>
-                                      </p:to>
-                                    </p:set>
-                                    <p:anim calcmode="lin" valueType="num">
-                                      <p:cBhvr>
-                                        <p:cTn id="22" dur="500" fill="hold"/>
-                                        <p:tgtEl>
-                                          <p:spTgt spid="21"/>
-                                        </p:tgtEl>
-                                        <p:attrNameLst>
-                                          <p:attrName>ppt_w</p:attrName>
-                                        </p:attrNameLst>
-                                      </p:cBhvr>
-                                      <p:tavLst>
-                                        <p:tav tm="0">
-                                          <p:val>
-                                            <p:fltVal val="0"/>
-                                          </p:val>
-                                        </p:tav>
-                                        <p:tav tm="100000">
-                                          <p:val>
-                                            <p:strVal val="#ppt_w"/>
-                                          </p:val>
-                                        </p:tav>
-                                      </p:tavLst>
-                                    </p:anim>
-                                    <p:anim calcmode="lin" valueType="num">
-                                      <p:cBhvr>
-                                        <p:cTn id="23" dur="500" fill="hold"/>
-                                        <p:tgtEl>
-                                          <p:spTgt spid="21"/>
-                                        </p:tgtEl>
-                                        <p:attrNameLst>
-                                          <p:attrName>ppt_h</p:attrName>
-                                        </p:attrNameLst>
-                                      </p:cBhvr>
-                                      <p:tavLst>
-                                        <p:tav tm="0">
-                                          <p:val>
-                                            <p:fltVal val="0"/>
-                                          </p:val>
-                                        </p:tav>
-                                        <p:tav tm="100000">
-                                          <p:val>
-                                            <p:strVal val="#ppt_h"/>
-                                          </p:val>
-                                        </p:tav>
-                                      </p:tavLst>
-                                    </p:anim>
-                                    <p:animEffect transition="in" filter="fade">
-                                      <p:cBhvr>
-                                        <p:cTn id="24" dur="500"/>
-                                        <p:tgtEl>
-                                          <p:spTgt spid="21"/>
-                                        </p:tgtEl>
-                                      </p:cBhvr>
-                                    </p:animEffect>
-                                  </p:childTnLst>
-                                </p:cTn>
-                              </p:par>
-                            </p:childTnLst>
-                          </p:cTn>
-                        </p:par>
-                      </p:childTnLst>
-                    </p:cTn>
-                  </p:par>
-                </p:childTnLst>
-              </p:cTn>
-              <p:prevCondLst>
-                <p:cond evt="onPrev" delay="0">
-                  <p:tgtEl>
-                    <p:sldTgt/>
-                  </p:tgtEl>
-                </p:cond>
-              </p:prevCondLst>
-              <p:nextCondLst>
-                <p:cond evt="onNext" delay="0">
-                  <p:tgtEl>
-                    <p:sldTgt/>
-                  </p:tgtEl>
-                </p:cond>
-              </p:nextCondLst>
-            </p:seq>
-          </p:childTnLst>
-        </p:cTn>
-      </p:par>
-    </p:tnLst>
-    <p:bldLst>
-      <p:bldP spid="7" grpId="0" animBg="1"/>
-      <p:bldP spid="19" grpId="0" animBg="1"/>
-      <p:bldP spid="20" grpId="0" animBg="1"/>
-      <p:bldP spid="21" grpId="0" animBg="1"/>
-    </p:bldLst>
-  </p:timing>
-</p:sld>
-</file>
-
-<file path=ppt/slides/slide9.xml><?xml version="1.0" encoding="utf-8"?>
-<p:sld xmlns:a="http://schemas.openxmlformats.org/drawingml/2006/main" xmlns:r="http://schemas.openxmlformats.org/officeDocument/2006/relationships" xmlns:p="http://schemas.openxmlformats.org/presentationml/2006/main">
-  <p:cSld>
-    <p:spTree>
-      <p:nvGrpSpPr>
-        <p:cNvPr id="1" name=""/>
-        <p:cNvGrpSpPr/>
-        <p:nvPr/>
-      </p:nvGrpSpPr>
-      <p:grpSpPr>
-        <a:xfrm>
-          <a:off x="0" y="0"/>
-          <a:ext cx="0" cy="0"/>
-          <a:chOff x="0" y="0"/>
-          <a:chExt cx="0" cy="0"/>
-        </a:xfrm>
-      </p:grpSpPr>
-      <p:sp>
-        <p:nvSpPr>
-          <p:cNvPr id="2" name="Título 1">
-            <a:extLst>
-              <a:ext uri="{FF2B5EF4-FFF2-40B4-BE49-F238E27FC236}">
-                <a16:creationId xmlns:a16="http://schemas.microsoft.com/office/drawing/2014/main" id="{CAED8CDF-F08B-5445-B3DA-BF1F0E307AAB}"/>
-              </a:ext>
-            </a:extLst>
-          </p:cNvPr>
-          <p:cNvSpPr>
-            <a:spLocks noGrp="1"/>
-          </p:cNvSpPr>
-          <p:nvPr>
-            <p:ph type="title"/>
-          </p:nvPr>
-        </p:nvSpPr>
-        <p:spPr/>
-        <p:txBody>
-          <a:bodyPr/>
-          <a:lstStyle/>
-          <a:p>
-            <a:r>
-              <a:rPr lang="pt-BR" dirty="0" err="1"/>
-              <a:t>conclusÕes</a:t>
-            </a:r>
-            <a:endParaRPr lang="pt-BR" dirty="0"/>
-          </a:p>
-        </p:txBody>
-      </p:sp>
-      <p:sp>
-        <p:nvSpPr>
-          <p:cNvPr id="5" name="Espaço Reservado para Texto 4">
-            <a:extLst>
-              <a:ext uri="{FF2B5EF4-FFF2-40B4-BE49-F238E27FC236}">
-                <a16:creationId xmlns:a16="http://schemas.microsoft.com/office/drawing/2014/main" id="{5AF711BC-B97E-E04F-BF8A-D4B754792CAC}"/>
-              </a:ext>
-            </a:extLst>
-          </p:cNvPr>
-          <p:cNvSpPr>
-            <a:spLocks noGrp="1"/>
-          </p:cNvSpPr>
-          <p:nvPr>
             <p:ph type="body" idx="1"/>
           </p:nvPr>
         </p:nvSpPr>
@@ -10388,15 +6193,7 @@
             </a:r>
             <a:r>
               <a:rPr lang="en-US" sz="1800" dirty="0"/>
-              <a:t> da </a:t>
-            </a:r>
-            <a:r>
-              <a:rPr lang="en-US" sz="1800" dirty="0" err="1"/>
-              <a:t>Previsão</a:t>
-            </a:r>
-            <a:r>
-              <a:rPr lang="en-US" sz="1800" dirty="0"/>
-              <a:t> de Tempo de </a:t>
+              <a:t> do Tempo de </a:t>
             </a:r>
             <a:r>
               <a:rPr lang="en-US" sz="1800" dirty="0" err="1"/>
@@ -10446,15 +6243,39 @@
             </a:pPr>
             <a:r>
               <a:rPr lang="en-US" sz="1800" dirty="0" err="1"/>
-              <a:t>Gestão</a:t>
+              <a:t>Melhor</a:t>
             </a:r>
             <a:r>
               <a:rPr lang="en-US" sz="1800" dirty="0"/>
-              <a:t> de skills do Quadro de </a:t>
+              <a:t> </a:t>
+            </a:r>
+            <a:r>
+              <a:rPr lang="en-US" sz="1800" dirty="0" err="1"/>
+              <a:t>gestão</a:t>
+            </a:r>
+            <a:r>
+              <a:rPr lang="en-US" sz="1800" dirty="0"/>
+              <a:t> de skills do </a:t>
+            </a:r>
+            <a:r>
+              <a:rPr lang="en-US" sz="1800" dirty="0" err="1"/>
+              <a:t>quadro</a:t>
+            </a:r>
+            <a:r>
+              <a:rPr lang="en-US" sz="1800" dirty="0"/>
+              <a:t> de </a:t>
             </a:r>
             <a:r>
               <a:rPr lang="en-US" sz="1800" dirty="0" err="1"/>
               <a:t>funcionários</a:t>
+            </a:r>
+            <a:r>
+              <a:rPr lang="en-US" sz="1800" dirty="0"/>
+              <a:t> e </a:t>
+            </a:r>
+            <a:r>
+              <a:rPr lang="en-US" sz="1800" dirty="0" err="1"/>
+              <a:t>treinamentos</a:t>
             </a:r>
             <a:endParaRPr lang="pt-BR" sz="1800" dirty="0"/>
           </a:p>
@@ -10558,6 +6379,14 @@
             <a:r>
               <a:rPr lang="en-US" sz="1800" dirty="0" err="1"/>
               <a:t>ativos</a:t>
+            </a:r>
+            <a:r>
+              <a:rPr lang="en-US" sz="1800" dirty="0"/>
+              <a:t> c/ IoT/ </a:t>
+            </a:r>
+            <a:r>
+              <a:rPr lang="en-US" sz="1800" dirty="0" err="1"/>
+              <a:t>sensoriamento</a:t>
             </a:r>
             <a:r>
               <a:rPr lang="en-US" sz="1800" dirty="0"/>
@@ -11738,6 +7567,5268 @@
 </p:sld>
 </file>
 
+<file path=ppt/slides/slide11.xml><?xml version="1.0" encoding="utf-8"?>
+<p:sld xmlns:a="http://schemas.openxmlformats.org/drawingml/2006/main" xmlns:r="http://schemas.openxmlformats.org/officeDocument/2006/relationships" xmlns:p="http://schemas.openxmlformats.org/presentationml/2006/main">
+  <p:cSld>
+    <p:spTree>
+      <p:nvGrpSpPr>
+        <p:cNvPr id="1" name=""/>
+        <p:cNvGrpSpPr/>
+        <p:nvPr/>
+      </p:nvGrpSpPr>
+      <p:grpSpPr>
+        <a:xfrm>
+          <a:off x="0" y="0"/>
+          <a:ext cx="0" cy="0"/>
+          <a:chOff x="0" y="0"/>
+          <a:chExt cx="0" cy="0"/>
+        </a:xfrm>
+      </p:grpSpPr>
+      <p:sp>
+        <p:nvSpPr>
+          <p:cNvPr id="2" name="Título 1">
+            <a:extLst>
+              <a:ext uri="{FF2B5EF4-FFF2-40B4-BE49-F238E27FC236}">
+                <a16:creationId xmlns:a16="http://schemas.microsoft.com/office/drawing/2014/main" id="{CAED8CDF-F08B-5445-B3DA-BF1F0E307AAB}"/>
+              </a:ext>
+            </a:extLst>
+          </p:cNvPr>
+          <p:cNvSpPr>
+            <a:spLocks noGrp="1"/>
+          </p:cNvSpPr>
+          <p:nvPr>
+            <p:ph type="title"/>
+          </p:nvPr>
+        </p:nvSpPr>
+        <p:spPr/>
+        <p:txBody>
+          <a:bodyPr/>
+          <a:lstStyle/>
+          <a:p>
+            <a:r>
+              <a:rPr lang="pt-BR" dirty="0"/>
+              <a:t>agradecimentos</a:t>
+            </a:r>
+          </a:p>
+        </p:txBody>
+      </p:sp>
+      <p:sp>
+        <p:nvSpPr>
+          <p:cNvPr id="5" name="Espaço Reservado para Texto 4">
+            <a:extLst>
+              <a:ext uri="{FF2B5EF4-FFF2-40B4-BE49-F238E27FC236}">
+                <a16:creationId xmlns:a16="http://schemas.microsoft.com/office/drawing/2014/main" id="{5AF711BC-B97E-E04F-BF8A-D4B754792CAC}"/>
+              </a:ext>
+            </a:extLst>
+          </p:cNvPr>
+          <p:cNvSpPr>
+            <a:spLocks noGrp="1"/>
+          </p:cNvSpPr>
+          <p:nvPr>
+            <p:ph idx="1"/>
+          </p:nvPr>
+        </p:nvSpPr>
+        <p:spPr/>
+        <p:txBody>
+          <a:bodyPr/>
+          <a:lstStyle/>
+          <a:p>
+            <a:endParaRPr lang="pt-BR" dirty="0"/>
+          </a:p>
+          <a:p>
+            <a:r>
+              <a:rPr lang="pt-BR" dirty="0"/>
+              <a:t>Ao cliente VIVANTE, pela oportunidade de aplicar os conhecimentos de sala de aula;</a:t>
+            </a:r>
+          </a:p>
+          <a:p>
+            <a:r>
+              <a:rPr lang="pt-BR" dirty="0"/>
+              <a:t>A todos os professores de IA da </a:t>
+            </a:r>
+            <a:r>
+              <a:rPr lang="pt-BR" dirty="0" err="1"/>
+              <a:t>FIAP</a:t>
+            </a:r>
+            <a:r>
+              <a:rPr lang="pt-BR" dirty="0"/>
+              <a:t>, por toda a base que nos fez chegar até aqui;</a:t>
+            </a:r>
+          </a:p>
+          <a:p>
+            <a:r>
+              <a:rPr lang="pt-BR" dirty="0"/>
+              <a:t>Aos nossos familiares, por tanta paciência.</a:t>
+            </a:r>
+          </a:p>
+          <a:p>
+            <a:r>
+              <a:rPr lang="pt-BR" dirty="0"/>
+              <a:t>E até à pandemia, que acabou acelerando muitos projetos na área de Transformação Digital.</a:t>
+            </a:r>
+          </a:p>
+        </p:txBody>
+      </p:sp>
+    </p:spTree>
+    <p:extLst>
+      <p:ext uri="{BB962C8B-B14F-4D97-AF65-F5344CB8AC3E}">
+        <p14:creationId xmlns:p14="http://schemas.microsoft.com/office/powerpoint/2010/main" val="1100214067"/>
+      </p:ext>
+    </p:extLst>
+  </p:cSld>
+  <p:clrMapOvr>
+    <a:masterClrMapping/>
+  </p:clrMapOvr>
+  <p:transition spd="slow">
+    <p:push dir="u"/>
+  </p:transition>
+</p:sld>
+</file>
+
+<file path=ppt/slides/slide2.xml><?xml version="1.0" encoding="utf-8"?>
+<p:sld xmlns:a="http://schemas.openxmlformats.org/drawingml/2006/main" xmlns:r="http://schemas.openxmlformats.org/officeDocument/2006/relationships" xmlns:p="http://schemas.openxmlformats.org/presentationml/2006/main">
+  <p:cSld>
+    <p:spTree>
+      <p:nvGrpSpPr>
+        <p:cNvPr id="1" name=""/>
+        <p:cNvGrpSpPr/>
+        <p:nvPr/>
+      </p:nvGrpSpPr>
+      <p:grpSpPr>
+        <a:xfrm>
+          <a:off x="0" y="0"/>
+          <a:ext cx="0" cy="0"/>
+          <a:chOff x="0" y="0"/>
+          <a:chExt cx="0" cy="0"/>
+        </a:xfrm>
+      </p:grpSpPr>
+      <p:pic>
+        <p:nvPicPr>
+          <p:cNvPr id="6" name="Content Placeholder 5">
+            <a:extLst>
+              <a:ext uri="{FF2B5EF4-FFF2-40B4-BE49-F238E27FC236}">
+                <a16:creationId xmlns:a16="http://schemas.microsoft.com/office/drawing/2014/main" id="{752A1C9F-6F7E-43D9-8DE1-ADB59F318455}"/>
+              </a:ext>
+            </a:extLst>
+          </p:cNvPr>
+          <p:cNvPicPr>
+            <a:picLocks noGrp="1" noChangeAspect="1"/>
+          </p:cNvPicPr>
+          <p:nvPr>
+            <p:ph idx="1"/>
+          </p:nvPr>
+        </p:nvPicPr>
+        <p:blipFill>
+          <a:blip r:embed="rId2"/>
+          <a:stretch>
+            <a:fillRect/>
+          </a:stretch>
+        </p:blipFill>
+        <p:spPr>
+          <a:xfrm>
+            <a:off x="3759444" y="2728610"/>
+            <a:ext cx="1904728" cy="1620000"/>
+          </a:xfrm>
+          <a:prstGeom prst="ellipse">
+            <a:avLst/>
+          </a:prstGeom>
+        </p:spPr>
+      </p:pic>
+      <p:sp>
+        <p:nvSpPr>
+          <p:cNvPr id="2" name="Título 1">
+            <a:extLst>
+              <a:ext uri="{FF2B5EF4-FFF2-40B4-BE49-F238E27FC236}">
+                <a16:creationId xmlns:a16="http://schemas.microsoft.com/office/drawing/2014/main" id="{1DBB9128-C0D1-2B49-8B6F-83116D3CF601}"/>
+              </a:ext>
+            </a:extLst>
+          </p:cNvPr>
+          <p:cNvSpPr>
+            <a:spLocks noGrp="1"/>
+          </p:cNvSpPr>
+          <p:nvPr>
+            <p:ph type="title"/>
+          </p:nvPr>
+        </p:nvSpPr>
+        <p:spPr>
+          <a:xfrm>
+            <a:off x="2895600" y="764373"/>
+            <a:ext cx="8610600" cy="1293028"/>
+          </a:xfrm>
+        </p:spPr>
+        <p:txBody>
+          <a:bodyPr>
+            <a:normAutofit/>
+          </a:bodyPr>
+          <a:lstStyle/>
+          <a:p>
+            <a:r>
+              <a:rPr lang="pt-BR" dirty="0"/>
+              <a:t>O TIME</a:t>
+            </a:r>
+          </a:p>
+        </p:txBody>
+      </p:sp>
+      <p:pic>
+        <p:nvPicPr>
+          <p:cNvPr id="8" name="Picture 7">
+            <a:extLst>
+              <a:ext uri="{FF2B5EF4-FFF2-40B4-BE49-F238E27FC236}">
+                <a16:creationId xmlns:a16="http://schemas.microsoft.com/office/drawing/2014/main" id="{8A6C2226-ED08-4E9A-BE7C-3CB99254B38C}"/>
+              </a:ext>
+            </a:extLst>
+          </p:cNvPr>
+          <p:cNvPicPr>
+            <a:picLocks noChangeAspect="1"/>
+          </p:cNvPicPr>
+          <p:nvPr/>
+        </p:nvPicPr>
+        <p:blipFill>
+          <a:blip r:embed="rId3"/>
+          <a:stretch>
+            <a:fillRect/>
+          </a:stretch>
+        </p:blipFill>
+        <p:spPr>
+          <a:xfrm>
+            <a:off x="944016" y="2728610"/>
+            <a:ext cx="1753412" cy="1620000"/>
+          </a:xfrm>
+          <a:prstGeom prst="ellipse">
+            <a:avLst/>
+          </a:prstGeom>
+        </p:spPr>
+      </p:pic>
+      <p:pic>
+        <p:nvPicPr>
+          <p:cNvPr id="9" name="Picture 8">
+            <a:extLst>
+              <a:ext uri="{FF2B5EF4-FFF2-40B4-BE49-F238E27FC236}">
+                <a16:creationId xmlns:a16="http://schemas.microsoft.com/office/drawing/2014/main" id="{03BE241C-7DB1-4B44-8609-D88137D0ED7D}"/>
+              </a:ext>
+            </a:extLst>
+          </p:cNvPr>
+          <p:cNvPicPr>
+            <a:picLocks noChangeAspect="1"/>
+          </p:cNvPicPr>
+          <p:nvPr/>
+        </p:nvPicPr>
+        <p:blipFill>
+          <a:blip r:embed="rId4"/>
+          <a:stretch>
+            <a:fillRect/>
+          </a:stretch>
+        </p:blipFill>
+        <p:spPr>
+          <a:xfrm>
+            <a:off x="9537806" y="2728610"/>
+            <a:ext cx="1855823" cy="1620000"/>
+          </a:xfrm>
+          <a:prstGeom prst="ellipse">
+            <a:avLst/>
+          </a:prstGeom>
+        </p:spPr>
+      </p:pic>
+      <p:pic>
+        <p:nvPicPr>
+          <p:cNvPr id="10" name="Picture 9">
+            <a:extLst>
+              <a:ext uri="{FF2B5EF4-FFF2-40B4-BE49-F238E27FC236}">
+                <a16:creationId xmlns:a16="http://schemas.microsoft.com/office/drawing/2014/main" id="{2D3CE87A-21CC-41A9-A161-47C26664B579}"/>
+              </a:ext>
+            </a:extLst>
+          </p:cNvPr>
+          <p:cNvPicPr>
+            <a:picLocks noChangeAspect="1"/>
+          </p:cNvPicPr>
+          <p:nvPr/>
+        </p:nvPicPr>
+        <p:blipFill rotWithShape="1">
+          <a:blip r:embed="rId5"/>
+          <a:srcRect l="-10548" r="10548"/>
+          <a:stretch/>
+        </p:blipFill>
+        <p:spPr>
+          <a:xfrm>
+            <a:off x="6726188" y="2728610"/>
+            <a:ext cx="1749601" cy="1620000"/>
+          </a:xfrm>
+          <a:prstGeom prst="ellipse">
+            <a:avLst/>
+          </a:prstGeom>
+        </p:spPr>
+      </p:pic>
+      <p:sp>
+        <p:nvSpPr>
+          <p:cNvPr id="11" name="Espaço Reservado para Conteúdo 2">
+            <a:extLst>
+              <a:ext uri="{FF2B5EF4-FFF2-40B4-BE49-F238E27FC236}">
+                <a16:creationId xmlns:a16="http://schemas.microsoft.com/office/drawing/2014/main" id="{0A9A8C8E-7EB1-4AF4-8D99-01D273E1EFD4}"/>
+              </a:ext>
+            </a:extLst>
+          </p:cNvPr>
+          <p:cNvSpPr txBox="1">
+            <a:spLocks/>
+          </p:cNvSpPr>
+          <p:nvPr/>
+        </p:nvSpPr>
+        <p:spPr>
+          <a:xfrm>
+            <a:off x="1029669" y="4513277"/>
+            <a:ext cx="1753412" cy="402672"/>
+          </a:xfrm>
+          <a:prstGeom prst="rect">
+            <a:avLst/>
+          </a:prstGeom>
+        </p:spPr>
+        <p:txBody>
+          <a:bodyPr vert="horz" lIns="91440" tIns="45720" rIns="91440" bIns="45720" rtlCol="0" anchor="ctr">
+            <a:normAutofit/>
+          </a:bodyPr>
+          <a:lstStyle>
+            <a:lvl1pPr marL="228600" indent="-228600" algn="l" defTabSz="914400" rtl="0" eaLnBrk="1" latinLnBrk="0" hangingPunct="1">
+              <a:lnSpc>
+                <a:spcPct val="90000"/>
+              </a:lnSpc>
+              <a:spcBef>
+                <a:spcPts val="1000"/>
+              </a:spcBef>
+              <a:buFont typeface="Arial" panose="020B0604020202020204" pitchFamily="34" charset="0"/>
+              <a:buChar char="•"/>
+              <a:defRPr sz="2200" kern="1200">
+                <a:solidFill>
+                  <a:schemeClr val="tx1"/>
+                </a:solidFill>
+                <a:latin typeface="+mn-lt"/>
+                <a:ea typeface="+mn-ea"/>
+                <a:cs typeface="+mn-cs"/>
+              </a:defRPr>
+            </a:lvl1pPr>
+            <a:lvl2pPr marL="685800" indent="-228600" algn="l" defTabSz="914400" rtl="0" eaLnBrk="1" latinLnBrk="0" hangingPunct="1">
+              <a:lnSpc>
+                <a:spcPct val="90000"/>
+              </a:lnSpc>
+              <a:spcBef>
+                <a:spcPts val="500"/>
+              </a:spcBef>
+              <a:buFont typeface="Arial" panose="020B0604020202020204" pitchFamily="34" charset="0"/>
+              <a:buChar char="•"/>
+              <a:defRPr sz="2000" kern="1200">
+                <a:solidFill>
+                  <a:schemeClr val="tx1"/>
+                </a:solidFill>
+                <a:latin typeface="+mn-lt"/>
+                <a:ea typeface="+mn-ea"/>
+                <a:cs typeface="+mn-cs"/>
+              </a:defRPr>
+            </a:lvl2pPr>
+            <a:lvl3pPr marL="1143000" indent="-228600" algn="l" defTabSz="914400" rtl="0" eaLnBrk="1" latinLnBrk="0" hangingPunct="1">
+              <a:lnSpc>
+                <a:spcPct val="90000"/>
+              </a:lnSpc>
+              <a:spcBef>
+                <a:spcPts val="500"/>
+              </a:spcBef>
+              <a:buFont typeface="Arial" panose="020B0604020202020204" pitchFamily="34" charset="0"/>
+              <a:buChar char="•"/>
+              <a:defRPr sz="1800" kern="1200">
+                <a:solidFill>
+                  <a:schemeClr val="tx1"/>
+                </a:solidFill>
+                <a:latin typeface="+mn-lt"/>
+                <a:ea typeface="+mn-ea"/>
+                <a:cs typeface="+mn-cs"/>
+              </a:defRPr>
+            </a:lvl3pPr>
+            <a:lvl4pPr marL="1600200" indent="-228600" algn="l" defTabSz="914400" rtl="0" eaLnBrk="1" latinLnBrk="0" hangingPunct="1">
+              <a:lnSpc>
+                <a:spcPct val="90000"/>
+              </a:lnSpc>
+              <a:spcBef>
+                <a:spcPts val="500"/>
+              </a:spcBef>
+              <a:buFont typeface="Arial" panose="020B0604020202020204" pitchFamily="34" charset="0"/>
+              <a:buChar char="•"/>
+              <a:defRPr sz="1600" kern="1200">
+                <a:solidFill>
+                  <a:schemeClr val="tx1"/>
+                </a:solidFill>
+                <a:latin typeface="+mn-lt"/>
+                <a:ea typeface="+mn-ea"/>
+                <a:cs typeface="+mn-cs"/>
+              </a:defRPr>
+            </a:lvl4pPr>
+            <a:lvl5pPr marL="2057400" indent="-228600" algn="l" defTabSz="914400" rtl="0" eaLnBrk="1" latinLnBrk="0" hangingPunct="1">
+              <a:lnSpc>
+                <a:spcPct val="90000"/>
+              </a:lnSpc>
+              <a:spcBef>
+                <a:spcPts val="500"/>
+              </a:spcBef>
+              <a:buFont typeface="Arial" panose="020B0604020202020204" pitchFamily="34" charset="0"/>
+              <a:buChar char="•"/>
+              <a:defRPr sz="1600" kern="1200">
+                <a:solidFill>
+                  <a:schemeClr val="tx1"/>
+                </a:solidFill>
+                <a:latin typeface="+mn-lt"/>
+                <a:ea typeface="+mn-ea"/>
+                <a:cs typeface="+mn-cs"/>
+              </a:defRPr>
+            </a:lvl5pPr>
+            <a:lvl6pPr marL="2514600" indent="-228600" algn="l" defTabSz="914400" rtl="0" eaLnBrk="1" latinLnBrk="0" hangingPunct="1">
+              <a:lnSpc>
+                <a:spcPct val="90000"/>
+              </a:lnSpc>
+              <a:spcBef>
+                <a:spcPts val="500"/>
+              </a:spcBef>
+              <a:buFont typeface="Arial" panose="020B0604020202020204" pitchFamily="34" charset="0"/>
+              <a:buChar char="•"/>
+              <a:defRPr sz="1600" kern="1200">
+                <a:solidFill>
+                  <a:schemeClr val="tx1"/>
+                </a:solidFill>
+                <a:latin typeface="+mn-lt"/>
+                <a:ea typeface="+mn-ea"/>
+                <a:cs typeface="+mn-cs"/>
+              </a:defRPr>
+            </a:lvl6pPr>
+            <a:lvl7pPr marL="2971800" indent="-228600" algn="l" defTabSz="914400" rtl="0" eaLnBrk="1" latinLnBrk="0" hangingPunct="1">
+              <a:lnSpc>
+                <a:spcPct val="90000"/>
+              </a:lnSpc>
+              <a:spcBef>
+                <a:spcPts val="500"/>
+              </a:spcBef>
+              <a:buFont typeface="Arial" panose="020B0604020202020204" pitchFamily="34" charset="0"/>
+              <a:buChar char="•"/>
+              <a:defRPr sz="1600" kern="1200">
+                <a:solidFill>
+                  <a:schemeClr val="tx1"/>
+                </a:solidFill>
+                <a:latin typeface="+mn-lt"/>
+                <a:ea typeface="+mn-ea"/>
+                <a:cs typeface="+mn-cs"/>
+              </a:defRPr>
+            </a:lvl7pPr>
+            <a:lvl8pPr marL="3429000" indent="-228600" algn="l" defTabSz="914400" rtl="0" eaLnBrk="1" latinLnBrk="0" hangingPunct="1">
+              <a:lnSpc>
+                <a:spcPct val="90000"/>
+              </a:lnSpc>
+              <a:spcBef>
+                <a:spcPts val="500"/>
+              </a:spcBef>
+              <a:buFont typeface="Arial" panose="020B0604020202020204" pitchFamily="34" charset="0"/>
+              <a:buChar char="•"/>
+              <a:defRPr sz="1600" kern="1200">
+                <a:solidFill>
+                  <a:schemeClr val="tx1"/>
+                </a:solidFill>
+                <a:latin typeface="+mn-lt"/>
+                <a:ea typeface="+mn-ea"/>
+                <a:cs typeface="+mn-cs"/>
+              </a:defRPr>
+            </a:lvl8pPr>
+            <a:lvl9pPr marL="3886200" indent="-228600" algn="l" defTabSz="914400" rtl="0" eaLnBrk="1" latinLnBrk="0" hangingPunct="1">
+              <a:lnSpc>
+                <a:spcPct val="90000"/>
+              </a:lnSpc>
+              <a:spcBef>
+                <a:spcPts val="500"/>
+              </a:spcBef>
+              <a:buFont typeface="Arial" panose="020B0604020202020204" pitchFamily="34" charset="0"/>
+              <a:buChar char="•"/>
+              <a:defRPr sz="1600" kern="1200">
+                <a:solidFill>
+                  <a:schemeClr val="tx1"/>
+                </a:solidFill>
+                <a:latin typeface="+mn-lt"/>
+                <a:ea typeface="+mn-ea"/>
+                <a:cs typeface="+mn-cs"/>
+              </a:defRPr>
+            </a:lvl9pPr>
+          </a:lstStyle>
+          <a:p>
+            <a:pPr marL="457200" lvl="1" indent="0">
+              <a:buFont typeface="Arial" panose="020B0604020202020204" pitchFamily="34" charset="0"/>
+              <a:buNone/>
+            </a:pPr>
+            <a:r>
+              <a:rPr lang="pt-BR" sz="1600" dirty="0"/>
+              <a:t>Fabio</a:t>
+            </a:r>
+          </a:p>
+        </p:txBody>
+      </p:sp>
+      <p:sp>
+        <p:nvSpPr>
+          <p:cNvPr id="12" name="Espaço Reservado para Conteúdo 2">
+            <a:extLst>
+              <a:ext uri="{FF2B5EF4-FFF2-40B4-BE49-F238E27FC236}">
+                <a16:creationId xmlns:a16="http://schemas.microsoft.com/office/drawing/2014/main" id="{1851F88D-1AAA-4159-B5DF-981F3FC4D81B}"/>
+              </a:ext>
+            </a:extLst>
+          </p:cNvPr>
+          <p:cNvSpPr txBox="1">
+            <a:spLocks/>
+          </p:cNvSpPr>
+          <p:nvPr/>
+        </p:nvSpPr>
+        <p:spPr>
+          <a:xfrm>
+            <a:off x="3835102" y="4531453"/>
+            <a:ext cx="1753412" cy="402672"/>
+          </a:xfrm>
+          <a:prstGeom prst="rect">
+            <a:avLst/>
+          </a:prstGeom>
+        </p:spPr>
+        <p:txBody>
+          <a:bodyPr vert="horz" lIns="91440" tIns="45720" rIns="91440" bIns="45720" rtlCol="0" anchor="ctr">
+            <a:normAutofit/>
+          </a:bodyPr>
+          <a:lstStyle>
+            <a:lvl1pPr marL="228600" indent="-228600" algn="l" defTabSz="914400" rtl="0" eaLnBrk="1" latinLnBrk="0" hangingPunct="1">
+              <a:lnSpc>
+                <a:spcPct val="90000"/>
+              </a:lnSpc>
+              <a:spcBef>
+                <a:spcPts val="1000"/>
+              </a:spcBef>
+              <a:buFont typeface="Arial" panose="020B0604020202020204" pitchFamily="34" charset="0"/>
+              <a:buChar char="•"/>
+              <a:defRPr sz="2200" kern="1200">
+                <a:solidFill>
+                  <a:schemeClr val="tx1"/>
+                </a:solidFill>
+                <a:latin typeface="+mn-lt"/>
+                <a:ea typeface="+mn-ea"/>
+                <a:cs typeface="+mn-cs"/>
+              </a:defRPr>
+            </a:lvl1pPr>
+            <a:lvl2pPr marL="685800" indent="-228600" algn="l" defTabSz="914400" rtl="0" eaLnBrk="1" latinLnBrk="0" hangingPunct="1">
+              <a:lnSpc>
+                <a:spcPct val="90000"/>
+              </a:lnSpc>
+              <a:spcBef>
+                <a:spcPts val="500"/>
+              </a:spcBef>
+              <a:buFont typeface="Arial" panose="020B0604020202020204" pitchFamily="34" charset="0"/>
+              <a:buChar char="•"/>
+              <a:defRPr sz="2000" kern="1200">
+                <a:solidFill>
+                  <a:schemeClr val="tx1"/>
+                </a:solidFill>
+                <a:latin typeface="+mn-lt"/>
+                <a:ea typeface="+mn-ea"/>
+                <a:cs typeface="+mn-cs"/>
+              </a:defRPr>
+            </a:lvl2pPr>
+            <a:lvl3pPr marL="1143000" indent="-228600" algn="l" defTabSz="914400" rtl="0" eaLnBrk="1" latinLnBrk="0" hangingPunct="1">
+              <a:lnSpc>
+                <a:spcPct val="90000"/>
+              </a:lnSpc>
+              <a:spcBef>
+                <a:spcPts val="500"/>
+              </a:spcBef>
+              <a:buFont typeface="Arial" panose="020B0604020202020204" pitchFamily="34" charset="0"/>
+              <a:buChar char="•"/>
+              <a:defRPr sz="1800" kern="1200">
+                <a:solidFill>
+                  <a:schemeClr val="tx1"/>
+                </a:solidFill>
+                <a:latin typeface="+mn-lt"/>
+                <a:ea typeface="+mn-ea"/>
+                <a:cs typeface="+mn-cs"/>
+              </a:defRPr>
+            </a:lvl3pPr>
+            <a:lvl4pPr marL="1600200" indent="-228600" algn="l" defTabSz="914400" rtl="0" eaLnBrk="1" latinLnBrk="0" hangingPunct="1">
+              <a:lnSpc>
+                <a:spcPct val="90000"/>
+              </a:lnSpc>
+              <a:spcBef>
+                <a:spcPts val="500"/>
+              </a:spcBef>
+              <a:buFont typeface="Arial" panose="020B0604020202020204" pitchFamily="34" charset="0"/>
+              <a:buChar char="•"/>
+              <a:defRPr sz="1600" kern="1200">
+                <a:solidFill>
+                  <a:schemeClr val="tx1"/>
+                </a:solidFill>
+                <a:latin typeface="+mn-lt"/>
+                <a:ea typeface="+mn-ea"/>
+                <a:cs typeface="+mn-cs"/>
+              </a:defRPr>
+            </a:lvl4pPr>
+            <a:lvl5pPr marL="2057400" indent="-228600" algn="l" defTabSz="914400" rtl="0" eaLnBrk="1" latinLnBrk="0" hangingPunct="1">
+              <a:lnSpc>
+                <a:spcPct val="90000"/>
+              </a:lnSpc>
+              <a:spcBef>
+                <a:spcPts val="500"/>
+              </a:spcBef>
+              <a:buFont typeface="Arial" panose="020B0604020202020204" pitchFamily="34" charset="0"/>
+              <a:buChar char="•"/>
+              <a:defRPr sz="1600" kern="1200">
+                <a:solidFill>
+                  <a:schemeClr val="tx1"/>
+                </a:solidFill>
+                <a:latin typeface="+mn-lt"/>
+                <a:ea typeface="+mn-ea"/>
+                <a:cs typeface="+mn-cs"/>
+              </a:defRPr>
+            </a:lvl5pPr>
+            <a:lvl6pPr marL="2514600" indent="-228600" algn="l" defTabSz="914400" rtl="0" eaLnBrk="1" latinLnBrk="0" hangingPunct="1">
+              <a:lnSpc>
+                <a:spcPct val="90000"/>
+              </a:lnSpc>
+              <a:spcBef>
+                <a:spcPts val="500"/>
+              </a:spcBef>
+              <a:buFont typeface="Arial" panose="020B0604020202020204" pitchFamily="34" charset="0"/>
+              <a:buChar char="•"/>
+              <a:defRPr sz="1600" kern="1200">
+                <a:solidFill>
+                  <a:schemeClr val="tx1"/>
+                </a:solidFill>
+                <a:latin typeface="+mn-lt"/>
+                <a:ea typeface="+mn-ea"/>
+                <a:cs typeface="+mn-cs"/>
+              </a:defRPr>
+            </a:lvl6pPr>
+            <a:lvl7pPr marL="2971800" indent="-228600" algn="l" defTabSz="914400" rtl="0" eaLnBrk="1" latinLnBrk="0" hangingPunct="1">
+              <a:lnSpc>
+                <a:spcPct val="90000"/>
+              </a:lnSpc>
+              <a:spcBef>
+                <a:spcPts val="500"/>
+              </a:spcBef>
+              <a:buFont typeface="Arial" panose="020B0604020202020204" pitchFamily="34" charset="0"/>
+              <a:buChar char="•"/>
+              <a:defRPr sz="1600" kern="1200">
+                <a:solidFill>
+                  <a:schemeClr val="tx1"/>
+                </a:solidFill>
+                <a:latin typeface="+mn-lt"/>
+                <a:ea typeface="+mn-ea"/>
+                <a:cs typeface="+mn-cs"/>
+              </a:defRPr>
+            </a:lvl7pPr>
+            <a:lvl8pPr marL="3429000" indent="-228600" algn="l" defTabSz="914400" rtl="0" eaLnBrk="1" latinLnBrk="0" hangingPunct="1">
+              <a:lnSpc>
+                <a:spcPct val="90000"/>
+              </a:lnSpc>
+              <a:spcBef>
+                <a:spcPts val="500"/>
+              </a:spcBef>
+              <a:buFont typeface="Arial" panose="020B0604020202020204" pitchFamily="34" charset="0"/>
+              <a:buChar char="•"/>
+              <a:defRPr sz="1600" kern="1200">
+                <a:solidFill>
+                  <a:schemeClr val="tx1"/>
+                </a:solidFill>
+                <a:latin typeface="+mn-lt"/>
+                <a:ea typeface="+mn-ea"/>
+                <a:cs typeface="+mn-cs"/>
+              </a:defRPr>
+            </a:lvl8pPr>
+            <a:lvl9pPr marL="3886200" indent="-228600" algn="l" defTabSz="914400" rtl="0" eaLnBrk="1" latinLnBrk="0" hangingPunct="1">
+              <a:lnSpc>
+                <a:spcPct val="90000"/>
+              </a:lnSpc>
+              <a:spcBef>
+                <a:spcPts val="500"/>
+              </a:spcBef>
+              <a:buFont typeface="Arial" panose="020B0604020202020204" pitchFamily="34" charset="0"/>
+              <a:buChar char="•"/>
+              <a:defRPr sz="1600" kern="1200">
+                <a:solidFill>
+                  <a:schemeClr val="tx1"/>
+                </a:solidFill>
+                <a:latin typeface="+mn-lt"/>
+                <a:ea typeface="+mn-ea"/>
+                <a:cs typeface="+mn-cs"/>
+              </a:defRPr>
+            </a:lvl9pPr>
+          </a:lstStyle>
+          <a:p>
+            <a:pPr marL="457200" lvl="1" indent="0">
+              <a:buFont typeface="Arial" panose="020B0604020202020204" pitchFamily="34" charset="0"/>
+              <a:buNone/>
+            </a:pPr>
+            <a:r>
+              <a:rPr lang="pt-BR" sz="1600" dirty="0"/>
+              <a:t>Jurandir</a:t>
+            </a:r>
+          </a:p>
+        </p:txBody>
+      </p:sp>
+      <p:sp>
+        <p:nvSpPr>
+          <p:cNvPr id="13" name="Espaço Reservado para Conteúdo 2">
+            <a:extLst>
+              <a:ext uri="{FF2B5EF4-FFF2-40B4-BE49-F238E27FC236}">
+                <a16:creationId xmlns:a16="http://schemas.microsoft.com/office/drawing/2014/main" id="{2962B247-BC94-4FE5-B932-1BD59822CC4C}"/>
+              </a:ext>
+            </a:extLst>
+          </p:cNvPr>
+          <p:cNvSpPr txBox="1">
+            <a:spLocks/>
+          </p:cNvSpPr>
+          <p:nvPr/>
+        </p:nvSpPr>
+        <p:spPr>
+          <a:xfrm>
+            <a:off x="6726188" y="4551027"/>
+            <a:ext cx="1753412" cy="402672"/>
+          </a:xfrm>
+          <a:prstGeom prst="rect">
+            <a:avLst/>
+          </a:prstGeom>
+        </p:spPr>
+        <p:txBody>
+          <a:bodyPr vert="horz" lIns="91440" tIns="45720" rIns="91440" bIns="45720" rtlCol="0" anchor="ctr">
+            <a:normAutofit/>
+          </a:bodyPr>
+          <a:lstStyle>
+            <a:lvl1pPr marL="228600" indent="-228600" algn="l" defTabSz="914400" rtl="0" eaLnBrk="1" latinLnBrk="0" hangingPunct="1">
+              <a:lnSpc>
+                <a:spcPct val="90000"/>
+              </a:lnSpc>
+              <a:spcBef>
+                <a:spcPts val="1000"/>
+              </a:spcBef>
+              <a:buFont typeface="Arial" panose="020B0604020202020204" pitchFamily="34" charset="0"/>
+              <a:buChar char="•"/>
+              <a:defRPr sz="2200" kern="1200">
+                <a:solidFill>
+                  <a:schemeClr val="tx1"/>
+                </a:solidFill>
+                <a:latin typeface="+mn-lt"/>
+                <a:ea typeface="+mn-ea"/>
+                <a:cs typeface="+mn-cs"/>
+              </a:defRPr>
+            </a:lvl1pPr>
+            <a:lvl2pPr marL="685800" indent="-228600" algn="l" defTabSz="914400" rtl="0" eaLnBrk="1" latinLnBrk="0" hangingPunct="1">
+              <a:lnSpc>
+                <a:spcPct val="90000"/>
+              </a:lnSpc>
+              <a:spcBef>
+                <a:spcPts val="500"/>
+              </a:spcBef>
+              <a:buFont typeface="Arial" panose="020B0604020202020204" pitchFamily="34" charset="0"/>
+              <a:buChar char="•"/>
+              <a:defRPr sz="2000" kern="1200">
+                <a:solidFill>
+                  <a:schemeClr val="tx1"/>
+                </a:solidFill>
+                <a:latin typeface="+mn-lt"/>
+                <a:ea typeface="+mn-ea"/>
+                <a:cs typeface="+mn-cs"/>
+              </a:defRPr>
+            </a:lvl2pPr>
+            <a:lvl3pPr marL="1143000" indent="-228600" algn="l" defTabSz="914400" rtl="0" eaLnBrk="1" latinLnBrk="0" hangingPunct="1">
+              <a:lnSpc>
+                <a:spcPct val="90000"/>
+              </a:lnSpc>
+              <a:spcBef>
+                <a:spcPts val="500"/>
+              </a:spcBef>
+              <a:buFont typeface="Arial" panose="020B0604020202020204" pitchFamily="34" charset="0"/>
+              <a:buChar char="•"/>
+              <a:defRPr sz="1800" kern="1200">
+                <a:solidFill>
+                  <a:schemeClr val="tx1"/>
+                </a:solidFill>
+                <a:latin typeface="+mn-lt"/>
+                <a:ea typeface="+mn-ea"/>
+                <a:cs typeface="+mn-cs"/>
+              </a:defRPr>
+            </a:lvl3pPr>
+            <a:lvl4pPr marL="1600200" indent="-228600" algn="l" defTabSz="914400" rtl="0" eaLnBrk="1" latinLnBrk="0" hangingPunct="1">
+              <a:lnSpc>
+                <a:spcPct val="90000"/>
+              </a:lnSpc>
+              <a:spcBef>
+                <a:spcPts val="500"/>
+              </a:spcBef>
+              <a:buFont typeface="Arial" panose="020B0604020202020204" pitchFamily="34" charset="0"/>
+              <a:buChar char="•"/>
+              <a:defRPr sz="1600" kern="1200">
+                <a:solidFill>
+                  <a:schemeClr val="tx1"/>
+                </a:solidFill>
+                <a:latin typeface="+mn-lt"/>
+                <a:ea typeface="+mn-ea"/>
+                <a:cs typeface="+mn-cs"/>
+              </a:defRPr>
+            </a:lvl4pPr>
+            <a:lvl5pPr marL="2057400" indent="-228600" algn="l" defTabSz="914400" rtl="0" eaLnBrk="1" latinLnBrk="0" hangingPunct="1">
+              <a:lnSpc>
+                <a:spcPct val="90000"/>
+              </a:lnSpc>
+              <a:spcBef>
+                <a:spcPts val="500"/>
+              </a:spcBef>
+              <a:buFont typeface="Arial" panose="020B0604020202020204" pitchFamily="34" charset="0"/>
+              <a:buChar char="•"/>
+              <a:defRPr sz="1600" kern="1200">
+                <a:solidFill>
+                  <a:schemeClr val="tx1"/>
+                </a:solidFill>
+                <a:latin typeface="+mn-lt"/>
+                <a:ea typeface="+mn-ea"/>
+                <a:cs typeface="+mn-cs"/>
+              </a:defRPr>
+            </a:lvl5pPr>
+            <a:lvl6pPr marL="2514600" indent="-228600" algn="l" defTabSz="914400" rtl="0" eaLnBrk="1" latinLnBrk="0" hangingPunct="1">
+              <a:lnSpc>
+                <a:spcPct val="90000"/>
+              </a:lnSpc>
+              <a:spcBef>
+                <a:spcPts val="500"/>
+              </a:spcBef>
+              <a:buFont typeface="Arial" panose="020B0604020202020204" pitchFamily="34" charset="0"/>
+              <a:buChar char="•"/>
+              <a:defRPr sz="1600" kern="1200">
+                <a:solidFill>
+                  <a:schemeClr val="tx1"/>
+                </a:solidFill>
+                <a:latin typeface="+mn-lt"/>
+                <a:ea typeface="+mn-ea"/>
+                <a:cs typeface="+mn-cs"/>
+              </a:defRPr>
+            </a:lvl6pPr>
+            <a:lvl7pPr marL="2971800" indent="-228600" algn="l" defTabSz="914400" rtl="0" eaLnBrk="1" latinLnBrk="0" hangingPunct="1">
+              <a:lnSpc>
+                <a:spcPct val="90000"/>
+              </a:lnSpc>
+              <a:spcBef>
+                <a:spcPts val="500"/>
+              </a:spcBef>
+              <a:buFont typeface="Arial" panose="020B0604020202020204" pitchFamily="34" charset="0"/>
+              <a:buChar char="•"/>
+              <a:defRPr sz="1600" kern="1200">
+                <a:solidFill>
+                  <a:schemeClr val="tx1"/>
+                </a:solidFill>
+                <a:latin typeface="+mn-lt"/>
+                <a:ea typeface="+mn-ea"/>
+                <a:cs typeface="+mn-cs"/>
+              </a:defRPr>
+            </a:lvl7pPr>
+            <a:lvl8pPr marL="3429000" indent="-228600" algn="l" defTabSz="914400" rtl="0" eaLnBrk="1" latinLnBrk="0" hangingPunct="1">
+              <a:lnSpc>
+                <a:spcPct val="90000"/>
+              </a:lnSpc>
+              <a:spcBef>
+                <a:spcPts val="500"/>
+              </a:spcBef>
+              <a:buFont typeface="Arial" panose="020B0604020202020204" pitchFamily="34" charset="0"/>
+              <a:buChar char="•"/>
+              <a:defRPr sz="1600" kern="1200">
+                <a:solidFill>
+                  <a:schemeClr val="tx1"/>
+                </a:solidFill>
+                <a:latin typeface="+mn-lt"/>
+                <a:ea typeface="+mn-ea"/>
+                <a:cs typeface="+mn-cs"/>
+              </a:defRPr>
+            </a:lvl8pPr>
+            <a:lvl9pPr marL="3886200" indent="-228600" algn="l" defTabSz="914400" rtl="0" eaLnBrk="1" latinLnBrk="0" hangingPunct="1">
+              <a:lnSpc>
+                <a:spcPct val="90000"/>
+              </a:lnSpc>
+              <a:spcBef>
+                <a:spcPts val="500"/>
+              </a:spcBef>
+              <a:buFont typeface="Arial" panose="020B0604020202020204" pitchFamily="34" charset="0"/>
+              <a:buChar char="•"/>
+              <a:defRPr sz="1600" kern="1200">
+                <a:solidFill>
+                  <a:schemeClr val="tx1"/>
+                </a:solidFill>
+                <a:latin typeface="+mn-lt"/>
+                <a:ea typeface="+mn-ea"/>
+                <a:cs typeface="+mn-cs"/>
+              </a:defRPr>
+            </a:lvl9pPr>
+          </a:lstStyle>
+          <a:p>
+            <a:pPr marL="457200" lvl="1" indent="0">
+              <a:buFont typeface="Arial" panose="020B0604020202020204" pitchFamily="34" charset="0"/>
+              <a:buNone/>
+            </a:pPr>
+            <a:r>
+              <a:rPr lang="pt-BR" sz="1600" dirty="0"/>
+              <a:t>Marcelo</a:t>
+            </a:r>
+          </a:p>
+        </p:txBody>
+      </p:sp>
+      <p:sp>
+        <p:nvSpPr>
+          <p:cNvPr id="14" name="Espaço Reservado para Conteúdo 2">
+            <a:extLst>
+              <a:ext uri="{FF2B5EF4-FFF2-40B4-BE49-F238E27FC236}">
+                <a16:creationId xmlns:a16="http://schemas.microsoft.com/office/drawing/2014/main" id="{ADBF0544-8419-4AD0-B48A-5A72120208DE}"/>
+              </a:ext>
+            </a:extLst>
+          </p:cNvPr>
+          <p:cNvSpPr txBox="1">
+            <a:spLocks/>
+          </p:cNvSpPr>
+          <p:nvPr/>
+        </p:nvSpPr>
+        <p:spPr>
+          <a:xfrm>
+            <a:off x="9537806" y="4513277"/>
+            <a:ext cx="1753412" cy="402672"/>
+          </a:xfrm>
+          <a:prstGeom prst="rect">
+            <a:avLst/>
+          </a:prstGeom>
+        </p:spPr>
+        <p:txBody>
+          <a:bodyPr vert="horz" lIns="91440" tIns="45720" rIns="91440" bIns="45720" rtlCol="0" anchor="ctr">
+            <a:normAutofit/>
+          </a:bodyPr>
+          <a:lstStyle>
+            <a:lvl1pPr marL="228600" indent="-228600" algn="l" defTabSz="914400" rtl="0" eaLnBrk="1" latinLnBrk="0" hangingPunct="1">
+              <a:lnSpc>
+                <a:spcPct val="90000"/>
+              </a:lnSpc>
+              <a:spcBef>
+                <a:spcPts val="1000"/>
+              </a:spcBef>
+              <a:buFont typeface="Arial" panose="020B0604020202020204" pitchFamily="34" charset="0"/>
+              <a:buChar char="•"/>
+              <a:defRPr sz="2200" kern="1200">
+                <a:solidFill>
+                  <a:schemeClr val="tx1"/>
+                </a:solidFill>
+                <a:latin typeface="+mn-lt"/>
+                <a:ea typeface="+mn-ea"/>
+                <a:cs typeface="+mn-cs"/>
+              </a:defRPr>
+            </a:lvl1pPr>
+            <a:lvl2pPr marL="685800" indent="-228600" algn="l" defTabSz="914400" rtl="0" eaLnBrk="1" latinLnBrk="0" hangingPunct="1">
+              <a:lnSpc>
+                <a:spcPct val="90000"/>
+              </a:lnSpc>
+              <a:spcBef>
+                <a:spcPts val="500"/>
+              </a:spcBef>
+              <a:buFont typeface="Arial" panose="020B0604020202020204" pitchFamily="34" charset="0"/>
+              <a:buChar char="•"/>
+              <a:defRPr sz="2000" kern="1200">
+                <a:solidFill>
+                  <a:schemeClr val="tx1"/>
+                </a:solidFill>
+                <a:latin typeface="+mn-lt"/>
+                <a:ea typeface="+mn-ea"/>
+                <a:cs typeface="+mn-cs"/>
+              </a:defRPr>
+            </a:lvl2pPr>
+            <a:lvl3pPr marL="1143000" indent="-228600" algn="l" defTabSz="914400" rtl="0" eaLnBrk="1" latinLnBrk="0" hangingPunct="1">
+              <a:lnSpc>
+                <a:spcPct val="90000"/>
+              </a:lnSpc>
+              <a:spcBef>
+                <a:spcPts val="500"/>
+              </a:spcBef>
+              <a:buFont typeface="Arial" panose="020B0604020202020204" pitchFamily="34" charset="0"/>
+              <a:buChar char="•"/>
+              <a:defRPr sz="1800" kern="1200">
+                <a:solidFill>
+                  <a:schemeClr val="tx1"/>
+                </a:solidFill>
+                <a:latin typeface="+mn-lt"/>
+                <a:ea typeface="+mn-ea"/>
+                <a:cs typeface="+mn-cs"/>
+              </a:defRPr>
+            </a:lvl3pPr>
+            <a:lvl4pPr marL="1600200" indent="-228600" algn="l" defTabSz="914400" rtl="0" eaLnBrk="1" latinLnBrk="0" hangingPunct="1">
+              <a:lnSpc>
+                <a:spcPct val="90000"/>
+              </a:lnSpc>
+              <a:spcBef>
+                <a:spcPts val="500"/>
+              </a:spcBef>
+              <a:buFont typeface="Arial" panose="020B0604020202020204" pitchFamily="34" charset="0"/>
+              <a:buChar char="•"/>
+              <a:defRPr sz="1600" kern="1200">
+                <a:solidFill>
+                  <a:schemeClr val="tx1"/>
+                </a:solidFill>
+                <a:latin typeface="+mn-lt"/>
+                <a:ea typeface="+mn-ea"/>
+                <a:cs typeface="+mn-cs"/>
+              </a:defRPr>
+            </a:lvl4pPr>
+            <a:lvl5pPr marL="2057400" indent="-228600" algn="l" defTabSz="914400" rtl="0" eaLnBrk="1" latinLnBrk="0" hangingPunct="1">
+              <a:lnSpc>
+                <a:spcPct val="90000"/>
+              </a:lnSpc>
+              <a:spcBef>
+                <a:spcPts val="500"/>
+              </a:spcBef>
+              <a:buFont typeface="Arial" panose="020B0604020202020204" pitchFamily="34" charset="0"/>
+              <a:buChar char="•"/>
+              <a:defRPr sz="1600" kern="1200">
+                <a:solidFill>
+                  <a:schemeClr val="tx1"/>
+                </a:solidFill>
+                <a:latin typeface="+mn-lt"/>
+                <a:ea typeface="+mn-ea"/>
+                <a:cs typeface="+mn-cs"/>
+              </a:defRPr>
+            </a:lvl5pPr>
+            <a:lvl6pPr marL="2514600" indent="-228600" algn="l" defTabSz="914400" rtl="0" eaLnBrk="1" latinLnBrk="0" hangingPunct="1">
+              <a:lnSpc>
+                <a:spcPct val="90000"/>
+              </a:lnSpc>
+              <a:spcBef>
+                <a:spcPts val="500"/>
+              </a:spcBef>
+              <a:buFont typeface="Arial" panose="020B0604020202020204" pitchFamily="34" charset="0"/>
+              <a:buChar char="•"/>
+              <a:defRPr sz="1600" kern="1200">
+                <a:solidFill>
+                  <a:schemeClr val="tx1"/>
+                </a:solidFill>
+                <a:latin typeface="+mn-lt"/>
+                <a:ea typeface="+mn-ea"/>
+                <a:cs typeface="+mn-cs"/>
+              </a:defRPr>
+            </a:lvl6pPr>
+            <a:lvl7pPr marL="2971800" indent="-228600" algn="l" defTabSz="914400" rtl="0" eaLnBrk="1" latinLnBrk="0" hangingPunct="1">
+              <a:lnSpc>
+                <a:spcPct val="90000"/>
+              </a:lnSpc>
+              <a:spcBef>
+                <a:spcPts val="500"/>
+              </a:spcBef>
+              <a:buFont typeface="Arial" panose="020B0604020202020204" pitchFamily="34" charset="0"/>
+              <a:buChar char="•"/>
+              <a:defRPr sz="1600" kern="1200">
+                <a:solidFill>
+                  <a:schemeClr val="tx1"/>
+                </a:solidFill>
+                <a:latin typeface="+mn-lt"/>
+                <a:ea typeface="+mn-ea"/>
+                <a:cs typeface="+mn-cs"/>
+              </a:defRPr>
+            </a:lvl7pPr>
+            <a:lvl8pPr marL="3429000" indent="-228600" algn="l" defTabSz="914400" rtl="0" eaLnBrk="1" latinLnBrk="0" hangingPunct="1">
+              <a:lnSpc>
+                <a:spcPct val="90000"/>
+              </a:lnSpc>
+              <a:spcBef>
+                <a:spcPts val="500"/>
+              </a:spcBef>
+              <a:buFont typeface="Arial" panose="020B0604020202020204" pitchFamily="34" charset="0"/>
+              <a:buChar char="•"/>
+              <a:defRPr sz="1600" kern="1200">
+                <a:solidFill>
+                  <a:schemeClr val="tx1"/>
+                </a:solidFill>
+                <a:latin typeface="+mn-lt"/>
+                <a:ea typeface="+mn-ea"/>
+                <a:cs typeface="+mn-cs"/>
+              </a:defRPr>
+            </a:lvl8pPr>
+            <a:lvl9pPr marL="3886200" indent="-228600" algn="l" defTabSz="914400" rtl="0" eaLnBrk="1" latinLnBrk="0" hangingPunct="1">
+              <a:lnSpc>
+                <a:spcPct val="90000"/>
+              </a:lnSpc>
+              <a:spcBef>
+                <a:spcPts val="500"/>
+              </a:spcBef>
+              <a:buFont typeface="Arial" panose="020B0604020202020204" pitchFamily="34" charset="0"/>
+              <a:buChar char="•"/>
+              <a:defRPr sz="1600" kern="1200">
+                <a:solidFill>
+                  <a:schemeClr val="tx1"/>
+                </a:solidFill>
+                <a:latin typeface="+mn-lt"/>
+                <a:ea typeface="+mn-ea"/>
+                <a:cs typeface="+mn-cs"/>
+              </a:defRPr>
+            </a:lvl9pPr>
+          </a:lstStyle>
+          <a:p>
+            <a:pPr marL="457200" lvl="1" indent="0">
+              <a:buFont typeface="Arial" panose="020B0604020202020204" pitchFamily="34" charset="0"/>
+              <a:buNone/>
+            </a:pPr>
+            <a:r>
+              <a:rPr lang="pt-BR" sz="1600" dirty="0"/>
+              <a:t>Thiago</a:t>
+            </a:r>
+          </a:p>
+        </p:txBody>
+      </p:sp>
+    </p:spTree>
+    <p:extLst>
+      <p:ext uri="{BB962C8B-B14F-4D97-AF65-F5344CB8AC3E}">
+        <p14:creationId xmlns:p14="http://schemas.microsoft.com/office/powerpoint/2010/main" val="1741749560"/>
+      </p:ext>
+    </p:extLst>
+  </p:cSld>
+  <p:clrMapOvr>
+    <a:masterClrMapping/>
+  </p:clrMapOvr>
+</p:sld>
+</file>
+
+<file path=ppt/slides/slide3.xml><?xml version="1.0" encoding="utf-8"?>
+<p:sld xmlns:a="http://schemas.openxmlformats.org/drawingml/2006/main" xmlns:r="http://schemas.openxmlformats.org/officeDocument/2006/relationships" xmlns:p="http://schemas.openxmlformats.org/presentationml/2006/main">
+  <p:cSld>
+    <p:spTree>
+      <p:nvGrpSpPr>
+        <p:cNvPr id="1" name=""/>
+        <p:cNvGrpSpPr/>
+        <p:nvPr/>
+      </p:nvGrpSpPr>
+      <p:grpSpPr>
+        <a:xfrm>
+          <a:off x="0" y="0"/>
+          <a:ext cx="0" cy="0"/>
+          <a:chOff x="0" y="0"/>
+          <a:chExt cx="0" cy="0"/>
+        </a:xfrm>
+      </p:grpSpPr>
+      <p:sp>
+        <p:nvSpPr>
+          <p:cNvPr id="2" name="Título 1">
+            <a:extLst>
+              <a:ext uri="{FF2B5EF4-FFF2-40B4-BE49-F238E27FC236}">
+                <a16:creationId xmlns:a16="http://schemas.microsoft.com/office/drawing/2014/main" id="{1DBB9128-C0D1-2B49-8B6F-83116D3CF601}"/>
+              </a:ext>
+            </a:extLst>
+          </p:cNvPr>
+          <p:cNvSpPr>
+            <a:spLocks noGrp="1"/>
+          </p:cNvSpPr>
+          <p:nvPr>
+            <p:ph type="title"/>
+          </p:nvPr>
+        </p:nvSpPr>
+        <p:spPr>
+          <a:xfrm>
+            <a:off x="2895600" y="764373"/>
+            <a:ext cx="8610600" cy="1293028"/>
+          </a:xfrm>
+        </p:spPr>
+        <p:txBody>
+          <a:bodyPr>
+            <a:normAutofit/>
+          </a:bodyPr>
+          <a:lstStyle/>
+          <a:p>
+            <a:r>
+              <a:rPr lang="pt-BR" dirty="0"/>
+              <a:t>O cliente</a:t>
+            </a:r>
+          </a:p>
+        </p:txBody>
+      </p:sp>
+      <p:sp>
+        <p:nvSpPr>
+          <p:cNvPr id="3" name="Espaço Reservado para Conteúdo 2">
+            <a:extLst>
+              <a:ext uri="{FF2B5EF4-FFF2-40B4-BE49-F238E27FC236}">
+                <a16:creationId xmlns:a16="http://schemas.microsoft.com/office/drawing/2014/main" id="{3DAD9610-3B15-4848-84F0-4B806EC24DCD}"/>
+              </a:ext>
+            </a:extLst>
+          </p:cNvPr>
+          <p:cNvSpPr>
+            <a:spLocks noGrp="1"/>
+          </p:cNvSpPr>
+          <p:nvPr>
+            <p:ph idx="1"/>
+          </p:nvPr>
+        </p:nvSpPr>
+        <p:spPr>
+          <a:xfrm>
+            <a:off x="677333" y="2194560"/>
+            <a:ext cx="5816600" cy="4024125"/>
+          </a:xfrm>
+        </p:spPr>
+        <p:txBody>
+          <a:bodyPr>
+            <a:normAutofit/>
+          </a:bodyPr>
+          <a:lstStyle/>
+          <a:p>
+            <a:pPr marL="457200" lvl="1" indent="0">
+              <a:buNone/>
+            </a:pPr>
+            <a:r>
+              <a:rPr lang="pt-BR" sz="1600" dirty="0"/>
+              <a:t>A </a:t>
+            </a:r>
+            <a:r>
+              <a:rPr lang="pt-BR" sz="1600" dirty="0" err="1"/>
+              <a:t>Vivante</a:t>
+            </a:r>
+            <a:r>
+              <a:rPr lang="pt-BR" sz="1600" dirty="0"/>
+              <a:t> atua há mais de 20 anos no mercado nacional de manutenção, </a:t>
+            </a:r>
+            <a:r>
+              <a:rPr lang="pt-BR" sz="1600" dirty="0" err="1"/>
+              <a:t>facilities</a:t>
+            </a:r>
+            <a:r>
+              <a:rPr lang="pt-BR" sz="1600" dirty="0"/>
+              <a:t> e eficiência energética.</a:t>
+            </a:r>
+          </a:p>
+          <a:p>
+            <a:pPr marL="457200" lvl="1" indent="0">
+              <a:buNone/>
+            </a:pPr>
+            <a:endParaRPr lang="pt-BR" sz="1600" dirty="0"/>
+          </a:p>
+          <a:p>
+            <a:pPr marL="457200" lvl="1" indent="0">
+              <a:buNone/>
+            </a:pPr>
+            <a:r>
+              <a:rPr lang="pt-BR" sz="1600" dirty="0"/>
+              <a:t>Possui hoje mais de 5.000 colaboradores em todo o Brasil, atendendo uma grande variedade de clientes em diversos segmentos.</a:t>
+            </a:r>
+          </a:p>
+          <a:p>
+            <a:pPr marL="457200" lvl="1" indent="0">
+              <a:buNone/>
+            </a:pPr>
+            <a:endParaRPr lang="pt-BR" sz="1600" dirty="0"/>
+          </a:p>
+          <a:p>
+            <a:pPr marL="457200" lvl="1" indent="0">
+              <a:buNone/>
+            </a:pPr>
+            <a:r>
+              <a:rPr lang="pt-BR" sz="1600" dirty="0"/>
+              <a:t>A </a:t>
+            </a:r>
+            <a:r>
+              <a:rPr lang="pt-BR" sz="1600" dirty="0" err="1"/>
+              <a:t>Vivante</a:t>
+            </a:r>
+            <a:r>
+              <a:rPr lang="pt-BR" sz="1600" dirty="0"/>
+              <a:t> possui uma cultura de vanguarda na adoção de inovações tecnológicas e ferramentas de ponta buscando sempre otimização e qualidade.</a:t>
+            </a:r>
+          </a:p>
+        </p:txBody>
+      </p:sp>
+      <p:pic>
+        <p:nvPicPr>
+          <p:cNvPr id="7" name="Imagem 6">
+            <a:extLst>
+              <a:ext uri="{FF2B5EF4-FFF2-40B4-BE49-F238E27FC236}">
+                <a16:creationId xmlns:a16="http://schemas.microsoft.com/office/drawing/2014/main" id="{1B37EF94-14D9-4E38-880F-44FA257C39D4}"/>
+              </a:ext>
+            </a:extLst>
+          </p:cNvPr>
+          <p:cNvPicPr>
+            <a:picLocks noChangeAspect="1"/>
+          </p:cNvPicPr>
+          <p:nvPr/>
+        </p:nvPicPr>
+        <p:blipFill>
+          <a:blip r:embed="rId2"/>
+          <a:stretch>
+            <a:fillRect/>
+          </a:stretch>
+        </p:blipFill>
+        <p:spPr>
+          <a:xfrm>
+            <a:off x="6985000" y="2617767"/>
+            <a:ext cx="4521200" cy="2462910"/>
+          </a:xfrm>
+          <a:prstGeom prst="rect">
+            <a:avLst/>
+          </a:prstGeom>
+        </p:spPr>
+      </p:pic>
+    </p:spTree>
+    <p:extLst>
+      <p:ext uri="{BB962C8B-B14F-4D97-AF65-F5344CB8AC3E}">
+        <p14:creationId xmlns:p14="http://schemas.microsoft.com/office/powerpoint/2010/main" val="2979802934"/>
+      </p:ext>
+    </p:extLst>
+  </p:cSld>
+  <p:clrMapOvr>
+    <a:masterClrMapping/>
+  </p:clrMapOvr>
+</p:sld>
+</file>
+
+<file path=ppt/slides/slide4.xml><?xml version="1.0" encoding="utf-8"?>
+<p:sld xmlns:a="http://schemas.openxmlformats.org/drawingml/2006/main" xmlns:r="http://schemas.openxmlformats.org/officeDocument/2006/relationships" xmlns:p="http://schemas.openxmlformats.org/presentationml/2006/main">
+  <p:cSld>
+    <p:bg>
+      <p:bgPr>
+        <a:solidFill>
+          <a:schemeClr val="bg1"/>
+        </a:solidFill>
+        <a:effectLst/>
+      </p:bgPr>
+    </p:bg>
+    <p:spTree>
+      <p:nvGrpSpPr>
+        <p:cNvPr id="1" name=""/>
+        <p:cNvGrpSpPr/>
+        <p:nvPr/>
+      </p:nvGrpSpPr>
+      <p:grpSpPr>
+        <a:xfrm>
+          <a:off x="0" y="0"/>
+          <a:ext cx="0" cy="0"/>
+          <a:chOff x="0" y="0"/>
+          <a:chExt cx="0" cy="0"/>
+        </a:xfrm>
+      </p:grpSpPr>
+      <p:sp>
+        <p:nvSpPr>
+          <p:cNvPr id="2052" name="Rectangle 70">
+            <a:extLst>
+              <a:ext uri="{FF2B5EF4-FFF2-40B4-BE49-F238E27FC236}">
+                <a16:creationId xmlns:a16="http://schemas.microsoft.com/office/drawing/2014/main" id="{1EA5387D-64D8-4D6C-B109-FF4E81DF609A}"/>
+              </a:ext>
+              <a:ext uri="{C183D7F6-B498-43B3-948B-1728B52AA6E4}">
+                <adec:decorative xmlns:adec="http://schemas.microsoft.com/office/drawing/2017/decorative" val="1"/>
+              </a:ext>
+            </a:extLst>
+          </p:cNvPr>
+          <p:cNvSpPr>
+            <a:spLocks noGrp="1" noRot="1" noChangeAspect="1" noMove="1" noResize="1" noEditPoints="1" noAdjustHandles="1" noChangeArrowheads="1" noChangeShapeType="1" noTextEdit="1"/>
+          </p:cNvSpPr>
+          <p:nvPr>
+            <p:extLst>
+              <p:ext uri="{386F3935-93C4-4BCD-93E2-E3B085C9AB24}">
+                <p16:designElem xmlns:p16="http://schemas.microsoft.com/office/powerpoint/2015/main" val="1"/>
+              </p:ext>
+            </p:extLst>
+          </p:nvPr>
+        </p:nvSpPr>
+        <p:spPr>
+          <a:xfrm>
+            <a:off x="0" y="0"/>
+            <a:ext cx="12192000" cy="6858000"/>
+          </a:xfrm>
+          <a:prstGeom prst="rect">
+            <a:avLst/>
+          </a:prstGeom>
+          <a:solidFill>
+            <a:schemeClr val="bg1"/>
+          </a:solidFill>
+          <a:ln>
+            <a:noFill/>
+          </a:ln>
+        </p:spPr>
+        <p:style>
+          <a:lnRef idx="2">
+            <a:schemeClr val="accent1">
+              <a:shade val="50000"/>
+            </a:schemeClr>
+          </a:lnRef>
+          <a:fillRef idx="1">
+            <a:schemeClr val="accent1"/>
+          </a:fillRef>
+          <a:effectRef idx="0">
+            <a:schemeClr val="accent1"/>
+          </a:effectRef>
+          <a:fontRef idx="minor">
+            <a:schemeClr val="lt1"/>
+          </a:fontRef>
+        </p:style>
+        <p:txBody>
+          <a:bodyPr rtlCol="0" anchor="ctr"/>
+          <a:lstStyle/>
+          <a:p>
+            <a:pPr algn="ctr"/>
+            <a:endParaRPr lang="en-US"/>
+          </a:p>
+        </p:txBody>
+      </p:sp>
+      <p:pic>
+        <p:nvPicPr>
+          <p:cNvPr id="2050" name="Picture 2" descr="Em Construção Manutenção Vlc De - Imagens grátis no Pixabay">
+            <a:extLst>
+              <a:ext uri="{FF2B5EF4-FFF2-40B4-BE49-F238E27FC236}">
+                <a16:creationId xmlns:a16="http://schemas.microsoft.com/office/drawing/2014/main" id="{FC1E726E-63D0-40D8-B260-2FF4E7B0FA88}"/>
+              </a:ext>
+            </a:extLst>
+          </p:cNvPr>
+          <p:cNvPicPr>
+            <a:picLocks noChangeAspect="1" noChangeArrowheads="1"/>
+          </p:cNvPicPr>
+          <p:nvPr/>
+        </p:nvPicPr>
+        <p:blipFill rotWithShape="1">
+          <a:blip r:embed="rId2">
+            <a:duotone>
+              <a:prstClr val="black"/>
+              <a:schemeClr val="tx2">
+                <a:tint val="45000"/>
+                <a:satMod val="400000"/>
+              </a:schemeClr>
+            </a:duotone>
+            <a:alphaModFix amt="30000"/>
+            <a:extLst>
+              <a:ext uri="{28A0092B-C50C-407E-A947-70E740481C1C}">
+                <a14:useLocalDpi xmlns:a14="http://schemas.microsoft.com/office/drawing/2010/main" val="0"/>
+              </a:ext>
+            </a:extLst>
+          </a:blip>
+          <a:srcRect t="15730"/>
+          <a:stretch/>
+        </p:blipFill>
+        <p:spPr bwMode="auto">
+          <a:xfrm>
+            <a:off x="20" y="10"/>
+            <a:ext cx="12191980" cy="6857990"/>
+          </a:xfrm>
+          <a:prstGeom prst="rect">
+            <a:avLst/>
+          </a:prstGeom>
+          <a:noFill/>
+          <a:extLst>
+            <a:ext uri="{909E8E84-426E-40DD-AFC4-6F175D3DCCD1}">
+              <a14:hiddenFill xmlns:a14="http://schemas.microsoft.com/office/drawing/2010/main">
+                <a:solidFill>
+                  <a:srgbClr val="FFFFFF"/>
+                </a:solidFill>
+              </a14:hiddenFill>
+            </a:ext>
+          </a:extLst>
+        </p:spPr>
+      </p:pic>
+      <p:pic>
+        <p:nvPicPr>
+          <p:cNvPr id="73" name="Picture 72">
+            <a:extLst>
+              <a:ext uri="{FF2B5EF4-FFF2-40B4-BE49-F238E27FC236}">
+                <a16:creationId xmlns:a16="http://schemas.microsoft.com/office/drawing/2014/main" id="{6319FFD2-07B5-4029-BFB3-26FCFCC2F1B8}"/>
+              </a:ext>
+              <a:ext uri="{C183D7F6-B498-43B3-948B-1728B52AA6E4}">
+                <adec:decorative xmlns:adec="http://schemas.microsoft.com/office/drawing/2017/decorative" val="1"/>
+              </a:ext>
+            </a:extLst>
+          </p:cNvPr>
+          <p:cNvPicPr>
+            <a:picLocks noGrp="1" noRot="1" noChangeAspect="1" noMove="1" noResize="1" noEditPoints="1" noAdjustHandles="1" noChangeArrowheads="1" noChangeShapeType="1" noCrop="1"/>
+          </p:cNvPicPr>
+          <p:nvPr>
+            <p:extLst>
+              <p:ext uri="{386F3935-93C4-4BCD-93E2-E3B085C9AB24}">
+                <p16:designElem xmlns:p16="http://schemas.microsoft.com/office/powerpoint/2015/main" val="1"/>
+              </p:ext>
+            </p:extLst>
+          </p:nvPr>
+        </p:nvPicPr>
+        <p:blipFill>
+          <a:blip r:embed="rId3">
+            <a:extLst>
+              <a:ext uri="{28A0092B-C50C-407E-A947-70E740481C1C}">
+                <a14:useLocalDpi xmlns:a14="http://schemas.microsoft.com/office/drawing/2010/main" val="0"/>
+              </a:ext>
+            </a:extLst>
+          </a:blip>
+          <a:stretch>
+            <a:fillRect/>
+          </a:stretch>
+        </p:blipFill>
+        <p:spPr>
+          <a:xfrm>
+            <a:off x="0" y="0"/>
+            <a:ext cx="12192000" cy="1441450"/>
+          </a:xfrm>
+          <a:prstGeom prst="rect">
+            <a:avLst/>
+          </a:prstGeom>
+        </p:spPr>
+      </p:pic>
+      <p:sp>
+        <p:nvSpPr>
+          <p:cNvPr id="2" name="Título 1">
+            <a:extLst>
+              <a:ext uri="{FF2B5EF4-FFF2-40B4-BE49-F238E27FC236}">
+                <a16:creationId xmlns:a16="http://schemas.microsoft.com/office/drawing/2014/main" id="{1DBB9128-C0D1-2B49-8B6F-83116D3CF601}"/>
+              </a:ext>
+            </a:extLst>
+          </p:cNvPr>
+          <p:cNvSpPr>
+            <a:spLocks noGrp="1"/>
+          </p:cNvSpPr>
+          <p:nvPr>
+            <p:ph type="title"/>
+          </p:nvPr>
+        </p:nvSpPr>
+        <p:spPr>
+          <a:xfrm>
+            <a:off x="2895600" y="764373"/>
+            <a:ext cx="8610600" cy="1293028"/>
+          </a:xfrm>
+        </p:spPr>
+        <p:txBody>
+          <a:bodyPr>
+            <a:normAutofit/>
+          </a:bodyPr>
+          <a:lstStyle/>
+          <a:p>
+            <a:r>
+              <a:rPr lang="pt-BR" dirty="0"/>
+              <a:t>O problema</a:t>
+            </a:r>
+          </a:p>
+        </p:txBody>
+      </p:sp>
+      <p:sp>
+        <p:nvSpPr>
+          <p:cNvPr id="3" name="Espaço Reservado para Conteúdo 2">
+            <a:extLst>
+              <a:ext uri="{FF2B5EF4-FFF2-40B4-BE49-F238E27FC236}">
+                <a16:creationId xmlns:a16="http://schemas.microsoft.com/office/drawing/2014/main" id="{3DAD9610-3B15-4848-84F0-4B806EC24DCD}"/>
+              </a:ext>
+            </a:extLst>
+          </p:cNvPr>
+          <p:cNvSpPr>
+            <a:spLocks noGrp="1"/>
+          </p:cNvSpPr>
+          <p:nvPr>
+            <p:ph idx="1"/>
+          </p:nvPr>
+        </p:nvSpPr>
+        <p:spPr>
+          <a:xfrm>
+            <a:off x="1820410" y="2194560"/>
+            <a:ext cx="9685789" cy="4562375"/>
+          </a:xfrm>
+        </p:spPr>
+        <p:txBody>
+          <a:bodyPr>
+            <a:normAutofit/>
+          </a:bodyPr>
+          <a:lstStyle/>
+          <a:p>
+            <a:pPr lvl="1"/>
+            <a:r>
+              <a:rPr lang="en-US" dirty="0" err="1"/>
+              <a:t>Manutenção</a:t>
+            </a:r>
+            <a:r>
+              <a:rPr lang="en-US" dirty="0"/>
+              <a:t> é </a:t>
+            </a:r>
+            <a:r>
+              <a:rPr lang="en-US" dirty="0" err="1"/>
+              <a:t>sempre</a:t>
+            </a:r>
+            <a:r>
+              <a:rPr lang="en-US" dirty="0"/>
+              <a:t> vista </a:t>
+            </a:r>
+            <a:r>
+              <a:rPr lang="en-US" dirty="0" err="1"/>
+              <a:t>como</a:t>
+            </a:r>
+            <a:r>
+              <a:rPr lang="en-US" dirty="0"/>
+              <a:t> um </a:t>
+            </a:r>
+            <a:r>
+              <a:rPr lang="en-US" dirty="0" err="1"/>
+              <a:t>custo</a:t>
+            </a:r>
+            <a:r>
+              <a:rPr lang="en-US" dirty="0"/>
+              <a:t>:</a:t>
+            </a:r>
+          </a:p>
+          <a:p>
+            <a:pPr lvl="2"/>
+            <a:r>
+              <a:rPr lang="en-US" dirty="0"/>
+              <a:t>“Um mal </a:t>
+            </a:r>
+            <a:r>
+              <a:rPr lang="en-US" dirty="0" err="1"/>
+              <a:t>necessário</a:t>
+            </a:r>
+            <a:r>
+              <a:rPr lang="en-US" dirty="0"/>
+              <a:t>”</a:t>
+            </a:r>
+          </a:p>
+          <a:p>
+            <a:pPr lvl="1"/>
+            <a:endParaRPr lang="pt-BR" dirty="0"/>
+          </a:p>
+          <a:p>
+            <a:pPr lvl="1"/>
+            <a:endParaRPr lang="pt-BR" dirty="0"/>
+          </a:p>
+          <a:p>
+            <a:pPr lvl="1"/>
+            <a:r>
+              <a:rPr lang="pt-BR" dirty="0"/>
+              <a:t>Time técnico do contrato de manutenção é dimensionado por:</a:t>
+            </a:r>
+          </a:p>
+          <a:p>
+            <a:pPr marL="914400" lvl="2" indent="0">
+              <a:buNone/>
+            </a:pPr>
+            <a:r>
+              <a:rPr lang="pt-BR" dirty="0"/>
+              <a:t># ativos</a:t>
+            </a:r>
+          </a:p>
+          <a:p>
+            <a:pPr marL="914400" lvl="2" indent="0">
+              <a:buNone/>
+            </a:pPr>
+            <a:r>
+              <a:rPr lang="pt-BR" dirty="0"/>
+              <a:t># pavimentos/andares ou área útil</a:t>
+            </a:r>
+          </a:p>
+          <a:p>
+            <a:pPr marL="914400" lvl="2" indent="0">
+              <a:buNone/>
+            </a:pPr>
+            <a:r>
+              <a:rPr lang="pt-BR" dirty="0"/>
+              <a:t># disciplinas técnicas (elétrica, mecânica, serviços gerais, etc.)</a:t>
+            </a:r>
+          </a:p>
+          <a:p>
+            <a:pPr marL="914400" lvl="2" indent="0">
+              <a:buNone/>
+            </a:pPr>
+            <a:r>
+              <a:rPr lang="pt-BR" dirty="0"/>
+              <a:t>~ tempo de cada atividade</a:t>
+            </a:r>
+          </a:p>
+          <a:p>
+            <a:pPr lvl="2"/>
+            <a:endParaRPr lang="pt-BR" dirty="0"/>
+          </a:p>
+          <a:p>
+            <a:pPr lvl="2"/>
+            <a:r>
+              <a:rPr lang="pt-BR" dirty="0"/>
+              <a:t>Isso pode definir um superdimensionamento: custo desnecessário, perda de competitividade</a:t>
+            </a:r>
+          </a:p>
+          <a:p>
+            <a:pPr lvl="2"/>
+            <a:r>
+              <a:rPr lang="pt-BR" dirty="0"/>
+              <a:t>Ou subdimensionamento: atendimento de baixa qualidade, sobrecarga, risco de perda do contrato</a:t>
+            </a:r>
+          </a:p>
+        </p:txBody>
+      </p:sp>
+      <p:pic>
+        <p:nvPicPr>
+          <p:cNvPr id="5" name="Graphic 4" descr="Money">
+            <a:extLst>
+              <a:ext uri="{FF2B5EF4-FFF2-40B4-BE49-F238E27FC236}">
+                <a16:creationId xmlns:a16="http://schemas.microsoft.com/office/drawing/2014/main" id="{B39828D6-5A21-4A10-850E-A2C736C88B07}"/>
+              </a:ext>
+            </a:extLst>
+          </p:cNvPr>
+          <p:cNvPicPr>
+            <a:picLocks noChangeAspect="1"/>
+          </p:cNvPicPr>
+          <p:nvPr/>
+        </p:nvPicPr>
+        <p:blipFill>
+          <a:blip r:embed="rId4">
+            <a:extLst>
+              <a:ext uri="{96DAC541-7B7A-43D3-8B79-37D633B846F1}">
+                <asvg:svgBlip xmlns:asvg="http://schemas.microsoft.com/office/drawing/2016/SVG/main" r:embed="rId5"/>
+              </a:ext>
+            </a:extLst>
+          </a:blip>
+          <a:stretch>
+            <a:fillRect/>
+          </a:stretch>
+        </p:blipFill>
+        <p:spPr>
+          <a:xfrm>
+            <a:off x="299905" y="1410887"/>
+            <a:ext cx="1797341" cy="1797341"/>
+          </a:xfrm>
+          <a:prstGeom prst="rect">
+            <a:avLst/>
+          </a:prstGeom>
+        </p:spPr>
+      </p:pic>
+      <p:pic>
+        <p:nvPicPr>
+          <p:cNvPr id="7" name="Graphic 6" descr="Scales of justice">
+            <a:extLst>
+              <a:ext uri="{FF2B5EF4-FFF2-40B4-BE49-F238E27FC236}">
+                <a16:creationId xmlns:a16="http://schemas.microsoft.com/office/drawing/2014/main" id="{830FA24F-FA46-4DE2-BE63-9A4E692F4051}"/>
+              </a:ext>
+            </a:extLst>
+          </p:cNvPr>
+          <p:cNvPicPr>
+            <a:picLocks noChangeAspect="1"/>
+          </p:cNvPicPr>
+          <p:nvPr/>
+        </p:nvPicPr>
+        <p:blipFill>
+          <a:blip r:embed="rId6">
+            <a:extLst>
+              <a:ext uri="{96DAC541-7B7A-43D3-8B79-37D633B846F1}">
+                <asvg:svgBlip xmlns:asvg="http://schemas.microsoft.com/office/drawing/2016/SVG/main" r:embed="rId7"/>
+              </a:ext>
+            </a:extLst>
+          </a:blip>
+          <a:stretch>
+            <a:fillRect/>
+          </a:stretch>
+        </p:blipFill>
+        <p:spPr>
+          <a:xfrm>
+            <a:off x="408961" y="3840406"/>
+            <a:ext cx="1797340" cy="1797340"/>
+          </a:xfrm>
+          <a:prstGeom prst="rect">
+            <a:avLst/>
+          </a:prstGeom>
+        </p:spPr>
+      </p:pic>
+    </p:spTree>
+    <p:extLst>
+      <p:ext uri="{BB962C8B-B14F-4D97-AF65-F5344CB8AC3E}">
+        <p14:creationId xmlns:p14="http://schemas.microsoft.com/office/powerpoint/2010/main" val="4135298402"/>
+      </p:ext>
+    </p:extLst>
+  </p:cSld>
+  <p:clrMapOvr>
+    <a:masterClrMapping/>
+  </p:clrMapOvr>
+  <p:transition spd="slow">
+    <p:push dir="u"/>
+  </p:transition>
+  <p:timing>
+    <p:tnLst>
+      <p:par>
+        <p:cTn id="1" dur="indefinite" restart="never" nodeType="tmRoot">
+          <p:childTnLst>
+            <p:seq concurrent="1" nextAc="seek">
+              <p:cTn id="2" dur="indefinite" nodeType="mainSeq">
+                <p:childTnLst>
+                  <p:par>
+                    <p:cTn id="3" fill="hold">
+                      <p:stCondLst>
+                        <p:cond delay="indefinite"/>
+                      </p:stCondLst>
+                      <p:childTnLst>
+                        <p:par>
+                          <p:cTn id="4" fill="hold">
+                            <p:stCondLst>
+                              <p:cond delay="0"/>
+                            </p:stCondLst>
+                            <p:childTnLst>
+                              <p:par>
+                                <p:cTn id="5" presetID="1" presetClass="entr" presetSubtype="0" fill="hold" nodeType="clickEffect">
+                                  <p:stCondLst>
+                                    <p:cond delay="0"/>
+                                  </p:stCondLst>
+                                  <p:childTnLst>
+                                    <p:set>
+                                      <p:cBhvr>
+                                        <p:cTn id="6" dur="1" fill="hold">
+                                          <p:stCondLst>
+                                            <p:cond delay="0"/>
+                                          </p:stCondLst>
+                                        </p:cTn>
+                                        <p:tgtEl>
+                                          <p:spTgt spid="5"/>
+                                        </p:tgtEl>
+                                        <p:attrNameLst>
+                                          <p:attrName>style.visibility</p:attrName>
+                                        </p:attrNameLst>
+                                      </p:cBhvr>
+                                      <p:to>
+                                        <p:strVal val="visible"/>
+                                      </p:to>
+                                    </p:set>
+                                  </p:childTnLst>
+                                </p:cTn>
+                              </p:par>
+                              <p:par>
+                                <p:cTn id="7" presetID="2" presetClass="entr" presetSubtype="4" fill="hold" nodeType="withEffect">
+                                  <p:stCondLst>
+                                    <p:cond delay="0"/>
+                                  </p:stCondLst>
+                                  <p:childTnLst>
+                                    <p:set>
+                                      <p:cBhvr>
+                                        <p:cTn id="8" dur="1" fill="hold">
+                                          <p:stCondLst>
+                                            <p:cond delay="0"/>
+                                          </p:stCondLst>
+                                        </p:cTn>
+                                        <p:tgtEl>
+                                          <p:spTgt spid="3">
+                                            <p:txEl>
+                                              <p:pRg st="0" end="0"/>
+                                            </p:txEl>
+                                          </p:spTgt>
+                                        </p:tgtEl>
+                                        <p:attrNameLst>
+                                          <p:attrName>style.visibility</p:attrName>
+                                        </p:attrNameLst>
+                                      </p:cBhvr>
+                                      <p:to>
+                                        <p:strVal val="visible"/>
+                                      </p:to>
+                                    </p:set>
+                                    <p:anim calcmode="lin" valueType="num">
+                                      <p:cBhvr additive="base">
+                                        <p:cTn id="9" dur="500" fill="hold"/>
+                                        <p:tgtEl>
+                                          <p:spTgt spid="3">
+                                            <p:txEl>
+                                              <p:pRg st="0" end="0"/>
+                                            </p:txEl>
+                                          </p:spTgt>
+                                        </p:tgtEl>
+                                        <p:attrNameLst>
+                                          <p:attrName>ppt_x</p:attrName>
+                                        </p:attrNameLst>
+                                      </p:cBhvr>
+                                      <p:tavLst>
+                                        <p:tav tm="0">
+                                          <p:val>
+                                            <p:strVal val="#ppt_x"/>
+                                          </p:val>
+                                        </p:tav>
+                                        <p:tav tm="100000">
+                                          <p:val>
+                                            <p:strVal val="#ppt_x"/>
+                                          </p:val>
+                                        </p:tav>
+                                      </p:tavLst>
+                                    </p:anim>
+                                    <p:anim calcmode="lin" valueType="num">
+                                      <p:cBhvr additive="base">
+                                        <p:cTn id="10" dur="500" fill="hold"/>
+                                        <p:tgtEl>
+                                          <p:spTgt spid="3">
+                                            <p:txEl>
+                                              <p:pRg st="0" end="0"/>
+                                            </p:txEl>
+                                          </p:spTgt>
+                                        </p:tgtEl>
+                                        <p:attrNameLst>
+                                          <p:attrName>ppt_y</p:attrName>
+                                        </p:attrNameLst>
+                                      </p:cBhvr>
+                                      <p:tavLst>
+                                        <p:tav tm="0">
+                                          <p:val>
+                                            <p:strVal val="1+#ppt_h/2"/>
+                                          </p:val>
+                                        </p:tav>
+                                        <p:tav tm="100000">
+                                          <p:val>
+                                            <p:strVal val="#ppt_y"/>
+                                          </p:val>
+                                        </p:tav>
+                                      </p:tavLst>
+                                    </p:anim>
+                                  </p:childTnLst>
+                                </p:cTn>
+                              </p:par>
+                              <p:par>
+                                <p:cTn id="11" presetID="2" presetClass="entr" presetSubtype="4" fill="hold" nodeType="withEffect">
+                                  <p:stCondLst>
+                                    <p:cond delay="0"/>
+                                  </p:stCondLst>
+                                  <p:childTnLst>
+                                    <p:set>
+                                      <p:cBhvr>
+                                        <p:cTn id="12" dur="1" fill="hold">
+                                          <p:stCondLst>
+                                            <p:cond delay="0"/>
+                                          </p:stCondLst>
+                                        </p:cTn>
+                                        <p:tgtEl>
+                                          <p:spTgt spid="3">
+                                            <p:txEl>
+                                              <p:pRg st="1" end="1"/>
+                                            </p:txEl>
+                                          </p:spTgt>
+                                        </p:tgtEl>
+                                        <p:attrNameLst>
+                                          <p:attrName>style.visibility</p:attrName>
+                                        </p:attrNameLst>
+                                      </p:cBhvr>
+                                      <p:to>
+                                        <p:strVal val="visible"/>
+                                      </p:to>
+                                    </p:set>
+                                    <p:anim calcmode="lin" valueType="num">
+                                      <p:cBhvr additive="base">
+                                        <p:cTn id="13" dur="500" fill="hold"/>
+                                        <p:tgtEl>
+                                          <p:spTgt spid="3">
+                                            <p:txEl>
+                                              <p:pRg st="1" end="1"/>
+                                            </p:txEl>
+                                          </p:spTgt>
+                                        </p:tgtEl>
+                                        <p:attrNameLst>
+                                          <p:attrName>ppt_x</p:attrName>
+                                        </p:attrNameLst>
+                                      </p:cBhvr>
+                                      <p:tavLst>
+                                        <p:tav tm="0">
+                                          <p:val>
+                                            <p:strVal val="#ppt_x"/>
+                                          </p:val>
+                                        </p:tav>
+                                        <p:tav tm="100000">
+                                          <p:val>
+                                            <p:strVal val="#ppt_x"/>
+                                          </p:val>
+                                        </p:tav>
+                                      </p:tavLst>
+                                    </p:anim>
+                                    <p:anim calcmode="lin" valueType="num">
+                                      <p:cBhvr additive="base">
+                                        <p:cTn id="14" dur="500" fill="hold"/>
+                                        <p:tgtEl>
+                                          <p:spTgt spid="3">
+                                            <p:txEl>
+                                              <p:pRg st="1" end="1"/>
+                                            </p:txEl>
+                                          </p:spTgt>
+                                        </p:tgtEl>
+                                        <p:attrNameLst>
+                                          <p:attrName>ppt_y</p:attrName>
+                                        </p:attrNameLst>
+                                      </p:cBhvr>
+                                      <p:tavLst>
+                                        <p:tav tm="0">
+                                          <p:val>
+                                            <p:strVal val="1+#ppt_h/2"/>
+                                          </p:val>
+                                        </p:tav>
+                                        <p:tav tm="100000">
+                                          <p:val>
+                                            <p:strVal val="#ppt_y"/>
+                                          </p:val>
+                                        </p:tav>
+                                      </p:tavLst>
+                                    </p:anim>
+                                  </p:childTnLst>
+                                </p:cTn>
+                              </p:par>
+                            </p:childTnLst>
+                          </p:cTn>
+                        </p:par>
+                        <p:par>
+                          <p:cTn id="15" fill="hold">
+                            <p:stCondLst>
+                              <p:cond delay="500"/>
+                            </p:stCondLst>
+                            <p:childTnLst>
+                              <p:par>
+                                <p:cTn id="16" presetID="26" presetClass="emph" presetSubtype="0" fill="hold" nodeType="afterEffect">
+                                  <p:stCondLst>
+                                    <p:cond delay="0"/>
+                                  </p:stCondLst>
+                                  <p:childTnLst>
+                                    <p:animEffect transition="out" filter="fade">
+                                      <p:cBhvr>
+                                        <p:cTn id="17" dur="3000" tmFilter="0, 0; .2, .5; .8, .5; 1, 0"/>
+                                        <p:tgtEl>
+                                          <p:spTgt spid="3">
+                                            <p:txEl>
+                                              <p:pRg st="1" end="1"/>
+                                            </p:txEl>
+                                          </p:spTgt>
+                                        </p:tgtEl>
+                                      </p:cBhvr>
+                                    </p:animEffect>
+                                    <p:animScale>
+                                      <p:cBhvr>
+                                        <p:cTn id="18" dur="1500" autoRev="1" fill="hold"/>
+                                        <p:tgtEl>
+                                          <p:spTgt spid="3">
+                                            <p:txEl>
+                                              <p:pRg st="1" end="1"/>
+                                            </p:txEl>
+                                          </p:spTgt>
+                                        </p:tgtEl>
+                                      </p:cBhvr>
+                                      <p:by x="105000" y="105000"/>
+                                    </p:animScale>
+                                  </p:childTnLst>
+                                </p:cTn>
+                              </p:par>
+                            </p:childTnLst>
+                          </p:cTn>
+                        </p:par>
+                      </p:childTnLst>
+                    </p:cTn>
+                  </p:par>
+                  <p:par>
+                    <p:cTn id="19" fill="hold">
+                      <p:stCondLst>
+                        <p:cond delay="indefinite"/>
+                      </p:stCondLst>
+                      <p:childTnLst>
+                        <p:par>
+                          <p:cTn id="20" fill="hold">
+                            <p:stCondLst>
+                              <p:cond delay="0"/>
+                            </p:stCondLst>
+                            <p:childTnLst>
+                              <p:par>
+                                <p:cTn id="21" presetID="2" presetClass="entr" presetSubtype="4" fill="hold" nodeType="clickEffect">
+                                  <p:stCondLst>
+                                    <p:cond delay="0"/>
+                                  </p:stCondLst>
+                                  <p:childTnLst>
+                                    <p:set>
+                                      <p:cBhvr>
+                                        <p:cTn id="22" dur="1" fill="hold">
+                                          <p:stCondLst>
+                                            <p:cond delay="0"/>
+                                          </p:stCondLst>
+                                        </p:cTn>
+                                        <p:tgtEl>
+                                          <p:spTgt spid="3">
+                                            <p:txEl>
+                                              <p:pRg st="4" end="4"/>
+                                            </p:txEl>
+                                          </p:spTgt>
+                                        </p:tgtEl>
+                                        <p:attrNameLst>
+                                          <p:attrName>style.visibility</p:attrName>
+                                        </p:attrNameLst>
+                                      </p:cBhvr>
+                                      <p:to>
+                                        <p:strVal val="visible"/>
+                                      </p:to>
+                                    </p:set>
+                                    <p:anim calcmode="lin" valueType="num">
+                                      <p:cBhvr additive="base">
+                                        <p:cTn id="23" dur="500" fill="hold"/>
+                                        <p:tgtEl>
+                                          <p:spTgt spid="3">
+                                            <p:txEl>
+                                              <p:pRg st="4" end="4"/>
+                                            </p:txEl>
+                                          </p:spTgt>
+                                        </p:tgtEl>
+                                        <p:attrNameLst>
+                                          <p:attrName>ppt_x</p:attrName>
+                                        </p:attrNameLst>
+                                      </p:cBhvr>
+                                      <p:tavLst>
+                                        <p:tav tm="0">
+                                          <p:val>
+                                            <p:strVal val="#ppt_x"/>
+                                          </p:val>
+                                        </p:tav>
+                                        <p:tav tm="100000">
+                                          <p:val>
+                                            <p:strVal val="#ppt_x"/>
+                                          </p:val>
+                                        </p:tav>
+                                      </p:tavLst>
+                                    </p:anim>
+                                    <p:anim calcmode="lin" valueType="num">
+                                      <p:cBhvr additive="base">
+                                        <p:cTn id="24" dur="500" fill="hold"/>
+                                        <p:tgtEl>
+                                          <p:spTgt spid="3">
+                                            <p:txEl>
+                                              <p:pRg st="4" end="4"/>
+                                            </p:txEl>
+                                          </p:spTgt>
+                                        </p:tgtEl>
+                                        <p:attrNameLst>
+                                          <p:attrName>ppt_y</p:attrName>
+                                        </p:attrNameLst>
+                                      </p:cBhvr>
+                                      <p:tavLst>
+                                        <p:tav tm="0">
+                                          <p:val>
+                                            <p:strVal val="1+#ppt_h/2"/>
+                                          </p:val>
+                                        </p:tav>
+                                        <p:tav tm="100000">
+                                          <p:val>
+                                            <p:strVal val="#ppt_y"/>
+                                          </p:val>
+                                        </p:tav>
+                                      </p:tavLst>
+                                    </p:anim>
+                                  </p:childTnLst>
+                                </p:cTn>
+                              </p:par>
+                              <p:par>
+                                <p:cTn id="25" presetID="2" presetClass="entr" presetSubtype="4" fill="hold" nodeType="withEffect">
+                                  <p:stCondLst>
+                                    <p:cond delay="0"/>
+                                  </p:stCondLst>
+                                  <p:childTnLst>
+                                    <p:set>
+                                      <p:cBhvr>
+                                        <p:cTn id="26" dur="1" fill="hold">
+                                          <p:stCondLst>
+                                            <p:cond delay="0"/>
+                                          </p:stCondLst>
+                                        </p:cTn>
+                                        <p:tgtEl>
+                                          <p:spTgt spid="3">
+                                            <p:txEl>
+                                              <p:pRg st="5" end="5"/>
+                                            </p:txEl>
+                                          </p:spTgt>
+                                        </p:tgtEl>
+                                        <p:attrNameLst>
+                                          <p:attrName>style.visibility</p:attrName>
+                                        </p:attrNameLst>
+                                      </p:cBhvr>
+                                      <p:to>
+                                        <p:strVal val="visible"/>
+                                      </p:to>
+                                    </p:set>
+                                    <p:anim calcmode="lin" valueType="num">
+                                      <p:cBhvr additive="base">
+                                        <p:cTn id="27" dur="500" fill="hold"/>
+                                        <p:tgtEl>
+                                          <p:spTgt spid="3">
+                                            <p:txEl>
+                                              <p:pRg st="5" end="5"/>
+                                            </p:txEl>
+                                          </p:spTgt>
+                                        </p:tgtEl>
+                                        <p:attrNameLst>
+                                          <p:attrName>ppt_x</p:attrName>
+                                        </p:attrNameLst>
+                                      </p:cBhvr>
+                                      <p:tavLst>
+                                        <p:tav tm="0">
+                                          <p:val>
+                                            <p:strVal val="#ppt_x"/>
+                                          </p:val>
+                                        </p:tav>
+                                        <p:tav tm="100000">
+                                          <p:val>
+                                            <p:strVal val="#ppt_x"/>
+                                          </p:val>
+                                        </p:tav>
+                                      </p:tavLst>
+                                    </p:anim>
+                                    <p:anim calcmode="lin" valueType="num">
+                                      <p:cBhvr additive="base">
+                                        <p:cTn id="28" dur="500" fill="hold"/>
+                                        <p:tgtEl>
+                                          <p:spTgt spid="3">
+                                            <p:txEl>
+                                              <p:pRg st="5" end="5"/>
+                                            </p:txEl>
+                                          </p:spTgt>
+                                        </p:tgtEl>
+                                        <p:attrNameLst>
+                                          <p:attrName>ppt_y</p:attrName>
+                                        </p:attrNameLst>
+                                      </p:cBhvr>
+                                      <p:tavLst>
+                                        <p:tav tm="0">
+                                          <p:val>
+                                            <p:strVal val="1+#ppt_h/2"/>
+                                          </p:val>
+                                        </p:tav>
+                                        <p:tav tm="100000">
+                                          <p:val>
+                                            <p:strVal val="#ppt_y"/>
+                                          </p:val>
+                                        </p:tav>
+                                      </p:tavLst>
+                                    </p:anim>
+                                  </p:childTnLst>
+                                </p:cTn>
+                              </p:par>
+                              <p:par>
+                                <p:cTn id="29" presetID="2" presetClass="entr" presetSubtype="4" fill="hold" nodeType="withEffect">
+                                  <p:stCondLst>
+                                    <p:cond delay="0"/>
+                                  </p:stCondLst>
+                                  <p:childTnLst>
+                                    <p:set>
+                                      <p:cBhvr>
+                                        <p:cTn id="30" dur="1" fill="hold">
+                                          <p:stCondLst>
+                                            <p:cond delay="0"/>
+                                          </p:stCondLst>
+                                        </p:cTn>
+                                        <p:tgtEl>
+                                          <p:spTgt spid="3">
+                                            <p:txEl>
+                                              <p:pRg st="6" end="6"/>
+                                            </p:txEl>
+                                          </p:spTgt>
+                                        </p:tgtEl>
+                                        <p:attrNameLst>
+                                          <p:attrName>style.visibility</p:attrName>
+                                        </p:attrNameLst>
+                                      </p:cBhvr>
+                                      <p:to>
+                                        <p:strVal val="visible"/>
+                                      </p:to>
+                                    </p:set>
+                                    <p:anim calcmode="lin" valueType="num">
+                                      <p:cBhvr additive="base">
+                                        <p:cTn id="31" dur="500" fill="hold"/>
+                                        <p:tgtEl>
+                                          <p:spTgt spid="3">
+                                            <p:txEl>
+                                              <p:pRg st="6" end="6"/>
+                                            </p:txEl>
+                                          </p:spTgt>
+                                        </p:tgtEl>
+                                        <p:attrNameLst>
+                                          <p:attrName>ppt_x</p:attrName>
+                                        </p:attrNameLst>
+                                      </p:cBhvr>
+                                      <p:tavLst>
+                                        <p:tav tm="0">
+                                          <p:val>
+                                            <p:strVal val="#ppt_x"/>
+                                          </p:val>
+                                        </p:tav>
+                                        <p:tav tm="100000">
+                                          <p:val>
+                                            <p:strVal val="#ppt_x"/>
+                                          </p:val>
+                                        </p:tav>
+                                      </p:tavLst>
+                                    </p:anim>
+                                    <p:anim calcmode="lin" valueType="num">
+                                      <p:cBhvr additive="base">
+                                        <p:cTn id="32" dur="500" fill="hold"/>
+                                        <p:tgtEl>
+                                          <p:spTgt spid="3">
+                                            <p:txEl>
+                                              <p:pRg st="6" end="6"/>
+                                            </p:txEl>
+                                          </p:spTgt>
+                                        </p:tgtEl>
+                                        <p:attrNameLst>
+                                          <p:attrName>ppt_y</p:attrName>
+                                        </p:attrNameLst>
+                                      </p:cBhvr>
+                                      <p:tavLst>
+                                        <p:tav tm="0">
+                                          <p:val>
+                                            <p:strVal val="1+#ppt_h/2"/>
+                                          </p:val>
+                                        </p:tav>
+                                        <p:tav tm="100000">
+                                          <p:val>
+                                            <p:strVal val="#ppt_y"/>
+                                          </p:val>
+                                        </p:tav>
+                                      </p:tavLst>
+                                    </p:anim>
+                                  </p:childTnLst>
+                                </p:cTn>
+                              </p:par>
+                              <p:par>
+                                <p:cTn id="33" presetID="2" presetClass="entr" presetSubtype="4" fill="hold" nodeType="withEffect">
+                                  <p:stCondLst>
+                                    <p:cond delay="0"/>
+                                  </p:stCondLst>
+                                  <p:childTnLst>
+                                    <p:set>
+                                      <p:cBhvr>
+                                        <p:cTn id="34" dur="1" fill="hold">
+                                          <p:stCondLst>
+                                            <p:cond delay="0"/>
+                                          </p:stCondLst>
+                                        </p:cTn>
+                                        <p:tgtEl>
+                                          <p:spTgt spid="3">
+                                            <p:txEl>
+                                              <p:pRg st="7" end="7"/>
+                                            </p:txEl>
+                                          </p:spTgt>
+                                        </p:tgtEl>
+                                        <p:attrNameLst>
+                                          <p:attrName>style.visibility</p:attrName>
+                                        </p:attrNameLst>
+                                      </p:cBhvr>
+                                      <p:to>
+                                        <p:strVal val="visible"/>
+                                      </p:to>
+                                    </p:set>
+                                    <p:anim calcmode="lin" valueType="num">
+                                      <p:cBhvr additive="base">
+                                        <p:cTn id="35" dur="500" fill="hold"/>
+                                        <p:tgtEl>
+                                          <p:spTgt spid="3">
+                                            <p:txEl>
+                                              <p:pRg st="7" end="7"/>
+                                            </p:txEl>
+                                          </p:spTgt>
+                                        </p:tgtEl>
+                                        <p:attrNameLst>
+                                          <p:attrName>ppt_x</p:attrName>
+                                        </p:attrNameLst>
+                                      </p:cBhvr>
+                                      <p:tavLst>
+                                        <p:tav tm="0">
+                                          <p:val>
+                                            <p:strVal val="#ppt_x"/>
+                                          </p:val>
+                                        </p:tav>
+                                        <p:tav tm="100000">
+                                          <p:val>
+                                            <p:strVal val="#ppt_x"/>
+                                          </p:val>
+                                        </p:tav>
+                                      </p:tavLst>
+                                    </p:anim>
+                                    <p:anim calcmode="lin" valueType="num">
+                                      <p:cBhvr additive="base">
+                                        <p:cTn id="36" dur="500" fill="hold"/>
+                                        <p:tgtEl>
+                                          <p:spTgt spid="3">
+                                            <p:txEl>
+                                              <p:pRg st="7" end="7"/>
+                                            </p:txEl>
+                                          </p:spTgt>
+                                        </p:tgtEl>
+                                        <p:attrNameLst>
+                                          <p:attrName>ppt_y</p:attrName>
+                                        </p:attrNameLst>
+                                      </p:cBhvr>
+                                      <p:tavLst>
+                                        <p:tav tm="0">
+                                          <p:val>
+                                            <p:strVal val="1+#ppt_h/2"/>
+                                          </p:val>
+                                        </p:tav>
+                                        <p:tav tm="100000">
+                                          <p:val>
+                                            <p:strVal val="#ppt_y"/>
+                                          </p:val>
+                                        </p:tav>
+                                      </p:tavLst>
+                                    </p:anim>
+                                  </p:childTnLst>
+                                </p:cTn>
+                              </p:par>
+                              <p:par>
+                                <p:cTn id="37" presetID="2" presetClass="entr" presetSubtype="4" fill="hold" nodeType="withEffect">
+                                  <p:stCondLst>
+                                    <p:cond delay="0"/>
+                                  </p:stCondLst>
+                                  <p:childTnLst>
+                                    <p:set>
+                                      <p:cBhvr>
+                                        <p:cTn id="38" dur="1" fill="hold">
+                                          <p:stCondLst>
+                                            <p:cond delay="0"/>
+                                          </p:stCondLst>
+                                        </p:cTn>
+                                        <p:tgtEl>
+                                          <p:spTgt spid="3">
+                                            <p:txEl>
+                                              <p:pRg st="8" end="8"/>
+                                            </p:txEl>
+                                          </p:spTgt>
+                                        </p:tgtEl>
+                                        <p:attrNameLst>
+                                          <p:attrName>style.visibility</p:attrName>
+                                        </p:attrNameLst>
+                                      </p:cBhvr>
+                                      <p:to>
+                                        <p:strVal val="visible"/>
+                                      </p:to>
+                                    </p:set>
+                                    <p:anim calcmode="lin" valueType="num">
+                                      <p:cBhvr additive="base">
+                                        <p:cTn id="39" dur="500" fill="hold"/>
+                                        <p:tgtEl>
+                                          <p:spTgt spid="3">
+                                            <p:txEl>
+                                              <p:pRg st="8" end="8"/>
+                                            </p:txEl>
+                                          </p:spTgt>
+                                        </p:tgtEl>
+                                        <p:attrNameLst>
+                                          <p:attrName>ppt_x</p:attrName>
+                                        </p:attrNameLst>
+                                      </p:cBhvr>
+                                      <p:tavLst>
+                                        <p:tav tm="0">
+                                          <p:val>
+                                            <p:strVal val="#ppt_x"/>
+                                          </p:val>
+                                        </p:tav>
+                                        <p:tav tm="100000">
+                                          <p:val>
+                                            <p:strVal val="#ppt_x"/>
+                                          </p:val>
+                                        </p:tav>
+                                      </p:tavLst>
+                                    </p:anim>
+                                    <p:anim calcmode="lin" valueType="num">
+                                      <p:cBhvr additive="base">
+                                        <p:cTn id="40" dur="500" fill="hold"/>
+                                        <p:tgtEl>
+                                          <p:spTgt spid="3">
+                                            <p:txEl>
+                                              <p:pRg st="8" end="8"/>
+                                            </p:txEl>
+                                          </p:spTgt>
+                                        </p:tgtEl>
+                                        <p:attrNameLst>
+                                          <p:attrName>ppt_y</p:attrName>
+                                        </p:attrNameLst>
+                                      </p:cBhvr>
+                                      <p:tavLst>
+                                        <p:tav tm="0">
+                                          <p:val>
+                                            <p:strVal val="1+#ppt_h/2"/>
+                                          </p:val>
+                                        </p:tav>
+                                        <p:tav tm="100000">
+                                          <p:val>
+                                            <p:strVal val="#ppt_y"/>
+                                          </p:val>
+                                        </p:tav>
+                                      </p:tavLst>
+                                    </p:anim>
+                                  </p:childTnLst>
+                                </p:cTn>
+                              </p:par>
+                            </p:childTnLst>
+                          </p:cTn>
+                        </p:par>
+                      </p:childTnLst>
+                    </p:cTn>
+                  </p:par>
+                  <p:par>
+                    <p:cTn id="41" fill="hold">
+                      <p:stCondLst>
+                        <p:cond delay="indefinite"/>
+                      </p:stCondLst>
+                      <p:childTnLst>
+                        <p:par>
+                          <p:cTn id="42" fill="hold">
+                            <p:stCondLst>
+                              <p:cond delay="0"/>
+                            </p:stCondLst>
+                            <p:childTnLst>
+                              <p:par>
+                                <p:cTn id="43" presetID="1" presetClass="entr" presetSubtype="0" fill="hold" nodeType="clickEffect">
+                                  <p:stCondLst>
+                                    <p:cond delay="0"/>
+                                  </p:stCondLst>
+                                  <p:childTnLst>
+                                    <p:set>
+                                      <p:cBhvr>
+                                        <p:cTn id="44" dur="1" fill="hold">
+                                          <p:stCondLst>
+                                            <p:cond delay="0"/>
+                                          </p:stCondLst>
+                                        </p:cTn>
+                                        <p:tgtEl>
+                                          <p:spTgt spid="7"/>
+                                        </p:tgtEl>
+                                        <p:attrNameLst>
+                                          <p:attrName>style.visibility</p:attrName>
+                                        </p:attrNameLst>
+                                      </p:cBhvr>
+                                      <p:to>
+                                        <p:strVal val="visible"/>
+                                      </p:to>
+                                    </p:set>
+                                  </p:childTnLst>
+                                </p:cTn>
+                              </p:par>
+                              <p:par>
+                                <p:cTn id="45" presetID="2" presetClass="entr" presetSubtype="4" fill="hold" nodeType="withEffect">
+                                  <p:stCondLst>
+                                    <p:cond delay="0"/>
+                                  </p:stCondLst>
+                                  <p:childTnLst>
+                                    <p:set>
+                                      <p:cBhvr>
+                                        <p:cTn id="46" dur="1" fill="hold">
+                                          <p:stCondLst>
+                                            <p:cond delay="0"/>
+                                          </p:stCondLst>
+                                        </p:cTn>
+                                        <p:tgtEl>
+                                          <p:spTgt spid="3">
+                                            <p:txEl>
+                                              <p:pRg st="10" end="10"/>
+                                            </p:txEl>
+                                          </p:spTgt>
+                                        </p:tgtEl>
+                                        <p:attrNameLst>
+                                          <p:attrName>style.visibility</p:attrName>
+                                        </p:attrNameLst>
+                                      </p:cBhvr>
+                                      <p:to>
+                                        <p:strVal val="visible"/>
+                                      </p:to>
+                                    </p:set>
+                                    <p:anim calcmode="lin" valueType="num">
+                                      <p:cBhvr additive="base">
+                                        <p:cTn id="47" dur="500" fill="hold"/>
+                                        <p:tgtEl>
+                                          <p:spTgt spid="3">
+                                            <p:txEl>
+                                              <p:pRg st="10" end="10"/>
+                                            </p:txEl>
+                                          </p:spTgt>
+                                        </p:tgtEl>
+                                        <p:attrNameLst>
+                                          <p:attrName>ppt_x</p:attrName>
+                                        </p:attrNameLst>
+                                      </p:cBhvr>
+                                      <p:tavLst>
+                                        <p:tav tm="0">
+                                          <p:val>
+                                            <p:strVal val="#ppt_x"/>
+                                          </p:val>
+                                        </p:tav>
+                                        <p:tav tm="100000">
+                                          <p:val>
+                                            <p:strVal val="#ppt_x"/>
+                                          </p:val>
+                                        </p:tav>
+                                      </p:tavLst>
+                                    </p:anim>
+                                    <p:anim calcmode="lin" valueType="num">
+                                      <p:cBhvr additive="base">
+                                        <p:cTn id="48" dur="500" fill="hold"/>
+                                        <p:tgtEl>
+                                          <p:spTgt spid="3">
+                                            <p:txEl>
+                                              <p:pRg st="10" end="10"/>
+                                            </p:txEl>
+                                          </p:spTgt>
+                                        </p:tgtEl>
+                                        <p:attrNameLst>
+                                          <p:attrName>ppt_y</p:attrName>
+                                        </p:attrNameLst>
+                                      </p:cBhvr>
+                                      <p:tavLst>
+                                        <p:tav tm="0">
+                                          <p:val>
+                                            <p:strVal val="1+#ppt_h/2"/>
+                                          </p:val>
+                                        </p:tav>
+                                        <p:tav tm="100000">
+                                          <p:val>
+                                            <p:strVal val="#ppt_y"/>
+                                          </p:val>
+                                        </p:tav>
+                                      </p:tavLst>
+                                    </p:anim>
+                                  </p:childTnLst>
+                                </p:cTn>
+                              </p:par>
+                              <p:par>
+                                <p:cTn id="49" presetID="2" presetClass="entr" presetSubtype="4" fill="hold" nodeType="withEffect">
+                                  <p:stCondLst>
+                                    <p:cond delay="0"/>
+                                  </p:stCondLst>
+                                  <p:childTnLst>
+                                    <p:set>
+                                      <p:cBhvr>
+                                        <p:cTn id="50" dur="1" fill="hold">
+                                          <p:stCondLst>
+                                            <p:cond delay="0"/>
+                                          </p:stCondLst>
+                                        </p:cTn>
+                                        <p:tgtEl>
+                                          <p:spTgt spid="3">
+                                            <p:txEl>
+                                              <p:pRg st="11" end="11"/>
+                                            </p:txEl>
+                                          </p:spTgt>
+                                        </p:tgtEl>
+                                        <p:attrNameLst>
+                                          <p:attrName>style.visibility</p:attrName>
+                                        </p:attrNameLst>
+                                      </p:cBhvr>
+                                      <p:to>
+                                        <p:strVal val="visible"/>
+                                      </p:to>
+                                    </p:set>
+                                    <p:anim calcmode="lin" valueType="num">
+                                      <p:cBhvr additive="base">
+                                        <p:cTn id="51" dur="500" fill="hold"/>
+                                        <p:tgtEl>
+                                          <p:spTgt spid="3">
+                                            <p:txEl>
+                                              <p:pRg st="11" end="11"/>
+                                            </p:txEl>
+                                          </p:spTgt>
+                                        </p:tgtEl>
+                                        <p:attrNameLst>
+                                          <p:attrName>ppt_x</p:attrName>
+                                        </p:attrNameLst>
+                                      </p:cBhvr>
+                                      <p:tavLst>
+                                        <p:tav tm="0">
+                                          <p:val>
+                                            <p:strVal val="#ppt_x"/>
+                                          </p:val>
+                                        </p:tav>
+                                        <p:tav tm="100000">
+                                          <p:val>
+                                            <p:strVal val="#ppt_x"/>
+                                          </p:val>
+                                        </p:tav>
+                                      </p:tavLst>
+                                    </p:anim>
+                                    <p:anim calcmode="lin" valueType="num">
+                                      <p:cBhvr additive="base">
+                                        <p:cTn id="52" dur="500" fill="hold"/>
+                                        <p:tgtEl>
+                                          <p:spTgt spid="3">
+                                            <p:txEl>
+                                              <p:pRg st="11" end="11"/>
+                                            </p:txEl>
+                                          </p:spTgt>
+                                        </p:tgtEl>
+                                        <p:attrNameLst>
+                                          <p:attrName>ppt_y</p:attrName>
+                                        </p:attrNameLst>
+                                      </p:cBhvr>
+                                      <p:tavLst>
+                                        <p:tav tm="0">
+                                          <p:val>
+                                            <p:strVal val="1+#ppt_h/2"/>
+                                          </p:val>
+                                        </p:tav>
+                                        <p:tav tm="100000">
+                                          <p:val>
+                                            <p:strVal val="#ppt_y"/>
+                                          </p:val>
+                                        </p:tav>
+                                      </p:tavLst>
+                                    </p:anim>
+                                  </p:childTnLst>
+                                </p:cTn>
+                              </p:par>
+                            </p:childTnLst>
+                          </p:cTn>
+                        </p:par>
+                      </p:childTnLst>
+                    </p:cTn>
+                  </p:par>
+                </p:childTnLst>
+              </p:cTn>
+              <p:prevCondLst>
+                <p:cond evt="onPrev" delay="0">
+                  <p:tgtEl>
+                    <p:sldTgt/>
+                  </p:tgtEl>
+                </p:cond>
+              </p:prevCondLst>
+              <p:nextCondLst>
+                <p:cond evt="onNext" delay="0">
+                  <p:tgtEl>
+                    <p:sldTgt/>
+                  </p:tgtEl>
+                </p:cond>
+              </p:nextCondLst>
+            </p:seq>
+          </p:childTnLst>
+        </p:cTn>
+      </p:par>
+    </p:tnLst>
+  </p:timing>
+</p:sld>
+</file>
+
+<file path=ppt/slides/slide5.xml><?xml version="1.0" encoding="utf-8"?>
+<p:sld xmlns:a="http://schemas.openxmlformats.org/drawingml/2006/main" xmlns:r="http://schemas.openxmlformats.org/officeDocument/2006/relationships" xmlns:p="http://schemas.openxmlformats.org/presentationml/2006/main">
+  <p:cSld>
+    <p:spTree>
+      <p:nvGrpSpPr>
+        <p:cNvPr id="1" name=""/>
+        <p:cNvGrpSpPr/>
+        <p:nvPr/>
+      </p:nvGrpSpPr>
+      <p:grpSpPr>
+        <a:xfrm>
+          <a:off x="0" y="0"/>
+          <a:ext cx="0" cy="0"/>
+          <a:chOff x="0" y="0"/>
+          <a:chExt cx="0" cy="0"/>
+        </a:xfrm>
+      </p:grpSpPr>
+      <p:sp>
+        <p:nvSpPr>
+          <p:cNvPr id="2" name="Título 1">
+            <a:extLst>
+              <a:ext uri="{FF2B5EF4-FFF2-40B4-BE49-F238E27FC236}">
+                <a16:creationId xmlns:a16="http://schemas.microsoft.com/office/drawing/2014/main" id="{1DBB9128-C0D1-2B49-8B6F-83116D3CF601}"/>
+              </a:ext>
+            </a:extLst>
+          </p:cNvPr>
+          <p:cNvSpPr>
+            <a:spLocks noGrp="1"/>
+          </p:cNvSpPr>
+          <p:nvPr>
+            <p:ph type="title"/>
+          </p:nvPr>
+        </p:nvSpPr>
+        <p:spPr/>
+        <p:txBody>
+          <a:bodyPr/>
+          <a:lstStyle/>
+          <a:p>
+            <a:r>
+              <a:rPr lang="pt-BR" dirty="0"/>
+              <a:t>A proposta</a:t>
+            </a:r>
+          </a:p>
+        </p:txBody>
+      </p:sp>
+      <p:sp>
+        <p:nvSpPr>
+          <p:cNvPr id="3" name="Espaço Reservado para Conteúdo 2">
+            <a:extLst>
+              <a:ext uri="{FF2B5EF4-FFF2-40B4-BE49-F238E27FC236}">
+                <a16:creationId xmlns:a16="http://schemas.microsoft.com/office/drawing/2014/main" id="{3DAD9610-3B15-4848-84F0-4B806EC24DCD}"/>
+              </a:ext>
+            </a:extLst>
+          </p:cNvPr>
+          <p:cNvSpPr>
+            <a:spLocks noGrp="1"/>
+          </p:cNvSpPr>
+          <p:nvPr>
+            <p:ph idx="1"/>
+          </p:nvPr>
+        </p:nvSpPr>
+        <p:spPr>
+          <a:xfrm>
+            <a:off x="2529444" y="2194560"/>
+            <a:ext cx="8976756" cy="4024125"/>
+          </a:xfrm>
+        </p:spPr>
+        <p:txBody>
+          <a:bodyPr>
+            <a:normAutofit/>
+          </a:bodyPr>
+          <a:lstStyle/>
+          <a:p>
+            <a:pPr lvl="1"/>
+            <a:r>
+              <a:rPr lang="en-US" dirty="0" err="1"/>
+              <a:t>Otimizar</a:t>
+            </a:r>
+            <a:r>
+              <a:rPr lang="en-US" dirty="0"/>
+              <a:t> a </a:t>
+            </a:r>
+            <a:r>
+              <a:rPr lang="en-US" dirty="0" err="1"/>
+              <a:t>estimativa</a:t>
+            </a:r>
+            <a:r>
+              <a:rPr lang="en-US" dirty="0"/>
+              <a:t> de tempo de </a:t>
+            </a:r>
+            <a:r>
+              <a:rPr lang="en-US" dirty="0" err="1"/>
+              <a:t>uma</a:t>
+            </a:r>
+            <a:r>
+              <a:rPr lang="en-US" dirty="0"/>
+              <a:t> </a:t>
+            </a:r>
+            <a:r>
+              <a:rPr lang="en-US" dirty="0" err="1"/>
+              <a:t>tarefa</a:t>
+            </a:r>
+            <a:r>
+              <a:rPr lang="en-US" dirty="0"/>
+              <a:t> do </a:t>
+            </a:r>
+            <a:r>
+              <a:rPr lang="en-US" dirty="0" err="1"/>
+              <a:t>técnico</a:t>
+            </a:r>
+            <a:r>
+              <a:rPr lang="en-US" dirty="0"/>
+              <a:t> </a:t>
+            </a:r>
+            <a:r>
+              <a:rPr lang="en-US" dirty="0" err="1"/>
+              <a:t>envolvido</a:t>
+            </a:r>
+            <a:r>
+              <a:rPr lang="en-US" dirty="0"/>
+              <a:t>, </a:t>
+            </a:r>
+            <a:r>
+              <a:rPr lang="en-US" dirty="0" err="1"/>
+              <a:t>levando</a:t>
+            </a:r>
+            <a:r>
+              <a:rPr lang="en-US" dirty="0"/>
+              <a:t> </a:t>
+            </a:r>
+            <a:r>
+              <a:rPr lang="en-US" dirty="0" err="1"/>
+              <a:t>em</a:t>
+            </a:r>
+            <a:r>
+              <a:rPr lang="en-US" dirty="0"/>
+              <a:t> </a:t>
+            </a:r>
+            <a:r>
+              <a:rPr lang="en-US" dirty="0" err="1"/>
+              <a:t>consideração</a:t>
+            </a:r>
+            <a:r>
+              <a:rPr lang="en-US" dirty="0"/>
+              <a:t> a </a:t>
+            </a:r>
+            <a:r>
+              <a:rPr lang="en-US" dirty="0" err="1"/>
+              <a:t>atividade</a:t>
+            </a:r>
+            <a:r>
+              <a:rPr lang="en-US" dirty="0"/>
+              <a:t>, o </a:t>
+            </a:r>
+            <a:r>
+              <a:rPr lang="en-US" dirty="0" err="1"/>
+              <a:t>ativo</a:t>
+            </a:r>
+            <a:r>
+              <a:rPr lang="en-US" dirty="0"/>
+              <a:t> e a </a:t>
+            </a:r>
+            <a:r>
+              <a:rPr lang="en-US" dirty="0" err="1"/>
+              <a:t>classe</a:t>
+            </a:r>
+            <a:r>
+              <a:rPr lang="en-US" dirty="0"/>
+              <a:t> de </a:t>
+            </a:r>
+            <a:r>
+              <a:rPr lang="en-US" dirty="0" err="1"/>
+              <a:t>trabalho</a:t>
+            </a:r>
+            <a:endParaRPr lang="en-US" dirty="0"/>
+          </a:p>
+          <a:p>
+            <a:pPr lvl="1"/>
+            <a:endParaRPr lang="en-US" dirty="0"/>
+          </a:p>
+          <a:p>
+            <a:pPr lvl="1"/>
+            <a:r>
+              <a:rPr lang="en-US" dirty="0" err="1"/>
+              <a:t>Prever</a:t>
+            </a:r>
+            <a:r>
+              <a:rPr lang="en-US" dirty="0"/>
+              <a:t> a </a:t>
+            </a:r>
+            <a:r>
+              <a:rPr lang="en-US" dirty="0" err="1"/>
+              <a:t>quantidade</a:t>
+            </a:r>
+            <a:r>
+              <a:rPr lang="en-US" dirty="0"/>
+              <a:t> de </a:t>
+            </a:r>
+            <a:r>
+              <a:rPr lang="en-US" dirty="0" err="1"/>
+              <a:t>técnicos</a:t>
+            </a:r>
+            <a:r>
+              <a:rPr lang="en-US" dirty="0"/>
+              <a:t> </a:t>
+            </a:r>
+            <a:r>
+              <a:rPr lang="en-US" dirty="0" err="1"/>
+              <a:t>necessários</a:t>
+            </a:r>
+            <a:r>
+              <a:rPr lang="en-US" dirty="0"/>
+              <a:t> para um </a:t>
+            </a:r>
+            <a:r>
+              <a:rPr lang="en-US" dirty="0" err="1"/>
+              <a:t>contrato</a:t>
+            </a:r>
+            <a:r>
+              <a:rPr lang="en-US" dirty="0"/>
+              <a:t> de </a:t>
+            </a:r>
+            <a:r>
+              <a:rPr lang="en-US" dirty="0" err="1"/>
+              <a:t>manuten</a:t>
+            </a:r>
+            <a:r>
+              <a:rPr lang="pt-BR" dirty="0" err="1"/>
+              <a:t>ção</a:t>
+            </a:r>
+            <a:endParaRPr lang="pt-BR" dirty="0"/>
+          </a:p>
+          <a:p>
+            <a:pPr lvl="1"/>
+            <a:endParaRPr lang="pt-BR" dirty="0"/>
+          </a:p>
+          <a:p>
+            <a:pPr lvl="1"/>
+            <a:endParaRPr lang="pt-BR" dirty="0"/>
+          </a:p>
+          <a:p>
+            <a:pPr lvl="1"/>
+            <a:r>
+              <a:rPr lang="pt-BR" dirty="0"/>
+              <a:t>Implantar monitoramento com </a:t>
+            </a:r>
+            <a:r>
+              <a:rPr lang="pt-BR" dirty="0" err="1"/>
+              <a:t>IoT</a:t>
+            </a:r>
+            <a:r>
+              <a:rPr lang="pt-BR" dirty="0"/>
+              <a:t> das principais condições dos ativos, para associar o tempo de manutenção que é “investido” por ativo, mostrando o ganho operacional ou perda evitada</a:t>
+            </a:r>
+            <a:endParaRPr lang="en-US" dirty="0"/>
+          </a:p>
+        </p:txBody>
+      </p:sp>
+      <p:pic>
+        <p:nvPicPr>
+          <p:cNvPr id="3074" name="Picture 2" descr="A inteligência artificial pode prever o futuro? De certa forma, sim">
+            <a:extLst>
+              <a:ext uri="{FF2B5EF4-FFF2-40B4-BE49-F238E27FC236}">
+                <a16:creationId xmlns:a16="http://schemas.microsoft.com/office/drawing/2014/main" id="{1CF65A78-38C3-48EA-B32F-B83801DA7384}"/>
+              </a:ext>
+            </a:extLst>
+          </p:cNvPr>
+          <p:cNvPicPr>
+            <a:picLocks noChangeAspect="1" noChangeArrowheads="1"/>
+          </p:cNvPicPr>
+          <p:nvPr/>
+        </p:nvPicPr>
+        <p:blipFill>
+          <a:blip r:embed="rId2">
+            <a:extLst>
+              <a:ext uri="{28A0092B-C50C-407E-A947-70E740481C1C}">
+                <a14:useLocalDpi xmlns:a14="http://schemas.microsoft.com/office/drawing/2010/main" val="0"/>
+              </a:ext>
+            </a:extLst>
+          </a:blip>
+          <a:srcRect/>
+          <a:stretch>
+            <a:fillRect/>
+          </a:stretch>
+        </p:blipFill>
+        <p:spPr bwMode="auto">
+          <a:xfrm>
+            <a:off x="130205" y="2057401"/>
+            <a:ext cx="2597245" cy="1732363"/>
+          </a:xfrm>
+          <a:prstGeom prst="teardrop">
+            <a:avLst/>
+          </a:prstGeom>
+          <a:noFill/>
+          <a:extLst>
+            <a:ext uri="{909E8E84-426E-40DD-AFC4-6F175D3DCCD1}">
+              <a14:hiddenFill xmlns:a14="http://schemas.microsoft.com/office/drawing/2010/main">
+                <a:solidFill>
+                  <a:srgbClr val="FFFFFF"/>
+                </a:solidFill>
+              </a14:hiddenFill>
+            </a:ext>
+          </a:extLst>
+        </p:spPr>
+      </p:pic>
+      <p:pic>
+        <p:nvPicPr>
+          <p:cNvPr id="5" name="Graphic 4" descr="Research">
+            <a:extLst>
+              <a:ext uri="{FF2B5EF4-FFF2-40B4-BE49-F238E27FC236}">
+                <a16:creationId xmlns:a16="http://schemas.microsoft.com/office/drawing/2014/main" id="{084B7D71-24E4-483B-9777-B63AC80D2A60}"/>
+              </a:ext>
+            </a:extLst>
+          </p:cNvPr>
+          <p:cNvPicPr>
+            <a:picLocks noChangeAspect="1"/>
+          </p:cNvPicPr>
+          <p:nvPr/>
+        </p:nvPicPr>
+        <p:blipFill>
+          <a:blip r:embed="rId3">
+            <a:extLst>
+              <a:ext uri="{96DAC541-7B7A-43D3-8B79-37D633B846F1}">
+                <asvg:svgBlip xmlns:asvg="http://schemas.microsoft.com/office/drawing/2016/SVG/main" r:embed="rId4"/>
+              </a:ext>
+            </a:extLst>
+          </a:blip>
+          <a:stretch>
+            <a:fillRect/>
+          </a:stretch>
+        </p:blipFill>
+        <p:spPr>
+          <a:xfrm>
+            <a:off x="353729" y="4434841"/>
+            <a:ext cx="1311442" cy="1311442"/>
+          </a:xfrm>
+          <a:prstGeom prst="rect">
+            <a:avLst/>
+          </a:prstGeom>
+        </p:spPr>
+      </p:pic>
+      <p:pic>
+        <p:nvPicPr>
+          <p:cNvPr id="7" name="Graphic 6" descr="Dollar">
+            <a:extLst>
+              <a:ext uri="{FF2B5EF4-FFF2-40B4-BE49-F238E27FC236}">
+                <a16:creationId xmlns:a16="http://schemas.microsoft.com/office/drawing/2014/main" id="{05E6812A-0243-48BB-A3DA-914487823909}"/>
+              </a:ext>
+            </a:extLst>
+          </p:cNvPr>
+          <p:cNvPicPr>
+            <a:picLocks noChangeAspect="1"/>
+          </p:cNvPicPr>
+          <p:nvPr/>
+        </p:nvPicPr>
+        <p:blipFill>
+          <a:blip r:embed="rId5">
+            <a:extLst>
+              <a:ext uri="{96DAC541-7B7A-43D3-8B79-37D633B846F1}">
+                <asvg:svgBlip xmlns:asvg="http://schemas.microsoft.com/office/drawing/2016/SVG/main" r:embed="rId6"/>
+              </a:ext>
+            </a:extLst>
+          </a:blip>
+          <a:stretch>
+            <a:fillRect/>
+          </a:stretch>
+        </p:blipFill>
+        <p:spPr>
+          <a:xfrm>
+            <a:off x="1543657" y="4434841"/>
+            <a:ext cx="1311442" cy="1311442"/>
+          </a:xfrm>
+          <a:prstGeom prst="rect">
+            <a:avLst/>
+          </a:prstGeom>
+        </p:spPr>
+      </p:pic>
+    </p:spTree>
+    <p:extLst>
+      <p:ext uri="{BB962C8B-B14F-4D97-AF65-F5344CB8AC3E}">
+        <p14:creationId xmlns:p14="http://schemas.microsoft.com/office/powerpoint/2010/main" val="3405443065"/>
+      </p:ext>
+    </p:extLst>
+  </p:cSld>
+  <p:clrMapOvr>
+    <a:masterClrMapping/>
+  </p:clrMapOvr>
+  <p:transition spd="slow">
+    <p:push dir="u"/>
+  </p:transition>
+  <p:timing>
+    <p:tnLst>
+      <p:par>
+        <p:cTn id="1" dur="indefinite" restart="never" nodeType="tmRoot">
+          <p:childTnLst>
+            <p:seq concurrent="1" nextAc="seek">
+              <p:cTn id="2" dur="indefinite" nodeType="mainSeq">
+                <p:childTnLst>
+                  <p:par>
+                    <p:cTn id="3" fill="hold">
+                      <p:stCondLst>
+                        <p:cond delay="indefinite"/>
+                      </p:stCondLst>
+                      <p:childTnLst>
+                        <p:par>
+                          <p:cTn id="4" fill="hold">
+                            <p:stCondLst>
+                              <p:cond delay="0"/>
+                            </p:stCondLst>
+                            <p:childTnLst>
+                              <p:par>
+                                <p:cTn id="5" presetID="1" presetClass="entr" presetSubtype="0" fill="hold" nodeType="clickEffect">
+                                  <p:stCondLst>
+                                    <p:cond delay="0"/>
+                                  </p:stCondLst>
+                                  <p:childTnLst>
+                                    <p:set>
+                                      <p:cBhvr>
+                                        <p:cTn id="6" dur="1" fill="hold">
+                                          <p:stCondLst>
+                                            <p:cond delay="0"/>
+                                          </p:stCondLst>
+                                        </p:cTn>
+                                        <p:tgtEl>
+                                          <p:spTgt spid="3074"/>
+                                        </p:tgtEl>
+                                        <p:attrNameLst>
+                                          <p:attrName>style.visibility</p:attrName>
+                                        </p:attrNameLst>
+                                      </p:cBhvr>
+                                      <p:to>
+                                        <p:strVal val="visible"/>
+                                      </p:to>
+                                    </p:set>
+                                  </p:childTnLst>
+                                </p:cTn>
+                              </p:par>
+                            </p:childTnLst>
+                          </p:cTn>
+                        </p:par>
+                        <p:par>
+                          <p:cTn id="7" fill="hold">
+                            <p:stCondLst>
+                              <p:cond delay="0"/>
+                            </p:stCondLst>
+                            <p:childTnLst>
+                              <p:par>
+                                <p:cTn id="8" presetID="2" presetClass="entr" presetSubtype="4" fill="hold" nodeType="afterEffect">
+                                  <p:stCondLst>
+                                    <p:cond delay="0"/>
+                                  </p:stCondLst>
+                                  <p:childTnLst>
+                                    <p:set>
+                                      <p:cBhvr>
+                                        <p:cTn id="9" dur="1" fill="hold">
+                                          <p:stCondLst>
+                                            <p:cond delay="0"/>
+                                          </p:stCondLst>
+                                        </p:cTn>
+                                        <p:tgtEl>
+                                          <p:spTgt spid="3">
+                                            <p:txEl>
+                                              <p:pRg st="0" end="0"/>
+                                            </p:txEl>
+                                          </p:spTgt>
+                                        </p:tgtEl>
+                                        <p:attrNameLst>
+                                          <p:attrName>style.visibility</p:attrName>
+                                        </p:attrNameLst>
+                                      </p:cBhvr>
+                                      <p:to>
+                                        <p:strVal val="visible"/>
+                                      </p:to>
+                                    </p:set>
+                                    <p:anim calcmode="lin" valueType="num">
+                                      <p:cBhvr additive="base">
+                                        <p:cTn id="10" dur="500" fill="hold"/>
+                                        <p:tgtEl>
+                                          <p:spTgt spid="3">
+                                            <p:txEl>
+                                              <p:pRg st="0" end="0"/>
+                                            </p:txEl>
+                                          </p:spTgt>
+                                        </p:tgtEl>
+                                        <p:attrNameLst>
+                                          <p:attrName>ppt_x</p:attrName>
+                                        </p:attrNameLst>
+                                      </p:cBhvr>
+                                      <p:tavLst>
+                                        <p:tav tm="0">
+                                          <p:val>
+                                            <p:strVal val="#ppt_x"/>
+                                          </p:val>
+                                        </p:tav>
+                                        <p:tav tm="100000">
+                                          <p:val>
+                                            <p:strVal val="#ppt_x"/>
+                                          </p:val>
+                                        </p:tav>
+                                      </p:tavLst>
+                                    </p:anim>
+                                    <p:anim calcmode="lin" valueType="num">
+                                      <p:cBhvr additive="base">
+                                        <p:cTn id="11" dur="500" fill="hold"/>
+                                        <p:tgtEl>
+                                          <p:spTgt spid="3">
+                                            <p:txEl>
+                                              <p:pRg st="0" end="0"/>
+                                            </p:txEl>
+                                          </p:spTgt>
+                                        </p:tgtEl>
+                                        <p:attrNameLst>
+                                          <p:attrName>ppt_y</p:attrName>
+                                        </p:attrNameLst>
+                                      </p:cBhvr>
+                                      <p:tavLst>
+                                        <p:tav tm="0">
+                                          <p:val>
+                                            <p:strVal val="1+#ppt_h/2"/>
+                                          </p:val>
+                                        </p:tav>
+                                        <p:tav tm="100000">
+                                          <p:val>
+                                            <p:strVal val="#ppt_y"/>
+                                          </p:val>
+                                        </p:tav>
+                                      </p:tavLst>
+                                    </p:anim>
+                                  </p:childTnLst>
+                                </p:cTn>
+                              </p:par>
+                            </p:childTnLst>
+                          </p:cTn>
+                        </p:par>
+                        <p:par>
+                          <p:cTn id="12" fill="hold">
+                            <p:stCondLst>
+                              <p:cond delay="500"/>
+                            </p:stCondLst>
+                            <p:childTnLst>
+                              <p:par>
+                                <p:cTn id="13" presetID="2" presetClass="entr" presetSubtype="4" fill="hold" nodeType="afterEffect">
+                                  <p:stCondLst>
+                                    <p:cond delay="0"/>
+                                  </p:stCondLst>
+                                  <p:childTnLst>
+                                    <p:set>
+                                      <p:cBhvr>
+                                        <p:cTn id="14" dur="1" fill="hold">
+                                          <p:stCondLst>
+                                            <p:cond delay="0"/>
+                                          </p:stCondLst>
+                                        </p:cTn>
+                                        <p:tgtEl>
+                                          <p:spTgt spid="3">
+                                            <p:txEl>
+                                              <p:pRg st="2" end="2"/>
+                                            </p:txEl>
+                                          </p:spTgt>
+                                        </p:tgtEl>
+                                        <p:attrNameLst>
+                                          <p:attrName>style.visibility</p:attrName>
+                                        </p:attrNameLst>
+                                      </p:cBhvr>
+                                      <p:to>
+                                        <p:strVal val="visible"/>
+                                      </p:to>
+                                    </p:set>
+                                    <p:anim calcmode="lin" valueType="num">
+                                      <p:cBhvr additive="base">
+                                        <p:cTn id="15" dur="500" fill="hold"/>
+                                        <p:tgtEl>
+                                          <p:spTgt spid="3">
+                                            <p:txEl>
+                                              <p:pRg st="2" end="2"/>
+                                            </p:txEl>
+                                          </p:spTgt>
+                                        </p:tgtEl>
+                                        <p:attrNameLst>
+                                          <p:attrName>ppt_x</p:attrName>
+                                        </p:attrNameLst>
+                                      </p:cBhvr>
+                                      <p:tavLst>
+                                        <p:tav tm="0">
+                                          <p:val>
+                                            <p:strVal val="#ppt_x"/>
+                                          </p:val>
+                                        </p:tav>
+                                        <p:tav tm="100000">
+                                          <p:val>
+                                            <p:strVal val="#ppt_x"/>
+                                          </p:val>
+                                        </p:tav>
+                                      </p:tavLst>
+                                    </p:anim>
+                                    <p:anim calcmode="lin" valueType="num">
+                                      <p:cBhvr additive="base">
+                                        <p:cTn id="16" dur="500" fill="hold"/>
+                                        <p:tgtEl>
+                                          <p:spTgt spid="3">
+                                            <p:txEl>
+                                              <p:pRg st="2" end="2"/>
+                                            </p:txEl>
+                                          </p:spTgt>
+                                        </p:tgtEl>
+                                        <p:attrNameLst>
+                                          <p:attrName>ppt_y</p:attrName>
+                                        </p:attrNameLst>
+                                      </p:cBhvr>
+                                      <p:tavLst>
+                                        <p:tav tm="0">
+                                          <p:val>
+                                            <p:strVal val="1+#ppt_h/2"/>
+                                          </p:val>
+                                        </p:tav>
+                                        <p:tav tm="100000">
+                                          <p:val>
+                                            <p:strVal val="#ppt_y"/>
+                                          </p:val>
+                                        </p:tav>
+                                      </p:tavLst>
+                                    </p:anim>
+                                  </p:childTnLst>
+                                </p:cTn>
+                              </p:par>
+                            </p:childTnLst>
+                          </p:cTn>
+                        </p:par>
+                      </p:childTnLst>
+                    </p:cTn>
+                  </p:par>
+                  <p:par>
+                    <p:cTn id="17" fill="hold">
+                      <p:stCondLst>
+                        <p:cond delay="indefinite"/>
+                      </p:stCondLst>
+                      <p:childTnLst>
+                        <p:par>
+                          <p:cTn id="18" fill="hold">
+                            <p:stCondLst>
+                              <p:cond delay="0"/>
+                            </p:stCondLst>
+                            <p:childTnLst>
+                              <p:par>
+                                <p:cTn id="19" presetID="1" presetClass="entr" presetSubtype="0" fill="hold" nodeType="clickEffect">
+                                  <p:stCondLst>
+                                    <p:cond delay="0"/>
+                                  </p:stCondLst>
+                                  <p:childTnLst>
+                                    <p:set>
+                                      <p:cBhvr>
+                                        <p:cTn id="20" dur="1" fill="hold">
+                                          <p:stCondLst>
+                                            <p:cond delay="0"/>
+                                          </p:stCondLst>
+                                        </p:cTn>
+                                        <p:tgtEl>
+                                          <p:spTgt spid="5"/>
+                                        </p:tgtEl>
+                                        <p:attrNameLst>
+                                          <p:attrName>style.visibility</p:attrName>
+                                        </p:attrNameLst>
+                                      </p:cBhvr>
+                                      <p:to>
+                                        <p:strVal val="visible"/>
+                                      </p:to>
+                                    </p:set>
+                                  </p:childTnLst>
+                                </p:cTn>
+                              </p:par>
+                              <p:par>
+                                <p:cTn id="21" presetID="1" presetClass="entr" presetSubtype="0" fill="hold" nodeType="withEffect">
+                                  <p:stCondLst>
+                                    <p:cond delay="0"/>
+                                  </p:stCondLst>
+                                  <p:childTnLst>
+                                    <p:set>
+                                      <p:cBhvr>
+                                        <p:cTn id="22" dur="1" fill="hold">
+                                          <p:stCondLst>
+                                            <p:cond delay="0"/>
+                                          </p:stCondLst>
+                                        </p:cTn>
+                                        <p:tgtEl>
+                                          <p:spTgt spid="7"/>
+                                        </p:tgtEl>
+                                        <p:attrNameLst>
+                                          <p:attrName>style.visibility</p:attrName>
+                                        </p:attrNameLst>
+                                      </p:cBhvr>
+                                      <p:to>
+                                        <p:strVal val="visible"/>
+                                      </p:to>
+                                    </p:set>
+                                  </p:childTnLst>
+                                </p:cTn>
+                              </p:par>
+                            </p:childTnLst>
+                          </p:cTn>
+                        </p:par>
+                        <p:par>
+                          <p:cTn id="23" fill="hold">
+                            <p:stCondLst>
+                              <p:cond delay="0"/>
+                            </p:stCondLst>
+                            <p:childTnLst>
+                              <p:par>
+                                <p:cTn id="24" presetID="2" presetClass="entr" presetSubtype="4" fill="hold" nodeType="afterEffect">
+                                  <p:stCondLst>
+                                    <p:cond delay="0"/>
+                                  </p:stCondLst>
+                                  <p:childTnLst>
+                                    <p:set>
+                                      <p:cBhvr>
+                                        <p:cTn id="25" dur="1" fill="hold">
+                                          <p:stCondLst>
+                                            <p:cond delay="0"/>
+                                          </p:stCondLst>
+                                        </p:cTn>
+                                        <p:tgtEl>
+                                          <p:spTgt spid="3">
+                                            <p:txEl>
+                                              <p:pRg st="5" end="5"/>
+                                            </p:txEl>
+                                          </p:spTgt>
+                                        </p:tgtEl>
+                                        <p:attrNameLst>
+                                          <p:attrName>style.visibility</p:attrName>
+                                        </p:attrNameLst>
+                                      </p:cBhvr>
+                                      <p:to>
+                                        <p:strVal val="visible"/>
+                                      </p:to>
+                                    </p:set>
+                                    <p:anim calcmode="lin" valueType="num">
+                                      <p:cBhvr additive="base">
+                                        <p:cTn id="26" dur="500" fill="hold"/>
+                                        <p:tgtEl>
+                                          <p:spTgt spid="3">
+                                            <p:txEl>
+                                              <p:pRg st="5" end="5"/>
+                                            </p:txEl>
+                                          </p:spTgt>
+                                        </p:tgtEl>
+                                        <p:attrNameLst>
+                                          <p:attrName>ppt_x</p:attrName>
+                                        </p:attrNameLst>
+                                      </p:cBhvr>
+                                      <p:tavLst>
+                                        <p:tav tm="0">
+                                          <p:val>
+                                            <p:strVal val="#ppt_x"/>
+                                          </p:val>
+                                        </p:tav>
+                                        <p:tav tm="100000">
+                                          <p:val>
+                                            <p:strVal val="#ppt_x"/>
+                                          </p:val>
+                                        </p:tav>
+                                      </p:tavLst>
+                                    </p:anim>
+                                    <p:anim calcmode="lin" valueType="num">
+                                      <p:cBhvr additive="base">
+                                        <p:cTn id="27" dur="500" fill="hold"/>
+                                        <p:tgtEl>
+                                          <p:spTgt spid="3">
+                                            <p:txEl>
+                                              <p:pRg st="5" end="5"/>
+                                            </p:txEl>
+                                          </p:spTgt>
+                                        </p:tgtEl>
+                                        <p:attrNameLst>
+                                          <p:attrName>ppt_y</p:attrName>
+                                        </p:attrNameLst>
+                                      </p:cBhvr>
+                                      <p:tavLst>
+                                        <p:tav tm="0">
+                                          <p:val>
+                                            <p:strVal val="1+#ppt_h/2"/>
+                                          </p:val>
+                                        </p:tav>
+                                        <p:tav tm="100000">
+                                          <p:val>
+                                            <p:strVal val="#ppt_y"/>
+                                          </p:val>
+                                        </p:tav>
+                                      </p:tavLst>
+                                    </p:anim>
+                                  </p:childTnLst>
+                                </p:cTn>
+                              </p:par>
+                            </p:childTnLst>
+                          </p:cTn>
+                        </p:par>
+                      </p:childTnLst>
+                    </p:cTn>
+                  </p:par>
+                </p:childTnLst>
+              </p:cTn>
+              <p:prevCondLst>
+                <p:cond evt="onPrev" delay="0">
+                  <p:tgtEl>
+                    <p:sldTgt/>
+                  </p:tgtEl>
+                </p:cond>
+              </p:prevCondLst>
+              <p:nextCondLst>
+                <p:cond evt="onNext" delay="0">
+                  <p:tgtEl>
+                    <p:sldTgt/>
+                  </p:tgtEl>
+                </p:cond>
+              </p:nextCondLst>
+            </p:seq>
+          </p:childTnLst>
+        </p:cTn>
+      </p:par>
+    </p:tnLst>
+  </p:timing>
+</p:sld>
+</file>
+
+<file path=ppt/slides/slide6.xml><?xml version="1.0" encoding="utf-8"?>
+<p:sld xmlns:a="http://schemas.openxmlformats.org/drawingml/2006/main" xmlns:r="http://schemas.openxmlformats.org/officeDocument/2006/relationships" xmlns:p="http://schemas.openxmlformats.org/presentationml/2006/main">
+  <p:cSld>
+    <p:spTree>
+      <p:nvGrpSpPr>
+        <p:cNvPr id="1" name=""/>
+        <p:cNvGrpSpPr/>
+        <p:nvPr/>
+      </p:nvGrpSpPr>
+      <p:grpSpPr>
+        <a:xfrm>
+          <a:off x="0" y="0"/>
+          <a:ext cx="0" cy="0"/>
+          <a:chOff x="0" y="0"/>
+          <a:chExt cx="0" cy="0"/>
+        </a:xfrm>
+      </p:grpSpPr>
+      <p:sp>
+        <p:nvSpPr>
+          <p:cNvPr id="2" name="Título 1">
+            <a:extLst>
+              <a:ext uri="{FF2B5EF4-FFF2-40B4-BE49-F238E27FC236}">
+                <a16:creationId xmlns:a16="http://schemas.microsoft.com/office/drawing/2014/main" id="{1DBB9128-C0D1-2B49-8B6F-83116D3CF601}"/>
+              </a:ext>
+            </a:extLst>
+          </p:cNvPr>
+          <p:cNvSpPr>
+            <a:spLocks noGrp="1"/>
+          </p:cNvSpPr>
+          <p:nvPr>
+            <p:ph type="title"/>
+          </p:nvPr>
+        </p:nvSpPr>
+        <p:spPr/>
+        <p:txBody>
+          <a:bodyPr/>
+          <a:lstStyle/>
+          <a:p>
+            <a:r>
+              <a:rPr lang="pt-BR" dirty="0"/>
+              <a:t>Prévia de modelos e validação de hipóteses</a:t>
+            </a:r>
+          </a:p>
+        </p:txBody>
+      </p:sp>
+      <p:sp>
+        <p:nvSpPr>
+          <p:cNvPr id="3" name="Espaço Reservado para Conteúdo 2">
+            <a:extLst>
+              <a:ext uri="{FF2B5EF4-FFF2-40B4-BE49-F238E27FC236}">
+                <a16:creationId xmlns:a16="http://schemas.microsoft.com/office/drawing/2014/main" id="{3DAD9610-3B15-4848-84F0-4B806EC24DCD}"/>
+              </a:ext>
+            </a:extLst>
+          </p:cNvPr>
+          <p:cNvSpPr>
+            <a:spLocks noGrp="1"/>
+          </p:cNvSpPr>
+          <p:nvPr>
+            <p:ph sz="half" idx="1"/>
+          </p:nvPr>
+        </p:nvSpPr>
+        <p:spPr/>
+        <p:txBody>
+          <a:bodyPr>
+            <a:normAutofit/>
+          </a:bodyPr>
+          <a:lstStyle/>
+          <a:p>
+            <a:pPr lvl="1"/>
+            <a:r>
+              <a:rPr lang="en-US" dirty="0" err="1"/>
+              <a:t>Revisão</a:t>
+            </a:r>
+            <a:r>
+              <a:rPr lang="en-US" dirty="0"/>
+              <a:t> da </a:t>
+            </a:r>
+            <a:r>
+              <a:rPr lang="en-US" dirty="0" err="1"/>
+              <a:t>previsão</a:t>
+            </a:r>
+            <a:r>
+              <a:rPr lang="en-US" dirty="0"/>
+              <a:t> de tempo de </a:t>
+            </a:r>
+            <a:r>
+              <a:rPr lang="en-US" dirty="0" err="1"/>
+              <a:t>execução</a:t>
+            </a:r>
+            <a:r>
+              <a:rPr lang="en-US" dirty="0"/>
+              <a:t> de </a:t>
+            </a:r>
+            <a:r>
+              <a:rPr lang="en-US" dirty="0" err="1"/>
+              <a:t>atividades</a:t>
+            </a:r>
+            <a:endParaRPr lang="pt-BR" dirty="0"/>
+          </a:p>
+        </p:txBody>
+      </p:sp>
+      <p:sp>
+        <p:nvSpPr>
+          <p:cNvPr id="4" name="Content Placeholder 3">
+            <a:extLst>
+              <a:ext uri="{FF2B5EF4-FFF2-40B4-BE49-F238E27FC236}">
+                <a16:creationId xmlns:a16="http://schemas.microsoft.com/office/drawing/2014/main" id="{14070D76-6216-4E04-B481-5AF697B32DAD}"/>
+              </a:ext>
+            </a:extLst>
+          </p:cNvPr>
+          <p:cNvSpPr>
+            <a:spLocks noGrp="1"/>
+          </p:cNvSpPr>
+          <p:nvPr>
+            <p:ph sz="half" idx="2"/>
+          </p:nvPr>
+        </p:nvSpPr>
+        <p:spPr/>
+        <p:txBody>
+          <a:bodyPr/>
+          <a:lstStyle/>
+          <a:p>
+            <a:endParaRPr lang="pt-BR"/>
+          </a:p>
+        </p:txBody>
+      </p:sp>
+    </p:spTree>
+    <p:extLst>
+      <p:ext uri="{BB962C8B-B14F-4D97-AF65-F5344CB8AC3E}">
+        <p14:creationId xmlns:p14="http://schemas.microsoft.com/office/powerpoint/2010/main" val="2052506767"/>
+      </p:ext>
+    </p:extLst>
+  </p:cSld>
+  <p:clrMapOvr>
+    <a:masterClrMapping/>
+  </p:clrMapOvr>
+  <p:transition spd="slow">
+    <p:push dir="u"/>
+  </p:transition>
+</p:sld>
+</file>
+
+<file path=ppt/slides/slide7.xml><?xml version="1.0" encoding="utf-8"?>
+<p:sld xmlns:a="http://schemas.openxmlformats.org/drawingml/2006/main" xmlns:r="http://schemas.openxmlformats.org/officeDocument/2006/relationships" xmlns:p="http://schemas.openxmlformats.org/presentationml/2006/main">
+  <p:cSld>
+    <p:spTree>
+      <p:nvGrpSpPr>
+        <p:cNvPr id="1" name=""/>
+        <p:cNvGrpSpPr/>
+        <p:nvPr/>
+      </p:nvGrpSpPr>
+      <p:grpSpPr>
+        <a:xfrm>
+          <a:off x="0" y="0"/>
+          <a:ext cx="0" cy="0"/>
+          <a:chOff x="0" y="0"/>
+          <a:chExt cx="0" cy="0"/>
+        </a:xfrm>
+      </p:grpSpPr>
+      <p:sp>
+        <p:nvSpPr>
+          <p:cNvPr id="2" name="Título 1">
+            <a:extLst>
+              <a:ext uri="{FF2B5EF4-FFF2-40B4-BE49-F238E27FC236}">
+                <a16:creationId xmlns:a16="http://schemas.microsoft.com/office/drawing/2014/main" id="{1DBB9128-C0D1-2B49-8B6F-83116D3CF601}"/>
+              </a:ext>
+            </a:extLst>
+          </p:cNvPr>
+          <p:cNvSpPr>
+            <a:spLocks noGrp="1"/>
+          </p:cNvSpPr>
+          <p:nvPr>
+            <p:ph type="title"/>
+          </p:nvPr>
+        </p:nvSpPr>
+        <p:spPr>
+          <a:xfrm>
+            <a:off x="2895600" y="764373"/>
+            <a:ext cx="8610600" cy="1293028"/>
+          </a:xfrm>
+        </p:spPr>
+        <p:txBody>
+          <a:bodyPr>
+            <a:normAutofit/>
+          </a:bodyPr>
+          <a:lstStyle/>
+          <a:p>
+            <a:r>
+              <a:rPr lang="pt-BR" dirty="0"/>
+              <a:t>benefícios</a:t>
+            </a:r>
+          </a:p>
+        </p:txBody>
+      </p:sp>
+      <p:sp>
+        <p:nvSpPr>
+          <p:cNvPr id="3" name="Espaço Reservado para Conteúdo 2">
+            <a:extLst>
+              <a:ext uri="{FF2B5EF4-FFF2-40B4-BE49-F238E27FC236}">
+                <a16:creationId xmlns:a16="http://schemas.microsoft.com/office/drawing/2014/main" id="{3DAD9610-3B15-4848-84F0-4B806EC24DCD}"/>
+              </a:ext>
+            </a:extLst>
+          </p:cNvPr>
+          <p:cNvSpPr>
+            <a:spLocks noGrp="1"/>
+          </p:cNvSpPr>
+          <p:nvPr>
+            <p:ph idx="1"/>
+          </p:nvPr>
+        </p:nvSpPr>
+        <p:spPr>
+          <a:xfrm>
+            <a:off x="677333" y="2194560"/>
+            <a:ext cx="5816600" cy="4024125"/>
+          </a:xfrm>
+        </p:spPr>
+        <p:txBody>
+          <a:bodyPr>
+            <a:normAutofit/>
+          </a:bodyPr>
+          <a:lstStyle/>
+          <a:p>
+            <a:pPr lvl="1"/>
+            <a:r>
+              <a:rPr lang="pt-BR" dirty="0"/>
+              <a:t>Contratos mais rentáveis e maior segurança na definição das margens de lucro;</a:t>
+            </a:r>
+          </a:p>
+          <a:p>
+            <a:pPr lvl="1"/>
+            <a:r>
+              <a:rPr lang="pt-BR" dirty="0"/>
+              <a:t>Criação de KPIs e </a:t>
+            </a:r>
+            <a:r>
+              <a:rPr lang="pt-BR" dirty="0" err="1"/>
+              <a:t>OPIs</a:t>
+            </a:r>
+            <a:r>
+              <a:rPr lang="pt-BR" dirty="0"/>
+              <a:t> relevantes e monetizáveis, levando a avaliações de desempenho mais objetivas;</a:t>
+            </a:r>
+          </a:p>
+          <a:p>
+            <a:pPr lvl="1"/>
+            <a:r>
+              <a:rPr lang="pt-BR" dirty="0"/>
+              <a:t>Reconhecimento mensurável do valor agregado ao cliente;</a:t>
+            </a:r>
+          </a:p>
+          <a:p>
+            <a:pPr lvl="1"/>
+            <a:r>
+              <a:rPr lang="pt-BR" dirty="0"/>
+              <a:t>Possibilidade de remuneração variável baseada em desempenho real;</a:t>
+            </a:r>
+          </a:p>
+          <a:p>
+            <a:pPr lvl="1"/>
+            <a:r>
+              <a:rPr lang="pt-BR" dirty="0"/>
+              <a:t>Melhor controle da jornada de trabalho e alocação da equipe.</a:t>
+            </a:r>
+          </a:p>
+          <a:p>
+            <a:pPr lvl="1"/>
+            <a:endParaRPr lang="pt-BR" dirty="0"/>
+          </a:p>
+          <a:p>
+            <a:pPr lvl="1"/>
+            <a:endParaRPr lang="pt-BR" dirty="0"/>
+          </a:p>
+          <a:p>
+            <a:pPr lvl="1"/>
+            <a:endParaRPr lang="pt-BR" dirty="0"/>
+          </a:p>
+          <a:p>
+            <a:pPr lvl="1"/>
+            <a:endParaRPr lang="pt-BR" dirty="0"/>
+          </a:p>
+          <a:p>
+            <a:pPr lvl="1"/>
+            <a:endParaRPr lang="pt-BR" dirty="0"/>
+          </a:p>
+        </p:txBody>
+      </p:sp>
+      <p:pic>
+        <p:nvPicPr>
+          <p:cNvPr id="4" name="Imagem 3">
+            <a:extLst>
+              <a:ext uri="{FF2B5EF4-FFF2-40B4-BE49-F238E27FC236}">
+                <a16:creationId xmlns:a16="http://schemas.microsoft.com/office/drawing/2014/main" id="{DCD572A7-FEAC-4067-8B90-B3443A3BF6B3}"/>
+              </a:ext>
+            </a:extLst>
+          </p:cNvPr>
+          <p:cNvPicPr>
+            <a:picLocks noChangeAspect="1"/>
+          </p:cNvPicPr>
+          <p:nvPr/>
+        </p:nvPicPr>
+        <p:blipFill rotWithShape="1">
+          <a:blip r:embed="rId2"/>
+          <a:srcRect l="13776" r="17299" b="2"/>
+          <a:stretch/>
+        </p:blipFill>
+        <p:spPr>
+          <a:xfrm>
+            <a:off x="6985000" y="2501159"/>
+            <a:ext cx="4521200" cy="3410926"/>
+          </a:xfrm>
+          <a:prstGeom prst="rect">
+            <a:avLst/>
+          </a:prstGeom>
+        </p:spPr>
+      </p:pic>
+    </p:spTree>
+    <p:extLst>
+      <p:ext uri="{BB962C8B-B14F-4D97-AF65-F5344CB8AC3E}">
+        <p14:creationId xmlns:p14="http://schemas.microsoft.com/office/powerpoint/2010/main" val="1145557234"/>
+      </p:ext>
+    </p:extLst>
+  </p:cSld>
+  <p:clrMapOvr>
+    <a:masterClrMapping/>
+  </p:clrMapOvr>
+</p:sld>
+</file>
+
+<file path=ppt/slides/slide8.xml><?xml version="1.0" encoding="utf-8"?>
+<p:sld xmlns:a="http://schemas.openxmlformats.org/drawingml/2006/main" xmlns:r="http://schemas.openxmlformats.org/officeDocument/2006/relationships" xmlns:p="http://schemas.openxmlformats.org/presentationml/2006/main">
+  <p:cSld>
+    <p:spTree>
+      <p:nvGrpSpPr>
+        <p:cNvPr id="1" name=""/>
+        <p:cNvGrpSpPr/>
+        <p:nvPr/>
+      </p:nvGrpSpPr>
+      <p:grpSpPr>
+        <a:xfrm>
+          <a:off x="0" y="0"/>
+          <a:ext cx="0" cy="0"/>
+          <a:chOff x="0" y="0"/>
+          <a:chExt cx="0" cy="0"/>
+        </a:xfrm>
+      </p:grpSpPr>
+      <p:sp>
+        <p:nvSpPr>
+          <p:cNvPr id="2" name="Título 1">
+            <a:extLst>
+              <a:ext uri="{FF2B5EF4-FFF2-40B4-BE49-F238E27FC236}">
+                <a16:creationId xmlns:a16="http://schemas.microsoft.com/office/drawing/2014/main" id="{CAED8CDF-F08B-5445-B3DA-BF1F0E307AAB}"/>
+              </a:ext>
+            </a:extLst>
+          </p:cNvPr>
+          <p:cNvSpPr>
+            <a:spLocks noGrp="1"/>
+          </p:cNvSpPr>
+          <p:nvPr>
+            <p:ph type="title"/>
+          </p:nvPr>
+        </p:nvSpPr>
+        <p:spPr/>
+        <p:txBody>
+          <a:bodyPr>
+            <a:normAutofit/>
+          </a:bodyPr>
+          <a:lstStyle/>
+          <a:p>
+            <a:r>
+              <a:rPr lang="pt-BR" dirty="0"/>
+              <a:t>REVISÃO DE DASHBOARD</a:t>
+            </a:r>
+          </a:p>
+        </p:txBody>
+      </p:sp>
+      <p:pic>
+        <p:nvPicPr>
+          <p:cNvPr id="8" name="Content Placeholder 7">
+            <a:extLst>
+              <a:ext uri="{FF2B5EF4-FFF2-40B4-BE49-F238E27FC236}">
+                <a16:creationId xmlns:a16="http://schemas.microsoft.com/office/drawing/2014/main" id="{5118013C-2879-4B08-ABD1-4057F5D78866}"/>
+              </a:ext>
+            </a:extLst>
+          </p:cNvPr>
+          <p:cNvPicPr>
+            <a:picLocks noGrp="1" noChangeAspect="1"/>
+          </p:cNvPicPr>
+          <p:nvPr>
+            <p:ph idx="1"/>
+          </p:nvPr>
+        </p:nvPicPr>
+        <p:blipFill>
+          <a:blip r:embed="rId2"/>
+          <a:stretch>
+            <a:fillRect/>
+          </a:stretch>
+        </p:blipFill>
+        <p:spPr>
+          <a:xfrm>
+            <a:off x="1429640" y="1713358"/>
+            <a:ext cx="9036974" cy="5053968"/>
+          </a:xfrm>
+          <a:prstGeom prst="rect">
+            <a:avLst/>
+          </a:prstGeom>
+        </p:spPr>
+      </p:pic>
+      <p:cxnSp>
+        <p:nvCxnSpPr>
+          <p:cNvPr id="10" name="Straight Connector 9">
+            <a:extLst>
+              <a:ext uri="{FF2B5EF4-FFF2-40B4-BE49-F238E27FC236}">
+                <a16:creationId xmlns:a16="http://schemas.microsoft.com/office/drawing/2014/main" id="{7A4C5DE9-A300-4935-9195-F9493BAF6EED}"/>
+              </a:ext>
+            </a:extLst>
+          </p:cNvPr>
+          <p:cNvCxnSpPr>
+            <a:cxnSpLocks/>
+          </p:cNvCxnSpPr>
+          <p:nvPr/>
+        </p:nvCxnSpPr>
+        <p:spPr>
+          <a:xfrm>
+            <a:off x="1750967" y="5468586"/>
+            <a:ext cx="5272872" cy="0"/>
+          </a:xfrm>
+          <a:prstGeom prst="line">
+            <a:avLst/>
+          </a:prstGeom>
+          <a:ln w="38100">
+            <a:solidFill>
+              <a:srgbClr val="00B050"/>
+            </a:solidFill>
+          </a:ln>
+        </p:spPr>
+        <p:style>
+          <a:lnRef idx="1">
+            <a:schemeClr val="accent1"/>
+          </a:lnRef>
+          <a:fillRef idx="0">
+            <a:schemeClr val="accent1"/>
+          </a:fillRef>
+          <a:effectRef idx="0">
+            <a:schemeClr val="accent1"/>
+          </a:effectRef>
+          <a:fontRef idx="minor">
+            <a:schemeClr val="tx1"/>
+          </a:fontRef>
+        </p:style>
+      </p:cxnSp>
+      <p:sp>
+        <p:nvSpPr>
+          <p:cNvPr id="11" name="TextBox 10">
+            <a:extLst>
+              <a:ext uri="{FF2B5EF4-FFF2-40B4-BE49-F238E27FC236}">
+                <a16:creationId xmlns:a16="http://schemas.microsoft.com/office/drawing/2014/main" id="{072B244C-05D2-44E9-9106-A0DB186FAC7F}"/>
+              </a:ext>
+            </a:extLst>
+          </p:cNvPr>
+          <p:cNvSpPr txBox="1"/>
+          <p:nvPr/>
+        </p:nvSpPr>
+        <p:spPr>
+          <a:xfrm>
+            <a:off x="1552846" y="6358589"/>
+            <a:ext cx="5693937" cy="415498"/>
+          </a:xfrm>
+          <a:prstGeom prst="rect">
+            <a:avLst/>
+          </a:prstGeom>
+          <a:solidFill>
+            <a:srgbClr val="7030A0"/>
+          </a:solidFill>
+        </p:spPr>
+        <p:txBody>
+          <a:bodyPr wrap="square" rtlCol="0">
+            <a:spAutoFit/>
+          </a:bodyPr>
+          <a:lstStyle/>
+          <a:p>
+            <a:r>
+              <a:rPr lang="en-US" sz="700" dirty="0"/>
+              <a:t>               </a:t>
+            </a:r>
+            <a:r>
+              <a:rPr lang="en-US" sz="700" dirty="0" err="1"/>
+              <a:t>Func</a:t>
+            </a:r>
+            <a:r>
+              <a:rPr lang="en-US" sz="700" dirty="0"/>
+              <a:t> 1                   </a:t>
+            </a:r>
+            <a:r>
+              <a:rPr lang="en-US" sz="700" dirty="0" err="1"/>
+              <a:t>Func</a:t>
+            </a:r>
+            <a:r>
+              <a:rPr lang="en-US" sz="700" dirty="0"/>
+              <a:t> 2</a:t>
+            </a:r>
+            <a:r>
+              <a:rPr lang="pt-BR" sz="700" dirty="0"/>
+              <a:t> 	    </a:t>
+            </a:r>
+            <a:r>
+              <a:rPr lang="en-US" sz="700" dirty="0" err="1"/>
+              <a:t>Func</a:t>
+            </a:r>
+            <a:r>
+              <a:rPr lang="en-US" sz="700" dirty="0"/>
+              <a:t> 3	                 </a:t>
+            </a:r>
+            <a:r>
+              <a:rPr lang="en-US" sz="700" dirty="0" err="1"/>
+              <a:t>Func</a:t>
+            </a:r>
+            <a:r>
+              <a:rPr lang="en-US" sz="700" dirty="0"/>
+              <a:t> 4                  </a:t>
+            </a:r>
+            <a:r>
+              <a:rPr lang="en-US" sz="700" dirty="0" err="1"/>
+              <a:t>Func</a:t>
+            </a:r>
+            <a:r>
+              <a:rPr lang="en-US" sz="700" dirty="0"/>
+              <a:t> 5                    </a:t>
+            </a:r>
+            <a:r>
+              <a:rPr lang="en-US" sz="700" dirty="0" err="1"/>
+              <a:t>Func</a:t>
+            </a:r>
+            <a:r>
+              <a:rPr lang="en-US" sz="700" dirty="0"/>
+              <a:t> 6 	                 </a:t>
+            </a:r>
+            <a:r>
+              <a:rPr lang="en-US" sz="700" dirty="0" err="1"/>
+              <a:t>Func</a:t>
+            </a:r>
+            <a:r>
+              <a:rPr lang="en-US" sz="700" dirty="0"/>
+              <a:t> n</a:t>
+            </a:r>
+          </a:p>
+          <a:p>
+            <a:endParaRPr lang="en-US" sz="700" dirty="0"/>
+          </a:p>
+          <a:p>
+            <a:endParaRPr lang="en-US" sz="700" dirty="0"/>
+          </a:p>
+        </p:txBody>
+      </p:sp>
+    </p:spTree>
+    <p:extLst>
+      <p:ext uri="{BB962C8B-B14F-4D97-AF65-F5344CB8AC3E}">
+        <p14:creationId xmlns:p14="http://schemas.microsoft.com/office/powerpoint/2010/main" val="3689404601"/>
+      </p:ext>
+    </p:extLst>
+  </p:cSld>
+  <p:clrMapOvr>
+    <a:masterClrMapping/>
+  </p:clrMapOvr>
+  <p:transition spd="slow">
+    <p:push dir="u"/>
+  </p:transition>
+  <p:timing>
+    <p:tnLst>
+      <p:par>
+        <p:cTn id="1" dur="indefinite" restart="never" nodeType="tmRoot">
+          <p:childTnLst>
+            <p:seq concurrent="1" nextAc="seek">
+              <p:cTn id="2" dur="indefinite" nodeType="mainSeq">
+                <p:childTnLst>
+                  <p:par>
+                    <p:cTn id="3" fill="hold">
+                      <p:stCondLst>
+                        <p:cond delay="indefinite"/>
+                      </p:stCondLst>
+                      <p:childTnLst>
+                        <p:par>
+                          <p:cTn id="4" fill="hold">
+                            <p:stCondLst>
+                              <p:cond delay="0"/>
+                            </p:stCondLst>
+                            <p:childTnLst>
+                              <p:par>
+                                <p:cTn id="5" presetID="6" presetClass="entr" presetSubtype="16" fill="hold" nodeType="clickEffect">
+                                  <p:stCondLst>
+                                    <p:cond delay="0"/>
+                                  </p:stCondLst>
+                                  <p:childTnLst>
+                                    <p:set>
+                                      <p:cBhvr>
+                                        <p:cTn id="6" dur="1" fill="hold">
+                                          <p:stCondLst>
+                                            <p:cond delay="0"/>
+                                          </p:stCondLst>
+                                        </p:cTn>
+                                        <p:tgtEl>
+                                          <p:spTgt spid="10"/>
+                                        </p:tgtEl>
+                                        <p:attrNameLst>
+                                          <p:attrName>style.visibility</p:attrName>
+                                        </p:attrNameLst>
+                                      </p:cBhvr>
+                                      <p:to>
+                                        <p:strVal val="visible"/>
+                                      </p:to>
+                                    </p:set>
+                                    <p:animEffect transition="in" filter="circle(in)">
+                                      <p:cBhvr>
+                                        <p:cTn id="7" dur="2000"/>
+                                        <p:tgtEl>
+                                          <p:spTgt spid="10"/>
+                                        </p:tgtEl>
+                                      </p:cBhvr>
+                                    </p:animEffect>
+                                  </p:childTnLst>
+                                </p:cTn>
+                              </p:par>
+                            </p:childTnLst>
+                          </p:cTn>
+                        </p:par>
+                      </p:childTnLst>
+                    </p:cTn>
+                  </p:par>
+                </p:childTnLst>
+              </p:cTn>
+              <p:prevCondLst>
+                <p:cond evt="onPrev" delay="0">
+                  <p:tgtEl>
+                    <p:sldTgt/>
+                  </p:tgtEl>
+                </p:cond>
+              </p:prevCondLst>
+              <p:nextCondLst>
+                <p:cond evt="onNext" delay="0">
+                  <p:tgtEl>
+                    <p:sldTgt/>
+                  </p:tgtEl>
+                </p:cond>
+              </p:nextCondLst>
+            </p:seq>
+          </p:childTnLst>
+        </p:cTn>
+      </p:par>
+    </p:tnLst>
+  </p:timing>
+</p:sld>
+</file>
+
+<file path=ppt/slides/slide9.xml><?xml version="1.0" encoding="utf-8"?>
+<p:sld xmlns:a="http://schemas.openxmlformats.org/drawingml/2006/main" xmlns:r="http://schemas.openxmlformats.org/officeDocument/2006/relationships" xmlns:p="http://schemas.openxmlformats.org/presentationml/2006/main">
+  <p:cSld>
+    <p:spTree>
+      <p:nvGrpSpPr>
+        <p:cNvPr id="1" name=""/>
+        <p:cNvGrpSpPr/>
+        <p:nvPr/>
+      </p:nvGrpSpPr>
+      <p:grpSpPr>
+        <a:xfrm>
+          <a:off x="0" y="0"/>
+          <a:ext cx="0" cy="0"/>
+          <a:chOff x="0" y="0"/>
+          <a:chExt cx="0" cy="0"/>
+        </a:xfrm>
+      </p:grpSpPr>
+      <p:pic>
+        <p:nvPicPr>
+          <p:cNvPr id="5" name="Content Placeholder 4">
+            <a:extLst>
+              <a:ext uri="{FF2B5EF4-FFF2-40B4-BE49-F238E27FC236}">
+                <a16:creationId xmlns:a16="http://schemas.microsoft.com/office/drawing/2014/main" id="{13F00033-C83A-4B7D-B5F9-3C831E1A094C}"/>
+              </a:ext>
+            </a:extLst>
+          </p:cNvPr>
+          <p:cNvPicPr>
+            <a:picLocks noGrp="1" noChangeAspect="1"/>
+          </p:cNvPicPr>
+          <p:nvPr>
+            <p:ph idx="1"/>
+          </p:nvPr>
+        </p:nvPicPr>
+        <p:blipFill>
+          <a:blip r:embed="rId2"/>
+          <a:stretch>
+            <a:fillRect/>
+          </a:stretch>
+        </p:blipFill>
+        <p:spPr>
+          <a:xfrm>
+            <a:off x="1566863" y="1694807"/>
+            <a:ext cx="9058274" cy="5081324"/>
+          </a:xfrm>
+          <a:prstGeom prst="rect">
+            <a:avLst/>
+          </a:prstGeom>
+        </p:spPr>
+      </p:pic>
+      <p:sp>
+        <p:nvSpPr>
+          <p:cNvPr id="2" name="Título 1">
+            <a:extLst>
+              <a:ext uri="{FF2B5EF4-FFF2-40B4-BE49-F238E27FC236}">
+                <a16:creationId xmlns:a16="http://schemas.microsoft.com/office/drawing/2014/main" id="{CAED8CDF-F08B-5445-B3DA-BF1F0E307AAB}"/>
+              </a:ext>
+            </a:extLst>
+          </p:cNvPr>
+          <p:cNvSpPr>
+            <a:spLocks noGrp="1"/>
+          </p:cNvSpPr>
+          <p:nvPr>
+            <p:ph type="title"/>
+          </p:nvPr>
+        </p:nvSpPr>
+        <p:spPr/>
+        <p:txBody>
+          <a:bodyPr>
+            <a:normAutofit/>
+          </a:bodyPr>
+          <a:lstStyle/>
+          <a:p>
+            <a:r>
+              <a:rPr lang="pt-BR" dirty="0"/>
+              <a:t>REVISÃO DE DASHBOARD</a:t>
+            </a:r>
+          </a:p>
+        </p:txBody>
+      </p:sp>
+      <p:sp>
+        <p:nvSpPr>
+          <p:cNvPr id="6" name="TextBox 5">
+            <a:extLst>
+              <a:ext uri="{FF2B5EF4-FFF2-40B4-BE49-F238E27FC236}">
+                <a16:creationId xmlns:a16="http://schemas.microsoft.com/office/drawing/2014/main" id="{9719F1D0-6DC1-4245-B12B-C301F10A0C03}"/>
+              </a:ext>
+            </a:extLst>
+          </p:cNvPr>
+          <p:cNvSpPr txBox="1"/>
+          <p:nvPr/>
+        </p:nvSpPr>
+        <p:spPr>
+          <a:xfrm>
+            <a:off x="3171825" y="4057650"/>
+            <a:ext cx="7453312" cy="230832"/>
+          </a:xfrm>
+          <a:prstGeom prst="rect">
+            <a:avLst/>
+          </a:prstGeom>
+          <a:solidFill>
+            <a:srgbClr val="660066"/>
+          </a:solidFill>
+        </p:spPr>
+        <p:txBody>
+          <a:bodyPr wrap="square" rtlCol="0">
+            <a:spAutoFit/>
+          </a:bodyPr>
+          <a:lstStyle/>
+          <a:p>
+            <a:pPr algn="ctr"/>
+            <a:r>
+              <a:rPr lang="en-US" sz="900" b="1" dirty="0" err="1"/>
+              <a:t>Ganhos</a:t>
+            </a:r>
+            <a:r>
+              <a:rPr lang="en-US" sz="900" b="1" dirty="0"/>
+              <a:t> / </a:t>
+            </a:r>
+            <a:r>
+              <a:rPr lang="en-US" sz="900" b="1" dirty="0" err="1"/>
+              <a:t>Perda</a:t>
+            </a:r>
+            <a:r>
+              <a:rPr lang="en-US" sz="900" b="1" dirty="0"/>
+              <a:t> </a:t>
+            </a:r>
+            <a:r>
+              <a:rPr lang="en-US" sz="900" b="1" dirty="0" err="1"/>
+              <a:t>evitada</a:t>
+            </a:r>
+            <a:r>
+              <a:rPr lang="en-US" sz="900" b="1" dirty="0"/>
+              <a:t> – </a:t>
+            </a:r>
+            <a:r>
+              <a:rPr lang="en-US" sz="900" b="1" dirty="0" err="1"/>
+              <a:t>Mês</a:t>
+            </a:r>
+            <a:r>
+              <a:rPr lang="en-US" sz="900" b="1" dirty="0"/>
+              <a:t> a </a:t>
+            </a:r>
+            <a:r>
+              <a:rPr lang="en-US" sz="900" b="1" dirty="0" err="1"/>
+              <a:t>Mês</a:t>
+            </a:r>
+            <a:endParaRPr lang="pt-BR" sz="900" b="1" dirty="0"/>
+          </a:p>
+        </p:txBody>
+      </p:sp>
+      <p:sp>
+        <p:nvSpPr>
+          <p:cNvPr id="12" name="TextBox 11">
+            <a:extLst>
+              <a:ext uri="{FF2B5EF4-FFF2-40B4-BE49-F238E27FC236}">
+                <a16:creationId xmlns:a16="http://schemas.microsoft.com/office/drawing/2014/main" id="{6AB05036-DF23-466D-BA64-5DDAA33326AD}"/>
+              </a:ext>
+            </a:extLst>
+          </p:cNvPr>
+          <p:cNvSpPr txBox="1"/>
+          <p:nvPr/>
+        </p:nvSpPr>
+        <p:spPr>
+          <a:xfrm>
+            <a:off x="3171825" y="5416890"/>
+            <a:ext cx="7453312" cy="230832"/>
+          </a:xfrm>
+          <a:prstGeom prst="rect">
+            <a:avLst/>
+          </a:prstGeom>
+          <a:solidFill>
+            <a:srgbClr val="660066"/>
+          </a:solidFill>
+        </p:spPr>
+        <p:txBody>
+          <a:bodyPr wrap="square" rtlCol="0">
+            <a:spAutoFit/>
+          </a:bodyPr>
+          <a:lstStyle/>
+          <a:p>
+            <a:pPr algn="ctr"/>
+            <a:r>
+              <a:rPr lang="en-US" sz="900" b="1" dirty="0" err="1"/>
+              <a:t>Ganhos</a:t>
+            </a:r>
+            <a:r>
+              <a:rPr lang="en-US" sz="900" b="1" dirty="0"/>
+              <a:t> x OS</a:t>
+            </a:r>
+            <a:endParaRPr lang="pt-BR" sz="900" b="1" dirty="0"/>
+          </a:p>
+        </p:txBody>
+      </p:sp>
+      <p:sp>
+        <p:nvSpPr>
+          <p:cNvPr id="13" name="TextBox 12">
+            <a:extLst>
+              <a:ext uri="{FF2B5EF4-FFF2-40B4-BE49-F238E27FC236}">
+                <a16:creationId xmlns:a16="http://schemas.microsoft.com/office/drawing/2014/main" id="{79CBCE35-EF17-4ED8-89FF-37C6EF72D592}"/>
+              </a:ext>
+            </a:extLst>
+          </p:cNvPr>
+          <p:cNvSpPr txBox="1"/>
+          <p:nvPr/>
+        </p:nvSpPr>
+        <p:spPr>
+          <a:xfrm>
+            <a:off x="3171825" y="2872419"/>
+            <a:ext cx="1247775" cy="230832"/>
+          </a:xfrm>
+          <a:prstGeom prst="rect">
+            <a:avLst/>
+          </a:prstGeom>
+          <a:solidFill>
+            <a:srgbClr val="660066"/>
+          </a:solidFill>
+        </p:spPr>
+        <p:txBody>
+          <a:bodyPr wrap="square" rtlCol="0">
+            <a:spAutoFit/>
+          </a:bodyPr>
+          <a:lstStyle/>
+          <a:p>
+            <a:pPr algn="ctr"/>
+            <a:r>
+              <a:rPr lang="en-US" sz="900" b="1" dirty="0" err="1"/>
+              <a:t>Perdas</a:t>
+            </a:r>
+            <a:r>
+              <a:rPr lang="en-US" sz="900" b="1" dirty="0"/>
+              <a:t> </a:t>
+            </a:r>
+            <a:r>
+              <a:rPr lang="en-US" sz="900" b="1" dirty="0" err="1"/>
+              <a:t>Evitadas</a:t>
+            </a:r>
+            <a:endParaRPr lang="pt-BR" sz="900" b="1" dirty="0"/>
+          </a:p>
+        </p:txBody>
+      </p:sp>
+      <p:sp>
+        <p:nvSpPr>
+          <p:cNvPr id="14" name="TextBox 13">
+            <a:extLst>
+              <a:ext uri="{FF2B5EF4-FFF2-40B4-BE49-F238E27FC236}">
+                <a16:creationId xmlns:a16="http://schemas.microsoft.com/office/drawing/2014/main" id="{BA6A9C76-5DB6-4BE0-A829-39AFDDDB08C5}"/>
+              </a:ext>
+            </a:extLst>
+          </p:cNvPr>
+          <p:cNvSpPr txBox="1"/>
+          <p:nvPr/>
+        </p:nvSpPr>
+        <p:spPr>
+          <a:xfrm>
+            <a:off x="4429125" y="2872419"/>
+            <a:ext cx="1314450" cy="230832"/>
+          </a:xfrm>
+          <a:prstGeom prst="rect">
+            <a:avLst/>
+          </a:prstGeom>
+          <a:solidFill>
+            <a:srgbClr val="660066"/>
+          </a:solidFill>
+        </p:spPr>
+        <p:txBody>
+          <a:bodyPr wrap="square" rtlCol="0">
+            <a:spAutoFit/>
+          </a:bodyPr>
+          <a:lstStyle/>
+          <a:p>
+            <a:pPr algn="ctr"/>
+            <a:r>
+              <a:rPr lang="en-US" sz="900" b="1" dirty="0" err="1"/>
+              <a:t>Redução</a:t>
+            </a:r>
+            <a:r>
+              <a:rPr lang="en-US" sz="900" b="1" dirty="0"/>
+              <a:t> </a:t>
+            </a:r>
+            <a:r>
+              <a:rPr lang="en-US" sz="900" b="1" dirty="0" err="1"/>
+              <a:t>Consumo</a:t>
+            </a:r>
+            <a:endParaRPr lang="pt-BR" sz="900" b="1" dirty="0"/>
+          </a:p>
+        </p:txBody>
+      </p:sp>
+      <p:sp>
+        <p:nvSpPr>
+          <p:cNvPr id="15" name="TextBox 14">
+            <a:extLst>
+              <a:ext uri="{FF2B5EF4-FFF2-40B4-BE49-F238E27FC236}">
+                <a16:creationId xmlns:a16="http://schemas.microsoft.com/office/drawing/2014/main" id="{E4358237-E76D-4122-B716-CC317E0B76BA}"/>
+              </a:ext>
+            </a:extLst>
+          </p:cNvPr>
+          <p:cNvSpPr txBox="1"/>
+          <p:nvPr/>
+        </p:nvSpPr>
+        <p:spPr>
+          <a:xfrm>
+            <a:off x="5743575" y="2872418"/>
+            <a:ext cx="2533650" cy="1185232"/>
+          </a:xfrm>
+          <a:prstGeom prst="rect">
+            <a:avLst/>
+          </a:prstGeom>
+          <a:solidFill>
+            <a:srgbClr val="660066"/>
+          </a:solidFill>
+        </p:spPr>
+        <p:txBody>
+          <a:bodyPr wrap="none" rtlCol="0">
+            <a:noAutofit/>
+          </a:bodyPr>
+          <a:lstStyle/>
+          <a:p>
+            <a:pPr algn="ctr"/>
+            <a:r>
+              <a:rPr lang="en-US" sz="1400" b="1" dirty="0"/>
+              <a:t>$ </a:t>
+            </a:r>
+            <a:r>
+              <a:rPr lang="en-US" sz="1400" b="1" dirty="0" err="1"/>
+              <a:t>Perdas</a:t>
+            </a:r>
+            <a:r>
+              <a:rPr lang="en-US" sz="1400" b="1" dirty="0"/>
+              <a:t> </a:t>
+            </a:r>
+            <a:r>
+              <a:rPr lang="en-US" sz="1400" b="1" dirty="0" err="1"/>
+              <a:t>Evitadas</a:t>
+            </a:r>
+            <a:endParaRPr lang="en-US" sz="1400" b="1" dirty="0"/>
+          </a:p>
+          <a:p>
+            <a:pPr algn="ctr"/>
+            <a:endParaRPr lang="en-US" sz="900" b="1" dirty="0"/>
+          </a:p>
+          <a:p>
+            <a:pPr algn="ctr"/>
+            <a:endParaRPr lang="en-US" sz="900" b="1" dirty="0"/>
+          </a:p>
+          <a:p>
+            <a:pPr algn="ctr"/>
+            <a:endParaRPr lang="en-US" sz="900" b="1" dirty="0"/>
+          </a:p>
+          <a:p>
+            <a:pPr algn="ctr"/>
+            <a:r>
+              <a:rPr lang="en-US" sz="3300" b="1" dirty="0"/>
+              <a:t>154 </a:t>
+            </a:r>
+            <a:r>
+              <a:rPr lang="en-US" sz="3300" b="1" dirty="0" err="1"/>
+              <a:t>kBRL</a:t>
+            </a:r>
+            <a:endParaRPr lang="pt-BR" sz="3300" b="1" dirty="0"/>
+          </a:p>
+        </p:txBody>
+      </p:sp>
+      <p:sp>
+        <p:nvSpPr>
+          <p:cNvPr id="16" name="TextBox 15">
+            <a:extLst>
+              <a:ext uri="{FF2B5EF4-FFF2-40B4-BE49-F238E27FC236}">
+                <a16:creationId xmlns:a16="http://schemas.microsoft.com/office/drawing/2014/main" id="{7BAC7278-A454-43E2-8CF0-089E43CA775C}"/>
+              </a:ext>
+            </a:extLst>
+          </p:cNvPr>
+          <p:cNvSpPr txBox="1"/>
+          <p:nvPr/>
+        </p:nvSpPr>
+        <p:spPr>
+          <a:xfrm>
+            <a:off x="8277225" y="2872418"/>
+            <a:ext cx="2347912" cy="1185232"/>
+          </a:xfrm>
+          <a:prstGeom prst="rect">
+            <a:avLst/>
+          </a:prstGeom>
+          <a:solidFill>
+            <a:srgbClr val="660066"/>
+          </a:solidFill>
+        </p:spPr>
+        <p:txBody>
+          <a:bodyPr wrap="none" rtlCol="0">
+            <a:noAutofit/>
+          </a:bodyPr>
+          <a:lstStyle/>
+          <a:p>
+            <a:pPr algn="ctr"/>
+            <a:r>
+              <a:rPr lang="en-US" sz="1400" b="1" dirty="0"/>
+              <a:t>$ </a:t>
+            </a:r>
+            <a:r>
+              <a:rPr lang="en-US" sz="1400" b="1" dirty="0" err="1"/>
+              <a:t>Ganhos</a:t>
+            </a:r>
+            <a:r>
+              <a:rPr lang="en-US" sz="1400" b="1" dirty="0"/>
+              <a:t> </a:t>
+            </a:r>
+            <a:r>
+              <a:rPr lang="en-US" sz="1400" b="1" dirty="0" err="1"/>
+              <a:t>Operacionais</a:t>
+            </a:r>
+            <a:endParaRPr lang="en-US" sz="1400" b="1" dirty="0"/>
+          </a:p>
+          <a:p>
+            <a:pPr algn="ctr"/>
+            <a:endParaRPr lang="en-US" sz="900" b="1" dirty="0"/>
+          </a:p>
+          <a:p>
+            <a:pPr algn="ctr"/>
+            <a:endParaRPr lang="en-US" sz="900" b="1" dirty="0"/>
+          </a:p>
+          <a:p>
+            <a:pPr algn="ctr"/>
+            <a:endParaRPr lang="en-US" sz="900" b="1" dirty="0"/>
+          </a:p>
+          <a:p>
+            <a:pPr algn="ctr"/>
+            <a:r>
+              <a:rPr lang="en-US" sz="3300" b="1" dirty="0"/>
+              <a:t>45 </a:t>
+            </a:r>
+            <a:r>
+              <a:rPr lang="en-US" sz="3300" b="1" dirty="0" err="1"/>
+              <a:t>kBRL</a:t>
+            </a:r>
+            <a:endParaRPr lang="pt-BR" sz="3300" b="1" dirty="0"/>
+          </a:p>
+        </p:txBody>
+      </p:sp>
+      <p:sp>
+        <p:nvSpPr>
+          <p:cNvPr id="17" name="TextBox 16">
+            <a:extLst>
+              <a:ext uri="{FF2B5EF4-FFF2-40B4-BE49-F238E27FC236}">
+                <a16:creationId xmlns:a16="http://schemas.microsoft.com/office/drawing/2014/main" id="{A43BB68F-CF54-411C-8065-AC52F6B321EB}"/>
+              </a:ext>
+            </a:extLst>
+          </p:cNvPr>
+          <p:cNvSpPr txBox="1"/>
+          <p:nvPr/>
+        </p:nvSpPr>
+        <p:spPr>
+          <a:xfrm>
+            <a:off x="2859881" y="1794242"/>
+            <a:ext cx="3236119" cy="389590"/>
+          </a:xfrm>
+          <a:prstGeom prst="rect">
+            <a:avLst/>
+          </a:prstGeom>
+          <a:solidFill>
+            <a:srgbClr val="660066"/>
+          </a:solidFill>
+        </p:spPr>
+        <p:txBody>
+          <a:bodyPr wrap="none" rtlCol="0">
+            <a:noAutofit/>
+          </a:bodyPr>
+          <a:lstStyle/>
+          <a:p>
+            <a:pPr algn="ctr"/>
+            <a:r>
+              <a:rPr lang="en-US" b="1" dirty="0"/>
+              <a:t>Performance do </a:t>
+            </a:r>
+            <a:r>
+              <a:rPr lang="en-US" b="1" dirty="0" err="1"/>
+              <a:t>Contrato</a:t>
+            </a:r>
+            <a:endParaRPr lang="pt-BR" b="1" dirty="0"/>
+          </a:p>
+        </p:txBody>
+      </p:sp>
+      <p:sp>
+        <p:nvSpPr>
+          <p:cNvPr id="7" name="Rectangle 6">
+            <a:extLst>
+              <a:ext uri="{FF2B5EF4-FFF2-40B4-BE49-F238E27FC236}">
+                <a16:creationId xmlns:a16="http://schemas.microsoft.com/office/drawing/2014/main" id="{AC1A2EDB-1E24-4C9C-B23C-B57EDBC6B601}"/>
+              </a:ext>
+            </a:extLst>
+          </p:cNvPr>
+          <p:cNvSpPr/>
+          <p:nvPr/>
+        </p:nvSpPr>
+        <p:spPr>
+          <a:xfrm>
+            <a:off x="5779293" y="2794957"/>
+            <a:ext cx="4845843" cy="1573480"/>
+          </a:xfrm>
+          <a:prstGeom prst="rect">
+            <a:avLst/>
+          </a:prstGeom>
+          <a:noFill/>
+          <a:ln w="38100">
+            <a:solidFill>
+              <a:srgbClr val="00B050"/>
+            </a:solidFill>
+          </a:ln>
+        </p:spPr>
+        <p:style>
+          <a:lnRef idx="2">
+            <a:schemeClr val="accent1">
+              <a:shade val="50000"/>
+            </a:schemeClr>
+          </a:lnRef>
+          <a:fillRef idx="1">
+            <a:schemeClr val="accent1"/>
+          </a:fillRef>
+          <a:effectRef idx="0">
+            <a:schemeClr val="accent1"/>
+          </a:effectRef>
+          <a:fontRef idx="minor">
+            <a:schemeClr val="lt1"/>
+          </a:fontRef>
+        </p:style>
+        <p:txBody>
+          <a:bodyPr rtlCol="0" anchor="ctr"/>
+          <a:lstStyle/>
+          <a:p>
+            <a:pPr algn="ctr"/>
+            <a:endParaRPr lang="pt-BR"/>
+          </a:p>
+        </p:txBody>
+      </p:sp>
+      <p:sp>
+        <p:nvSpPr>
+          <p:cNvPr id="19" name="Rectangle 18">
+            <a:extLst>
+              <a:ext uri="{FF2B5EF4-FFF2-40B4-BE49-F238E27FC236}">
+                <a16:creationId xmlns:a16="http://schemas.microsoft.com/office/drawing/2014/main" id="{A9E165DA-B748-4EBB-9A6B-AF521A5134B1}"/>
+              </a:ext>
+            </a:extLst>
+          </p:cNvPr>
+          <p:cNvSpPr/>
+          <p:nvPr/>
+        </p:nvSpPr>
+        <p:spPr>
+          <a:xfrm>
+            <a:off x="3010364" y="1665491"/>
+            <a:ext cx="3121356" cy="614564"/>
+          </a:xfrm>
+          <a:prstGeom prst="rect">
+            <a:avLst/>
+          </a:prstGeom>
+          <a:noFill/>
+          <a:ln w="38100">
+            <a:solidFill>
+              <a:srgbClr val="00B050"/>
+            </a:solidFill>
+          </a:ln>
+        </p:spPr>
+        <p:style>
+          <a:lnRef idx="2">
+            <a:schemeClr val="accent1">
+              <a:shade val="50000"/>
+            </a:schemeClr>
+          </a:lnRef>
+          <a:fillRef idx="1">
+            <a:schemeClr val="accent1"/>
+          </a:fillRef>
+          <a:effectRef idx="0">
+            <a:schemeClr val="accent1"/>
+          </a:effectRef>
+          <a:fontRef idx="minor">
+            <a:schemeClr val="lt1"/>
+          </a:fontRef>
+        </p:style>
+        <p:txBody>
+          <a:bodyPr rtlCol="0" anchor="ctr"/>
+          <a:lstStyle/>
+          <a:p>
+            <a:pPr algn="ctr"/>
+            <a:endParaRPr lang="pt-BR"/>
+          </a:p>
+        </p:txBody>
+      </p:sp>
+      <p:sp>
+        <p:nvSpPr>
+          <p:cNvPr id="20" name="Rectangle 19">
+            <a:extLst>
+              <a:ext uri="{FF2B5EF4-FFF2-40B4-BE49-F238E27FC236}">
+                <a16:creationId xmlns:a16="http://schemas.microsoft.com/office/drawing/2014/main" id="{63DCAF97-AB15-4D3E-80C2-EBAF2C0DD554}"/>
+              </a:ext>
+            </a:extLst>
+          </p:cNvPr>
+          <p:cNvSpPr/>
+          <p:nvPr/>
+        </p:nvSpPr>
+        <p:spPr>
+          <a:xfrm>
+            <a:off x="3049654" y="2802009"/>
+            <a:ext cx="2729639" cy="1566427"/>
+          </a:xfrm>
+          <a:prstGeom prst="rect">
+            <a:avLst/>
+          </a:prstGeom>
+          <a:noFill/>
+          <a:ln w="38100">
+            <a:solidFill>
+              <a:srgbClr val="00B050"/>
+            </a:solidFill>
+          </a:ln>
+        </p:spPr>
+        <p:style>
+          <a:lnRef idx="2">
+            <a:schemeClr val="accent1">
+              <a:shade val="50000"/>
+            </a:schemeClr>
+          </a:lnRef>
+          <a:fillRef idx="1">
+            <a:schemeClr val="accent1"/>
+          </a:fillRef>
+          <a:effectRef idx="0">
+            <a:schemeClr val="accent1"/>
+          </a:effectRef>
+          <a:fontRef idx="minor">
+            <a:schemeClr val="lt1"/>
+          </a:fontRef>
+        </p:style>
+        <p:txBody>
+          <a:bodyPr rtlCol="0" anchor="ctr"/>
+          <a:lstStyle/>
+          <a:p>
+            <a:pPr algn="ctr"/>
+            <a:endParaRPr lang="pt-BR"/>
+          </a:p>
+        </p:txBody>
+      </p:sp>
+      <p:sp>
+        <p:nvSpPr>
+          <p:cNvPr id="21" name="Rectangle 20">
+            <a:extLst>
+              <a:ext uri="{FF2B5EF4-FFF2-40B4-BE49-F238E27FC236}">
+                <a16:creationId xmlns:a16="http://schemas.microsoft.com/office/drawing/2014/main" id="{096939F9-A1A8-477C-B330-08FC1FB33B8A}"/>
+              </a:ext>
+            </a:extLst>
+          </p:cNvPr>
+          <p:cNvSpPr/>
+          <p:nvPr/>
+        </p:nvSpPr>
+        <p:spPr>
+          <a:xfrm>
+            <a:off x="3171825" y="5416889"/>
+            <a:ext cx="7453311" cy="1279285"/>
+          </a:xfrm>
+          <a:prstGeom prst="rect">
+            <a:avLst/>
+          </a:prstGeom>
+          <a:noFill/>
+          <a:ln w="38100">
+            <a:solidFill>
+              <a:srgbClr val="00B050"/>
+            </a:solidFill>
+          </a:ln>
+        </p:spPr>
+        <p:style>
+          <a:lnRef idx="2">
+            <a:schemeClr val="accent1">
+              <a:shade val="50000"/>
+            </a:schemeClr>
+          </a:lnRef>
+          <a:fillRef idx="1">
+            <a:schemeClr val="accent1"/>
+          </a:fillRef>
+          <a:effectRef idx="0">
+            <a:schemeClr val="accent1"/>
+          </a:effectRef>
+          <a:fontRef idx="minor">
+            <a:schemeClr val="lt1"/>
+          </a:fontRef>
+        </p:style>
+        <p:txBody>
+          <a:bodyPr rtlCol="0" anchor="ctr"/>
+          <a:lstStyle/>
+          <a:p>
+            <a:pPr algn="ctr"/>
+            <a:endParaRPr lang="pt-BR"/>
+          </a:p>
+        </p:txBody>
+      </p:sp>
+    </p:spTree>
+    <p:extLst>
+      <p:ext uri="{BB962C8B-B14F-4D97-AF65-F5344CB8AC3E}">
+        <p14:creationId xmlns:p14="http://schemas.microsoft.com/office/powerpoint/2010/main" val="4081534313"/>
+      </p:ext>
+    </p:extLst>
+  </p:cSld>
+  <p:clrMapOvr>
+    <a:masterClrMapping/>
+  </p:clrMapOvr>
+  <p:transition spd="slow">
+    <p:push dir="u"/>
+  </p:transition>
+  <p:timing>
+    <p:tnLst>
+      <p:par>
+        <p:cTn id="1" dur="indefinite" restart="never" nodeType="tmRoot">
+          <p:childTnLst>
+            <p:seq concurrent="1" nextAc="seek">
+              <p:cTn id="2" dur="indefinite" nodeType="mainSeq">
+                <p:childTnLst>
+                  <p:par>
+                    <p:cTn id="3" fill="hold">
+                      <p:stCondLst>
+                        <p:cond delay="indefinite"/>
+                      </p:stCondLst>
+                      <p:childTnLst>
+                        <p:par>
+                          <p:cTn id="4" fill="hold">
+                            <p:stCondLst>
+                              <p:cond delay="0"/>
+                            </p:stCondLst>
+                            <p:childTnLst>
+                              <p:par>
+                                <p:cTn id="5" presetID="53" presetClass="entr" presetSubtype="16" fill="hold" grpId="0" nodeType="clickEffect">
+                                  <p:stCondLst>
+                                    <p:cond delay="0"/>
+                                  </p:stCondLst>
+                                  <p:childTnLst>
+                                    <p:set>
+                                      <p:cBhvr>
+                                        <p:cTn id="6" dur="1" fill="hold">
+                                          <p:stCondLst>
+                                            <p:cond delay="0"/>
+                                          </p:stCondLst>
+                                        </p:cTn>
+                                        <p:tgtEl>
+                                          <p:spTgt spid="7"/>
+                                        </p:tgtEl>
+                                        <p:attrNameLst>
+                                          <p:attrName>style.visibility</p:attrName>
+                                        </p:attrNameLst>
+                                      </p:cBhvr>
+                                      <p:to>
+                                        <p:strVal val="visible"/>
+                                      </p:to>
+                                    </p:set>
+                                    <p:anim calcmode="lin" valueType="num">
+                                      <p:cBhvr>
+                                        <p:cTn id="7" dur="500" fill="hold"/>
+                                        <p:tgtEl>
+                                          <p:spTgt spid="7"/>
+                                        </p:tgtEl>
+                                        <p:attrNameLst>
+                                          <p:attrName>ppt_w</p:attrName>
+                                        </p:attrNameLst>
+                                      </p:cBhvr>
+                                      <p:tavLst>
+                                        <p:tav tm="0">
+                                          <p:val>
+                                            <p:fltVal val="0"/>
+                                          </p:val>
+                                        </p:tav>
+                                        <p:tav tm="100000">
+                                          <p:val>
+                                            <p:strVal val="#ppt_w"/>
+                                          </p:val>
+                                        </p:tav>
+                                      </p:tavLst>
+                                    </p:anim>
+                                    <p:anim calcmode="lin" valueType="num">
+                                      <p:cBhvr>
+                                        <p:cTn id="8" dur="500" fill="hold"/>
+                                        <p:tgtEl>
+                                          <p:spTgt spid="7"/>
+                                        </p:tgtEl>
+                                        <p:attrNameLst>
+                                          <p:attrName>ppt_h</p:attrName>
+                                        </p:attrNameLst>
+                                      </p:cBhvr>
+                                      <p:tavLst>
+                                        <p:tav tm="0">
+                                          <p:val>
+                                            <p:fltVal val="0"/>
+                                          </p:val>
+                                        </p:tav>
+                                        <p:tav tm="100000">
+                                          <p:val>
+                                            <p:strVal val="#ppt_h"/>
+                                          </p:val>
+                                        </p:tav>
+                                      </p:tavLst>
+                                    </p:anim>
+                                    <p:animEffect transition="in" filter="fade">
+                                      <p:cBhvr>
+                                        <p:cTn id="9" dur="500"/>
+                                        <p:tgtEl>
+                                          <p:spTgt spid="7"/>
+                                        </p:tgtEl>
+                                      </p:cBhvr>
+                                    </p:animEffect>
+                                  </p:childTnLst>
+                                </p:cTn>
+                              </p:par>
+                              <p:par>
+                                <p:cTn id="10" presetID="53" presetClass="entr" presetSubtype="16" fill="hold" grpId="0" nodeType="withEffect">
+                                  <p:stCondLst>
+                                    <p:cond delay="0"/>
+                                  </p:stCondLst>
+                                  <p:childTnLst>
+                                    <p:set>
+                                      <p:cBhvr>
+                                        <p:cTn id="11" dur="1" fill="hold">
+                                          <p:stCondLst>
+                                            <p:cond delay="0"/>
+                                          </p:stCondLst>
+                                        </p:cTn>
+                                        <p:tgtEl>
+                                          <p:spTgt spid="20"/>
+                                        </p:tgtEl>
+                                        <p:attrNameLst>
+                                          <p:attrName>style.visibility</p:attrName>
+                                        </p:attrNameLst>
+                                      </p:cBhvr>
+                                      <p:to>
+                                        <p:strVal val="visible"/>
+                                      </p:to>
+                                    </p:set>
+                                    <p:anim calcmode="lin" valueType="num">
+                                      <p:cBhvr>
+                                        <p:cTn id="12" dur="500" fill="hold"/>
+                                        <p:tgtEl>
+                                          <p:spTgt spid="20"/>
+                                        </p:tgtEl>
+                                        <p:attrNameLst>
+                                          <p:attrName>ppt_w</p:attrName>
+                                        </p:attrNameLst>
+                                      </p:cBhvr>
+                                      <p:tavLst>
+                                        <p:tav tm="0">
+                                          <p:val>
+                                            <p:fltVal val="0"/>
+                                          </p:val>
+                                        </p:tav>
+                                        <p:tav tm="100000">
+                                          <p:val>
+                                            <p:strVal val="#ppt_w"/>
+                                          </p:val>
+                                        </p:tav>
+                                      </p:tavLst>
+                                    </p:anim>
+                                    <p:anim calcmode="lin" valueType="num">
+                                      <p:cBhvr>
+                                        <p:cTn id="13" dur="500" fill="hold"/>
+                                        <p:tgtEl>
+                                          <p:spTgt spid="20"/>
+                                        </p:tgtEl>
+                                        <p:attrNameLst>
+                                          <p:attrName>ppt_h</p:attrName>
+                                        </p:attrNameLst>
+                                      </p:cBhvr>
+                                      <p:tavLst>
+                                        <p:tav tm="0">
+                                          <p:val>
+                                            <p:fltVal val="0"/>
+                                          </p:val>
+                                        </p:tav>
+                                        <p:tav tm="100000">
+                                          <p:val>
+                                            <p:strVal val="#ppt_h"/>
+                                          </p:val>
+                                        </p:tav>
+                                      </p:tavLst>
+                                    </p:anim>
+                                    <p:animEffect transition="in" filter="fade">
+                                      <p:cBhvr>
+                                        <p:cTn id="14" dur="500"/>
+                                        <p:tgtEl>
+                                          <p:spTgt spid="20"/>
+                                        </p:tgtEl>
+                                      </p:cBhvr>
+                                    </p:animEffect>
+                                  </p:childTnLst>
+                                </p:cTn>
+                              </p:par>
+                              <p:par>
+                                <p:cTn id="15" presetID="53" presetClass="entr" presetSubtype="16" fill="hold" grpId="0" nodeType="withEffect">
+                                  <p:stCondLst>
+                                    <p:cond delay="0"/>
+                                  </p:stCondLst>
+                                  <p:childTnLst>
+                                    <p:set>
+                                      <p:cBhvr>
+                                        <p:cTn id="16" dur="1" fill="hold">
+                                          <p:stCondLst>
+                                            <p:cond delay="0"/>
+                                          </p:stCondLst>
+                                        </p:cTn>
+                                        <p:tgtEl>
+                                          <p:spTgt spid="19"/>
+                                        </p:tgtEl>
+                                        <p:attrNameLst>
+                                          <p:attrName>style.visibility</p:attrName>
+                                        </p:attrNameLst>
+                                      </p:cBhvr>
+                                      <p:to>
+                                        <p:strVal val="visible"/>
+                                      </p:to>
+                                    </p:set>
+                                    <p:anim calcmode="lin" valueType="num">
+                                      <p:cBhvr>
+                                        <p:cTn id="17" dur="500" fill="hold"/>
+                                        <p:tgtEl>
+                                          <p:spTgt spid="19"/>
+                                        </p:tgtEl>
+                                        <p:attrNameLst>
+                                          <p:attrName>ppt_w</p:attrName>
+                                        </p:attrNameLst>
+                                      </p:cBhvr>
+                                      <p:tavLst>
+                                        <p:tav tm="0">
+                                          <p:val>
+                                            <p:fltVal val="0"/>
+                                          </p:val>
+                                        </p:tav>
+                                        <p:tav tm="100000">
+                                          <p:val>
+                                            <p:strVal val="#ppt_w"/>
+                                          </p:val>
+                                        </p:tav>
+                                      </p:tavLst>
+                                    </p:anim>
+                                    <p:anim calcmode="lin" valueType="num">
+                                      <p:cBhvr>
+                                        <p:cTn id="18" dur="500" fill="hold"/>
+                                        <p:tgtEl>
+                                          <p:spTgt spid="19"/>
+                                        </p:tgtEl>
+                                        <p:attrNameLst>
+                                          <p:attrName>ppt_h</p:attrName>
+                                        </p:attrNameLst>
+                                      </p:cBhvr>
+                                      <p:tavLst>
+                                        <p:tav tm="0">
+                                          <p:val>
+                                            <p:fltVal val="0"/>
+                                          </p:val>
+                                        </p:tav>
+                                        <p:tav tm="100000">
+                                          <p:val>
+                                            <p:strVal val="#ppt_h"/>
+                                          </p:val>
+                                        </p:tav>
+                                      </p:tavLst>
+                                    </p:anim>
+                                    <p:animEffect transition="in" filter="fade">
+                                      <p:cBhvr>
+                                        <p:cTn id="19" dur="500"/>
+                                        <p:tgtEl>
+                                          <p:spTgt spid="19"/>
+                                        </p:tgtEl>
+                                      </p:cBhvr>
+                                    </p:animEffect>
+                                  </p:childTnLst>
+                                </p:cTn>
+                              </p:par>
+                              <p:par>
+                                <p:cTn id="20" presetID="53" presetClass="entr" presetSubtype="16" fill="hold" grpId="0" nodeType="withEffect">
+                                  <p:stCondLst>
+                                    <p:cond delay="0"/>
+                                  </p:stCondLst>
+                                  <p:childTnLst>
+                                    <p:set>
+                                      <p:cBhvr>
+                                        <p:cTn id="21" dur="1" fill="hold">
+                                          <p:stCondLst>
+                                            <p:cond delay="0"/>
+                                          </p:stCondLst>
+                                        </p:cTn>
+                                        <p:tgtEl>
+                                          <p:spTgt spid="21"/>
+                                        </p:tgtEl>
+                                        <p:attrNameLst>
+                                          <p:attrName>style.visibility</p:attrName>
+                                        </p:attrNameLst>
+                                      </p:cBhvr>
+                                      <p:to>
+                                        <p:strVal val="visible"/>
+                                      </p:to>
+                                    </p:set>
+                                    <p:anim calcmode="lin" valueType="num">
+                                      <p:cBhvr>
+                                        <p:cTn id="22" dur="500" fill="hold"/>
+                                        <p:tgtEl>
+                                          <p:spTgt spid="21"/>
+                                        </p:tgtEl>
+                                        <p:attrNameLst>
+                                          <p:attrName>ppt_w</p:attrName>
+                                        </p:attrNameLst>
+                                      </p:cBhvr>
+                                      <p:tavLst>
+                                        <p:tav tm="0">
+                                          <p:val>
+                                            <p:fltVal val="0"/>
+                                          </p:val>
+                                        </p:tav>
+                                        <p:tav tm="100000">
+                                          <p:val>
+                                            <p:strVal val="#ppt_w"/>
+                                          </p:val>
+                                        </p:tav>
+                                      </p:tavLst>
+                                    </p:anim>
+                                    <p:anim calcmode="lin" valueType="num">
+                                      <p:cBhvr>
+                                        <p:cTn id="23" dur="500" fill="hold"/>
+                                        <p:tgtEl>
+                                          <p:spTgt spid="21"/>
+                                        </p:tgtEl>
+                                        <p:attrNameLst>
+                                          <p:attrName>ppt_h</p:attrName>
+                                        </p:attrNameLst>
+                                      </p:cBhvr>
+                                      <p:tavLst>
+                                        <p:tav tm="0">
+                                          <p:val>
+                                            <p:fltVal val="0"/>
+                                          </p:val>
+                                        </p:tav>
+                                        <p:tav tm="100000">
+                                          <p:val>
+                                            <p:strVal val="#ppt_h"/>
+                                          </p:val>
+                                        </p:tav>
+                                      </p:tavLst>
+                                    </p:anim>
+                                    <p:animEffect transition="in" filter="fade">
+                                      <p:cBhvr>
+                                        <p:cTn id="24" dur="500"/>
+                                        <p:tgtEl>
+                                          <p:spTgt spid="21"/>
+                                        </p:tgtEl>
+                                      </p:cBhvr>
+                                    </p:animEffect>
+                                  </p:childTnLst>
+                                </p:cTn>
+                              </p:par>
+                            </p:childTnLst>
+                          </p:cTn>
+                        </p:par>
+                      </p:childTnLst>
+                    </p:cTn>
+                  </p:par>
+                </p:childTnLst>
+              </p:cTn>
+              <p:prevCondLst>
+                <p:cond evt="onPrev" delay="0">
+                  <p:tgtEl>
+                    <p:sldTgt/>
+                  </p:tgtEl>
+                </p:cond>
+              </p:prevCondLst>
+              <p:nextCondLst>
+                <p:cond evt="onNext" delay="0">
+                  <p:tgtEl>
+                    <p:sldTgt/>
+                  </p:tgtEl>
+                </p:cond>
+              </p:nextCondLst>
+            </p:seq>
+          </p:childTnLst>
+        </p:cTn>
+      </p:par>
+    </p:tnLst>
+    <p:bldLst>
+      <p:bldP spid="7" grpId="0" animBg="1"/>
+      <p:bldP spid="19" grpId="0" animBg="1"/>
+      <p:bldP spid="20" grpId="0" animBg="1"/>
+      <p:bldP spid="21" grpId="0" animBg="1"/>
+    </p:bldLst>
+  </p:timing>
+</p:sld>
+</file>
+
 <file path=ppt/theme/theme1.xml><?xml version="1.0" encoding="utf-8"?>
 <a:theme xmlns:a="http://schemas.openxmlformats.org/drawingml/2006/main" name="Trilha de Vapor">
   <a:themeElements>

--- a/pitch/Bootcamp_Pitch_Vivante_FJMT_R-0.pptx
+++ b/pitch/Bootcamp_Pitch_Vivante_FJMT_R-0.pptx
@@ -11098,6 +11098,14 @@
 <file path=ppt/slides/slide6.xml><?xml version="1.0" encoding="utf-8"?>
 <p:sld xmlns:a="http://schemas.openxmlformats.org/drawingml/2006/main" xmlns:r="http://schemas.openxmlformats.org/officeDocument/2006/relationships" xmlns:p="http://schemas.openxmlformats.org/presentationml/2006/main">
   <p:cSld>
+    <p:bg>
+      <p:bgPr>
+        <a:solidFill>
+          <a:schemeClr val="bg1"/>
+        </a:solidFill>
+        <a:effectLst/>
+      </p:bgPr>
+    </p:bg>
     <p:spTree>
       <p:nvGrpSpPr>
         <p:cNvPr id="1" name=""/>
@@ -11112,6 +11120,96 @@
           <a:chExt cx="0" cy="0"/>
         </a:xfrm>
       </p:grpSpPr>
+      <p:pic>
+        <p:nvPicPr>
+          <p:cNvPr id="10" name="Picture 9">
+            <a:extLst>
+              <a:ext uri="{FF2B5EF4-FFF2-40B4-BE49-F238E27FC236}">
+                <a16:creationId xmlns:a16="http://schemas.microsoft.com/office/drawing/2014/main" id="{BDFADFB3-3D44-49A8-AE3B-A87C61607F7E}"/>
+              </a:ext>
+              <a:ext uri="{C183D7F6-B498-43B3-948B-1728B52AA6E4}">
+                <adec:decorative xmlns:adec="http://schemas.microsoft.com/office/drawing/2017/decorative" val="1"/>
+              </a:ext>
+            </a:extLst>
+          </p:cNvPr>
+          <p:cNvPicPr>
+            <a:picLocks noGrp="1" noRot="1" noChangeAspect="1" noMove="1" noResize="1" noEditPoints="1" noAdjustHandles="1" noChangeArrowheads="1" noChangeShapeType="1" noCrop="1"/>
+          </p:cNvPicPr>
+          <p:nvPr>
+            <p:extLst>
+              <p:ext uri="{386F3935-93C4-4BCD-93E2-E3B085C9AB24}">
+                <p16:designElem xmlns:p16="http://schemas.microsoft.com/office/powerpoint/2015/main" val="1"/>
+              </p:ext>
+            </p:extLst>
+          </p:nvPr>
+        </p:nvPicPr>
+        <p:blipFill>
+          <a:blip r:embed="rId2">
+            <a:extLst>
+              <a:ext uri="{28A0092B-C50C-407E-A947-70E740481C1C}">
+                <a14:useLocalDpi xmlns:a14="http://schemas.microsoft.com/office/drawing/2010/main" val="0"/>
+              </a:ext>
+            </a:extLst>
+          </a:blip>
+          <a:stretch>
+            <a:fillRect/>
+          </a:stretch>
+        </p:blipFill>
+        <p:spPr>
+          <a:xfrm>
+            <a:off x="0" y="0"/>
+            <a:ext cx="12192000" cy="1441450"/>
+          </a:xfrm>
+          <a:prstGeom prst="rect">
+            <a:avLst/>
+          </a:prstGeom>
+        </p:spPr>
+      </p:pic>
+      <p:pic>
+        <p:nvPicPr>
+          <p:cNvPr id="12" name="Picture 11">
+            <a:extLst>
+              <a:ext uri="{FF2B5EF4-FFF2-40B4-BE49-F238E27FC236}">
+                <a16:creationId xmlns:a16="http://schemas.microsoft.com/office/drawing/2014/main" id="{BB912AE0-CAD9-4F8F-A2A2-BDF07D4EDD22}"/>
+              </a:ext>
+              <a:ext uri="{C183D7F6-B498-43B3-948B-1728B52AA6E4}">
+                <adec:decorative xmlns:adec="http://schemas.microsoft.com/office/drawing/2017/decorative" val="1"/>
+              </a:ext>
+            </a:extLst>
+          </p:cNvPr>
+          <p:cNvPicPr>
+            <a:picLocks noGrp="1" noRot="1" noChangeAspect="1" noMove="1" noResize="1" noEditPoints="1" noAdjustHandles="1" noChangeArrowheads="1" noChangeShapeType="1" noCrop="1"/>
+          </p:cNvPicPr>
+          <p:nvPr>
+            <p:extLst>
+              <p:ext uri="{386F3935-93C4-4BCD-93E2-E3B085C9AB24}">
+                <p16:designElem xmlns:p16="http://schemas.microsoft.com/office/powerpoint/2015/main" val="1"/>
+              </p:ext>
+            </p:extLst>
+          </p:nvPr>
+        </p:nvPicPr>
+        <p:blipFill>
+          <a:blip r:embed="rId3">
+            <a:extLst>
+              <a:ext uri="{28A0092B-C50C-407E-A947-70E740481C1C}">
+                <a14:useLocalDpi xmlns:a14="http://schemas.microsoft.com/office/drawing/2010/main" val="0"/>
+              </a:ext>
+            </a:extLst>
+          </a:blip>
+          <a:stretch>
+            <a:fillRect/>
+          </a:stretch>
+        </p:blipFill>
+        <p:spPr>
+          <a:xfrm>
+            <a:off x="0" y="4375150"/>
+            <a:ext cx="12192000" cy="2482850"/>
+          </a:xfrm>
+          <a:prstGeom prst="rect">
+            <a:avLst/>
+          </a:prstGeom>
+        </p:spPr>
+      </p:pic>
       <p:sp>
         <p:nvSpPr>
           <p:cNvPr id="2" name="Título 1">
@@ -11128,13 +11226,21 @@
             <p:ph type="title"/>
           </p:nvPr>
         </p:nvSpPr>
-        <p:spPr/>
-        <p:txBody>
-          <a:bodyPr/>
+        <p:spPr>
+          <a:xfrm>
+            <a:off x="685800" y="677194"/>
+            <a:ext cx="10820400" cy="909896"/>
+          </a:xfrm>
+        </p:spPr>
+        <p:txBody>
+          <a:bodyPr vert="horz" lIns="91440" tIns="45720" rIns="91440" bIns="45720" rtlCol="0" anchor="b">
+            <a:normAutofit/>
+          </a:bodyPr>
           <a:lstStyle/>
           <a:p>
-            <a:r>
-              <a:rPr lang="pt-BR" dirty="0"/>
+            <a:pPr algn="l"/>
+            <a:r>
+              <a:rPr lang="en-US" sz="3400"/>
               <a:t>Prévia de modelos e validação de hipóteses</a:t>
             </a:r>
           </a:p>
@@ -11156,67 +11262,218 @@
             <p:ph sz="half" idx="1"/>
           </p:nvPr>
         </p:nvSpPr>
-        <p:spPr/>
-        <p:txBody>
-          <a:bodyPr>
+        <p:spPr>
+          <a:xfrm>
+            <a:off x="685800" y="1589732"/>
+            <a:ext cx="10820400" cy="602995"/>
+          </a:xfrm>
+        </p:spPr>
+        <p:txBody>
+          <a:bodyPr vert="horz" lIns="91440" tIns="45720" rIns="91440" bIns="45720" rtlCol="0">
             <a:normAutofit/>
           </a:bodyPr>
           <a:lstStyle/>
           <a:p>
-            <a:pPr lvl="1"/>
-            <a:r>
-              <a:rPr lang="en-US" dirty="0" err="1"/>
-              <a:t>Revisão</a:t>
-            </a:r>
-            <a:r>
-              <a:rPr lang="en-US" dirty="0"/>
-              <a:t> da </a:t>
-            </a:r>
-            <a:r>
-              <a:rPr lang="en-US" dirty="0" err="1"/>
-              <a:t>previsão</a:t>
-            </a:r>
-            <a:r>
-              <a:rPr lang="en-US" dirty="0"/>
-              <a:t> de tempo de </a:t>
-            </a:r>
-            <a:r>
-              <a:rPr lang="en-US" dirty="0" err="1"/>
-              <a:t>execução</a:t>
-            </a:r>
-            <a:r>
-              <a:rPr lang="en-US" dirty="0"/>
-              <a:t> de </a:t>
-            </a:r>
-            <a:r>
-              <a:rPr lang="en-US" dirty="0" err="1"/>
-              <a:t>atividades</a:t>
-            </a:r>
-            <a:endParaRPr lang="pt-BR" dirty="0"/>
-          </a:p>
-        </p:txBody>
-      </p:sp>
-      <p:sp>
-        <p:nvSpPr>
-          <p:cNvPr id="4" name="Content Placeholder 3">
+            <a:pPr marL="0" lvl="1" indent="0">
+              <a:spcBef>
+                <a:spcPts val="1000"/>
+              </a:spcBef>
+              <a:buNone/>
+            </a:pPr>
+            <a:r>
+              <a:rPr lang="en-US" sz="1800"/>
+              <a:t>Revisão da previsão de tempo de execução de atividades</a:t>
+            </a:r>
+          </a:p>
+        </p:txBody>
+      </p:sp>
+      <p:sp>
+        <p:nvSpPr>
+          <p:cNvPr id="14" name="Rectangle 13">
             <a:extLst>
               <a:ext uri="{FF2B5EF4-FFF2-40B4-BE49-F238E27FC236}">
-                <a16:creationId xmlns:a16="http://schemas.microsoft.com/office/drawing/2014/main" id="{14070D76-6216-4E04-B481-5AF697B32DAD}"/>
+                <a16:creationId xmlns:a16="http://schemas.microsoft.com/office/drawing/2014/main" id="{8A0AE57C-30AD-4D4E-9855-B5FBEAD6619D}"/>
+              </a:ext>
+              <a:ext uri="{C183D7F6-B498-43B3-948B-1728B52AA6E4}">
+                <adec:decorative xmlns:adec="http://schemas.microsoft.com/office/drawing/2017/decorative" val="1"/>
               </a:ext>
             </a:extLst>
           </p:cNvPr>
           <p:cNvSpPr>
-            <a:spLocks noGrp="1"/>
-          </p:cNvSpPr>
+            <a:spLocks noGrp="1" noRot="1" noChangeAspect="1" noMove="1" noResize="1" noEditPoints="1" noAdjustHandles="1" noChangeArrowheads="1" noChangeShapeType="1" noTextEdit="1"/>
+          </p:cNvSpPr>
+          <p:nvPr>
+            <p:extLst>
+              <p:ext uri="{386F3935-93C4-4BCD-93E2-E3B085C9AB24}">
+                <p16:designElem xmlns:p16="http://schemas.microsoft.com/office/powerpoint/2015/main" val="1"/>
+              </p:ext>
+            </p:extLst>
+          </p:nvPr>
+        </p:nvSpPr>
+        <p:spPr bwMode="white">
+          <a:xfrm>
+            <a:off x="0" y="4360126"/>
+            <a:ext cx="12192000" cy="2497873"/>
+          </a:xfrm>
+          <a:prstGeom prst="rect">
+            <a:avLst/>
+          </a:prstGeom>
+          <a:solidFill>
+            <a:schemeClr val="bg1"/>
+          </a:solidFill>
+          <a:ln>
+            <a:noFill/>
+          </a:ln>
+        </p:spPr>
+        <p:style>
+          <a:lnRef idx="2">
+            <a:schemeClr val="accent1">
+              <a:shade val="50000"/>
+            </a:schemeClr>
+          </a:lnRef>
+          <a:fillRef idx="1">
+            <a:schemeClr val="accent1"/>
+          </a:fillRef>
+          <a:effectRef idx="0">
+            <a:schemeClr val="accent1"/>
+          </a:effectRef>
+          <a:fontRef idx="minor">
+            <a:schemeClr val="lt1"/>
+          </a:fontRef>
+        </p:style>
+        <p:txBody>
+          <a:bodyPr rtlCol="0" anchor="ctr"/>
+          <a:lstStyle/>
+          <a:p>
+            <a:pPr algn="ctr"/>
+            <a:endParaRPr lang="en-US"/>
+          </a:p>
+        </p:txBody>
+      </p:sp>
+      <p:pic>
+        <p:nvPicPr>
+          <p:cNvPr id="5" name="Content Placeholder 4">
+            <a:extLst>
+              <a:ext uri="{FF2B5EF4-FFF2-40B4-BE49-F238E27FC236}">
+                <a16:creationId xmlns:a16="http://schemas.microsoft.com/office/drawing/2014/main" id="{09B83C80-F101-444B-BAE8-1C968F969D0C}"/>
+              </a:ext>
+            </a:extLst>
+          </p:cNvPr>
+          <p:cNvPicPr>
+            <a:picLocks noGrp="1" noChangeAspect="1"/>
+          </p:cNvPicPr>
           <p:nvPr>
             <p:ph sz="half" idx="2"/>
           </p:nvPr>
-        </p:nvSpPr>
-        <p:spPr/>
-        <p:txBody>
-          <a:bodyPr/>
+        </p:nvPicPr>
+        <p:blipFill>
+          <a:blip r:embed="rId4"/>
+          <a:stretch>
+            <a:fillRect/>
+          </a:stretch>
+        </p:blipFill>
+        <p:spPr>
+          <a:xfrm>
+            <a:off x="427050" y="2422497"/>
+            <a:ext cx="11337900" cy="4024955"/>
+          </a:xfrm>
+          <a:prstGeom prst="rect">
+            <a:avLst/>
+          </a:prstGeom>
+        </p:spPr>
+      </p:pic>
+      <p:sp>
+        <p:nvSpPr>
+          <p:cNvPr id="6" name="Rectangle 5">
+            <a:extLst>
+              <a:ext uri="{FF2B5EF4-FFF2-40B4-BE49-F238E27FC236}">
+                <a16:creationId xmlns:a16="http://schemas.microsoft.com/office/drawing/2014/main" id="{99D4B5C3-4E92-4D0E-8A31-E2EDDA394923}"/>
+              </a:ext>
+            </a:extLst>
+          </p:cNvPr>
+          <p:cNvSpPr/>
+          <p:nvPr/>
+        </p:nvSpPr>
+        <p:spPr>
+          <a:xfrm>
+            <a:off x="8674216" y="5083450"/>
+            <a:ext cx="816984" cy="369636"/>
+          </a:xfrm>
+          <a:prstGeom prst="rect">
+            <a:avLst/>
+          </a:prstGeom>
+          <a:noFill/>
+          <a:ln w="38100"/>
+        </p:spPr>
+        <p:style>
+          <a:lnRef idx="2">
+            <a:schemeClr val="accent1">
+              <a:shade val="50000"/>
+            </a:schemeClr>
+          </a:lnRef>
+          <a:fillRef idx="1">
+            <a:schemeClr val="accent1"/>
+          </a:fillRef>
+          <a:effectRef idx="0">
+            <a:schemeClr val="accent1"/>
+          </a:effectRef>
+          <a:fontRef idx="minor">
+            <a:schemeClr val="lt1"/>
+          </a:fontRef>
+        </p:style>
+        <p:txBody>
+          <a:bodyPr rtlCol="0" anchor="ctr"/>
           <a:lstStyle/>
           <a:p>
+            <a:pPr algn="ctr"/>
+            <a:endParaRPr lang="pt-BR"/>
+          </a:p>
+        </p:txBody>
+      </p:sp>
+      <p:sp>
+        <p:nvSpPr>
+          <p:cNvPr id="11" name="Rectangle 10">
+            <a:extLst>
+              <a:ext uri="{FF2B5EF4-FFF2-40B4-BE49-F238E27FC236}">
+                <a16:creationId xmlns:a16="http://schemas.microsoft.com/office/drawing/2014/main" id="{5037B480-83B9-414B-B18D-7ECCCCA509C2}"/>
+              </a:ext>
+            </a:extLst>
+          </p:cNvPr>
+          <p:cNvSpPr/>
+          <p:nvPr/>
+        </p:nvSpPr>
+        <p:spPr>
+          <a:xfrm>
+            <a:off x="5041783" y="6138861"/>
+            <a:ext cx="793216" cy="323615"/>
+          </a:xfrm>
+          <a:prstGeom prst="rect">
+            <a:avLst/>
+          </a:prstGeom>
+          <a:noFill/>
+          <a:ln w="38100"/>
+        </p:spPr>
+        <p:style>
+          <a:lnRef idx="2">
+            <a:schemeClr val="accent1">
+              <a:shade val="50000"/>
+            </a:schemeClr>
+          </a:lnRef>
+          <a:fillRef idx="1">
+            <a:schemeClr val="accent1"/>
+          </a:fillRef>
+          <a:effectRef idx="0">
+            <a:schemeClr val="accent1"/>
+          </a:effectRef>
+          <a:fontRef idx="minor">
+            <a:schemeClr val="lt1"/>
+          </a:fontRef>
+        </p:style>
+        <p:txBody>
+          <a:bodyPr rtlCol="0" anchor="ctr"/>
+          <a:lstStyle/>
+          <a:p>
+            <a:pPr algn="ctr"/>
             <a:endParaRPr lang="pt-BR"/>
           </a:p>
         </p:txBody>
